--- a/kenedy_getting_started-V1.pptx
+++ b/kenedy_getting_started-V1.pptx
@@ -15,17 +15,17 @@
     <p:sldId id="259" r:id="rId9"/>
     <p:sldId id="262" r:id="rId10"/>
     <p:sldId id="261" r:id="rId11"/>
-    <p:sldId id="263" r:id="rId12"/>
-    <p:sldId id="265" r:id="rId13"/>
-    <p:sldId id="272" r:id="rId14"/>
-    <p:sldId id="273" r:id="rId15"/>
-    <p:sldId id="266" r:id="rId16"/>
-    <p:sldId id="267" r:id="rId17"/>
-    <p:sldId id="268" r:id="rId18"/>
-    <p:sldId id="270" r:id="rId19"/>
-    <p:sldId id="276" r:id="rId20"/>
-    <p:sldId id="269" r:id="rId21"/>
-    <p:sldId id="274" r:id="rId22"/>
+    <p:sldId id="265" r:id="rId12"/>
+    <p:sldId id="272" r:id="rId13"/>
+    <p:sldId id="273" r:id="rId14"/>
+    <p:sldId id="266" r:id="rId15"/>
+    <p:sldId id="267" r:id="rId16"/>
+    <p:sldId id="268" r:id="rId17"/>
+    <p:sldId id="270" r:id="rId18"/>
+    <p:sldId id="276" r:id="rId19"/>
+    <p:sldId id="269" r:id="rId20"/>
+    <p:sldId id="274" r:id="rId21"/>
+    <p:sldId id="263" r:id="rId22"/>
     <p:sldId id="277" r:id="rId23"/>
   </p:sldIdLst>
   <p:sldSz cx="12192000" cy="6858000"/>
@@ -3601,121 +3601,6 @@
           <p:cNvPr id="2" name="Title 1">
             <a:extLst>
               <a:ext uri="{FF2B5EF4-FFF2-40B4-BE49-F238E27FC236}">
-                <a16:creationId xmlns:a16="http://schemas.microsoft.com/office/drawing/2014/main" id="{B76C8BBA-4E26-4720-B44A-C25097B14832}"/>
-              </a:ext>
-            </a:extLst>
-          </p:cNvPr>
-          <p:cNvSpPr>
-            <a:spLocks noGrp="1"/>
-          </p:cNvSpPr>
-          <p:nvPr>
-            <p:ph type="title"/>
-          </p:nvPr>
-        </p:nvSpPr>
-        <p:spPr/>
-        <p:txBody>
-          <a:bodyPr/>
-          <a:lstStyle/>
-          <a:p>
-            <a:r>
-              <a:rPr lang="en-GB" dirty="0"/>
-              <a:t>Get syntax highlighting in </a:t>
-            </a:r>
-            <a:r>
-              <a:rPr lang="en-GB" dirty="0" err="1"/>
-              <a:t>nano</a:t>
-            </a:r>
-            <a:endParaRPr lang="en-GB" dirty="0"/>
-          </a:p>
-        </p:txBody>
-      </p:sp>
-      <p:sp>
-        <p:nvSpPr>
-          <p:cNvPr id="3" name="Content Placeholder 2">
-            <a:extLst>
-              <a:ext uri="{FF2B5EF4-FFF2-40B4-BE49-F238E27FC236}">
-                <a16:creationId xmlns:a16="http://schemas.microsoft.com/office/drawing/2014/main" id="{4295517B-B709-4487-BD76-BB27212B07EE}"/>
-              </a:ext>
-            </a:extLst>
-          </p:cNvPr>
-          <p:cNvSpPr>
-            <a:spLocks noGrp="1"/>
-          </p:cNvSpPr>
-          <p:nvPr>
-            <p:ph idx="1"/>
-          </p:nvPr>
-        </p:nvSpPr>
-        <p:spPr/>
-        <p:txBody>
-          <a:bodyPr/>
-          <a:lstStyle/>
-          <a:p>
-            <a:r>
-              <a:rPr lang="en-GB" dirty="0"/>
-              <a:t>cp /gpfs1/apps/</a:t>
-            </a:r>
-            <a:r>
-              <a:rPr lang="en-GB" dirty="0" err="1"/>
-              <a:t>kennedy_sys_admin</a:t>
-            </a:r>
-            <a:r>
-              <a:rPr lang="en-GB" dirty="0"/>
-              <a:t>/</a:t>
-            </a:r>
-            <a:r>
-              <a:rPr lang="en-GB" dirty="0" err="1"/>
-              <a:t>misc</a:t>
-            </a:r>
-            <a:r>
-              <a:rPr lang="en-GB" dirty="0"/>
-              <a:t>/.</a:t>
-            </a:r>
-            <a:r>
-              <a:rPr lang="en-GB" dirty="0" err="1"/>
-              <a:t>nanorc</a:t>
-            </a:r>
-            <a:r>
-              <a:rPr lang="en-GB" dirty="0"/>
-              <a:t> ./</a:t>
-            </a:r>
-          </a:p>
-        </p:txBody>
-      </p:sp>
-    </p:spTree>
-    <p:extLst>
-      <p:ext uri="{BB962C8B-B14F-4D97-AF65-F5344CB8AC3E}">
-        <p14:creationId xmlns:p14="http://schemas.microsoft.com/office/powerpoint/2010/main" val="3776242046"/>
-      </p:ext>
-    </p:extLst>
-  </p:cSld>
-  <p:clrMapOvr>
-    <a:masterClrMapping/>
-  </p:clrMapOvr>
-</p:sld>
-</file>
-
-<file path=ppt/slides/slide12.xml><?xml version="1.0" encoding="utf-8"?>
-<p:sld xmlns:a="http://schemas.openxmlformats.org/drawingml/2006/main" xmlns:r="http://schemas.openxmlformats.org/officeDocument/2006/relationships" xmlns:p="http://schemas.openxmlformats.org/presentationml/2006/main">
-  <p:cSld>
-    <p:spTree>
-      <p:nvGrpSpPr>
-        <p:cNvPr id="1" name=""/>
-        <p:cNvGrpSpPr/>
-        <p:nvPr/>
-      </p:nvGrpSpPr>
-      <p:grpSpPr>
-        <a:xfrm>
-          <a:off x="0" y="0"/>
-          <a:ext cx="0" cy="0"/>
-          <a:chOff x="0" y="0"/>
-          <a:chExt cx="0" cy="0"/>
-        </a:xfrm>
-      </p:grpSpPr>
-      <p:sp>
-        <p:nvSpPr>
-          <p:cNvPr id="2" name="Title 1">
-            <a:extLst>
-              <a:ext uri="{FF2B5EF4-FFF2-40B4-BE49-F238E27FC236}">
                 <a16:creationId xmlns:a16="http://schemas.microsoft.com/office/drawing/2014/main" id="{CC503983-7100-46AB-946B-1F471F7B457B}"/>
               </a:ext>
             </a:extLst>
@@ -3934,7 +3819,7 @@
 </p:sld>
 </file>
 
-<file path=ppt/slides/slide13.xml><?xml version="1.0" encoding="utf-8"?>
+<file path=ppt/slides/slide12.xml><?xml version="1.0" encoding="utf-8"?>
 <p:sld xmlns:a="http://schemas.openxmlformats.org/drawingml/2006/main" xmlns:r="http://schemas.openxmlformats.org/officeDocument/2006/relationships" xmlns:p="http://schemas.openxmlformats.org/presentationml/2006/main">
   <p:cSld>
     <p:spTree>
@@ -4175,6 +4060,130 @@
 </p:sld>
 </file>
 
+<file path=ppt/slides/slide13.xml><?xml version="1.0" encoding="utf-8"?>
+<p:sld xmlns:a="http://schemas.openxmlformats.org/drawingml/2006/main" xmlns:r="http://schemas.openxmlformats.org/officeDocument/2006/relationships" xmlns:p="http://schemas.openxmlformats.org/presentationml/2006/main">
+  <p:cSld>
+    <p:spTree>
+      <p:nvGrpSpPr>
+        <p:cNvPr id="1" name=""/>
+        <p:cNvGrpSpPr/>
+        <p:nvPr/>
+      </p:nvGrpSpPr>
+      <p:grpSpPr>
+        <a:xfrm>
+          <a:off x="0" y="0"/>
+          <a:ext cx="0" cy="0"/>
+          <a:chOff x="0" y="0"/>
+          <a:chExt cx="0" cy="0"/>
+        </a:xfrm>
+      </p:grpSpPr>
+      <p:sp>
+        <p:nvSpPr>
+          <p:cNvPr id="2" name="Title 1">
+            <a:extLst>
+              <a:ext uri="{FF2B5EF4-FFF2-40B4-BE49-F238E27FC236}">
+                <a16:creationId xmlns:a16="http://schemas.microsoft.com/office/drawing/2014/main" id="{7AA8E294-8B7C-45DE-ABC5-2579C6050308}"/>
+              </a:ext>
+            </a:extLst>
+          </p:cNvPr>
+          <p:cNvSpPr>
+            <a:spLocks noGrp="1"/>
+          </p:cNvSpPr>
+          <p:nvPr>
+            <p:ph type="title"/>
+          </p:nvPr>
+        </p:nvSpPr>
+        <p:spPr/>
+        <p:txBody>
+          <a:bodyPr/>
+          <a:lstStyle/>
+          <a:p>
+            <a:r>
+              <a:rPr lang="en-GB" dirty="0"/>
+              <a:t>GPU nodes</a:t>
+            </a:r>
+          </a:p>
+        </p:txBody>
+      </p:sp>
+      <p:sp>
+        <p:nvSpPr>
+          <p:cNvPr id="3" name="Content Placeholder 2">
+            <a:extLst>
+              <a:ext uri="{FF2B5EF4-FFF2-40B4-BE49-F238E27FC236}">
+                <a16:creationId xmlns:a16="http://schemas.microsoft.com/office/drawing/2014/main" id="{B5D13BB8-360F-41E7-9B8D-F95D6CFC1889}"/>
+              </a:ext>
+            </a:extLst>
+          </p:cNvPr>
+          <p:cNvSpPr>
+            <a:spLocks noGrp="1"/>
+          </p:cNvSpPr>
+          <p:nvPr>
+            <p:ph idx="1"/>
+          </p:nvPr>
+        </p:nvSpPr>
+        <p:spPr/>
+        <p:txBody>
+          <a:bodyPr/>
+          <a:lstStyle/>
+          <a:p>
+            <a:r>
+              <a:rPr lang="en-GB" dirty="0"/>
+              <a:t>Request an interactive job with one GPU:</a:t>
+            </a:r>
+          </a:p>
+          <a:p>
+            <a:r>
+              <a:rPr lang="en-GB" dirty="0"/>
+              <a:t># </a:t>
+            </a:r>
+            <a:r>
+              <a:rPr lang="en-GB" dirty="0" err="1"/>
+              <a:t>srun</a:t>
+            </a:r>
+            <a:r>
+              <a:rPr lang="en-GB" dirty="0"/>
+              <a:t> --</a:t>
+            </a:r>
+            <a:r>
+              <a:rPr lang="en-GB" dirty="0" err="1"/>
+              <a:t>gres</a:t>
+            </a:r>
+            <a:r>
+              <a:rPr lang="en-GB" dirty="0"/>
+              <a:t>=gpu:1 -N 1 -p </a:t>
+            </a:r>
+            <a:r>
+              <a:rPr lang="en-GB" dirty="0" err="1"/>
+              <a:t>singlenode</a:t>
+            </a:r>
+            <a:r>
+              <a:rPr lang="en-GB" dirty="0"/>
+              <a:t> --</a:t>
+            </a:r>
+            <a:r>
+              <a:rPr lang="en-GB" dirty="0" err="1"/>
+              <a:t>pty</a:t>
+            </a:r>
+            <a:r>
+              <a:rPr lang="en-GB"/>
+              <a:t> /bin/bash</a:t>
+            </a:r>
+          </a:p>
+        </p:txBody>
+      </p:sp>
+    </p:spTree>
+    <p:extLst>
+      <p:ext uri="{BB962C8B-B14F-4D97-AF65-F5344CB8AC3E}">
+        <p14:creationId xmlns:p14="http://schemas.microsoft.com/office/powerpoint/2010/main" val="1889063494"/>
+      </p:ext>
+    </p:extLst>
+  </p:cSld>
+  <p:clrMapOvr>
+    <a:masterClrMapping/>
+  </p:clrMapOvr>
+</p:sld>
+</file>
+
 <file path=ppt/slides/slide14.xml><?xml version="1.0" encoding="utf-8"?>
 <p:sld xmlns:a="http://schemas.openxmlformats.org/drawingml/2006/main" xmlns:r="http://schemas.openxmlformats.org/officeDocument/2006/relationships" xmlns:p="http://schemas.openxmlformats.org/presentationml/2006/main">
   <p:cSld>
@@ -4197,7 +4206,7 @@
           <p:cNvPr id="2" name="Title 1">
             <a:extLst>
               <a:ext uri="{FF2B5EF4-FFF2-40B4-BE49-F238E27FC236}">
-                <a16:creationId xmlns:a16="http://schemas.microsoft.com/office/drawing/2014/main" id="{7AA8E294-8B7C-45DE-ABC5-2579C6050308}"/>
+                <a16:creationId xmlns:a16="http://schemas.microsoft.com/office/drawing/2014/main" id="{00C6A630-09E4-4522-8A1F-6469459EDAEB}"/>
               </a:ext>
             </a:extLst>
           </p:cNvPr>
@@ -4215,7 +4224,7 @@
           <a:p>
             <a:r>
               <a:rPr lang="en-GB" dirty="0"/>
-              <a:t>GPU nodes</a:t>
+              <a:t>High memory</a:t>
             </a:r>
           </a:p>
         </p:txBody>
@@ -4225,7 +4234,7 @@
           <p:cNvPr id="3" name="Content Placeholder 2">
             <a:extLst>
               <a:ext uri="{FF2B5EF4-FFF2-40B4-BE49-F238E27FC236}">
-                <a16:creationId xmlns:a16="http://schemas.microsoft.com/office/drawing/2014/main" id="{B5D13BB8-360F-41E7-9B8D-F95D6CFC1889}"/>
+                <a16:creationId xmlns:a16="http://schemas.microsoft.com/office/drawing/2014/main" id="{B1F2955F-4F81-4877-B901-9D32C9BD5FD0}"/>
               </a:ext>
             </a:extLst>
           </p:cNvPr>
@@ -4243,45 +4252,64 @@
           <a:p>
             <a:r>
               <a:rPr lang="en-GB" dirty="0"/>
-              <a:t>Request an interactive job with one GPU:</a:t>
-            </a:r>
-          </a:p>
-          <a:p>
-            <a:r>
-              <a:rPr lang="en-GB" dirty="0"/>
-              <a:t># </a:t>
+              <a:t>#!/bin/bash -l</a:t>
+            </a:r>
+          </a:p>
+          <a:p>
+            <a:r>
+              <a:rPr lang="en-GB" dirty="0"/>
+              <a:t>#SBATCH -J </a:t>
             </a:r>
             <a:r>
               <a:rPr lang="en-GB" dirty="0" err="1"/>
-              <a:t>srun</a:t>
-            </a:r>
-            <a:r>
-              <a:rPr lang="en-GB" dirty="0"/>
-              <a:t> --</a:t>
+              <a:t>SPADES_cb</a:t>
+            </a:r>
+            <a:r>
+              <a:rPr lang="en-GB" dirty="0"/>
+              <a:t>   #jobname</a:t>
+            </a:r>
+          </a:p>
+          <a:p>
+            <a:r>
+              <a:rPr lang="en-GB" dirty="0"/>
+              <a:t>#SBATCH -N 1     #node</a:t>
+            </a:r>
+          </a:p>
+          <a:p>
+            <a:r>
+              <a:rPr lang="en-GB" dirty="0"/>
+              <a:t>#SBATCH --tasks-per-node=64</a:t>
+            </a:r>
+          </a:p>
+          <a:p>
+            <a:r>
+              <a:rPr lang="en-GB" dirty="0"/>
+              <a:t>#SBATCH -p </a:t>
             </a:r>
             <a:r>
               <a:rPr lang="en-GB" dirty="0" err="1"/>
-              <a:t>gres</a:t>
-            </a:r>
-            <a:r>
-              <a:rPr lang="en-GB" dirty="0"/>
-              <a:t>=gpu:1 -N 1 -p </a:t>
+              <a:t>bigmem</a:t>
+            </a:r>
+            <a:endParaRPr lang="en-GB" dirty="0"/>
+          </a:p>
+          <a:p>
+            <a:r>
+              <a:rPr lang="en-GB" dirty="0"/>
+              <a:t>#SBATCH --</a:t>
             </a:r>
             <a:r>
               <a:rPr lang="en-GB" dirty="0" err="1"/>
-              <a:t>singlenode</a:t>
-            </a:r>
-            <a:r>
-              <a:rPr lang="en-GB" dirty="0"/>
-              <a:t> --</a:t>
-            </a:r>
-            <a:r>
-              <a:rPr lang="en-GB" dirty="0" err="1"/>
-              <a:t>pty</a:t>
-            </a:r>
-            <a:r>
-              <a:rPr lang="en-GB"/>
-              <a:t> /bin/bash</a:t>
+              <a:t>nodelist</a:t>
+            </a:r>
+            <a:r>
+              <a:rPr lang="en-GB" dirty="0"/>
+              <a:t>=kennedy150</a:t>
+            </a:r>
+          </a:p>
+          <a:p>
+            <a:r>
+              <a:rPr lang="en-GB" dirty="0"/>
+              <a:t>#SBATCH --mem=1450GB</a:t>
             </a:r>
           </a:p>
         </p:txBody>
@@ -4289,7 +4317,7 @@
     </p:spTree>
     <p:extLst>
       <p:ext uri="{BB962C8B-B14F-4D97-AF65-F5344CB8AC3E}">
-        <p14:creationId xmlns:p14="http://schemas.microsoft.com/office/powerpoint/2010/main" val="1889063494"/>
+        <p14:creationId xmlns:p14="http://schemas.microsoft.com/office/powerpoint/2010/main" val="1554936030"/>
       </p:ext>
     </p:extLst>
   </p:cSld>
@@ -4321,7 +4349,7 @@
           <p:cNvPr id="2" name="Title 1">
             <a:extLst>
               <a:ext uri="{FF2B5EF4-FFF2-40B4-BE49-F238E27FC236}">
-                <a16:creationId xmlns:a16="http://schemas.microsoft.com/office/drawing/2014/main" id="{00C6A630-09E4-4522-8A1F-6469459EDAEB}"/>
+                <a16:creationId xmlns:a16="http://schemas.microsoft.com/office/drawing/2014/main" id="{E1A2EA9D-F2D8-4F25-8834-51DB3B4FE6E8}"/>
               </a:ext>
             </a:extLst>
           </p:cNvPr>
@@ -4338,8 +4366,12 @@
           <a:lstStyle/>
           <a:p>
             <a:r>
-              <a:rPr lang="en-GB" dirty="0"/>
-              <a:t>High memory</a:t>
+              <a:rPr lang="en-GB" dirty="0" err="1"/>
+              <a:t>Qubmit</a:t>
+            </a:r>
+            <a:r>
+              <a:rPr lang="en-GB" dirty="0"/>
+              <a:t> a job </a:t>
             </a:r>
           </a:p>
         </p:txBody>
@@ -4349,7 +4381,7 @@
           <p:cNvPr id="3" name="Content Placeholder 2">
             <a:extLst>
               <a:ext uri="{FF2B5EF4-FFF2-40B4-BE49-F238E27FC236}">
-                <a16:creationId xmlns:a16="http://schemas.microsoft.com/office/drawing/2014/main" id="{B1F2955F-4F81-4877-B901-9D32C9BD5FD0}"/>
+                <a16:creationId xmlns:a16="http://schemas.microsoft.com/office/drawing/2014/main" id="{573D2F78-A2FD-49FA-8EF9-E056FE0D3BEB}"/>
               </a:ext>
             </a:extLst>
           </p:cNvPr>
@@ -4366,73 +4398,100 @@
           <a:lstStyle/>
           <a:p>
             <a:r>
-              <a:rPr lang="en-GB" dirty="0"/>
-              <a:t>#!/bin/bash -l</a:t>
-            </a:r>
-          </a:p>
-          <a:p>
-            <a:r>
-              <a:rPr lang="en-GB" dirty="0"/>
-              <a:t>#SBATCH -J </a:t>
-            </a:r>
-            <a:r>
               <a:rPr lang="en-GB" dirty="0" err="1"/>
-              <a:t>SPADES_cb</a:t>
-            </a:r>
-            <a:r>
-              <a:rPr lang="en-GB" dirty="0"/>
-              <a:t>   #jobname</a:t>
-            </a:r>
-          </a:p>
-          <a:p>
-            <a:r>
-              <a:rPr lang="en-GB" dirty="0"/>
-              <a:t>#SBATCH -N 1     #node</a:t>
-            </a:r>
-          </a:p>
-          <a:p>
-            <a:r>
-              <a:rPr lang="en-GB" dirty="0"/>
-              <a:t>#SBATCH --tasks-per-node=64</a:t>
-            </a:r>
-          </a:p>
-          <a:p>
-            <a:r>
-              <a:rPr lang="en-GB" dirty="0"/>
-              <a:t>#SBATCH -p </a:t>
+              <a:t>sbatch</a:t>
+            </a:r>
+            <a:r>
+              <a:rPr lang="en-GB" dirty="0"/>
+              <a:t> spades.sh</a:t>
+            </a:r>
+          </a:p>
+          <a:p>
+            <a:r>
+              <a:rPr lang="en-GB" dirty="0" err="1"/>
+              <a:t>smap</a:t>
+            </a:r>
+            <a:endParaRPr lang="en-GB" dirty="0"/>
+          </a:p>
+          <a:p>
+            <a:r>
+              <a:rPr lang="en-GB" dirty="0" err="1"/>
+              <a:t>squeue</a:t>
+            </a:r>
+            <a:r>
+              <a:rPr lang="en-GB" dirty="0"/>
+              <a:t>  (show the queue)</a:t>
+            </a:r>
+          </a:p>
+          <a:p>
+            <a:r>
+              <a:rPr lang="en-GB" dirty="0" err="1"/>
+              <a:t>squeue</a:t>
+            </a:r>
+            <a:r>
+              <a:rPr lang="en-GB" dirty="0"/>
+              <a:t> –p </a:t>
             </a:r>
             <a:r>
               <a:rPr lang="en-GB" dirty="0" err="1"/>
               <a:t>bigmem</a:t>
             </a:r>
+            <a:r>
+              <a:rPr lang="en-GB" dirty="0"/>
+              <a:t>  (show the queue for big mem)</a:t>
+            </a:r>
+          </a:p>
+          <a:p>
+            <a:r>
+              <a:rPr lang="en-GB" dirty="0" err="1"/>
+              <a:t>sview</a:t>
+            </a:r>
             <a:endParaRPr lang="en-GB" dirty="0"/>
           </a:p>
           <a:p>
-            <a:r>
-              <a:rPr lang="en-GB" dirty="0"/>
-              <a:t>#SBATCH --</a:t>
+            <a:endParaRPr lang="en-GB" dirty="0"/>
+          </a:p>
+          <a:p>
+            <a:r>
+              <a:rPr lang="en-GB" dirty="0"/>
+              <a:t>Interactive mode (like </a:t>
             </a:r>
             <a:r>
               <a:rPr lang="en-GB" dirty="0" err="1"/>
-              <a:t>nodelist</a:t>
-            </a:r>
-            <a:r>
-              <a:rPr lang="en-GB" dirty="0"/>
-              <a:t>=kennedy150</a:t>
-            </a:r>
-          </a:p>
-          <a:p>
-            <a:r>
-              <a:rPr lang="en-GB" dirty="0"/>
-              <a:t>#SBATCH --mem=1450GB</a:t>
-            </a:r>
+              <a:t>qrsh</a:t>
+            </a:r>
+            <a:r>
+              <a:rPr lang="en-GB" dirty="0"/>
+              <a:t>):</a:t>
+            </a:r>
+          </a:p>
+          <a:p>
+            <a:r>
+              <a:rPr lang="en-GB" dirty="0" err="1"/>
+              <a:t>srun</a:t>
+            </a:r>
+            <a:r>
+              <a:rPr lang="en-GB" dirty="0"/>
+              <a:t> --</a:t>
+            </a:r>
+            <a:r>
+              <a:rPr lang="en-GB" dirty="0" err="1"/>
+              <a:t>pty</a:t>
+            </a:r>
+            <a:r>
+              <a:rPr lang="en-GB" dirty="0"/>
+              <a:t> bash</a:t>
+            </a:r>
+          </a:p>
+          <a:p>
+            <a:endParaRPr lang="en-GB" dirty="0"/>
           </a:p>
         </p:txBody>
       </p:sp>
     </p:spTree>
     <p:extLst>
       <p:ext uri="{BB962C8B-B14F-4D97-AF65-F5344CB8AC3E}">
-        <p14:creationId xmlns:p14="http://schemas.microsoft.com/office/powerpoint/2010/main" val="1554936030"/>
+        <p14:creationId xmlns:p14="http://schemas.microsoft.com/office/powerpoint/2010/main" val="1099536850"/>
       </p:ext>
     </p:extLst>
   </p:cSld>
@@ -4464,7 +4523,7 @@
           <p:cNvPr id="2" name="Title 1">
             <a:extLst>
               <a:ext uri="{FF2B5EF4-FFF2-40B4-BE49-F238E27FC236}">
-                <a16:creationId xmlns:a16="http://schemas.microsoft.com/office/drawing/2014/main" id="{E1A2EA9D-F2D8-4F25-8834-51DB3B4FE6E8}"/>
+                <a16:creationId xmlns:a16="http://schemas.microsoft.com/office/drawing/2014/main" id="{7A3B3949-83D7-4B58-89BE-DC3A0D7DB43B}"/>
               </a:ext>
             </a:extLst>
           </p:cNvPr>
@@ -4482,12 +4541,9 @@
           <a:p>
             <a:r>
               <a:rPr lang="en-GB" dirty="0" err="1"/>
-              <a:t>Qubmit</a:t>
-            </a:r>
-            <a:r>
-              <a:rPr lang="en-GB" dirty="0"/>
-              <a:t> a job </a:t>
-            </a:r>
+              <a:t>conda</a:t>
+            </a:r>
+            <a:endParaRPr lang="en-GB" dirty="0"/>
           </a:p>
         </p:txBody>
       </p:sp>
@@ -4496,7 +4552,7 @@
           <p:cNvPr id="3" name="Content Placeholder 2">
             <a:extLst>
               <a:ext uri="{FF2B5EF4-FFF2-40B4-BE49-F238E27FC236}">
-                <a16:creationId xmlns:a16="http://schemas.microsoft.com/office/drawing/2014/main" id="{573D2F78-A2FD-49FA-8EF9-E056FE0D3BEB}"/>
+                <a16:creationId xmlns:a16="http://schemas.microsoft.com/office/drawing/2014/main" id="{A2DE1C41-172E-4FB9-ACDB-81F65F5D74CC}"/>
               </a:ext>
             </a:extLst>
           </p:cNvPr>
@@ -4513,90 +4569,105 @@
           <a:lstStyle/>
           <a:p>
             <a:r>
+              <a:rPr lang="en-GB" dirty="0"/>
+              <a:t>Type:  Install-</a:t>
+            </a:r>
+            <a:r>
               <a:rPr lang="en-GB" dirty="0" err="1"/>
-              <a:t>sbatch</a:t>
-            </a:r>
-            <a:r>
-              <a:rPr lang="en-GB" dirty="0"/>
-              <a:t> spades.sh</a:t>
-            </a:r>
-          </a:p>
-          <a:p>
+              <a:t>bioconda</a:t>
+            </a:r>
+            <a:endParaRPr lang="en-GB" dirty="0"/>
+          </a:p>
+          <a:p>
+            <a:r>
+              <a:rPr lang="en-GB" dirty="0"/>
+              <a:t>I have made this work so you can </a:t>
+            </a:r>
             <a:r>
               <a:rPr lang="en-GB" dirty="0" err="1"/>
-              <a:t>smap</a:t>
+              <a:t>conda</a:t>
+            </a:r>
+            <a:r>
+              <a:rPr lang="en-GB" dirty="0"/>
+              <a:t> activate and deactivate within shell scripts. BUT there is a problem. </a:t>
+            </a:r>
+          </a:p>
+          <a:p>
+            <a:r>
+              <a:rPr lang="en-GB" dirty="0">
+                <a:solidFill>
+                  <a:srgbClr val="FF0000"/>
+                </a:solidFill>
+              </a:rPr>
+              <a:t>IMPORTANT</a:t>
+            </a:r>
+          </a:p>
+          <a:p>
+            <a:r>
+              <a:rPr lang="en-GB" dirty="0"/>
+              <a:t>When you create a </a:t>
+            </a:r>
+            <a:r>
+              <a:rPr lang="en-GB" dirty="0" err="1"/>
+              <a:t>conda</a:t>
+            </a:r>
+            <a:r>
+              <a:rPr lang="en-GB" dirty="0"/>
+              <a:t> env, </a:t>
+            </a:r>
+            <a:r>
+              <a:rPr lang="en-GB" i="1" dirty="0"/>
+              <a:t>some </a:t>
+            </a:r>
+            <a:r>
+              <a:rPr lang="en-GB" dirty="0"/>
+              <a:t>programs in the /bin are not executable (this is a bug!), you as a user need to fix this by:</a:t>
+            </a:r>
+          </a:p>
+          <a:p>
+            <a:r>
+              <a:rPr lang="en-GB" dirty="0" err="1"/>
+              <a:t>chmod</a:t>
+            </a:r>
+            <a:r>
+              <a:rPr lang="en-GB" dirty="0"/>
+              <a:t> </a:t>
+            </a:r>
+            <a:r>
+              <a:rPr lang="en-GB" dirty="0" err="1"/>
+              <a:t>a+x</a:t>
+            </a:r>
+            <a:r>
+              <a:rPr lang="en-GB" dirty="0"/>
+              <a:t> </a:t>
+            </a:r>
+            <a:r>
+              <a:rPr lang="en-GB" dirty="0" err="1"/>
+              <a:t>programs_in_conda_env_bin</a:t>
             </a:r>
             <a:endParaRPr lang="en-GB" dirty="0"/>
           </a:p>
           <a:p>
+            <a:endParaRPr lang="en-GB" dirty="0"/>
+          </a:p>
+          <a:p>
+            <a:r>
+              <a:rPr lang="en-GB" dirty="0"/>
+              <a:t>Everything else is the same </a:t>
+            </a:r>
+            <a:r>
+              <a:rPr lang="en-GB" i="1" dirty="0" err="1"/>
+              <a:t>conda</a:t>
+            </a:r>
+            <a:r>
+              <a:rPr lang="en-GB" dirty="0"/>
+              <a:t> as </a:t>
+            </a:r>
             <a:r>
               <a:rPr lang="en-GB" dirty="0" err="1"/>
-              <a:t>squeue</a:t>
-            </a:r>
-            <a:r>
-              <a:rPr lang="en-GB" dirty="0"/>
-              <a:t>  (show the queue)</a:t>
-            </a:r>
-          </a:p>
-          <a:p>
-            <a:r>
-              <a:rPr lang="en-GB" dirty="0" err="1"/>
-              <a:t>squeue</a:t>
-            </a:r>
-            <a:r>
-              <a:rPr lang="en-GB" dirty="0"/>
-              <a:t> –p </a:t>
-            </a:r>
-            <a:r>
-              <a:rPr lang="en-GB" dirty="0" err="1"/>
-              <a:t>bigmem</a:t>
-            </a:r>
-            <a:r>
-              <a:rPr lang="en-GB" dirty="0"/>
-              <a:t>  (show the queue for big mem)</a:t>
-            </a:r>
-          </a:p>
-          <a:p>
-            <a:r>
-              <a:rPr lang="en-GB" dirty="0" err="1"/>
-              <a:t>sview</a:t>
+              <a:t>marvin</a:t>
             </a:r>
             <a:endParaRPr lang="en-GB" dirty="0"/>
-          </a:p>
-          <a:p>
-            <a:endParaRPr lang="en-GB" dirty="0"/>
-          </a:p>
-          <a:p>
-            <a:r>
-              <a:rPr lang="en-GB" dirty="0"/>
-              <a:t>Interactive mode (like </a:t>
-            </a:r>
-            <a:r>
-              <a:rPr lang="en-GB" dirty="0" err="1"/>
-              <a:t>qrsh</a:t>
-            </a:r>
-            <a:r>
-              <a:rPr lang="en-GB" dirty="0"/>
-              <a:t>):</a:t>
-            </a:r>
-          </a:p>
-          <a:p>
-            <a:r>
-              <a:rPr lang="en-GB" dirty="0" err="1"/>
-              <a:t>srun</a:t>
-            </a:r>
-            <a:r>
-              <a:rPr lang="en-GB" dirty="0"/>
-              <a:t> --</a:t>
-            </a:r>
-            <a:r>
-              <a:rPr lang="en-GB" dirty="0" err="1"/>
-              <a:t>pty</a:t>
-            </a:r>
-            <a:r>
-              <a:rPr lang="en-GB" dirty="0"/>
-              <a:t> bash</a:t>
-            </a:r>
           </a:p>
           <a:p>
             <a:endParaRPr lang="en-GB" dirty="0"/>
@@ -4606,7 +4677,7 @@
     </p:spTree>
     <p:extLst>
       <p:ext uri="{BB962C8B-B14F-4D97-AF65-F5344CB8AC3E}">
-        <p14:creationId xmlns:p14="http://schemas.microsoft.com/office/powerpoint/2010/main" val="1099536850"/>
+        <p14:creationId xmlns:p14="http://schemas.microsoft.com/office/powerpoint/2010/main" val="4020225680"/>
       </p:ext>
     </p:extLst>
   </p:cSld>
@@ -4649,192 +4720,6 @@
             <p:ph type="title"/>
           </p:nvPr>
         </p:nvSpPr>
-        <p:spPr/>
-        <p:txBody>
-          <a:bodyPr/>
-          <a:lstStyle/>
-          <a:p>
-            <a:r>
-              <a:rPr lang="en-GB" dirty="0" err="1"/>
-              <a:t>conda</a:t>
-            </a:r>
-            <a:endParaRPr lang="en-GB" dirty="0"/>
-          </a:p>
-        </p:txBody>
-      </p:sp>
-      <p:sp>
-        <p:nvSpPr>
-          <p:cNvPr id="3" name="Content Placeholder 2">
-            <a:extLst>
-              <a:ext uri="{FF2B5EF4-FFF2-40B4-BE49-F238E27FC236}">
-                <a16:creationId xmlns:a16="http://schemas.microsoft.com/office/drawing/2014/main" id="{A2DE1C41-172E-4FB9-ACDB-81F65F5D74CC}"/>
-              </a:ext>
-            </a:extLst>
-          </p:cNvPr>
-          <p:cNvSpPr>
-            <a:spLocks noGrp="1"/>
-          </p:cNvSpPr>
-          <p:nvPr>
-            <p:ph idx="1"/>
-          </p:nvPr>
-        </p:nvSpPr>
-        <p:spPr/>
-        <p:txBody>
-          <a:bodyPr/>
-          <a:lstStyle/>
-          <a:p>
-            <a:r>
-              <a:rPr lang="en-GB" dirty="0"/>
-              <a:t>Type:  Install-</a:t>
-            </a:r>
-            <a:r>
-              <a:rPr lang="en-GB" dirty="0" err="1"/>
-              <a:t>bioconda</a:t>
-            </a:r>
-            <a:endParaRPr lang="en-GB" dirty="0"/>
-          </a:p>
-          <a:p>
-            <a:r>
-              <a:rPr lang="en-GB" dirty="0"/>
-              <a:t>I have made this work so you can </a:t>
-            </a:r>
-            <a:r>
-              <a:rPr lang="en-GB" dirty="0" err="1"/>
-              <a:t>conda</a:t>
-            </a:r>
-            <a:r>
-              <a:rPr lang="en-GB" dirty="0"/>
-              <a:t> activate and deactivate within shell scripts. BUT there is a problem. </a:t>
-            </a:r>
-          </a:p>
-          <a:p>
-            <a:r>
-              <a:rPr lang="en-GB" dirty="0">
-                <a:solidFill>
-                  <a:srgbClr val="FF0000"/>
-                </a:solidFill>
-              </a:rPr>
-              <a:t>IMPORTANT</a:t>
-            </a:r>
-          </a:p>
-          <a:p>
-            <a:r>
-              <a:rPr lang="en-GB" dirty="0"/>
-              <a:t>When you create a </a:t>
-            </a:r>
-            <a:r>
-              <a:rPr lang="en-GB" dirty="0" err="1"/>
-              <a:t>conda</a:t>
-            </a:r>
-            <a:r>
-              <a:rPr lang="en-GB" dirty="0"/>
-              <a:t> env, </a:t>
-            </a:r>
-            <a:r>
-              <a:rPr lang="en-GB" i="1" dirty="0"/>
-              <a:t>some </a:t>
-            </a:r>
-            <a:r>
-              <a:rPr lang="en-GB" dirty="0"/>
-              <a:t>programs in the /bin are not executable (this is a bug!), you as a user need to fix this by:</a:t>
-            </a:r>
-          </a:p>
-          <a:p>
-            <a:r>
-              <a:rPr lang="en-GB" dirty="0" err="1"/>
-              <a:t>chmod</a:t>
-            </a:r>
-            <a:r>
-              <a:rPr lang="en-GB" dirty="0"/>
-              <a:t> </a:t>
-            </a:r>
-            <a:r>
-              <a:rPr lang="en-GB" dirty="0" err="1"/>
-              <a:t>a+x</a:t>
-            </a:r>
-            <a:r>
-              <a:rPr lang="en-GB" dirty="0"/>
-              <a:t> </a:t>
-            </a:r>
-            <a:r>
-              <a:rPr lang="en-GB" dirty="0" err="1"/>
-              <a:t>programs_in_conda_env_bin</a:t>
-            </a:r>
-            <a:endParaRPr lang="en-GB" dirty="0"/>
-          </a:p>
-          <a:p>
-            <a:endParaRPr lang="en-GB" dirty="0"/>
-          </a:p>
-          <a:p>
-            <a:r>
-              <a:rPr lang="en-GB" dirty="0"/>
-              <a:t>Everything else is the same </a:t>
-            </a:r>
-            <a:r>
-              <a:rPr lang="en-GB" i="1" dirty="0" err="1"/>
-              <a:t>conda</a:t>
-            </a:r>
-            <a:r>
-              <a:rPr lang="en-GB" dirty="0"/>
-              <a:t> as </a:t>
-            </a:r>
-            <a:r>
-              <a:rPr lang="en-GB" dirty="0" err="1"/>
-              <a:t>marvin</a:t>
-            </a:r>
-            <a:endParaRPr lang="en-GB" dirty="0"/>
-          </a:p>
-          <a:p>
-            <a:endParaRPr lang="en-GB" dirty="0"/>
-          </a:p>
-        </p:txBody>
-      </p:sp>
-    </p:spTree>
-    <p:extLst>
-      <p:ext uri="{BB962C8B-B14F-4D97-AF65-F5344CB8AC3E}">
-        <p14:creationId xmlns:p14="http://schemas.microsoft.com/office/powerpoint/2010/main" val="4020225680"/>
-      </p:ext>
-    </p:extLst>
-  </p:cSld>
-  <p:clrMapOvr>
-    <a:masterClrMapping/>
-  </p:clrMapOvr>
-</p:sld>
-</file>
-
-<file path=ppt/slides/slide18.xml><?xml version="1.0" encoding="utf-8"?>
-<p:sld xmlns:a="http://schemas.openxmlformats.org/drawingml/2006/main" xmlns:r="http://schemas.openxmlformats.org/officeDocument/2006/relationships" xmlns:p="http://schemas.openxmlformats.org/presentationml/2006/main">
-  <p:cSld>
-    <p:spTree>
-      <p:nvGrpSpPr>
-        <p:cNvPr id="1" name=""/>
-        <p:cNvGrpSpPr/>
-        <p:nvPr/>
-      </p:nvGrpSpPr>
-      <p:grpSpPr>
-        <a:xfrm>
-          <a:off x="0" y="0"/>
-          <a:ext cx="0" cy="0"/>
-          <a:chOff x="0" y="0"/>
-          <a:chExt cx="0" cy="0"/>
-        </a:xfrm>
-      </p:grpSpPr>
-      <p:sp>
-        <p:nvSpPr>
-          <p:cNvPr id="2" name="Title 1">
-            <a:extLst>
-              <a:ext uri="{FF2B5EF4-FFF2-40B4-BE49-F238E27FC236}">
-                <a16:creationId xmlns:a16="http://schemas.microsoft.com/office/drawing/2014/main" id="{7A3B3949-83D7-4B58-89BE-DC3A0D7DB43B}"/>
-              </a:ext>
-            </a:extLst>
-          </p:cNvPr>
-          <p:cNvSpPr>
-            <a:spLocks noGrp="1"/>
-          </p:cNvSpPr>
-          <p:nvPr>
-            <p:ph type="title"/>
-          </p:nvPr>
-        </p:nvSpPr>
         <p:spPr>
           <a:xfrm>
             <a:off x="251791" y="0"/>
@@ -5081,7 +4966,7 @@
 </p:sld>
 </file>
 
-<file path=ppt/slides/slide19.xml><?xml version="1.0" encoding="utf-8"?>
+<file path=ppt/slides/slide18.xml><?xml version="1.0" encoding="utf-8"?>
 <p:sld xmlns:a="http://schemas.openxmlformats.org/drawingml/2006/main" xmlns:r="http://schemas.openxmlformats.org/officeDocument/2006/relationships" xmlns:p="http://schemas.openxmlformats.org/presentationml/2006/main">
   <p:cSld>
     <p:spTree>
@@ -5445,6 +5330,98 @@
 </p:sld>
 </file>
 
+<file path=ppt/slides/slide19.xml><?xml version="1.0" encoding="utf-8"?>
+<p:sld xmlns:a="http://schemas.openxmlformats.org/drawingml/2006/main" xmlns:r="http://schemas.openxmlformats.org/officeDocument/2006/relationships" xmlns:p="http://schemas.openxmlformats.org/presentationml/2006/main">
+  <p:cSld>
+    <p:spTree>
+      <p:nvGrpSpPr>
+        <p:cNvPr id="1" name=""/>
+        <p:cNvGrpSpPr/>
+        <p:nvPr/>
+      </p:nvGrpSpPr>
+      <p:grpSpPr>
+        <a:xfrm>
+          <a:off x="0" y="0"/>
+          <a:ext cx="0" cy="0"/>
+          <a:chOff x="0" y="0"/>
+          <a:chExt cx="0" cy="0"/>
+        </a:xfrm>
+      </p:grpSpPr>
+      <p:sp>
+        <p:nvSpPr>
+          <p:cNvPr id="2" name="Title 1">
+            <a:extLst>
+              <a:ext uri="{FF2B5EF4-FFF2-40B4-BE49-F238E27FC236}">
+                <a16:creationId xmlns:a16="http://schemas.microsoft.com/office/drawing/2014/main" id="{7A3B3949-83D7-4B58-89BE-DC3A0D7DB43B}"/>
+              </a:ext>
+            </a:extLst>
+          </p:cNvPr>
+          <p:cNvSpPr>
+            <a:spLocks noGrp="1"/>
+          </p:cNvSpPr>
+          <p:nvPr>
+            <p:ph type="title"/>
+          </p:nvPr>
+        </p:nvSpPr>
+        <p:spPr/>
+        <p:txBody>
+          <a:bodyPr/>
+          <a:lstStyle/>
+          <a:p>
+            <a:r>
+              <a:rPr lang="en-GB" dirty="0"/>
+              <a:t>Samba like connection</a:t>
+            </a:r>
+          </a:p>
+        </p:txBody>
+      </p:sp>
+      <p:sp>
+        <p:nvSpPr>
+          <p:cNvPr id="3" name="Content Placeholder 2">
+            <a:extLst>
+              <a:ext uri="{FF2B5EF4-FFF2-40B4-BE49-F238E27FC236}">
+                <a16:creationId xmlns:a16="http://schemas.microsoft.com/office/drawing/2014/main" id="{A2DE1C41-172E-4FB9-ACDB-81F65F5D74CC}"/>
+              </a:ext>
+            </a:extLst>
+          </p:cNvPr>
+          <p:cNvSpPr>
+            <a:spLocks noGrp="1"/>
+          </p:cNvSpPr>
+          <p:nvPr>
+            <p:ph idx="1"/>
+          </p:nvPr>
+        </p:nvSpPr>
+        <p:spPr/>
+        <p:txBody>
+          <a:bodyPr/>
+          <a:lstStyle/>
+          <a:p>
+            <a:r>
+              <a:rPr lang="en-GB" dirty="0"/>
+              <a:t>Same as previous page but ….Mount the scratch, you still have to navigate to it, like so:</a:t>
+            </a:r>
+          </a:p>
+          <a:p>
+            <a:r>
+              <a:rPr lang="en-GB" dirty="0"/>
+              <a:t>\\sshfs.k\USERNAME@kennedy10/../../scratch/bioinf/USERNAME</a:t>
+            </a:r>
+          </a:p>
+        </p:txBody>
+      </p:sp>
+    </p:spTree>
+    <p:extLst>
+      <p:ext uri="{BB962C8B-B14F-4D97-AF65-F5344CB8AC3E}">
+        <p14:creationId xmlns:p14="http://schemas.microsoft.com/office/powerpoint/2010/main" val="3084461843"/>
+      </p:ext>
+    </p:extLst>
+  </p:cSld>
+  <p:clrMapOvr>
+    <a:masterClrMapping/>
+  </p:clrMapOvr>
+</p:sld>
+</file>
+
 <file path=ppt/slides/slide2.xml><?xml version="1.0" encoding="utf-8"?>
 <p:sld xmlns:a="http://schemas.openxmlformats.org/drawingml/2006/main" xmlns:r="http://schemas.openxmlformats.org/officeDocument/2006/relationships" xmlns:p="http://schemas.openxmlformats.org/presentationml/2006/main">
   <p:cSld>
@@ -5565,7 +5542,7 @@
           <p:cNvPr id="2" name="Title 1">
             <a:extLst>
               <a:ext uri="{FF2B5EF4-FFF2-40B4-BE49-F238E27FC236}">
-                <a16:creationId xmlns:a16="http://schemas.microsoft.com/office/drawing/2014/main" id="{7A3B3949-83D7-4B58-89BE-DC3A0D7DB43B}"/>
+                <a16:creationId xmlns:a16="http://schemas.microsoft.com/office/drawing/2014/main" id="{3DAF2EFB-29F6-4047-9F2C-2E06E6DC2F26}"/>
               </a:ext>
             </a:extLst>
           </p:cNvPr>
@@ -5583,8 +5560,13 @@
           <a:p>
             <a:r>
               <a:rPr lang="en-GB" dirty="0"/>
-              <a:t>Samba like connection</a:t>
-            </a:r>
+              <a:t>Copy data from </a:t>
+            </a:r>
+            <a:r>
+              <a:rPr lang="en-GB" dirty="0" err="1"/>
+              <a:t>marvin</a:t>
+            </a:r>
+            <a:endParaRPr lang="en-GB" dirty="0"/>
           </a:p>
         </p:txBody>
       </p:sp>
@@ -5593,7 +5575,7 @@
           <p:cNvPr id="3" name="Content Placeholder 2">
             <a:extLst>
               <a:ext uri="{FF2B5EF4-FFF2-40B4-BE49-F238E27FC236}">
-                <a16:creationId xmlns:a16="http://schemas.microsoft.com/office/drawing/2014/main" id="{A2DE1C41-172E-4FB9-ACDB-81F65F5D74CC}"/>
+                <a16:creationId xmlns:a16="http://schemas.microsoft.com/office/drawing/2014/main" id="{6561B7F6-698A-4F90-BA7E-512A0F1A4E95}"/>
               </a:ext>
             </a:extLst>
           </p:cNvPr>
@@ -5610,14 +5592,42 @@
           <a:lstStyle/>
           <a:p>
             <a:r>
-              <a:rPr lang="en-GB" dirty="0"/>
-              <a:t>Same as previous page but ….Mount the scratch, you still have to navigate to it, like so:</a:t>
-            </a:r>
-          </a:p>
-          <a:p>
-            <a:r>
-              <a:rPr lang="en-GB" dirty="0"/>
-              <a:t>\\sshfs.k\USERNAME@kennedy10/../../scratch/bioinf/USERNAME</a:t>
+              <a:rPr lang="en-GB" dirty="0" err="1"/>
+              <a:t>rsync</a:t>
+            </a:r>
+            <a:r>
+              <a:rPr lang="en-GB" dirty="0"/>
+              <a:t> -</a:t>
+            </a:r>
+            <a:r>
+              <a:rPr lang="en-GB" dirty="0" err="1"/>
+              <a:t>av</a:t>
+            </a:r>
+            <a:r>
+              <a:rPr lang="en-GB" dirty="0"/>
+              <a:t> &lt;user&gt;@</a:t>
+            </a:r>
+            <a:r>
+              <a:rPr lang="en-GB" dirty="0" err="1"/>
+              <a:t>marvin.st-andrews.ac.uk:path</a:t>
+            </a:r>
+            <a:r>
+              <a:rPr lang="en-GB" dirty="0"/>
+              <a:t>/ path/</a:t>
+            </a:r>
+          </a:p>
+          <a:p>
+            <a:r>
+              <a:rPr lang="en-GB" dirty="0"/>
+              <a:t>Type yes, then your </a:t>
+            </a:r>
+            <a:r>
+              <a:rPr lang="en-GB" dirty="0" err="1"/>
+              <a:t>marvin</a:t>
+            </a:r>
+            <a:r>
+              <a:rPr lang="en-GB" dirty="0"/>
+              <a:t> password</a:t>
             </a:r>
           </a:p>
         </p:txBody>
@@ -5625,7 +5635,7 @@
     </p:spTree>
     <p:extLst>
       <p:ext uri="{BB962C8B-B14F-4D97-AF65-F5344CB8AC3E}">
-        <p14:creationId xmlns:p14="http://schemas.microsoft.com/office/powerpoint/2010/main" val="3084461843"/>
+        <p14:creationId xmlns:p14="http://schemas.microsoft.com/office/powerpoint/2010/main" val="3049080994"/>
       </p:ext>
     </p:extLst>
   </p:cSld>
@@ -5657,7 +5667,7 @@
           <p:cNvPr id="2" name="Title 1">
             <a:extLst>
               <a:ext uri="{FF2B5EF4-FFF2-40B4-BE49-F238E27FC236}">
-                <a16:creationId xmlns:a16="http://schemas.microsoft.com/office/drawing/2014/main" id="{3DAF2EFB-29F6-4047-9F2C-2E06E6DC2F26}"/>
+                <a16:creationId xmlns:a16="http://schemas.microsoft.com/office/drawing/2014/main" id="{B76C8BBA-4E26-4720-B44A-C25097B14832}"/>
               </a:ext>
             </a:extLst>
           </p:cNvPr>
@@ -5675,11 +5685,11 @@
           <a:p>
             <a:r>
               <a:rPr lang="en-GB" dirty="0"/>
-              <a:t>Copy data from </a:t>
+              <a:t>Get syntax highlighting in </a:t>
             </a:r>
             <a:r>
               <a:rPr lang="en-GB" dirty="0" err="1"/>
-              <a:t>marvin</a:t>
+              <a:t>nano</a:t>
             </a:r>
             <a:endParaRPr lang="en-GB" dirty="0"/>
           </a:p>
@@ -5690,7 +5700,7 @@
           <p:cNvPr id="3" name="Content Placeholder 2">
             <a:extLst>
               <a:ext uri="{FF2B5EF4-FFF2-40B4-BE49-F238E27FC236}">
-                <a16:creationId xmlns:a16="http://schemas.microsoft.com/office/drawing/2014/main" id="{6561B7F6-698A-4F90-BA7E-512A0F1A4E95}"/>
+                <a16:creationId xmlns:a16="http://schemas.microsoft.com/office/drawing/2014/main" id="{4295517B-B709-4487-BD76-BB27212B07EE}"/>
               </a:ext>
             </a:extLst>
           </p:cNvPr>
@@ -5707,42 +5717,32 @@
           <a:lstStyle/>
           <a:p>
             <a:r>
+              <a:rPr lang="en-GB" dirty="0"/>
+              <a:t>cp /gpfs1/apps/</a:t>
+            </a:r>
+            <a:r>
               <a:rPr lang="en-GB" dirty="0" err="1"/>
-              <a:t>rsync</a:t>
-            </a:r>
-            <a:r>
-              <a:rPr lang="en-GB" dirty="0"/>
-              <a:t> -</a:t>
+              <a:t>kennedy_sys_admin</a:t>
+            </a:r>
+            <a:r>
+              <a:rPr lang="en-GB" dirty="0"/>
+              <a:t>/</a:t>
             </a:r>
             <a:r>
               <a:rPr lang="en-GB" dirty="0" err="1"/>
-              <a:t>av</a:t>
-            </a:r>
-            <a:r>
-              <a:rPr lang="en-GB" dirty="0"/>
-              <a:t> &lt;user&gt;@</a:t>
+              <a:t>misc</a:t>
+            </a:r>
+            <a:r>
+              <a:rPr lang="en-GB" dirty="0"/>
+              <a:t>/.</a:t>
             </a:r>
             <a:r>
               <a:rPr lang="en-GB" dirty="0" err="1"/>
-              <a:t>marvin.st-andrews.ac.uk:path</a:t>
-            </a:r>
-            <a:r>
-              <a:rPr lang="en-GB" dirty="0"/>
-              <a:t>/ path/</a:t>
-            </a:r>
-          </a:p>
-          <a:p>
-            <a:r>
-              <a:rPr lang="en-GB" dirty="0"/>
-              <a:t>Type yes, then your </a:t>
-            </a:r>
-            <a:r>
-              <a:rPr lang="en-GB" dirty="0" err="1"/>
-              <a:t>marvin</a:t>
-            </a:r>
-            <a:r>
-              <a:rPr lang="en-GB" dirty="0"/>
-              <a:t> password</a:t>
+              <a:t>nanorc</a:t>
+            </a:r>
+            <a:r>
+              <a:rPr lang="en-GB" dirty="0"/>
+              <a:t> ./</a:t>
             </a:r>
           </a:p>
         </p:txBody>
@@ -5750,7 +5750,7 @@
     </p:spTree>
     <p:extLst>
       <p:ext uri="{BB962C8B-B14F-4D97-AF65-F5344CB8AC3E}">
-        <p14:creationId xmlns:p14="http://schemas.microsoft.com/office/powerpoint/2010/main" val="3049080994"/>
+        <p14:creationId xmlns:p14="http://schemas.microsoft.com/office/powerpoint/2010/main" val="3776242046"/>
       </p:ext>
     </p:extLst>
   </p:cSld>

--- a/kenedy_getting_started-V1.pptx
+++ b/kenedy_getting_started-V1.pptx
@@ -6099,7 +6099,7 @@
           <a:p>
             <a:r>
               <a:rPr lang="en-GB" dirty="0"/>
-              <a:t>Type putty gen in the window search bar</a:t>
+              <a:t>Type putty gen in the window search bar (download and install if needed)</a:t>
             </a:r>
           </a:p>
           <a:p>
@@ -6700,8 +6700,8 @@
         </p:nvSpPr>
         <p:spPr>
           <a:xfrm>
-            <a:off x="934453" y="1559094"/>
-            <a:ext cx="9711088" cy="2862322"/>
+            <a:off x="288408" y="1104530"/>
+            <a:ext cx="11578913" cy="3477875"/>
           </a:xfrm>
           <a:prstGeom prst="rect">
             <a:avLst/>
@@ -6713,6 +6713,51 @@
             <a:spAutoFit/>
           </a:bodyPr>
           <a:lstStyle/>
+          <a:p>
+            <a:r>
+              <a:rPr lang="en-GB" sz="2000" b="1" dirty="0">
+                <a:highlight>
+                  <a:srgbClr val="FFFF00"/>
+                </a:highlight>
+              </a:rPr>
+              <a:t>If you use previously use MOBA and want to continue to use it. This is how. You can use any </a:t>
+            </a:r>
+            <a:r>
+              <a:rPr lang="en-GB" sz="2000" b="1" dirty="0" err="1">
+                <a:highlight>
+                  <a:srgbClr val="FFFF00"/>
+                </a:highlight>
+              </a:rPr>
+              <a:t>ssh</a:t>
+            </a:r>
+            <a:r>
+              <a:rPr lang="en-GB" sz="2000" b="1" dirty="0">
+                <a:highlight>
+                  <a:srgbClr val="FFFF00"/>
+                </a:highlight>
+              </a:rPr>
+              <a:t> </a:t>
+            </a:r>
+            <a:r>
+              <a:rPr lang="en-GB" sz="2000" b="1" dirty="0" err="1">
+                <a:highlight>
+                  <a:srgbClr val="FFFF00"/>
+                </a:highlight>
+              </a:rPr>
+              <a:t>cient</a:t>
+            </a:r>
+            <a:r>
+              <a:rPr lang="en-GB" sz="2000" b="1" dirty="0">
+                <a:highlight>
+                  <a:srgbClr val="FFFF00"/>
+                </a:highlight>
+              </a:rPr>
+              <a:t> you wish</a:t>
+            </a:r>
+          </a:p>
+          <a:p>
+            <a:endParaRPr lang="en-GB" b="1" dirty="0"/>
+          </a:p>
           <a:p>
             <a:r>
               <a:rPr lang="en-GB" b="1" dirty="0"/>

--- a/kenedy_getting_started-V1.pptx
+++ b/kenedy_getting_started-V1.pptx
@@ -6720,10 +6720,18 @@
                   <a:srgbClr val="FFFF00"/>
                 </a:highlight>
               </a:rPr>
-              <a:t>If you use previously use MOBA and want to continue to use it. This is how. You can use any </a:t>
-            </a:r>
-            <a:r>
-              <a:rPr lang="en-GB" sz="2000" b="1" dirty="0" err="1">
+              <a:t>If you use previously use MOBA and want to continue to use it. This is how. </a:t>
+            </a:r>
+            <a:r>
+              <a:rPr lang="en-GB" sz="2000" b="1" u="sng" dirty="0">
+                <a:highlight>
+                  <a:srgbClr val="FFFF00"/>
+                </a:highlight>
+              </a:rPr>
+              <a:t>You can use any </a:t>
+            </a:r>
+            <a:r>
+              <a:rPr lang="en-GB" sz="2000" b="1" u="sng" dirty="0" err="1">
                 <a:highlight>
                   <a:srgbClr val="FFFF00"/>
                 </a:highlight>
@@ -6731,28 +6739,12 @@
               <a:t>ssh</a:t>
             </a:r>
             <a:r>
-              <a:rPr lang="en-GB" sz="2000" b="1" dirty="0">
+              <a:rPr lang="en-GB" sz="2000" b="1" u="sng" dirty="0">
                 <a:highlight>
                   <a:srgbClr val="FFFF00"/>
                 </a:highlight>
               </a:rPr>
-              <a:t> </a:t>
-            </a:r>
-            <a:r>
-              <a:rPr lang="en-GB" sz="2000" b="1" dirty="0" err="1">
-                <a:highlight>
-                  <a:srgbClr val="FFFF00"/>
-                </a:highlight>
-              </a:rPr>
-              <a:t>cient</a:t>
-            </a:r>
-            <a:r>
-              <a:rPr lang="en-GB" sz="2000" b="1" dirty="0">
-                <a:highlight>
-                  <a:srgbClr val="FFFF00"/>
-                </a:highlight>
-              </a:rPr>
-              <a:t> you wish</a:t>
+              <a:t> client you wish</a:t>
             </a:r>
           </a:p>
           <a:p>

--- a/kenedy_getting_started-V1.pptx
+++ b/kenedy_getting_started-V1.pptx
@@ -282,7 +282,7 @@
           <a:p>
             <a:fld id="{04376CE3-01A7-4075-8A57-A2BEE561C1FE}" type="datetimeFigureOut">
               <a:rPr lang="en-GB" smtClean="0"/>
-              <a:t>10/04/2020</a:t>
+              <a:t>13/04/2020</a:t>
             </a:fld>
             <a:endParaRPr lang="en-GB"/>
           </a:p>
@@ -482,7 +482,7 @@
           <a:p>
             <a:fld id="{04376CE3-01A7-4075-8A57-A2BEE561C1FE}" type="datetimeFigureOut">
               <a:rPr lang="en-GB" smtClean="0"/>
-              <a:t>10/04/2020</a:t>
+              <a:t>13/04/2020</a:t>
             </a:fld>
             <a:endParaRPr lang="en-GB"/>
           </a:p>
@@ -692,7 +692,7 @@
           <a:p>
             <a:fld id="{04376CE3-01A7-4075-8A57-A2BEE561C1FE}" type="datetimeFigureOut">
               <a:rPr lang="en-GB" smtClean="0"/>
-              <a:t>10/04/2020</a:t>
+              <a:t>13/04/2020</a:t>
             </a:fld>
             <a:endParaRPr lang="en-GB"/>
           </a:p>
@@ -892,7 +892,7 @@
           <a:p>
             <a:fld id="{04376CE3-01A7-4075-8A57-A2BEE561C1FE}" type="datetimeFigureOut">
               <a:rPr lang="en-GB" smtClean="0"/>
-              <a:t>10/04/2020</a:t>
+              <a:t>13/04/2020</a:t>
             </a:fld>
             <a:endParaRPr lang="en-GB"/>
           </a:p>
@@ -1168,7 +1168,7 @@
           <a:p>
             <a:fld id="{04376CE3-01A7-4075-8A57-A2BEE561C1FE}" type="datetimeFigureOut">
               <a:rPr lang="en-GB" smtClean="0"/>
-              <a:t>10/04/2020</a:t>
+              <a:t>13/04/2020</a:t>
             </a:fld>
             <a:endParaRPr lang="en-GB"/>
           </a:p>
@@ -1436,7 +1436,7 @@
           <a:p>
             <a:fld id="{04376CE3-01A7-4075-8A57-A2BEE561C1FE}" type="datetimeFigureOut">
               <a:rPr lang="en-GB" smtClean="0"/>
-              <a:t>10/04/2020</a:t>
+              <a:t>13/04/2020</a:t>
             </a:fld>
             <a:endParaRPr lang="en-GB"/>
           </a:p>
@@ -1851,7 +1851,7 @@
           <a:p>
             <a:fld id="{04376CE3-01A7-4075-8A57-A2BEE561C1FE}" type="datetimeFigureOut">
               <a:rPr lang="en-GB" smtClean="0"/>
-              <a:t>10/04/2020</a:t>
+              <a:t>13/04/2020</a:t>
             </a:fld>
             <a:endParaRPr lang="en-GB"/>
           </a:p>
@@ -1993,7 +1993,7 @@
           <a:p>
             <a:fld id="{04376CE3-01A7-4075-8A57-A2BEE561C1FE}" type="datetimeFigureOut">
               <a:rPr lang="en-GB" smtClean="0"/>
-              <a:t>10/04/2020</a:t>
+              <a:t>13/04/2020</a:t>
             </a:fld>
             <a:endParaRPr lang="en-GB"/>
           </a:p>
@@ -2106,7 +2106,7 @@
           <a:p>
             <a:fld id="{04376CE3-01A7-4075-8A57-A2BEE561C1FE}" type="datetimeFigureOut">
               <a:rPr lang="en-GB" smtClean="0"/>
-              <a:t>10/04/2020</a:t>
+              <a:t>13/04/2020</a:t>
             </a:fld>
             <a:endParaRPr lang="en-GB"/>
           </a:p>
@@ -2419,7 +2419,7 @@
           <a:p>
             <a:fld id="{04376CE3-01A7-4075-8A57-A2BEE561C1FE}" type="datetimeFigureOut">
               <a:rPr lang="en-GB" smtClean="0"/>
-              <a:t>10/04/2020</a:t>
+              <a:t>13/04/2020</a:t>
             </a:fld>
             <a:endParaRPr lang="en-GB"/>
           </a:p>
@@ -2708,7 +2708,7 @@
           <a:p>
             <a:fld id="{04376CE3-01A7-4075-8A57-A2BEE561C1FE}" type="datetimeFigureOut">
               <a:rPr lang="en-GB" smtClean="0"/>
-              <a:t>10/04/2020</a:t>
+              <a:t>13/04/2020</a:t>
             </a:fld>
             <a:endParaRPr lang="en-GB"/>
           </a:p>
@@ -2951,7 +2951,7 @@
           <a:p>
             <a:fld id="{04376CE3-01A7-4075-8A57-A2BEE561C1FE}" type="datetimeFigureOut">
               <a:rPr lang="en-GB" smtClean="0"/>
-              <a:t>10/04/2020</a:t>
+              <a:t>13/04/2020</a:t>
             </a:fld>
             <a:endParaRPr lang="en-GB"/>
           </a:p>
@@ -5630,6 +5630,68 @@
               <a:t> password</a:t>
             </a:r>
           </a:p>
+          <a:p>
+            <a:endParaRPr lang="en-GB" dirty="0"/>
+          </a:p>
+          <a:p>
+            <a:pPr marL="0" indent="0">
+              <a:buNone/>
+            </a:pPr>
+            <a:r>
+              <a:rPr lang="en-GB" dirty="0"/>
+              <a:t>PUSH FILES TO MARVIN (please look up the commands)</a:t>
+            </a:r>
+          </a:p>
+          <a:p>
+            <a:r>
+              <a:rPr lang="en-GB" dirty="0" err="1"/>
+              <a:t>rsync</a:t>
+            </a:r>
+            <a:r>
+              <a:rPr lang="en-GB" dirty="0"/>
+              <a:t> -</a:t>
+            </a:r>
+            <a:r>
+              <a:rPr lang="en-GB" dirty="0" err="1"/>
+              <a:t>avzhe</a:t>
+            </a:r>
+            <a:r>
+              <a:rPr lang="en-GB" dirty="0"/>
+              <a:t> </a:t>
+            </a:r>
+            <a:r>
+              <a:rPr lang="en-GB" dirty="0" err="1"/>
+              <a:t>ssh</a:t>
+            </a:r>
+            <a:r>
+              <a:rPr lang="en-GB" dirty="0"/>
+              <a:t> </a:t>
+            </a:r>
+            <a:r>
+              <a:rPr lang="en-GB" dirty="0" err="1"/>
+              <a:t>file_</a:t>
+            </a:r>
+            <a:r>
+              <a:rPr lang="en-GB" err="1"/>
+              <a:t>to</a:t>
+            </a:r>
+            <a:r>
+              <a:rPr lang="en-GB"/>
+              <a:t>_transfer </a:t>
+            </a:r>
+            <a:r>
+              <a:rPr lang="en-GB" dirty="0"/>
+              <a:t>$USER@marvin.st-andrews.ac.uk:/</a:t>
+            </a:r>
+            <a:r>
+              <a:rPr lang="en-GB" dirty="0" err="1"/>
+              <a:t>path_to</a:t>
+            </a:r>
+            <a:r>
+              <a:rPr lang="en-GB" dirty="0"/>
+              <a:t>/</a:t>
+            </a:r>
+          </a:p>
         </p:txBody>
       </p:sp>
     </p:spTree>

--- a/kenedy_getting_started-V1.pptx
+++ b/kenedy_getting_started-V1.pptx
@@ -6,27 +6,28 @@
   </p:sldMasterIdLst>
   <p:sldIdLst>
     <p:sldId id="256" r:id="rId2"/>
-    <p:sldId id="279" r:id="rId3"/>
-    <p:sldId id="278" r:id="rId4"/>
-    <p:sldId id="257" r:id="rId5"/>
-    <p:sldId id="275" r:id="rId6"/>
-    <p:sldId id="271" r:id="rId7"/>
-    <p:sldId id="260" r:id="rId8"/>
-    <p:sldId id="259" r:id="rId9"/>
-    <p:sldId id="262" r:id="rId10"/>
-    <p:sldId id="261" r:id="rId11"/>
-    <p:sldId id="265" r:id="rId12"/>
-    <p:sldId id="272" r:id="rId13"/>
-    <p:sldId id="273" r:id="rId14"/>
-    <p:sldId id="266" r:id="rId15"/>
-    <p:sldId id="267" r:id="rId16"/>
-    <p:sldId id="268" r:id="rId17"/>
-    <p:sldId id="270" r:id="rId18"/>
-    <p:sldId id="276" r:id="rId19"/>
-    <p:sldId id="269" r:id="rId20"/>
-    <p:sldId id="274" r:id="rId21"/>
-    <p:sldId id="263" r:id="rId22"/>
-    <p:sldId id="277" r:id="rId23"/>
+    <p:sldId id="280" r:id="rId3"/>
+    <p:sldId id="279" r:id="rId4"/>
+    <p:sldId id="278" r:id="rId5"/>
+    <p:sldId id="257" r:id="rId6"/>
+    <p:sldId id="275" r:id="rId7"/>
+    <p:sldId id="271" r:id="rId8"/>
+    <p:sldId id="260" r:id="rId9"/>
+    <p:sldId id="259" r:id="rId10"/>
+    <p:sldId id="262" r:id="rId11"/>
+    <p:sldId id="261" r:id="rId12"/>
+    <p:sldId id="265" r:id="rId13"/>
+    <p:sldId id="272" r:id="rId14"/>
+    <p:sldId id="273" r:id="rId15"/>
+    <p:sldId id="266" r:id="rId16"/>
+    <p:sldId id="267" r:id="rId17"/>
+    <p:sldId id="268" r:id="rId18"/>
+    <p:sldId id="270" r:id="rId19"/>
+    <p:sldId id="276" r:id="rId20"/>
+    <p:sldId id="269" r:id="rId21"/>
+    <p:sldId id="274" r:id="rId22"/>
+    <p:sldId id="263" r:id="rId23"/>
+    <p:sldId id="277" r:id="rId24"/>
   </p:sldIdLst>
   <p:sldSz cx="12192000" cy="6858000"/>
   <p:notesSz cx="6858000" cy="9144000"/>
@@ -3510,6 +3511,224 @@
             <p:ph type="title"/>
           </p:nvPr>
         </p:nvSpPr>
+        <p:spPr/>
+        <p:txBody>
+          <a:bodyPr/>
+          <a:lstStyle/>
+          <a:p>
+            <a:r>
+              <a:rPr lang="en-GB" dirty="0" err="1"/>
+              <a:t>Filezilla</a:t>
+            </a:r>
+            <a:r>
+              <a:rPr lang="en-GB" dirty="0"/>
+              <a:t> file transfer</a:t>
+            </a:r>
+          </a:p>
+        </p:txBody>
+      </p:sp>
+      <p:pic>
+        <p:nvPicPr>
+          <p:cNvPr id="4" name="Content Placeholder 3">
+            <a:extLst>
+              <a:ext uri="{FF2B5EF4-FFF2-40B4-BE49-F238E27FC236}">
+                <a16:creationId xmlns:a16="http://schemas.microsoft.com/office/drawing/2014/main" id="{CBCD53F6-1964-4223-8161-EB76F4850693}"/>
+              </a:ext>
+            </a:extLst>
+          </p:cNvPr>
+          <p:cNvPicPr>
+            <a:picLocks noGrp="1" noChangeAspect="1"/>
+          </p:cNvPicPr>
+          <p:nvPr>
+            <p:ph idx="1"/>
+          </p:nvPr>
+        </p:nvPicPr>
+        <p:blipFill rotWithShape="1">
+          <a:blip r:embed="rId2" cstate="email">
+            <a:extLst>
+              <a:ext uri="{28A0092B-C50C-407E-A947-70E740481C1C}">
+                <a14:useLocalDpi xmlns:a14="http://schemas.microsoft.com/office/drawing/2010/main" val="0"/>
+              </a:ext>
+            </a:extLst>
+          </a:blip>
+          <a:srcRect/>
+          <a:stretch/>
+        </p:blipFill>
+        <p:spPr>
+          <a:xfrm>
+            <a:off x="753979" y="1491280"/>
+            <a:ext cx="10074442" cy="4941826"/>
+          </a:xfrm>
+          <a:prstGeom prst="rect">
+            <a:avLst/>
+          </a:prstGeom>
+        </p:spPr>
+      </p:pic>
+      <p:cxnSp>
+        <p:nvCxnSpPr>
+          <p:cNvPr id="6" name="Straight Arrow Connector 5">
+            <a:extLst>
+              <a:ext uri="{FF2B5EF4-FFF2-40B4-BE49-F238E27FC236}">
+                <a16:creationId xmlns:a16="http://schemas.microsoft.com/office/drawing/2014/main" id="{A3A3C607-9680-4897-B6D6-EE6554D3BD71}"/>
+              </a:ext>
+            </a:extLst>
+          </p:cNvPr>
+          <p:cNvCxnSpPr/>
+          <p:nvPr/>
+        </p:nvCxnSpPr>
+        <p:spPr>
+          <a:xfrm flipH="1">
+            <a:off x="7016817" y="924025"/>
+            <a:ext cx="952901" cy="2204186"/>
+          </a:xfrm>
+          <a:prstGeom prst="straightConnector1">
+            <a:avLst/>
+          </a:prstGeom>
+          <a:ln>
+            <a:tailEnd type="triangle"/>
+          </a:ln>
+        </p:spPr>
+        <p:style>
+          <a:lnRef idx="1">
+            <a:schemeClr val="accent1"/>
+          </a:lnRef>
+          <a:fillRef idx="0">
+            <a:schemeClr val="accent1"/>
+          </a:fillRef>
+          <a:effectRef idx="0">
+            <a:schemeClr val="accent1"/>
+          </a:effectRef>
+          <a:fontRef idx="minor">
+            <a:schemeClr val="tx1"/>
+          </a:fontRef>
+        </p:style>
+      </p:cxnSp>
+      <p:cxnSp>
+        <p:nvCxnSpPr>
+          <p:cNvPr id="8" name="Straight Arrow Connector 7">
+            <a:extLst>
+              <a:ext uri="{FF2B5EF4-FFF2-40B4-BE49-F238E27FC236}">
+                <a16:creationId xmlns:a16="http://schemas.microsoft.com/office/drawing/2014/main" id="{CD6743C8-F1A5-416F-BBC7-9987DC5011A9}"/>
+              </a:ext>
+            </a:extLst>
+          </p:cNvPr>
+          <p:cNvCxnSpPr/>
+          <p:nvPr/>
+        </p:nvCxnSpPr>
+        <p:spPr>
+          <a:xfrm flipH="1">
+            <a:off x="7180446" y="1010653"/>
+            <a:ext cx="904775" cy="2418347"/>
+          </a:xfrm>
+          <a:prstGeom prst="straightConnector1">
+            <a:avLst/>
+          </a:prstGeom>
+          <a:ln>
+            <a:tailEnd type="triangle"/>
+          </a:ln>
+        </p:spPr>
+        <p:style>
+          <a:lnRef idx="1">
+            <a:schemeClr val="accent1"/>
+          </a:lnRef>
+          <a:fillRef idx="0">
+            <a:schemeClr val="accent1"/>
+          </a:fillRef>
+          <a:effectRef idx="0">
+            <a:schemeClr val="accent1"/>
+          </a:effectRef>
+          <a:fontRef idx="minor">
+            <a:schemeClr val="tx1"/>
+          </a:fontRef>
+        </p:style>
+      </p:cxnSp>
+      <p:sp>
+        <p:nvSpPr>
+          <p:cNvPr id="9" name="TextBox 8">
+            <a:extLst>
+              <a:ext uri="{FF2B5EF4-FFF2-40B4-BE49-F238E27FC236}">
+                <a16:creationId xmlns:a16="http://schemas.microsoft.com/office/drawing/2014/main" id="{0C8FF4CE-D9FA-4457-A383-FB38E13E5D68}"/>
+              </a:ext>
+            </a:extLst>
+          </p:cNvPr>
+          <p:cNvSpPr txBox="1"/>
+          <p:nvPr/>
+        </p:nvSpPr>
+        <p:spPr>
+          <a:xfrm>
+            <a:off x="8248850" y="365125"/>
+            <a:ext cx="3378468" cy="923330"/>
+          </a:xfrm>
+          <a:prstGeom prst="rect">
+            <a:avLst/>
+          </a:prstGeom>
+          <a:noFill/>
+        </p:spPr>
+        <p:txBody>
+          <a:bodyPr wrap="square" rtlCol="0">
+            <a:spAutoFit/>
+          </a:bodyPr>
+          <a:lstStyle/>
+          <a:p>
+            <a:r>
+              <a:rPr lang="en-GB" dirty="0"/>
+              <a:t>Select key file and put the path to it in the next box.</a:t>
+            </a:r>
+          </a:p>
+          <a:p>
+            <a:r>
+              <a:rPr lang="en-GB" dirty="0"/>
+              <a:t>Fill out host and your username</a:t>
+            </a:r>
+          </a:p>
+        </p:txBody>
+      </p:sp>
+    </p:spTree>
+    <p:extLst>
+      <p:ext uri="{BB962C8B-B14F-4D97-AF65-F5344CB8AC3E}">
+        <p14:creationId xmlns:p14="http://schemas.microsoft.com/office/powerpoint/2010/main" val="2746528105"/>
+      </p:ext>
+    </p:extLst>
+  </p:cSld>
+  <p:clrMapOvr>
+    <a:masterClrMapping/>
+  </p:clrMapOvr>
+</p:sld>
+</file>
+
+<file path=ppt/slides/slide11.xml><?xml version="1.0" encoding="utf-8"?>
+<p:sld xmlns:a="http://schemas.openxmlformats.org/drawingml/2006/main" xmlns:r="http://schemas.openxmlformats.org/officeDocument/2006/relationships" xmlns:p="http://schemas.openxmlformats.org/presentationml/2006/main">
+  <p:cSld>
+    <p:spTree>
+      <p:nvGrpSpPr>
+        <p:cNvPr id="1" name=""/>
+        <p:cNvGrpSpPr/>
+        <p:nvPr/>
+      </p:nvGrpSpPr>
+      <p:grpSpPr>
+        <a:xfrm>
+          <a:off x="0" y="0"/>
+          <a:ext cx="0" cy="0"/>
+          <a:chOff x="0" y="0"/>
+          <a:chExt cx="0" cy="0"/>
+        </a:xfrm>
+      </p:grpSpPr>
+      <p:sp>
+        <p:nvSpPr>
+          <p:cNvPr id="2" name="Title 1">
+            <a:extLst>
+              <a:ext uri="{FF2B5EF4-FFF2-40B4-BE49-F238E27FC236}">
+                <a16:creationId xmlns:a16="http://schemas.microsoft.com/office/drawing/2014/main" id="{65994064-7F34-4E37-A4F8-F8945DD1F637}"/>
+              </a:ext>
+            </a:extLst>
+          </p:cNvPr>
+          <p:cNvSpPr>
+            <a:spLocks noGrp="1"/>
+          </p:cNvSpPr>
+          <p:nvPr>
+            <p:ph type="title"/>
+          </p:nvPr>
+        </p:nvSpPr>
         <p:spPr>
           <a:xfrm>
             <a:off x="838200" y="-96888"/>
@@ -3579,7 +3798,7 @@
 </p:sld>
 </file>
 
-<file path=ppt/slides/slide11.xml><?xml version="1.0" encoding="utf-8"?>
+<file path=ppt/slides/slide12.xml><?xml version="1.0" encoding="utf-8"?>
 <p:sld xmlns:a="http://schemas.openxmlformats.org/drawingml/2006/main" xmlns:r="http://schemas.openxmlformats.org/officeDocument/2006/relationships" xmlns:p="http://schemas.openxmlformats.org/presentationml/2006/main">
   <p:cSld>
     <p:spTree>
@@ -3819,7 +4038,7 @@
 </p:sld>
 </file>
 
-<file path=ppt/slides/slide12.xml><?xml version="1.0" encoding="utf-8"?>
+<file path=ppt/slides/slide13.xml><?xml version="1.0" encoding="utf-8"?>
 <p:sld xmlns:a="http://schemas.openxmlformats.org/drawingml/2006/main" xmlns:r="http://schemas.openxmlformats.org/officeDocument/2006/relationships" xmlns:p="http://schemas.openxmlformats.org/presentationml/2006/main">
   <p:cSld>
     <p:spTree>
@@ -4060,130 +4279,6 @@
 </p:sld>
 </file>
 
-<file path=ppt/slides/slide13.xml><?xml version="1.0" encoding="utf-8"?>
-<p:sld xmlns:a="http://schemas.openxmlformats.org/drawingml/2006/main" xmlns:r="http://schemas.openxmlformats.org/officeDocument/2006/relationships" xmlns:p="http://schemas.openxmlformats.org/presentationml/2006/main">
-  <p:cSld>
-    <p:spTree>
-      <p:nvGrpSpPr>
-        <p:cNvPr id="1" name=""/>
-        <p:cNvGrpSpPr/>
-        <p:nvPr/>
-      </p:nvGrpSpPr>
-      <p:grpSpPr>
-        <a:xfrm>
-          <a:off x="0" y="0"/>
-          <a:ext cx="0" cy="0"/>
-          <a:chOff x="0" y="0"/>
-          <a:chExt cx="0" cy="0"/>
-        </a:xfrm>
-      </p:grpSpPr>
-      <p:sp>
-        <p:nvSpPr>
-          <p:cNvPr id="2" name="Title 1">
-            <a:extLst>
-              <a:ext uri="{FF2B5EF4-FFF2-40B4-BE49-F238E27FC236}">
-                <a16:creationId xmlns:a16="http://schemas.microsoft.com/office/drawing/2014/main" id="{7AA8E294-8B7C-45DE-ABC5-2579C6050308}"/>
-              </a:ext>
-            </a:extLst>
-          </p:cNvPr>
-          <p:cNvSpPr>
-            <a:spLocks noGrp="1"/>
-          </p:cNvSpPr>
-          <p:nvPr>
-            <p:ph type="title"/>
-          </p:nvPr>
-        </p:nvSpPr>
-        <p:spPr/>
-        <p:txBody>
-          <a:bodyPr/>
-          <a:lstStyle/>
-          <a:p>
-            <a:r>
-              <a:rPr lang="en-GB" dirty="0"/>
-              <a:t>GPU nodes</a:t>
-            </a:r>
-          </a:p>
-        </p:txBody>
-      </p:sp>
-      <p:sp>
-        <p:nvSpPr>
-          <p:cNvPr id="3" name="Content Placeholder 2">
-            <a:extLst>
-              <a:ext uri="{FF2B5EF4-FFF2-40B4-BE49-F238E27FC236}">
-                <a16:creationId xmlns:a16="http://schemas.microsoft.com/office/drawing/2014/main" id="{B5D13BB8-360F-41E7-9B8D-F95D6CFC1889}"/>
-              </a:ext>
-            </a:extLst>
-          </p:cNvPr>
-          <p:cNvSpPr>
-            <a:spLocks noGrp="1"/>
-          </p:cNvSpPr>
-          <p:nvPr>
-            <p:ph idx="1"/>
-          </p:nvPr>
-        </p:nvSpPr>
-        <p:spPr/>
-        <p:txBody>
-          <a:bodyPr/>
-          <a:lstStyle/>
-          <a:p>
-            <a:r>
-              <a:rPr lang="en-GB" dirty="0"/>
-              <a:t>Request an interactive job with one GPU:</a:t>
-            </a:r>
-          </a:p>
-          <a:p>
-            <a:r>
-              <a:rPr lang="en-GB" dirty="0"/>
-              <a:t># </a:t>
-            </a:r>
-            <a:r>
-              <a:rPr lang="en-GB" dirty="0" err="1"/>
-              <a:t>srun</a:t>
-            </a:r>
-            <a:r>
-              <a:rPr lang="en-GB" dirty="0"/>
-              <a:t> --</a:t>
-            </a:r>
-            <a:r>
-              <a:rPr lang="en-GB" dirty="0" err="1"/>
-              <a:t>gres</a:t>
-            </a:r>
-            <a:r>
-              <a:rPr lang="en-GB" dirty="0"/>
-              <a:t>=gpu:1 -N 1 -p </a:t>
-            </a:r>
-            <a:r>
-              <a:rPr lang="en-GB" dirty="0" err="1"/>
-              <a:t>singlenode</a:t>
-            </a:r>
-            <a:r>
-              <a:rPr lang="en-GB" dirty="0"/>
-              <a:t> --</a:t>
-            </a:r>
-            <a:r>
-              <a:rPr lang="en-GB" dirty="0" err="1"/>
-              <a:t>pty</a:t>
-            </a:r>
-            <a:r>
-              <a:rPr lang="en-GB"/>
-              <a:t> /bin/bash</a:t>
-            </a:r>
-          </a:p>
-        </p:txBody>
-      </p:sp>
-    </p:spTree>
-    <p:extLst>
-      <p:ext uri="{BB962C8B-B14F-4D97-AF65-F5344CB8AC3E}">
-        <p14:creationId xmlns:p14="http://schemas.microsoft.com/office/powerpoint/2010/main" val="1889063494"/>
-      </p:ext>
-    </p:extLst>
-  </p:cSld>
-  <p:clrMapOvr>
-    <a:masterClrMapping/>
-  </p:clrMapOvr>
-</p:sld>
-</file>
-
 <file path=ppt/slides/slide14.xml><?xml version="1.0" encoding="utf-8"?>
 <p:sld xmlns:a="http://schemas.openxmlformats.org/drawingml/2006/main" xmlns:r="http://schemas.openxmlformats.org/officeDocument/2006/relationships" xmlns:p="http://schemas.openxmlformats.org/presentationml/2006/main">
   <p:cSld>
@@ -4206,7 +4301,7 @@
           <p:cNvPr id="2" name="Title 1">
             <a:extLst>
               <a:ext uri="{FF2B5EF4-FFF2-40B4-BE49-F238E27FC236}">
-                <a16:creationId xmlns:a16="http://schemas.microsoft.com/office/drawing/2014/main" id="{00C6A630-09E4-4522-8A1F-6469459EDAEB}"/>
+                <a16:creationId xmlns:a16="http://schemas.microsoft.com/office/drawing/2014/main" id="{7AA8E294-8B7C-45DE-ABC5-2579C6050308}"/>
               </a:ext>
             </a:extLst>
           </p:cNvPr>
@@ -4224,7 +4319,7 @@
           <a:p>
             <a:r>
               <a:rPr lang="en-GB" dirty="0"/>
-              <a:t>High memory</a:t>
+              <a:t>GPU nodes</a:t>
             </a:r>
           </a:p>
         </p:txBody>
@@ -4234,7 +4329,7 @@
           <p:cNvPr id="3" name="Content Placeholder 2">
             <a:extLst>
               <a:ext uri="{FF2B5EF4-FFF2-40B4-BE49-F238E27FC236}">
-                <a16:creationId xmlns:a16="http://schemas.microsoft.com/office/drawing/2014/main" id="{B1F2955F-4F81-4877-B901-9D32C9BD5FD0}"/>
+                <a16:creationId xmlns:a16="http://schemas.microsoft.com/office/drawing/2014/main" id="{B5D13BB8-360F-41E7-9B8D-F95D6CFC1889}"/>
               </a:ext>
             </a:extLst>
           </p:cNvPr>
@@ -4252,64 +4347,45 @@
           <a:p>
             <a:r>
               <a:rPr lang="en-GB" dirty="0"/>
-              <a:t>#!/bin/bash -l</a:t>
-            </a:r>
-          </a:p>
-          <a:p>
-            <a:r>
-              <a:rPr lang="en-GB" dirty="0"/>
-              <a:t>#SBATCH -J </a:t>
+              <a:t>Request an interactive job with one GPU:</a:t>
+            </a:r>
+          </a:p>
+          <a:p>
+            <a:r>
+              <a:rPr lang="en-GB" dirty="0"/>
+              <a:t># </a:t>
             </a:r>
             <a:r>
               <a:rPr lang="en-GB" dirty="0" err="1"/>
-              <a:t>SPADES_cb</a:t>
-            </a:r>
-            <a:r>
-              <a:rPr lang="en-GB" dirty="0"/>
-              <a:t>   #jobname</a:t>
-            </a:r>
-          </a:p>
-          <a:p>
-            <a:r>
-              <a:rPr lang="en-GB" dirty="0"/>
-              <a:t>#SBATCH -N 1     #node</a:t>
-            </a:r>
-          </a:p>
-          <a:p>
-            <a:r>
-              <a:rPr lang="en-GB" dirty="0"/>
-              <a:t>#SBATCH --tasks-per-node=64</a:t>
-            </a:r>
-          </a:p>
-          <a:p>
-            <a:r>
-              <a:rPr lang="en-GB" dirty="0"/>
-              <a:t>#SBATCH -p </a:t>
+              <a:t>srun</a:t>
+            </a:r>
+            <a:r>
+              <a:rPr lang="en-GB" dirty="0"/>
+              <a:t> --</a:t>
             </a:r>
             <a:r>
               <a:rPr lang="en-GB" dirty="0" err="1"/>
-              <a:t>bigmem</a:t>
-            </a:r>
-            <a:endParaRPr lang="en-GB" dirty="0"/>
-          </a:p>
-          <a:p>
-            <a:r>
-              <a:rPr lang="en-GB" dirty="0"/>
-              <a:t>#SBATCH --</a:t>
+              <a:t>gres</a:t>
+            </a:r>
+            <a:r>
+              <a:rPr lang="en-GB" dirty="0"/>
+              <a:t>=gpu:1 -N 1 -p </a:t>
             </a:r>
             <a:r>
               <a:rPr lang="en-GB" dirty="0" err="1"/>
-              <a:t>nodelist</a:t>
-            </a:r>
-            <a:r>
-              <a:rPr lang="en-GB" dirty="0"/>
-              <a:t>=kennedy150</a:t>
-            </a:r>
-          </a:p>
-          <a:p>
-            <a:r>
-              <a:rPr lang="en-GB" dirty="0"/>
-              <a:t>#SBATCH --mem=1450GB</a:t>
+              <a:t>singlenode</a:t>
+            </a:r>
+            <a:r>
+              <a:rPr lang="en-GB" dirty="0"/>
+              <a:t> --</a:t>
+            </a:r>
+            <a:r>
+              <a:rPr lang="en-GB" dirty="0" err="1"/>
+              <a:t>pty</a:t>
+            </a:r>
+            <a:r>
+              <a:rPr lang="en-GB"/>
+              <a:t> /bin/bash</a:t>
             </a:r>
           </a:p>
         </p:txBody>
@@ -4317,7 +4393,7 @@
     </p:spTree>
     <p:extLst>
       <p:ext uri="{BB962C8B-B14F-4D97-AF65-F5344CB8AC3E}">
-        <p14:creationId xmlns:p14="http://schemas.microsoft.com/office/powerpoint/2010/main" val="1554936030"/>
+        <p14:creationId xmlns:p14="http://schemas.microsoft.com/office/powerpoint/2010/main" val="1889063494"/>
       </p:ext>
     </p:extLst>
   </p:cSld>
@@ -4349,7 +4425,7 @@
           <p:cNvPr id="2" name="Title 1">
             <a:extLst>
               <a:ext uri="{FF2B5EF4-FFF2-40B4-BE49-F238E27FC236}">
-                <a16:creationId xmlns:a16="http://schemas.microsoft.com/office/drawing/2014/main" id="{E1A2EA9D-F2D8-4F25-8834-51DB3B4FE6E8}"/>
+                <a16:creationId xmlns:a16="http://schemas.microsoft.com/office/drawing/2014/main" id="{00C6A630-09E4-4522-8A1F-6469459EDAEB}"/>
               </a:ext>
             </a:extLst>
           </p:cNvPr>
@@ -4366,132 +4442,101 @@
           <a:lstStyle/>
           <a:p>
             <a:r>
+              <a:rPr lang="en-GB" dirty="0"/>
+              <a:t>High memory</a:t>
+            </a:r>
+          </a:p>
+        </p:txBody>
+      </p:sp>
+      <p:sp>
+        <p:nvSpPr>
+          <p:cNvPr id="3" name="Content Placeholder 2">
+            <a:extLst>
+              <a:ext uri="{FF2B5EF4-FFF2-40B4-BE49-F238E27FC236}">
+                <a16:creationId xmlns:a16="http://schemas.microsoft.com/office/drawing/2014/main" id="{B1F2955F-4F81-4877-B901-9D32C9BD5FD0}"/>
+              </a:ext>
+            </a:extLst>
+          </p:cNvPr>
+          <p:cNvSpPr>
+            <a:spLocks noGrp="1"/>
+          </p:cNvSpPr>
+          <p:nvPr>
+            <p:ph idx="1"/>
+          </p:nvPr>
+        </p:nvSpPr>
+        <p:spPr/>
+        <p:txBody>
+          <a:bodyPr/>
+          <a:lstStyle/>
+          <a:p>
+            <a:r>
+              <a:rPr lang="en-GB" dirty="0"/>
+              <a:t>#!/bin/bash -l</a:t>
+            </a:r>
+          </a:p>
+          <a:p>
+            <a:r>
+              <a:rPr lang="en-GB" dirty="0"/>
+              <a:t>#SBATCH -J </a:t>
+            </a:r>
+            <a:r>
               <a:rPr lang="en-GB" dirty="0" err="1"/>
-              <a:t>Qubmit</a:t>
-            </a:r>
-            <a:r>
-              <a:rPr lang="en-GB" dirty="0"/>
-              <a:t> a job </a:t>
-            </a:r>
-          </a:p>
-        </p:txBody>
-      </p:sp>
-      <p:sp>
-        <p:nvSpPr>
-          <p:cNvPr id="3" name="Content Placeholder 2">
-            <a:extLst>
-              <a:ext uri="{FF2B5EF4-FFF2-40B4-BE49-F238E27FC236}">
-                <a16:creationId xmlns:a16="http://schemas.microsoft.com/office/drawing/2014/main" id="{573D2F78-A2FD-49FA-8EF9-E056FE0D3BEB}"/>
-              </a:ext>
-            </a:extLst>
-          </p:cNvPr>
-          <p:cNvSpPr>
-            <a:spLocks noGrp="1"/>
-          </p:cNvSpPr>
-          <p:nvPr>
-            <p:ph idx="1"/>
-          </p:nvPr>
-        </p:nvSpPr>
-        <p:spPr/>
-        <p:txBody>
-          <a:bodyPr/>
-          <a:lstStyle/>
-          <a:p>
-            <a:r>
-              <a:rPr lang="en-GB" dirty="0" err="1"/>
-              <a:t>sbatch</a:t>
-            </a:r>
-            <a:r>
-              <a:rPr lang="en-GB" dirty="0"/>
-              <a:t> spades.sh</a:t>
-            </a:r>
-          </a:p>
-          <a:p>
-            <a:r>
-              <a:rPr lang="en-GB" dirty="0" err="1"/>
-              <a:t>smap</a:t>
-            </a:r>
-            <a:endParaRPr lang="en-GB" dirty="0"/>
-          </a:p>
-          <a:p>
-            <a:r>
-              <a:rPr lang="en-GB" dirty="0" err="1"/>
-              <a:t>squeue</a:t>
-            </a:r>
-            <a:r>
-              <a:rPr lang="en-GB" dirty="0"/>
-              <a:t>  (show the queue)</a:t>
-            </a:r>
-          </a:p>
-          <a:p>
-            <a:r>
-              <a:rPr lang="en-GB" dirty="0" err="1"/>
-              <a:t>squeue</a:t>
-            </a:r>
-            <a:r>
-              <a:rPr lang="en-GB" dirty="0"/>
-              <a:t> –p </a:t>
+              <a:t>SPADES_cb</a:t>
+            </a:r>
+            <a:r>
+              <a:rPr lang="en-GB" dirty="0"/>
+              <a:t>   #jobname</a:t>
+            </a:r>
+          </a:p>
+          <a:p>
+            <a:r>
+              <a:rPr lang="en-GB" dirty="0"/>
+              <a:t>#SBATCH -N 1     #node</a:t>
+            </a:r>
+          </a:p>
+          <a:p>
+            <a:r>
+              <a:rPr lang="en-GB" dirty="0"/>
+              <a:t>#SBATCH --tasks-per-node=64</a:t>
+            </a:r>
+          </a:p>
+          <a:p>
+            <a:r>
+              <a:rPr lang="en-GB" dirty="0"/>
+              <a:t>#SBATCH -p </a:t>
             </a:r>
             <a:r>
               <a:rPr lang="en-GB" dirty="0" err="1"/>
               <a:t>bigmem</a:t>
             </a:r>
-            <a:r>
-              <a:rPr lang="en-GB" dirty="0"/>
-              <a:t>  (show the queue for big mem)</a:t>
-            </a:r>
-          </a:p>
-          <a:p>
+            <a:endParaRPr lang="en-GB" dirty="0"/>
+          </a:p>
+          <a:p>
+            <a:r>
+              <a:rPr lang="en-GB" dirty="0"/>
+              <a:t>#SBATCH --</a:t>
+            </a:r>
             <a:r>
               <a:rPr lang="en-GB" dirty="0" err="1"/>
-              <a:t>sview</a:t>
-            </a:r>
-            <a:endParaRPr lang="en-GB" dirty="0"/>
-          </a:p>
-          <a:p>
-            <a:endParaRPr lang="en-GB" dirty="0"/>
-          </a:p>
-          <a:p>
-            <a:r>
-              <a:rPr lang="en-GB" dirty="0"/>
-              <a:t>Interactive mode (like </a:t>
-            </a:r>
-            <a:r>
-              <a:rPr lang="en-GB" dirty="0" err="1"/>
-              <a:t>qrsh</a:t>
-            </a:r>
-            <a:r>
-              <a:rPr lang="en-GB" dirty="0"/>
-              <a:t>):</a:t>
-            </a:r>
-          </a:p>
-          <a:p>
-            <a:r>
-              <a:rPr lang="en-GB" dirty="0" err="1"/>
-              <a:t>srun</a:t>
-            </a:r>
-            <a:r>
-              <a:rPr lang="en-GB" dirty="0"/>
-              <a:t> --</a:t>
-            </a:r>
-            <a:r>
-              <a:rPr lang="en-GB" dirty="0" err="1"/>
-              <a:t>pty</a:t>
-            </a:r>
-            <a:r>
-              <a:rPr lang="en-GB" dirty="0"/>
-              <a:t> bash</a:t>
-            </a:r>
-          </a:p>
-          <a:p>
-            <a:endParaRPr lang="en-GB" dirty="0"/>
+              <a:t>nodelist</a:t>
+            </a:r>
+            <a:r>
+              <a:rPr lang="en-GB" dirty="0"/>
+              <a:t>=kennedy150</a:t>
+            </a:r>
+          </a:p>
+          <a:p>
+            <a:r>
+              <a:rPr lang="en-GB" dirty="0"/>
+              <a:t>#SBATCH --mem=1450GB</a:t>
+            </a:r>
           </a:p>
         </p:txBody>
       </p:sp>
     </p:spTree>
     <p:extLst>
       <p:ext uri="{BB962C8B-B14F-4D97-AF65-F5344CB8AC3E}">
-        <p14:creationId xmlns:p14="http://schemas.microsoft.com/office/powerpoint/2010/main" val="1099536850"/>
+        <p14:creationId xmlns:p14="http://schemas.microsoft.com/office/powerpoint/2010/main" val="1554936030"/>
       </p:ext>
     </p:extLst>
   </p:cSld>
@@ -4523,7 +4568,7 @@
           <p:cNvPr id="2" name="Title 1">
             <a:extLst>
               <a:ext uri="{FF2B5EF4-FFF2-40B4-BE49-F238E27FC236}">
-                <a16:creationId xmlns:a16="http://schemas.microsoft.com/office/drawing/2014/main" id="{7A3B3949-83D7-4B58-89BE-DC3A0D7DB43B}"/>
+                <a16:creationId xmlns:a16="http://schemas.microsoft.com/office/drawing/2014/main" id="{E1A2EA9D-F2D8-4F25-8834-51DB3B4FE6E8}"/>
               </a:ext>
             </a:extLst>
           </p:cNvPr>
@@ -4541,133 +4586,121 @@
           <a:p>
             <a:r>
               <a:rPr lang="en-GB" dirty="0" err="1"/>
-              <a:t>conda</a:t>
+              <a:t>Qubmit</a:t>
+            </a:r>
+            <a:r>
+              <a:rPr lang="en-GB" dirty="0"/>
+              <a:t> a job </a:t>
+            </a:r>
+          </a:p>
+        </p:txBody>
+      </p:sp>
+      <p:sp>
+        <p:nvSpPr>
+          <p:cNvPr id="3" name="Content Placeholder 2">
+            <a:extLst>
+              <a:ext uri="{FF2B5EF4-FFF2-40B4-BE49-F238E27FC236}">
+                <a16:creationId xmlns:a16="http://schemas.microsoft.com/office/drawing/2014/main" id="{573D2F78-A2FD-49FA-8EF9-E056FE0D3BEB}"/>
+              </a:ext>
+            </a:extLst>
+          </p:cNvPr>
+          <p:cNvSpPr>
+            <a:spLocks noGrp="1"/>
+          </p:cNvSpPr>
+          <p:nvPr>
+            <p:ph idx="1"/>
+          </p:nvPr>
+        </p:nvSpPr>
+        <p:spPr/>
+        <p:txBody>
+          <a:bodyPr/>
+          <a:lstStyle/>
+          <a:p>
+            <a:r>
+              <a:rPr lang="en-GB" dirty="0" err="1"/>
+              <a:t>sbatch</a:t>
+            </a:r>
+            <a:r>
+              <a:rPr lang="en-GB" dirty="0"/>
+              <a:t> spades.sh</a:t>
+            </a:r>
+          </a:p>
+          <a:p>
+            <a:r>
+              <a:rPr lang="en-GB" dirty="0" err="1"/>
+              <a:t>smap</a:t>
             </a:r>
             <a:endParaRPr lang="en-GB" dirty="0"/>
           </a:p>
-        </p:txBody>
-      </p:sp>
-      <p:sp>
-        <p:nvSpPr>
-          <p:cNvPr id="3" name="Content Placeholder 2">
-            <a:extLst>
-              <a:ext uri="{FF2B5EF4-FFF2-40B4-BE49-F238E27FC236}">
-                <a16:creationId xmlns:a16="http://schemas.microsoft.com/office/drawing/2014/main" id="{A2DE1C41-172E-4FB9-ACDB-81F65F5D74CC}"/>
-              </a:ext>
-            </a:extLst>
-          </p:cNvPr>
-          <p:cNvSpPr>
-            <a:spLocks noGrp="1"/>
-          </p:cNvSpPr>
-          <p:nvPr>
-            <p:ph idx="1"/>
-          </p:nvPr>
-        </p:nvSpPr>
-        <p:spPr/>
-        <p:txBody>
-          <a:bodyPr/>
-          <a:lstStyle/>
-          <a:p>
-            <a:r>
-              <a:rPr lang="en-GB" dirty="0"/>
-              <a:t>Type:  Install-</a:t>
-            </a:r>
+          <a:p>
             <a:r>
               <a:rPr lang="en-GB" dirty="0" err="1"/>
-              <a:t>bioconda</a:t>
+              <a:t>squeue</a:t>
+            </a:r>
+            <a:r>
+              <a:rPr lang="en-GB" dirty="0"/>
+              <a:t>  (show the queue)</a:t>
+            </a:r>
+          </a:p>
+          <a:p>
+            <a:r>
+              <a:rPr lang="en-GB" dirty="0" err="1"/>
+              <a:t>squeue</a:t>
+            </a:r>
+            <a:r>
+              <a:rPr lang="en-GB" dirty="0"/>
+              <a:t> –p </a:t>
+            </a:r>
+            <a:r>
+              <a:rPr lang="en-GB" dirty="0" err="1"/>
+              <a:t>bigmem</a:t>
+            </a:r>
+            <a:r>
+              <a:rPr lang="en-GB" dirty="0"/>
+              <a:t>  (show the queue for big mem)</a:t>
+            </a:r>
+          </a:p>
+          <a:p>
+            <a:r>
+              <a:rPr lang="en-GB" dirty="0" err="1"/>
+              <a:t>sview</a:t>
             </a:r>
             <a:endParaRPr lang="en-GB" dirty="0"/>
           </a:p>
           <a:p>
-            <a:r>
-              <a:rPr lang="en-GB" dirty="0"/>
-              <a:t>I have made this work so you can </a:t>
+            <a:endParaRPr lang="en-GB" dirty="0"/>
+          </a:p>
+          <a:p>
+            <a:r>
+              <a:rPr lang="en-GB" dirty="0"/>
+              <a:t>Interactive mode (like </a:t>
             </a:r>
             <a:r>
               <a:rPr lang="en-GB" dirty="0" err="1"/>
-              <a:t>conda</a:t>
-            </a:r>
-            <a:r>
-              <a:rPr lang="en-GB" dirty="0"/>
-              <a:t> activate and deactivate within shell scripts. BUT there is a problem. </a:t>
-            </a:r>
-          </a:p>
-          <a:p>
-            <a:r>
-              <a:rPr lang="en-GB" dirty="0">
-                <a:solidFill>
-                  <a:srgbClr val="FF0000"/>
-                </a:solidFill>
-              </a:rPr>
-              <a:t>IMPORTANT</a:t>
-            </a:r>
-          </a:p>
-          <a:p>
-            <a:r>
-              <a:rPr lang="en-GB" dirty="0"/>
-              <a:t>When you create a </a:t>
-            </a:r>
+              <a:t>qrsh</a:t>
+            </a:r>
+            <a:r>
+              <a:rPr lang="en-GB" dirty="0"/>
+              <a:t>):</a:t>
+            </a:r>
+          </a:p>
+          <a:p>
             <a:r>
               <a:rPr lang="en-GB" dirty="0" err="1"/>
-              <a:t>conda</a:t>
-            </a:r>
-            <a:r>
-              <a:rPr lang="en-GB" dirty="0"/>
-              <a:t> env, </a:t>
-            </a:r>
-            <a:r>
-              <a:rPr lang="en-GB" i="1" dirty="0"/>
-              <a:t>some </a:t>
-            </a:r>
-            <a:r>
-              <a:rPr lang="en-GB" dirty="0"/>
-              <a:t>programs in the /bin are not executable (this is a bug!), you as a user need to fix this by:</a:t>
-            </a:r>
-          </a:p>
-          <a:p>
+              <a:t>srun</a:t>
+            </a:r>
+            <a:r>
+              <a:rPr lang="en-GB" dirty="0"/>
+              <a:t> --</a:t>
+            </a:r>
             <a:r>
               <a:rPr lang="en-GB" dirty="0" err="1"/>
-              <a:t>chmod</a:t>
-            </a:r>
-            <a:r>
-              <a:rPr lang="en-GB" dirty="0"/>
-              <a:t> </a:t>
-            </a:r>
-            <a:r>
-              <a:rPr lang="en-GB" dirty="0" err="1"/>
-              <a:t>a+x</a:t>
-            </a:r>
-            <a:r>
-              <a:rPr lang="en-GB" dirty="0"/>
-              <a:t> </a:t>
-            </a:r>
-            <a:r>
-              <a:rPr lang="en-GB" dirty="0" err="1"/>
-              <a:t>programs_in_conda_env_bin</a:t>
-            </a:r>
-            <a:endParaRPr lang="en-GB" dirty="0"/>
-          </a:p>
-          <a:p>
-            <a:endParaRPr lang="en-GB" dirty="0"/>
-          </a:p>
-          <a:p>
-            <a:r>
-              <a:rPr lang="en-GB" dirty="0"/>
-              <a:t>Everything else is the same </a:t>
-            </a:r>
-            <a:r>
-              <a:rPr lang="en-GB" i="1" dirty="0" err="1"/>
-              <a:t>conda</a:t>
-            </a:r>
-            <a:r>
-              <a:rPr lang="en-GB" dirty="0"/>
-              <a:t> as </a:t>
-            </a:r>
-            <a:r>
-              <a:rPr lang="en-GB" dirty="0" err="1"/>
-              <a:t>marvin</a:t>
-            </a:r>
-            <a:endParaRPr lang="en-GB" dirty="0"/>
+              <a:t>pty</a:t>
+            </a:r>
+            <a:r>
+              <a:rPr lang="en-GB" dirty="0"/>
+              <a:t> bash</a:t>
+            </a:r>
           </a:p>
           <a:p>
             <a:endParaRPr lang="en-GB" dirty="0"/>
@@ -4677,7 +4710,7 @@
     </p:spTree>
     <p:extLst>
       <p:ext uri="{BB962C8B-B14F-4D97-AF65-F5344CB8AC3E}">
-        <p14:creationId xmlns:p14="http://schemas.microsoft.com/office/powerpoint/2010/main" val="4020225680"/>
+        <p14:creationId xmlns:p14="http://schemas.microsoft.com/office/powerpoint/2010/main" val="1099536850"/>
       </p:ext>
     </p:extLst>
   </p:cSld>
@@ -4720,6 +4753,192 @@
             <p:ph type="title"/>
           </p:nvPr>
         </p:nvSpPr>
+        <p:spPr/>
+        <p:txBody>
+          <a:bodyPr/>
+          <a:lstStyle/>
+          <a:p>
+            <a:r>
+              <a:rPr lang="en-GB" dirty="0" err="1"/>
+              <a:t>conda</a:t>
+            </a:r>
+            <a:endParaRPr lang="en-GB" dirty="0"/>
+          </a:p>
+        </p:txBody>
+      </p:sp>
+      <p:sp>
+        <p:nvSpPr>
+          <p:cNvPr id="3" name="Content Placeholder 2">
+            <a:extLst>
+              <a:ext uri="{FF2B5EF4-FFF2-40B4-BE49-F238E27FC236}">
+                <a16:creationId xmlns:a16="http://schemas.microsoft.com/office/drawing/2014/main" id="{A2DE1C41-172E-4FB9-ACDB-81F65F5D74CC}"/>
+              </a:ext>
+            </a:extLst>
+          </p:cNvPr>
+          <p:cNvSpPr>
+            <a:spLocks noGrp="1"/>
+          </p:cNvSpPr>
+          <p:nvPr>
+            <p:ph idx="1"/>
+          </p:nvPr>
+        </p:nvSpPr>
+        <p:spPr/>
+        <p:txBody>
+          <a:bodyPr/>
+          <a:lstStyle/>
+          <a:p>
+            <a:r>
+              <a:rPr lang="en-GB" dirty="0"/>
+              <a:t>Type:  Install-</a:t>
+            </a:r>
+            <a:r>
+              <a:rPr lang="en-GB" dirty="0" err="1"/>
+              <a:t>bioconda</a:t>
+            </a:r>
+            <a:endParaRPr lang="en-GB" dirty="0"/>
+          </a:p>
+          <a:p>
+            <a:r>
+              <a:rPr lang="en-GB" dirty="0"/>
+              <a:t>I have made this work so you can </a:t>
+            </a:r>
+            <a:r>
+              <a:rPr lang="en-GB" dirty="0" err="1"/>
+              <a:t>conda</a:t>
+            </a:r>
+            <a:r>
+              <a:rPr lang="en-GB" dirty="0"/>
+              <a:t> activate and deactivate within shell scripts. BUT there is a problem. </a:t>
+            </a:r>
+          </a:p>
+          <a:p>
+            <a:r>
+              <a:rPr lang="en-GB" dirty="0">
+                <a:solidFill>
+                  <a:srgbClr val="FF0000"/>
+                </a:solidFill>
+              </a:rPr>
+              <a:t>IMPORTANT</a:t>
+            </a:r>
+          </a:p>
+          <a:p>
+            <a:r>
+              <a:rPr lang="en-GB" dirty="0"/>
+              <a:t>When you create a </a:t>
+            </a:r>
+            <a:r>
+              <a:rPr lang="en-GB" dirty="0" err="1"/>
+              <a:t>conda</a:t>
+            </a:r>
+            <a:r>
+              <a:rPr lang="en-GB" dirty="0"/>
+              <a:t> env, </a:t>
+            </a:r>
+            <a:r>
+              <a:rPr lang="en-GB" i="1" dirty="0"/>
+              <a:t>some </a:t>
+            </a:r>
+            <a:r>
+              <a:rPr lang="en-GB" dirty="0"/>
+              <a:t>programs in the /bin are not executable (this is a bug!), you as a user need to fix this by:</a:t>
+            </a:r>
+          </a:p>
+          <a:p>
+            <a:r>
+              <a:rPr lang="en-GB" dirty="0" err="1"/>
+              <a:t>chmod</a:t>
+            </a:r>
+            <a:r>
+              <a:rPr lang="en-GB" dirty="0"/>
+              <a:t> </a:t>
+            </a:r>
+            <a:r>
+              <a:rPr lang="en-GB" dirty="0" err="1"/>
+              <a:t>a+x</a:t>
+            </a:r>
+            <a:r>
+              <a:rPr lang="en-GB" dirty="0"/>
+              <a:t> </a:t>
+            </a:r>
+            <a:r>
+              <a:rPr lang="en-GB" dirty="0" err="1"/>
+              <a:t>programs_in_conda_env_bin</a:t>
+            </a:r>
+            <a:endParaRPr lang="en-GB" dirty="0"/>
+          </a:p>
+          <a:p>
+            <a:endParaRPr lang="en-GB" dirty="0"/>
+          </a:p>
+          <a:p>
+            <a:r>
+              <a:rPr lang="en-GB" dirty="0"/>
+              <a:t>Everything else is the same </a:t>
+            </a:r>
+            <a:r>
+              <a:rPr lang="en-GB" i="1" dirty="0" err="1"/>
+              <a:t>conda</a:t>
+            </a:r>
+            <a:r>
+              <a:rPr lang="en-GB" dirty="0"/>
+              <a:t> as </a:t>
+            </a:r>
+            <a:r>
+              <a:rPr lang="en-GB" dirty="0" err="1"/>
+              <a:t>marvin</a:t>
+            </a:r>
+            <a:endParaRPr lang="en-GB" dirty="0"/>
+          </a:p>
+          <a:p>
+            <a:endParaRPr lang="en-GB" dirty="0"/>
+          </a:p>
+        </p:txBody>
+      </p:sp>
+    </p:spTree>
+    <p:extLst>
+      <p:ext uri="{BB962C8B-B14F-4D97-AF65-F5344CB8AC3E}">
+        <p14:creationId xmlns:p14="http://schemas.microsoft.com/office/powerpoint/2010/main" val="4020225680"/>
+      </p:ext>
+    </p:extLst>
+  </p:cSld>
+  <p:clrMapOvr>
+    <a:masterClrMapping/>
+  </p:clrMapOvr>
+</p:sld>
+</file>
+
+<file path=ppt/slides/slide18.xml><?xml version="1.0" encoding="utf-8"?>
+<p:sld xmlns:a="http://schemas.openxmlformats.org/drawingml/2006/main" xmlns:r="http://schemas.openxmlformats.org/officeDocument/2006/relationships" xmlns:p="http://schemas.openxmlformats.org/presentationml/2006/main">
+  <p:cSld>
+    <p:spTree>
+      <p:nvGrpSpPr>
+        <p:cNvPr id="1" name=""/>
+        <p:cNvGrpSpPr/>
+        <p:nvPr/>
+      </p:nvGrpSpPr>
+      <p:grpSpPr>
+        <a:xfrm>
+          <a:off x="0" y="0"/>
+          <a:ext cx="0" cy="0"/>
+          <a:chOff x="0" y="0"/>
+          <a:chExt cx="0" cy="0"/>
+        </a:xfrm>
+      </p:grpSpPr>
+      <p:sp>
+        <p:nvSpPr>
+          <p:cNvPr id="2" name="Title 1">
+            <a:extLst>
+              <a:ext uri="{FF2B5EF4-FFF2-40B4-BE49-F238E27FC236}">
+                <a16:creationId xmlns:a16="http://schemas.microsoft.com/office/drawing/2014/main" id="{7A3B3949-83D7-4B58-89BE-DC3A0D7DB43B}"/>
+              </a:ext>
+            </a:extLst>
+          </p:cNvPr>
+          <p:cNvSpPr>
+            <a:spLocks noGrp="1"/>
+          </p:cNvSpPr>
+          <p:nvPr>
+            <p:ph type="title"/>
+          </p:nvPr>
+        </p:nvSpPr>
         <p:spPr>
           <a:xfrm>
             <a:off x="251791" y="0"/>
@@ -4966,7 +5185,7 @@
 </p:sld>
 </file>
 
-<file path=ppt/slides/slide18.xml><?xml version="1.0" encoding="utf-8"?>
+<file path=ppt/slides/slide19.xml><?xml version="1.0" encoding="utf-8"?>
 <p:sld xmlns:a="http://schemas.openxmlformats.org/drawingml/2006/main" xmlns:r="http://schemas.openxmlformats.org/officeDocument/2006/relationships" xmlns:p="http://schemas.openxmlformats.org/presentationml/2006/main">
   <p:cSld>
     <p:spTree>
@@ -5330,98 +5549,6 @@
 </p:sld>
 </file>
 
-<file path=ppt/slides/slide19.xml><?xml version="1.0" encoding="utf-8"?>
-<p:sld xmlns:a="http://schemas.openxmlformats.org/drawingml/2006/main" xmlns:r="http://schemas.openxmlformats.org/officeDocument/2006/relationships" xmlns:p="http://schemas.openxmlformats.org/presentationml/2006/main">
-  <p:cSld>
-    <p:spTree>
-      <p:nvGrpSpPr>
-        <p:cNvPr id="1" name=""/>
-        <p:cNvGrpSpPr/>
-        <p:nvPr/>
-      </p:nvGrpSpPr>
-      <p:grpSpPr>
-        <a:xfrm>
-          <a:off x="0" y="0"/>
-          <a:ext cx="0" cy="0"/>
-          <a:chOff x="0" y="0"/>
-          <a:chExt cx="0" cy="0"/>
-        </a:xfrm>
-      </p:grpSpPr>
-      <p:sp>
-        <p:nvSpPr>
-          <p:cNvPr id="2" name="Title 1">
-            <a:extLst>
-              <a:ext uri="{FF2B5EF4-FFF2-40B4-BE49-F238E27FC236}">
-                <a16:creationId xmlns:a16="http://schemas.microsoft.com/office/drawing/2014/main" id="{7A3B3949-83D7-4B58-89BE-DC3A0D7DB43B}"/>
-              </a:ext>
-            </a:extLst>
-          </p:cNvPr>
-          <p:cNvSpPr>
-            <a:spLocks noGrp="1"/>
-          </p:cNvSpPr>
-          <p:nvPr>
-            <p:ph type="title"/>
-          </p:nvPr>
-        </p:nvSpPr>
-        <p:spPr/>
-        <p:txBody>
-          <a:bodyPr/>
-          <a:lstStyle/>
-          <a:p>
-            <a:r>
-              <a:rPr lang="en-GB" dirty="0"/>
-              <a:t>Samba like connection</a:t>
-            </a:r>
-          </a:p>
-        </p:txBody>
-      </p:sp>
-      <p:sp>
-        <p:nvSpPr>
-          <p:cNvPr id="3" name="Content Placeholder 2">
-            <a:extLst>
-              <a:ext uri="{FF2B5EF4-FFF2-40B4-BE49-F238E27FC236}">
-                <a16:creationId xmlns:a16="http://schemas.microsoft.com/office/drawing/2014/main" id="{A2DE1C41-172E-4FB9-ACDB-81F65F5D74CC}"/>
-              </a:ext>
-            </a:extLst>
-          </p:cNvPr>
-          <p:cNvSpPr>
-            <a:spLocks noGrp="1"/>
-          </p:cNvSpPr>
-          <p:nvPr>
-            <p:ph idx="1"/>
-          </p:nvPr>
-        </p:nvSpPr>
-        <p:spPr/>
-        <p:txBody>
-          <a:bodyPr/>
-          <a:lstStyle/>
-          <a:p>
-            <a:r>
-              <a:rPr lang="en-GB" dirty="0"/>
-              <a:t>Same as previous page but ….Mount the scratch, you still have to navigate to it, like so:</a:t>
-            </a:r>
-          </a:p>
-          <a:p>
-            <a:r>
-              <a:rPr lang="en-GB" dirty="0"/>
-              <a:t>\\sshfs.k\USERNAME@kennedy10/../../scratch/bioinf/USERNAME</a:t>
-            </a:r>
-          </a:p>
-        </p:txBody>
-      </p:sp>
-    </p:spTree>
-    <p:extLst>
-      <p:ext uri="{BB962C8B-B14F-4D97-AF65-F5344CB8AC3E}">
-        <p14:creationId xmlns:p14="http://schemas.microsoft.com/office/powerpoint/2010/main" val="3084461843"/>
-      </p:ext>
-    </p:extLst>
-  </p:cSld>
-  <p:clrMapOvr>
-    <a:masterClrMapping/>
-  </p:clrMapOvr>
-</p:sld>
-</file>
-
 <file path=ppt/slides/slide2.xml><?xml version="1.0" encoding="utf-8"?>
 <p:sld xmlns:a="http://schemas.openxmlformats.org/drawingml/2006/main" xmlns:r="http://schemas.openxmlformats.org/officeDocument/2006/relationships" xmlns:p="http://schemas.openxmlformats.org/presentationml/2006/main">
   <p:cSld>
@@ -5444,7 +5571,7 @@
           <p:cNvPr id="2" name="Title 1">
             <a:extLst>
               <a:ext uri="{FF2B5EF4-FFF2-40B4-BE49-F238E27FC236}">
-                <a16:creationId xmlns:a16="http://schemas.microsoft.com/office/drawing/2014/main" id="{7EB335D1-6D3A-43EE-88A8-FA159BFA4934}"/>
+                <a16:creationId xmlns:a16="http://schemas.microsoft.com/office/drawing/2014/main" id="{12735C8B-274C-46F2-950C-473AF239825E}"/>
               </a:ext>
             </a:extLst>
           </p:cNvPr>
@@ -5462,7 +5589,7 @@
           <a:p>
             <a:r>
               <a:rPr lang="en-GB" dirty="0"/>
-              <a:t>Herbert’s excellent existing documentation</a:t>
+              <a:t>This will get better ….</a:t>
             </a:r>
           </a:p>
         </p:txBody>
@@ -5472,7 +5599,7 @@
           <p:cNvPr id="3" name="Content Placeholder 2">
             <a:extLst>
               <a:ext uri="{FF2B5EF4-FFF2-40B4-BE49-F238E27FC236}">
-                <a16:creationId xmlns:a16="http://schemas.microsoft.com/office/drawing/2014/main" id="{FCBCB3D7-82E8-4127-B030-DF2CD7D5C335}"/>
+                <a16:creationId xmlns:a16="http://schemas.microsoft.com/office/drawing/2014/main" id="{B4AC7A54-1656-4975-9F65-E85698328395}"/>
               </a:ext>
             </a:extLst>
           </p:cNvPr>
@@ -5490,17 +5617,35 @@
           <a:p>
             <a:r>
               <a:rPr lang="en-GB" dirty="0"/>
-              <a:t>Please also see here:</a:t>
-            </a:r>
-          </a:p>
-          <a:p>
-            <a:r>
-              <a:rPr lang="en-GB" sz="1800" u="sng" dirty="0">
-                <a:hlinkClick r:id="rId2"/>
+              <a:t>This documentation is a messy work in progress – sorry. I keep getting taken away to watch </a:t>
+            </a:r>
+            <a:r>
+              <a:rPr lang="en-GB" dirty="0" err="1"/>
+              <a:t>Pepa</a:t>
+            </a:r>
+            <a:r>
+              <a:rPr lang="en-GB" dirty="0"/>
+              <a:t> pig and throw rice </a:t>
+            </a:r>
+            <a:r>
+              <a:rPr lang="en-GB" dirty="0" err="1"/>
+              <a:t>crispies</a:t>
+            </a:r>
+            <a:r>
+              <a:rPr lang="en-GB" dirty="0"/>
+              <a:t> around the room </a:t>
+            </a:r>
+            <a:r>
+              <a:rPr lang="en-GB" dirty="0">
+                <a:sym typeface="Wingdings" panose="05000000000000000000" pitchFamily="2" charset="2"/>
               </a:rPr>
-              <a:t>https://universityofstandrews907.sharepoint.com/sites/chemistry/CurrentStudents/Shared%20Documents/Forms/AllItems.aspx?id=%2Fsites%2Fchemistry%2FCurrentStudents%2FShared%20Documents%2Fug%2FERCF%5FIntroduction%2Epdf&amp;parent=%2Fsites%2Fchemistry%2FCurrentStudents%2FShared%20Documents%2Fug&amp;p=true&amp;originalPath=aHR0cHM6Ly91bml2ZXJzaXR5b2ZzdGFuZHJld3M5MDcuc2hhcmVwb2ludC5jb20vOmI6L3MvY2hlbWlzdHJ5L0N1cnJlbnRTdHVkZW50cy9FY1RrWjZzZ0xfaEZnZzFGY0dUZXRZNEJicHFCWHhvNF9Pc3cwRXF3NGlXNDFRP3J0aW1lPUEyLVl0YW5jMTBn</a:t>
-            </a:r>
-            <a:endParaRPr lang="en-GB" sz="1800" dirty="0"/>
+              <a:t></a:t>
+            </a:r>
+          </a:p>
+          <a:p>
+            <a:endParaRPr lang="en-GB" dirty="0">
+              <a:sym typeface="Wingdings" panose="05000000000000000000" pitchFamily="2" charset="2"/>
+            </a:endParaRPr>
           </a:p>
           <a:p>
             <a:endParaRPr lang="en-GB" dirty="0"/>
@@ -5510,7 +5655,7 @@
     </p:spTree>
     <p:extLst>
       <p:ext uri="{BB962C8B-B14F-4D97-AF65-F5344CB8AC3E}">
-        <p14:creationId xmlns:p14="http://schemas.microsoft.com/office/powerpoint/2010/main" val="983183553"/>
+        <p14:creationId xmlns:p14="http://schemas.microsoft.com/office/powerpoint/2010/main" val="2563937449"/>
       </p:ext>
     </p:extLst>
   </p:cSld>
@@ -5542,7 +5687,7 @@
           <p:cNvPr id="2" name="Title 1">
             <a:extLst>
               <a:ext uri="{FF2B5EF4-FFF2-40B4-BE49-F238E27FC236}">
-                <a16:creationId xmlns:a16="http://schemas.microsoft.com/office/drawing/2014/main" id="{3DAF2EFB-29F6-4047-9F2C-2E06E6DC2F26}"/>
+                <a16:creationId xmlns:a16="http://schemas.microsoft.com/office/drawing/2014/main" id="{7A3B3949-83D7-4B58-89BE-DC3A0D7DB43B}"/>
               </a:ext>
             </a:extLst>
           </p:cNvPr>
@@ -5560,13 +5705,8 @@
           <a:p>
             <a:r>
               <a:rPr lang="en-GB" dirty="0"/>
-              <a:t>Copy data from </a:t>
-            </a:r>
-            <a:r>
-              <a:rPr lang="en-GB" dirty="0" err="1"/>
-              <a:t>marvin</a:t>
-            </a:r>
-            <a:endParaRPr lang="en-GB" dirty="0"/>
+              <a:t>Samba like connection</a:t>
+            </a:r>
           </a:p>
         </p:txBody>
       </p:sp>
@@ -5575,7 +5715,7 @@
           <p:cNvPr id="3" name="Content Placeholder 2">
             <a:extLst>
               <a:ext uri="{FF2B5EF4-FFF2-40B4-BE49-F238E27FC236}">
-                <a16:creationId xmlns:a16="http://schemas.microsoft.com/office/drawing/2014/main" id="{6561B7F6-698A-4F90-BA7E-512A0F1A4E95}"/>
+                <a16:creationId xmlns:a16="http://schemas.microsoft.com/office/drawing/2014/main" id="{A2DE1C41-172E-4FB9-ACDB-81F65F5D74CC}"/>
               </a:ext>
             </a:extLst>
           </p:cNvPr>
@@ -5592,104 +5732,14 @@
           <a:lstStyle/>
           <a:p>
             <a:r>
-              <a:rPr lang="en-GB" dirty="0" err="1"/>
-              <a:t>rsync</a:t>
-            </a:r>
-            <a:r>
-              <a:rPr lang="en-GB" dirty="0"/>
-              <a:t> -</a:t>
-            </a:r>
-            <a:r>
-              <a:rPr lang="en-GB" dirty="0" err="1"/>
-              <a:t>av</a:t>
-            </a:r>
-            <a:r>
-              <a:rPr lang="en-GB" dirty="0"/>
-              <a:t> &lt;user&gt;@</a:t>
-            </a:r>
-            <a:r>
-              <a:rPr lang="en-GB" dirty="0" err="1"/>
-              <a:t>marvin.st-andrews.ac.uk:path</a:t>
-            </a:r>
-            <a:r>
-              <a:rPr lang="en-GB" dirty="0"/>
-              <a:t>/ path/</a:t>
-            </a:r>
-          </a:p>
-          <a:p>
-            <a:r>
-              <a:rPr lang="en-GB" dirty="0"/>
-              <a:t>Type yes, then your </a:t>
-            </a:r>
-            <a:r>
-              <a:rPr lang="en-GB" dirty="0" err="1"/>
-              <a:t>marvin</a:t>
-            </a:r>
-            <a:r>
-              <a:rPr lang="en-GB" dirty="0"/>
-              <a:t> password</a:t>
-            </a:r>
-          </a:p>
-          <a:p>
-            <a:endParaRPr lang="en-GB" dirty="0"/>
-          </a:p>
-          <a:p>
-            <a:pPr marL="0" indent="0">
-              <a:buNone/>
-            </a:pPr>
-            <a:r>
-              <a:rPr lang="en-GB" dirty="0"/>
-              <a:t>PUSH FILES TO MARVIN (please look up the commands)</a:t>
-            </a:r>
-          </a:p>
-          <a:p>
-            <a:r>
-              <a:rPr lang="en-GB" dirty="0" err="1"/>
-              <a:t>rsync</a:t>
-            </a:r>
-            <a:r>
-              <a:rPr lang="en-GB" dirty="0"/>
-              <a:t> -</a:t>
-            </a:r>
-            <a:r>
-              <a:rPr lang="en-GB" dirty="0" err="1"/>
-              <a:t>avzhe</a:t>
-            </a:r>
-            <a:r>
-              <a:rPr lang="en-GB" dirty="0"/>
-              <a:t> </a:t>
-            </a:r>
-            <a:r>
-              <a:rPr lang="en-GB" dirty="0" err="1"/>
-              <a:t>ssh</a:t>
-            </a:r>
-            <a:r>
-              <a:rPr lang="en-GB" dirty="0"/>
-              <a:t> </a:t>
-            </a:r>
-            <a:r>
-              <a:rPr lang="en-GB" dirty="0" err="1"/>
-              <a:t>file_</a:t>
-            </a:r>
-            <a:r>
-              <a:rPr lang="en-GB" err="1"/>
-              <a:t>to</a:t>
-            </a:r>
-            <a:r>
-              <a:rPr lang="en-GB"/>
-              <a:t>_transfer </a:t>
-            </a:r>
-            <a:r>
-              <a:rPr lang="en-GB" dirty="0"/>
-              <a:t>$USER@marvin.st-andrews.ac.uk:/</a:t>
-            </a:r>
-            <a:r>
-              <a:rPr lang="en-GB" dirty="0" err="1"/>
-              <a:t>path_to</a:t>
-            </a:r>
-            <a:r>
-              <a:rPr lang="en-GB" dirty="0"/>
-              <a:t>/</a:t>
+              <a:rPr lang="en-GB" dirty="0"/>
+              <a:t>Same as previous page but ….Mount the scratch, you still have to navigate to it, like so:</a:t>
+            </a:r>
+          </a:p>
+          <a:p>
+            <a:r>
+              <a:rPr lang="en-GB" dirty="0"/>
+              <a:t>\\sshfs.k\USERNAME@kennedy10/../../scratch/bioinf/USERNAME</a:t>
             </a:r>
           </a:p>
         </p:txBody>
@@ -5697,7 +5747,7 @@
     </p:spTree>
     <p:extLst>
       <p:ext uri="{BB962C8B-B14F-4D97-AF65-F5344CB8AC3E}">
-        <p14:creationId xmlns:p14="http://schemas.microsoft.com/office/powerpoint/2010/main" val="3049080994"/>
+        <p14:creationId xmlns:p14="http://schemas.microsoft.com/office/powerpoint/2010/main" val="3084461843"/>
       </p:ext>
     </p:extLst>
   </p:cSld>
@@ -5729,6 +5779,210 @@
           <p:cNvPr id="2" name="Title 1">
             <a:extLst>
               <a:ext uri="{FF2B5EF4-FFF2-40B4-BE49-F238E27FC236}">
+                <a16:creationId xmlns:a16="http://schemas.microsoft.com/office/drawing/2014/main" id="{3DAF2EFB-29F6-4047-9F2C-2E06E6DC2F26}"/>
+              </a:ext>
+            </a:extLst>
+          </p:cNvPr>
+          <p:cNvSpPr>
+            <a:spLocks noGrp="1"/>
+          </p:cNvSpPr>
+          <p:nvPr>
+            <p:ph type="title"/>
+          </p:nvPr>
+        </p:nvSpPr>
+        <p:spPr/>
+        <p:txBody>
+          <a:bodyPr/>
+          <a:lstStyle/>
+          <a:p>
+            <a:r>
+              <a:rPr lang="en-GB" dirty="0"/>
+              <a:t>Copy data from </a:t>
+            </a:r>
+            <a:r>
+              <a:rPr lang="en-GB" dirty="0" err="1"/>
+              <a:t>marvin</a:t>
+            </a:r>
+            <a:r>
+              <a:rPr lang="en-GB" dirty="0"/>
+              <a:t> – or push to </a:t>
+            </a:r>
+            <a:r>
+              <a:rPr lang="en-GB" dirty="0" err="1"/>
+              <a:t>marvin</a:t>
+            </a:r>
+            <a:r>
+              <a:rPr lang="en-GB" dirty="0"/>
+              <a:t> for backup</a:t>
+            </a:r>
+          </a:p>
+        </p:txBody>
+      </p:sp>
+      <p:sp>
+        <p:nvSpPr>
+          <p:cNvPr id="3" name="Content Placeholder 2">
+            <a:extLst>
+              <a:ext uri="{FF2B5EF4-FFF2-40B4-BE49-F238E27FC236}">
+                <a16:creationId xmlns:a16="http://schemas.microsoft.com/office/drawing/2014/main" id="{6561B7F6-698A-4F90-BA7E-512A0F1A4E95}"/>
+              </a:ext>
+            </a:extLst>
+          </p:cNvPr>
+          <p:cNvSpPr>
+            <a:spLocks noGrp="1"/>
+          </p:cNvSpPr>
+          <p:nvPr>
+            <p:ph idx="1"/>
+          </p:nvPr>
+        </p:nvSpPr>
+        <p:spPr>
+          <a:xfrm>
+            <a:off x="506896" y="2136913"/>
+            <a:ext cx="10697818" cy="5103537"/>
+          </a:xfrm>
+        </p:spPr>
+        <p:txBody>
+          <a:bodyPr/>
+          <a:lstStyle/>
+          <a:p>
+            <a:r>
+              <a:rPr lang="en-GB" dirty="0">
+                <a:hlinkClick r:id="rId2"/>
+              </a:rPr>
+              <a:t>https://www.tecmint.com/rsync-local-remote-file-synchronization-commands/</a:t>
+            </a:r>
+            <a:endParaRPr lang="en-GB" dirty="0"/>
+          </a:p>
+          <a:p>
+            <a:r>
+              <a:rPr lang="en-GB" dirty="0" err="1"/>
+              <a:t>rsync</a:t>
+            </a:r>
+            <a:r>
+              <a:rPr lang="en-GB" dirty="0"/>
+              <a:t> -</a:t>
+            </a:r>
+            <a:r>
+              <a:rPr lang="en-GB" dirty="0" err="1"/>
+              <a:t>av</a:t>
+            </a:r>
+            <a:r>
+              <a:rPr lang="en-GB" dirty="0"/>
+              <a:t> &lt;user&gt;@</a:t>
+            </a:r>
+            <a:r>
+              <a:rPr lang="en-GB" dirty="0" err="1"/>
+              <a:t>marvin.st-andrews.ac.uk:path</a:t>
+            </a:r>
+            <a:r>
+              <a:rPr lang="en-GB" dirty="0"/>
+              <a:t>/ path/</a:t>
+            </a:r>
+          </a:p>
+          <a:p>
+            <a:r>
+              <a:rPr lang="en-GB" dirty="0"/>
+              <a:t>Type yes, then your </a:t>
+            </a:r>
+            <a:r>
+              <a:rPr lang="en-GB" dirty="0" err="1"/>
+              <a:t>marvin</a:t>
+            </a:r>
+            <a:r>
+              <a:rPr lang="en-GB" dirty="0"/>
+              <a:t> password</a:t>
+            </a:r>
+          </a:p>
+          <a:p>
+            <a:endParaRPr lang="en-GB" dirty="0"/>
+          </a:p>
+          <a:p>
+            <a:pPr marL="0" indent="0">
+              <a:buNone/>
+            </a:pPr>
+            <a:r>
+              <a:rPr lang="en-GB" dirty="0"/>
+              <a:t>PUSH FILES TO MARVIN (please look up the commands)</a:t>
+            </a:r>
+          </a:p>
+          <a:p>
+            <a:r>
+              <a:rPr lang="en-GB" dirty="0" err="1"/>
+              <a:t>rsync</a:t>
+            </a:r>
+            <a:r>
+              <a:rPr lang="en-GB" dirty="0"/>
+              <a:t> -</a:t>
+            </a:r>
+            <a:r>
+              <a:rPr lang="en-GB" dirty="0" err="1"/>
+              <a:t>avzhe</a:t>
+            </a:r>
+            <a:r>
+              <a:rPr lang="en-GB" dirty="0"/>
+              <a:t> </a:t>
+            </a:r>
+            <a:r>
+              <a:rPr lang="en-GB" dirty="0" err="1"/>
+              <a:t>ssh</a:t>
+            </a:r>
+            <a:r>
+              <a:rPr lang="en-GB" dirty="0"/>
+              <a:t> </a:t>
+            </a:r>
+            <a:r>
+              <a:rPr lang="en-GB" dirty="0" err="1"/>
+              <a:t>file_to_transfer</a:t>
+            </a:r>
+            <a:r>
+              <a:rPr lang="en-GB" dirty="0"/>
+              <a:t> $USER@marvin.st-andrews.ac.uk:/</a:t>
+            </a:r>
+            <a:r>
+              <a:rPr lang="en-GB" dirty="0" err="1"/>
+              <a:t>path_to</a:t>
+            </a:r>
+            <a:r>
+              <a:rPr lang="en-GB" dirty="0"/>
+              <a:t>/</a:t>
+            </a:r>
+          </a:p>
+        </p:txBody>
+      </p:sp>
+    </p:spTree>
+    <p:extLst>
+      <p:ext uri="{BB962C8B-B14F-4D97-AF65-F5344CB8AC3E}">
+        <p14:creationId xmlns:p14="http://schemas.microsoft.com/office/powerpoint/2010/main" val="3049080994"/>
+      </p:ext>
+    </p:extLst>
+  </p:cSld>
+  <p:clrMapOvr>
+    <a:masterClrMapping/>
+  </p:clrMapOvr>
+</p:sld>
+</file>
+
+<file path=ppt/slides/slide22.xml><?xml version="1.0" encoding="utf-8"?>
+<p:sld xmlns:a="http://schemas.openxmlformats.org/drawingml/2006/main" xmlns:r="http://schemas.openxmlformats.org/officeDocument/2006/relationships" xmlns:p="http://schemas.openxmlformats.org/presentationml/2006/main">
+  <p:cSld>
+    <p:spTree>
+      <p:nvGrpSpPr>
+        <p:cNvPr id="1" name=""/>
+        <p:cNvGrpSpPr/>
+        <p:nvPr/>
+      </p:nvGrpSpPr>
+      <p:grpSpPr>
+        <a:xfrm>
+          <a:off x="0" y="0"/>
+          <a:ext cx="0" cy="0"/>
+          <a:chOff x="0" y="0"/>
+          <a:chExt cx="0" cy="0"/>
+        </a:xfrm>
+      </p:grpSpPr>
+      <p:sp>
+        <p:nvSpPr>
+          <p:cNvPr id="2" name="Title 1">
+            <a:extLst>
+              <a:ext uri="{FF2B5EF4-FFF2-40B4-BE49-F238E27FC236}">
                 <a16:creationId xmlns:a16="http://schemas.microsoft.com/office/drawing/2014/main" id="{B76C8BBA-4E26-4720-B44A-C25097B14832}"/>
               </a:ext>
             </a:extLst>
@@ -5822,7 +6076,7 @@
 </p:sld>
 </file>
 
-<file path=ppt/slides/slide22.xml><?xml version="1.0" encoding="utf-8"?>
+<file path=ppt/slides/slide23.xml><?xml version="1.0" encoding="utf-8"?>
 <p:sld xmlns:a="http://schemas.openxmlformats.org/drawingml/2006/main" xmlns:r="http://schemas.openxmlformats.org/officeDocument/2006/relationships" xmlns:p="http://schemas.openxmlformats.org/presentationml/2006/main">
   <p:cSld>
     <p:spTree>
@@ -5966,7 +6220,7 @@
           <p:cNvPr id="2" name="Title 1">
             <a:extLst>
               <a:ext uri="{FF2B5EF4-FFF2-40B4-BE49-F238E27FC236}">
-                <a16:creationId xmlns:a16="http://schemas.microsoft.com/office/drawing/2014/main" id="{313F6350-86FB-4277-9F9D-90A49935F210}"/>
+                <a16:creationId xmlns:a16="http://schemas.microsoft.com/office/drawing/2014/main" id="{7EB335D1-6D3A-43EE-88A8-FA159BFA4934}"/>
               </a:ext>
             </a:extLst>
           </p:cNvPr>
@@ -5984,7 +6238,7 @@
           <a:p>
             <a:r>
               <a:rPr lang="en-GB" dirty="0"/>
-              <a:t>Apple MAC people</a:t>
+              <a:t>Herbert’s excellent existing documentation</a:t>
             </a:r>
           </a:p>
         </p:txBody>
@@ -5994,7 +6248,7 @@
           <p:cNvPr id="3" name="Content Placeholder 2">
             <a:extLst>
               <a:ext uri="{FF2B5EF4-FFF2-40B4-BE49-F238E27FC236}">
-                <a16:creationId xmlns:a16="http://schemas.microsoft.com/office/drawing/2014/main" id="{1BC067AB-C799-4390-A614-CFA5D1F4EE2F}"/>
+                <a16:creationId xmlns:a16="http://schemas.microsoft.com/office/drawing/2014/main" id="{FCBCB3D7-82E8-4127-B030-DF2CD7D5C335}"/>
               </a:ext>
             </a:extLst>
           </p:cNvPr>
@@ -6012,56 +6266,17 @@
           <a:p>
             <a:r>
               <a:rPr lang="en-GB" dirty="0"/>
-              <a:t>open a terminal and enter the command "</a:t>
-            </a:r>
-            <a:r>
-              <a:rPr lang="en-GB" dirty="0" err="1"/>
-              <a:t>ssh</a:t>
-            </a:r>
-            <a:r>
-              <a:rPr lang="en-GB" dirty="0"/>
-              <a:t>-keygen". Accept all default filenames. Choose a passphrase when asked for one. Then email the sys admins the file .</a:t>
-            </a:r>
-            <a:r>
-              <a:rPr lang="en-GB" dirty="0" err="1"/>
-              <a:t>ssh</a:t>
-            </a:r>
-            <a:r>
-              <a:rPr lang="en-GB" dirty="0"/>
-              <a:t>/id_rsa.pub. </a:t>
-            </a:r>
-          </a:p>
-          <a:p>
-            <a:r>
-              <a:rPr lang="en-GB" dirty="0"/>
-              <a:t>Directories starting with a . are normally not visible, so it might be easiest to first copy that file into your home</a:t>
-            </a:r>
-          </a:p>
-          <a:p>
-            <a:r>
-              <a:rPr lang="en-GB" dirty="0"/>
-              <a:t>directory:</a:t>
-            </a:r>
-          </a:p>
-          <a:p>
-            <a:pPr marL="0" indent="0">
-              <a:buNone/>
-            </a:pPr>
-            <a:endParaRPr lang="en-GB" dirty="0"/>
-          </a:p>
-          <a:p>
-            <a:r>
-              <a:rPr lang="en-GB" dirty="0"/>
-              <a:t>cp ~/.</a:t>
-            </a:r>
-            <a:r>
-              <a:rPr lang="en-GB" dirty="0" err="1"/>
-              <a:t>ssh</a:t>
-            </a:r>
-            <a:r>
-              <a:rPr lang="en-GB" dirty="0"/>
-              <a:t>/id_rsa.pub</a:t>
-            </a:r>
+              <a:t>Please also see here:</a:t>
+            </a:r>
+          </a:p>
+          <a:p>
+            <a:r>
+              <a:rPr lang="en-GB" sz="1800" u="sng" dirty="0">
+                <a:hlinkClick r:id="rId2"/>
+              </a:rPr>
+              <a:t>https://universityofstandrews907.sharepoint.com/sites/chemistry/CurrentStudents/Shared%20Documents/Forms/AllItems.aspx?id=%2Fsites%2Fchemistry%2FCurrentStudents%2FShared%20Documents%2Fug%2FERCF%5FIntroduction%2Epdf&amp;parent=%2Fsites%2Fchemistry%2FCurrentStudents%2FShared%20Documents%2Fug&amp;p=true&amp;originalPath=aHR0cHM6Ly91bml2ZXJzaXR5b2ZzdGFuZHJld3M5MDcuc2hhcmVwb2ludC5jb20vOmI6L3MvY2hlbWlzdHJ5L0N1cnJlbnRTdHVkZW50cy9FY1RrWjZzZ0xfaEZnZzFGY0dUZXRZNEJicHFCWHhvNF9Pc3cwRXF3NGlXNDFRP3J0aW1lPUEyLVl0YW5jMTBn</a:t>
+            </a:r>
+            <a:endParaRPr lang="en-GB" sz="1800" dirty="0"/>
           </a:p>
           <a:p>
             <a:endParaRPr lang="en-GB" dirty="0"/>
@@ -6071,7 +6286,7 @@
     </p:spTree>
     <p:extLst>
       <p:ext uri="{BB962C8B-B14F-4D97-AF65-F5344CB8AC3E}">
-        <p14:creationId xmlns:p14="http://schemas.microsoft.com/office/powerpoint/2010/main" val="1764558400"/>
+        <p14:creationId xmlns:p14="http://schemas.microsoft.com/office/powerpoint/2010/main" val="983183553"/>
       </p:ext>
     </p:extLst>
   </p:cSld>
@@ -6103,7 +6318,7 @@
           <p:cNvPr id="2" name="Title 1">
             <a:extLst>
               <a:ext uri="{FF2B5EF4-FFF2-40B4-BE49-F238E27FC236}">
-                <a16:creationId xmlns:a16="http://schemas.microsoft.com/office/drawing/2014/main" id="{BEBACC13-EAEC-4640-9325-DA4F1D4E3486}"/>
+                <a16:creationId xmlns:a16="http://schemas.microsoft.com/office/drawing/2014/main" id="{313F6350-86FB-4277-9F9D-90A49935F210}"/>
               </a:ext>
             </a:extLst>
           </p:cNvPr>
@@ -6114,19 +6329,14 @@
             <p:ph type="title"/>
           </p:nvPr>
         </p:nvSpPr>
-        <p:spPr>
-          <a:xfrm>
-            <a:off x="768626" y="216038"/>
-            <a:ext cx="10515600" cy="1325563"/>
-          </a:xfrm>
-        </p:spPr>
-        <p:txBody>
-          <a:bodyPr/>
-          <a:lstStyle/>
-          <a:p>
-            <a:r>
-              <a:rPr lang="en-GB" dirty="0"/>
-              <a:t>Create a public and private key using putty-gen</a:t>
+        <p:spPr/>
+        <p:txBody>
+          <a:bodyPr/>
+          <a:lstStyle/>
+          <a:p>
+            <a:r>
+              <a:rPr lang="en-GB" dirty="0"/>
+              <a:t>Apple MAC people</a:t>
             </a:r>
           </a:p>
         </p:txBody>
@@ -6136,7 +6346,7 @@
           <p:cNvPr id="3" name="Content Placeholder 2">
             <a:extLst>
               <a:ext uri="{FF2B5EF4-FFF2-40B4-BE49-F238E27FC236}">
-                <a16:creationId xmlns:a16="http://schemas.microsoft.com/office/drawing/2014/main" id="{62454BF7-DD9A-400E-9673-4E435CC30B78}"/>
+                <a16:creationId xmlns:a16="http://schemas.microsoft.com/office/drawing/2014/main" id="{1BC067AB-C799-4390-A614-CFA5D1F4EE2F}"/>
               </a:ext>
             </a:extLst>
           </p:cNvPr>
@@ -6147,85 +6357,42 @@
             <p:ph idx="1"/>
           </p:nvPr>
         </p:nvSpPr>
-        <p:spPr>
-          <a:xfrm>
-            <a:off x="288235" y="1690688"/>
-            <a:ext cx="11065565" cy="4486275"/>
-          </a:xfrm>
-        </p:spPr>
-        <p:txBody>
-          <a:bodyPr>
-            <a:normAutofit fontScale="92500" lnSpcReduction="20000"/>
-          </a:bodyPr>
-          <a:lstStyle/>
-          <a:p>
-            <a:r>
-              <a:rPr lang="en-GB" dirty="0"/>
-              <a:t>Type putty gen in the window search bar (download and install if needed)</a:t>
-            </a:r>
-          </a:p>
-          <a:p>
-            <a:r>
-              <a:rPr lang="en-GB" dirty="0"/>
-              <a:t>Click on generate and wiggle the mouse. </a:t>
-            </a:r>
-          </a:p>
-          <a:p>
-            <a:r>
-              <a:rPr lang="en-GB" dirty="0"/>
-              <a:t>Save private key to : C:\Users\username\.ssh\putty_priv.ppk</a:t>
-            </a:r>
-          </a:p>
-          <a:p>
-            <a:r>
-              <a:rPr lang="en-GB" dirty="0"/>
-              <a:t>Email the </a:t>
-            </a:r>
-            <a:r>
-              <a:rPr lang="en-GB" b="1" u="sng" dirty="0"/>
-              <a:t>public</a:t>
-            </a:r>
-            <a:r>
-              <a:rPr lang="en-GB" dirty="0"/>
-              <a:t> key to the sys admins. (this is used for authentication).  (do not ever share you private key)</a:t>
-            </a:r>
-          </a:p>
-          <a:p>
-            <a:r>
-              <a:rPr lang="en-GB" b="1" dirty="0"/>
-              <a:t>For those of you who use Windows and create a key with </a:t>
-            </a:r>
-            <a:r>
-              <a:rPr lang="en-GB" b="1" dirty="0" err="1"/>
-              <a:t>PuTTYgen</a:t>
-            </a:r>
-            <a:r>
-              <a:rPr lang="en-GB" b="1" dirty="0"/>
-              <a:t>: What you need to send is not the public key saved from </a:t>
-            </a:r>
-            <a:r>
-              <a:rPr lang="en-GB" b="1" dirty="0" err="1"/>
-              <a:t>PuTTYgen</a:t>
-            </a:r>
-            <a:r>
-              <a:rPr lang="en-GB" b="1" dirty="0"/>
-              <a:t>, but the string in the upper grey part of the </a:t>
-            </a:r>
-            <a:r>
-              <a:rPr lang="en-GB" b="1" dirty="0" err="1"/>
-              <a:t>PuTTYgen</a:t>
-            </a:r>
-            <a:r>
-              <a:rPr lang="en-GB" b="1" dirty="0"/>
-              <a:t> window that says "Public key for pasting into OpenSSH </a:t>
-            </a:r>
-            <a:r>
-              <a:rPr lang="en-GB" b="1" dirty="0" err="1"/>
-              <a:t>authorized_keys</a:t>
-            </a:r>
-            <a:r>
-              <a:rPr lang="en-GB" b="1" dirty="0"/>
-              <a:t> file". Copy and paste this into a text file or just into the email.</a:t>
+        <p:spPr/>
+        <p:txBody>
+          <a:bodyPr/>
+          <a:lstStyle/>
+          <a:p>
+            <a:r>
+              <a:rPr lang="en-GB" dirty="0"/>
+              <a:t>open a terminal and enter the command "</a:t>
+            </a:r>
+            <a:r>
+              <a:rPr lang="en-GB" dirty="0" err="1"/>
+              <a:t>ssh</a:t>
+            </a:r>
+            <a:r>
+              <a:rPr lang="en-GB" dirty="0"/>
+              <a:t>-keygen". Accept all default filenames. Choose a passphrase when asked for one. Then email the sys admins the file .</a:t>
+            </a:r>
+            <a:r>
+              <a:rPr lang="en-GB" dirty="0" err="1"/>
+              <a:t>ssh</a:t>
+            </a:r>
+            <a:r>
+              <a:rPr lang="en-GB" dirty="0"/>
+              <a:t>/id_rsa.pub. </a:t>
+            </a:r>
+          </a:p>
+          <a:p>
+            <a:r>
+              <a:rPr lang="en-GB" dirty="0"/>
+              <a:t>Directories starting with a . are normally not visible, so it might be easiest to first copy that file into your home</a:t>
+            </a:r>
+          </a:p>
+          <a:p>
+            <a:r>
+              <a:rPr lang="en-GB" dirty="0"/>
+              <a:t>directory:</a:t>
             </a:r>
           </a:p>
           <a:p>
@@ -6237,15 +6404,7 @@
           <a:p>
             <a:r>
               <a:rPr lang="en-GB" dirty="0"/>
-              <a:t>The key should be called/renamed </a:t>
-            </a:r>
-            <a:r>
-              <a:rPr lang="en-GB" dirty="0" err="1"/>
-              <a:t>authorized_keys</a:t>
-            </a:r>
-            <a:r>
-              <a:rPr lang="en-GB" dirty="0"/>
-              <a:t> when put in the .</a:t>
+              <a:t>cp ~/.</a:t>
             </a:r>
             <a:r>
               <a:rPr lang="en-GB" dirty="0" err="1"/>
@@ -6253,23 +6412,18 @@
             </a:r>
             <a:r>
               <a:rPr lang="en-GB" dirty="0"/>
-              <a:t> folder in the $HOME on </a:t>
-            </a:r>
-            <a:r>
-              <a:rPr lang="en-GB" dirty="0" err="1"/>
-              <a:t>kennedy</a:t>
-            </a:r>
-            <a:r>
-              <a:rPr lang="en-GB" dirty="0"/>
-              <a:t> – this will be done by the sys admin</a:t>
-            </a:r>
+              <a:t>/id_rsa.pub</a:t>
+            </a:r>
+          </a:p>
+          <a:p>
+            <a:endParaRPr lang="en-GB" dirty="0"/>
           </a:p>
         </p:txBody>
       </p:sp>
     </p:spTree>
     <p:extLst>
       <p:ext uri="{BB962C8B-B14F-4D97-AF65-F5344CB8AC3E}">
-        <p14:creationId xmlns:p14="http://schemas.microsoft.com/office/powerpoint/2010/main" val="4293089992"/>
+        <p14:creationId xmlns:p14="http://schemas.microsoft.com/office/powerpoint/2010/main" val="1764558400"/>
       </p:ext>
     </p:extLst>
   </p:cSld>
@@ -6301,6 +6455,204 @@
           <p:cNvPr id="2" name="Title 1">
             <a:extLst>
               <a:ext uri="{FF2B5EF4-FFF2-40B4-BE49-F238E27FC236}">
+                <a16:creationId xmlns:a16="http://schemas.microsoft.com/office/drawing/2014/main" id="{BEBACC13-EAEC-4640-9325-DA4F1D4E3486}"/>
+              </a:ext>
+            </a:extLst>
+          </p:cNvPr>
+          <p:cNvSpPr>
+            <a:spLocks noGrp="1"/>
+          </p:cNvSpPr>
+          <p:nvPr>
+            <p:ph type="title"/>
+          </p:nvPr>
+        </p:nvSpPr>
+        <p:spPr>
+          <a:xfrm>
+            <a:off x="768626" y="216038"/>
+            <a:ext cx="10515600" cy="1325563"/>
+          </a:xfrm>
+        </p:spPr>
+        <p:txBody>
+          <a:bodyPr/>
+          <a:lstStyle/>
+          <a:p>
+            <a:r>
+              <a:rPr lang="en-GB" dirty="0"/>
+              <a:t>Create a public and private key using putty-gen</a:t>
+            </a:r>
+          </a:p>
+        </p:txBody>
+      </p:sp>
+      <p:sp>
+        <p:nvSpPr>
+          <p:cNvPr id="3" name="Content Placeholder 2">
+            <a:extLst>
+              <a:ext uri="{FF2B5EF4-FFF2-40B4-BE49-F238E27FC236}">
+                <a16:creationId xmlns:a16="http://schemas.microsoft.com/office/drawing/2014/main" id="{62454BF7-DD9A-400E-9673-4E435CC30B78}"/>
+              </a:ext>
+            </a:extLst>
+          </p:cNvPr>
+          <p:cNvSpPr>
+            <a:spLocks noGrp="1"/>
+          </p:cNvSpPr>
+          <p:nvPr>
+            <p:ph idx="1"/>
+          </p:nvPr>
+        </p:nvSpPr>
+        <p:spPr>
+          <a:xfrm>
+            <a:off x="288235" y="1690688"/>
+            <a:ext cx="11065565" cy="4486275"/>
+          </a:xfrm>
+        </p:spPr>
+        <p:txBody>
+          <a:bodyPr>
+            <a:normAutofit fontScale="92500" lnSpcReduction="20000"/>
+          </a:bodyPr>
+          <a:lstStyle/>
+          <a:p>
+            <a:r>
+              <a:rPr lang="en-GB" dirty="0"/>
+              <a:t>Type putty gen in the window search bar (download and install if needed)</a:t>
+            </a:r>
+          </a:p>
+          <a:p>
+            <a:r>
+              <a:rPr lang="en-GB" dirty="0"/>
+              <a:t>Click on generate and wiggle the mouse. </a:t>
+            </a:r>
+          </a:p>
+          <a:p>
+            <a:r>
+              <a:rPr lang="en-GB" dirty="0"/>
+              <a:t>Save private key to : C:\Users\username\.ssh\putty_priv.ppk</a:t>
+            </a:r>
+          </a:p>
+          <a:p>
+            <a:r>
+              <a:rPr lang="en-GB" dirty="0"/>
+              <a:t>Email the </a:t>
+            </a:r>
+            <a:r>
+              <a:rPr lang="en-GB" b="1" u="sng" dirty="0"/>
+              <a:t>public</a:t>
+            </a:r>
+            <a:r>
+              <a:rPr lang="en-GB" dirty="0"/>
+              <a:t> key to the sys admins. (this is used for authentication).  (do not ever share you private key)</a:t>
+            </a:r>
+          </a:p>
+          <a:p>
+            <a:r>
+              <a:rPr lang="en-GB" b="1" dirty="0"/>
+              <a:t>For those of you who use Windows and create a key with </a:t>
+            </a:r>
+            <a:r>
+              <a:rPr lang="en-GB" b="1" dirty="0" err="1"/>
+              <a:t>PuTTYgen</a:t>
+            </a:r>
+            <a:r>
+              <a:rPr lang="en-GB" b="1" dirty="0"/>
+              <a:t>: What you need to send is not the public key saved from </a:t>
+            </a:r>
+            <a:r>
+              <a:rPr lang="en-GB" b="1" dirty="0" err="1"/>
+              <a:t>PuTTYgen</a:t>
+            </a:r>
+            <a:r>
+              <a:rPr lang="en-GB" b="1" dirty="0"/>
+              <a:t>, but the string in the upper grey part of the </a:t>
+            </a:r>
+            <a:r>
+              <a:rPr lang="en-GB" b="1" dirty="0" err="1"/>
+              <a:t>PuTTYgen</a:t>
+            </a:r>
+            <a:r>
+              <a:rPr lang="en-GB" b="1" dirty="0"/>
+              <a:t> window that says "Public key for pasting into OpenSSH </a:t>
+            </a:r>
+            <a:r>
+              <a:rPr lang="en-GB" b="1" dirty="0" err="1"/>
+              <a:t>authorized_keys</a:t>
+            </a:r>
+            <a:r>
+              <a:rPr lang="en-GB" b="1" dirty="0"/>
+              <a:t> file". Copy and paste this into a text file or just into the email.</a:t>
+            </a:r>
+          </a:p>
+          <a:p>
+            <a:pPr marL="0" indent="0">
+              <a:buNone/>
+            </a:pPr>
+            <a:endParaRPr lang="en-GB" dirty="0"/>
+          </a:p>
+          <a:p>
+            <a:r>
+              <a:rPr lang="en-GB" dirty="0"/>
+              <a:t>The key should be called/renamed </a:t>
+            </a:r>
+            <a:r>
+              <a:rPr lang="en-GB" dirty="0" err="1"/>
+              <a:t>authorized_keys</a:t>
+            </a:r>
+            <a:r>
+              <a:rPr lang="en-GB" dirty="0"/>
+              <a:t> when put in the .</a:t>
+            </a:r>
+            <a:r>
+              <a:rPr lang="en-GB" dirty="0" err="1"/>
+              <a:t>ssh</a:t>
+            </a:r>
+            <a:r>
+              <a:rPr lang="en-GB" dirty="0"/>
+              <a:t> folder in the $HOME on </a:t>
+            </a:r>
+            <a:r>
+              <a:rPr lang="en-GB" dirty="0" err="1"/>
+              <a:t>kennedy</a:t>
+            </a:r>
+            <a:r>
+              <a:rPr lang="en-GB" dirty="0"/>
+              <a:t> – this will be done by the sys admin</a:t>
+            </a:r>
+          </a:p>
+        </p:txBody>
+      </p:sp>
+    </p:spTree>
+    <p:extLst>
+      <p:ext uri="{BB962C8B-B14F-4D97-AF65-F5344CB8AC3E}">
+        <p14:creationId xmlns:p14="http://schemas.microsoft.com/office/powerpoint/2010/main" val="4293089992"/>
+      </p:ext>
+    </p:extLst>
+  </p:cSld>
+  <p:clrMapOvr>
+    <a:masterClrMapping/>
+  </p:clrMapOvr>
+</p:sld>
+</file>
+
+<file path=ppt/slides/slide6.xml><?xml version="1.0" encoding="utf-8"?>
+<p:sld xmlns:a="http://schemas.openxmlformats.org/drawingml/2006/main" xmlns:r="http://schemas.openxmlformats.org/officeDocument/2006/relationships" xmlns:p="http://schemas.openxmlformats.org/presentationml/2006/main">
+  <p:cSld>
+    <p:spTree>
+      <p:nvGrpSpPr>
+        <p:cNvPr id="1" name=""/>
+        <p:cNvGrpSpPr/>
+        <p:nvPr/>
+      </p:nvGrpSpPr>
+      <p:grpSpPr>
+        <a:xfrm>
+          <a:off x="0" y="0"/>
+          <a:ext cx="0" cy="0"/>
+          <a:chOff x="0" y="0"/>
+          <a:chExt cx="0" cy="0"/>
+        </a:xfrm>
+      </p:grpSpPr>
+      <p:sp>
+        <p:nvSpPr>
+          <p:cNvPr id="2" name="Title 1">
+            <a:extLst>
+              <a:ext uri="{FF2B5EF4-FFF2-40B4-BE49-F238E27FC236}">
                 <a16:creationId xmlns:a16="http://schemas.microsoft.com/office/drawing/2014/main" id="{73BBFD1A-A12F-4D56-BD2B-4ADF05E26BE6}"/>
               </a:ext>
             </a:extLst>
@@ -6475,7 +6827,7 @@
 </p:sld>
 </file>
 
-<file path=ppt/slides/slide6.xml><?xml version="1.0" encoding="utf-8"?>
+<file path=ppt/slides/slide7.xml><?xml version="1.0" encoding="utf-8"?>
 <p:sld xmlns:a="http://schemas.openxmlformats.org/drawingml/2006/main" xmlns:r="http://schemas.openxmlformats.org/officeDocument/2006/relationships" xmlns:p="http://schemas.openxmlformats.org/presentationml/2006/main">
   <p:cSld>
     <p:spTree>
@@ -6656,7 +7008,7 @@
 </p:sld>
 </file>
 
-<file path=ppt/slides/slide7.xml><?xml version="1.0" encoding="utf-8"?>
+<file path=ppt/slides/slide8.xml><?xml version="1.0" encoding="utf-8"?>
 <p:sld xmlns:a="http://schemas.openxmlformats.org/drawingml/2006/main" xmlns:r="http://schemas.openxmlformats.org/officeDocument/2006/relationships" xmlns:p="http://schemas.openxmlformats.org/presentationml/2006/main">
   <p:cSld>
     <p:spTree>
@@ -6920,7 +7272,7 @@
 </p:sld>
 </file>
 
-<file path=ppt/slides/slide8.xml><?xml version="1.0" encoding="utf-8"?>
+<file path=ppt/slides/slide9.xml><?xml version="1.0" encoding="utf-8"?>
 <p:sld xmlns:a="http://schemas.openxmlformats.org/drawingml/2006/main" xmlns:r="http://schemas.openxmlformats.org/officeDocument/2006/relationships" xmlns:p="http://schemas.openxmlformats.org/presentationml/2006/main">
   <p:cSld>
     <p:spTree>
@@ -7200,224 +7552,6 @@
     <p:extLst>
       <p:ext uri="{BB962C8B-B14F-4D97-AF65-F5344CB8AC3E}">
         <p14:creationId xmlns:p14="http://schemas.microsoft.com/office/powerpoint/2010/main" val="3772392640"/>
-      </p:ext>
-    </p:extLst>
-  </p:cSld>
-  <p:clrMapOvr>
-    <a:masterClrMapping/>
-  </p:clrMapOvr>
-</p:sld>
-</file>
-
-<file path=ppt/slides/slide9.xml><?xml version="1.0" encoding="utf-8"?>
-<p:sld xmlns:a="http://schemas.openxmlformats.org/drawingml/2006/main" xmlns:r="http://schemas.openxmlformats.org/officeDocument/2006/relationships" xmlns:p="http://schemas.openxmlformats.org/presentationml/2006/main">
-  <p:cSld>
-    <p:spTree>
-      <p:nvGrpSpPr>
-        <p:cNvPr id="1" name=""/>
-        <p:cNvGrpSpPr/>
-        <p:nvPr/>
-      </p:nvGrpSpPr>
-      <p:grpSpPr>
-        <a:xfrm>
-          <a:off x="0" y="0"/>
-          <a:ext cx="0" cy="0"/>
-          <a:chOff x="0" y="0"/>
-          <a:chExt cx="0" cy="0"/>
-        </a:xfrm>
-      </p:grpSpPr>
-      <p:sp>
-        <p:nvSpPr>
-          <p:cNvPr id="2" name="Title 1">
-            <a:extLst>
-              <a:ext uri="{FF2B5EF4-FFF2-40B4-BE49-F238E27FC236}">
-                <a16:creationId xmlns:a16="http://schemas.microsoft.com/office/drawing/2014/main" id="{65994064-7F34-4E37-A4F8-F8945DD1F637}"/>
-              </a:ext>
-            </a:extLst>
-          </p:cNvPr>
-          <p:cNvSpPr>
-            <a:spLocks noGrp="1"/>
-          </p:cNvSpPr>
-          <p:nvPr>
-            <p:ph type="title"/>
-          </p:nvPr>
-        </p:nvSpPr>
-        <p:spPr/>
-        <p:txBody>
-          <a:bodyPr/>
-          <a:lstStyle/>
-          <a:p>
-            <a:r>
-              <a:rPr lang="en-GB" dirty="0" err="1"/>
-              <a:t>Filezilla</a:t>
-            </a:r>
-            <a:r>
-              <a:rPr lang="en-GB" dirty="0"/>
-              <a:t> file transfer</a:t>
-            </a:r>
-          </a:p>
-        </p:txBody>
-      </p:sp>
-      <p:pic>
-        <p:nvPicPr>
-          <p:cNvPr id="4" name="Content Placeholder 3">
-            <a:extLst>
-              <a:ext uri="{FF2B5EF4-FFF2-40B4-BE49-F238E27FC236}">
-                <a16:creationId xmlns:a16="http://schemas.microsoft.com/office/drawing/2014/main" id="{CBCD53F6-1964-4223-8161-EB76F4850693}"/>
-              </a:ext>
-            </a:extLst>
-          </p:cNvPr>
-          <p:cNvPicPr>
-            <a:picLocks noGrp="1" noChangeAspect="1"/>
-          </p:cNvPicPr>
-          <p:nvPr>
-            <p:ph idx="1"/>
-          </p:nvPr>
-        </p:nvPicPr>
-        <p:blipFill rotWithShape="1">
-          <a:blip r:embed="rId2" cstate="email">
-            <a:extLst>
-              <a:ext uri="{28A0092B-C50C-407E-A947-70E740481C1C}">
-                <a14:useLocalDpi xmlns:a14="http://schemas.microsoft.com/office/drawing/2010/main" val="0"/>
-              </a:ext>
-            </a:extLst>
-          </a:blip>
-          <a:srcRect/>
-          <a:stretch/>
-        </p:blipFill>
-        <p:spPr>
-          <a:xfrm>
-            <a:off x="753979" y="1491280"/>
-            <a:ext cx="10074442" cy="4941826"/>
-          </a:xfrm>
-          <a:prstGeom prst="rect">
-            <a:avLst/>
-          </a:prstGeom>
-        </p:spPr>
-      </p:pic>
-      <p:cxnSp>
-        <p:nvCxnSpPr>
-          <p:cNvPr id="6" name="Straight Arrow Connector 5">
-            <a:extLst>
-              <a:ext uri="{FF2B5EF4-FFF2-40B4-BE49-F238E27FC236}">
-                <a16:creationId xmlns:a16="http://schemas.microsoft.com/office/drawing/2014/main" id="{A3A3C607-9680-4897-B6D6-EE6554D3BD71}"/>
-              </a:ext>
-            </a:extLst>
-          </p:cNvPr>
-          <p:cNvCxnSpPr/>
-          <p:nvPr/>
-        </p:nvCxnSpPr>
-        <p:spPr>
-          <a:xfrm flipH="1">
-            <a:off x="7016817" y="924025"/>
-            <a:ext cx="952901" cy="2204186"/>
-          </a:xfrm>
-          <a:prstGeom prst="straightConnector1">
-            <a:avLst/>
-          </a:prstGeom>
-          <a:ln>
-            <a:tailEnd type="triangle"/>
-          </a:ln>
-        </p:spPr>
-        <p:style>
-          <a:lnRef idx="1">
-            <a:schemeClr val="accent1"/>
-          </a:lnRef>
-          <a:fillRef idx="0">
-            <a:schemeClr val="accent1"/>
-          </a:fillRef>
-          <a:effectRef idx="0">
-            <a:schemeClr val="accent1"/>
-          </a:effectRef>
-          <a:fontRef idx="minor">
-            <a:schemeClr val="tx1"/>
-          </a:fontRef>
-        </p:style>
-      </p:cxnSp>
-      <p:cxnSp>
-        <p:nvCxnSpPr>
-          <p:cNvPr id="8" name="Straight Arrow Connector 7">
-            <a:extLst>
-              <a:ext uri="{FF2B5EF4-FFF2-40B4-BE49-F238E27FC236}">
-                <a16:creationId xmlns:a16="http://schemas.microsoft.com/office/drawing/2014/main" id="{CD6743C8-F1A5-416F-BBC7-9987DC5011A9}"/>
-              </a:ext>
-            </a:extLst>
-          </p:cNvPr>
-          <p:cNvCxnSpPr/>
-          <p:nvPr/>
-        </p:nvCxnSpPr>
-        <p:spPr>
-          <a:xfrm flipH="1">
-            <a:off x="7180446" y="1010653"/>
-            <a:ext cx="904775" cy="2418347"/>
-          </a:xfrm>
-          <a:prstGeom prst="straightConnector1">
-            <a:avLst/>
-          </a:prstGeom>
-          <a:ln>
-            <a:tailEnd type="triangle"/>
-          </a:ln>
-        </p:spPr>
-        <p:style>
-          <a:lnRef idx="1">
-            <a:schemeClr val="accent1"/>
-          </a:lnRef>
-          <a:fillRef idx="0">
-            <a:schemeClr val="accent1"/>
-          </a:fillRef>
-          <a:effectRef idx="0">
-            <a:schemeClr val="accent1"/>
-          </a:effectRef>
-          <a:fontRef idx="minor">
-            <a:schemeClr val="tx1"/>
-          </a:fontRef>
-        </p:style>
-      </p:cxnSp>
-      <p:sp>
-        <p:nvSpPr>
-          <p:cNvPr id="9" name="TextBox 8">
-            <a:extLst>
-              <a:ext uri="{FF2B5EF4-FFF2-40B4-BE49-F238E27FC236}">
-                <a16:creationId xmlns:a16="http://schemas.microsoft.com/office/drawing/2014/main" id="{0C8FF4CE-D9FA-4457-A383-FB38E13E5D68}"/>
-              </a:ext>
-            </a:extLst>
-          </p:cNvPr>
-          <p:cNvSpPr txBox="1"/>
-          <p:nvPr/>
-        </p:nvSpPr>
-        <p:spPr>
-          <a:xfrm>
-            <a:off x="8248850" y="365125"/>
-            <a:ext cx="3378468" cy="923330"/>
-          </a:xfrm>
-          <a:prstGeom prst="rect">
-            <a:avLst/>
-          </a:prstGeom>
-          <a:noFill/>
-        </p:spPr>
-        <p:txBody>
-          <a:bodyPr wrap="square" rtlCol="0">
-            <a:spAutoFit/>
-          </a:bodyPr>
-          <a:lstStyle/>
-          <a:p>
-            <a:r>
-              <a:rPr lang="en-GB" dirty="0"/>
-              <a:t>Select key file and put the path to it in the next box.</a:t>
-            </a:r>
-          </a:p>
-          <a:p>
-            <a:r>
-              <a:rPr lang="en-GB" dirty="0"/>
-              <a:t>Fill out host and your username</a:t>
-            </a:r>
-          </a:p>
-        </p:txBody>
-      </p:sp>
-    </p:spTree>
-    <p:extLst>
-      <p:ext uri="{BB962C8B-B14F-4D97-AF65-F5344CB8AC3E}">
-        <p14:creationId xmlns:p14="http://schemas.microsoft.com/office/powerpoint/2010/main" val="2746528105"/>
       </p:ext>
     </p:extLst>
   </p:cSld>

--- a/kenedy_getting_started-V1.pptx
+++ b/kenedy_getting_started-V1.pptx
@@ -13,19 +13,19 @@
     <p:sldId id="275" r:id="rId7"/>
     <p:sldId id="271" r:id="rId8"/>
     <p:sldId id="260" r:id="rId9"/>
-    <p:sldId id="259" r:id="rId10"/>
-    <p:sldId id="262" r:id="rId11"/>
-    <p:sldId id="261" r:id="rId12"/>
-    <p:sldId id="265" r:id="rId13"/>
-    <p:sldId id="272" r:id="rId14"/>
-    <p:sldId id="273" r:id="rId15"/>
-    <p:sldId id="266" r:id="rId16"/>
-    <p:sldId id="267" r:id="rId17"/>
-    <p:sldId id="268" r:id="rId18"/>
-    <p:sldId id="270" r:id="rId19"/>
-    <p:sldId id="276" r:id="rId20"/>
-    <p:sldId id="269" r:id="rId21"/>
-    <p:sldId id="274" r:id="rId22"/>
+    <p:sldId id="274" r:id="rId10"/>
+    <p:sldId id="259" r:id="rId11"/>
+    <p:sldId id="262" r:id="rId12"/>
+    <p:sldId id="261" r:id="rId13"/>
+    <p:sldId id="265" r:id="rId14"/>
+    <p:sldId id="272" r:id="rId15"/>
+    <p:sldId id="273" r:id="rId16"/>
+    <p:sldId id="266" r:id="rId17"/>
+    <p:sldId id="267" r:id="rId18"/>
+    <p:sldId id="268" r:id="rId19"/>
+    <p:sldId id="270" r:id="rId20"/>
+    <p:sldId id="276" r:id="rId21"/>
+    <p:sldId id="269" r:id="rId22"/>
     <p:sldId id="263" r:id="rId23"/>
     <p:sldId id="277" r:id="rId24"/>
   </p:sldIdLst>
@@ -283,7 +283,7 @@
           <a:p>
             <a:fld id="{04376CE3-01A7-4075-8A57-A2BEE561C1FE}" type="datetimeFigureOut">
               <a:rPr lang="en-GB" smtClean="0"/>
-              <a:t>13/04/2020</a:t>
+              <a:t>30/04/2020</a:t>
             </a:fld>
             <a:endParaRPr lang="en-GB"/>
           </a:p>
@@ -483,7 +483,7 @@
           <a:p>
             <a:fld id="{04376CE3-01A7-4075-8A57-A2BEE561C1FE}" type="datetimeFigureOut">
               <a:rPr lang="en-GB" smtClean="0"/>
-              <a:t>13/04/2020</a:t>
+              <a:t>30/04/2020</a:t>
             </a:fld>
             <a:endParaRPr lang="en-GB"/>
           </a:p>
@@ -693,7 +693,7 @@
           <a:p>
             <a:fld id="{04376CE3-01A7-4075-8A57-A2BEE561C1FE}" type="datetimeFigureOut">
               <a:rPr lang="en-GB" smtClean="0"/>
-              <a:t>13/04/2020</a:t>
+              <a:t>30/04/2020</a:t>
             </a:fld>
             <a:endParaRPr lang="en-GB"/>
           </a:p>
@@ -893,7 +893,7 @@
           <a:p>
             <a:fld id="{04376CE3-01A7-4075-8A57-A2BEE561C1FE}" type="datetimeFigureOut">
               <a:rPr lang="en-GB" smtClean="0"/>
-              <a:t>13/04/2020</a:t>
+              <a:t>30/04/2020</a:t>
             </a:fld>
             <a:endParaRPr lang="en-GB"/>
           </a:p>
@@ -1169,7 +1169,7 @@
           <a:p>
             <a:fld id="{04376CE3-01A7-4075-8A57-A2BEE561C1FE}" type="datetimeFigureOut">
               <a:rPr lang="en-GB" smtClean="0"/>
-              <a:t>13/04/2020</a:t>
+              <a:t>30/04/2020</a:t>
             </a:fld>
             <a:endParaRPr lang="en-GB"/>
           </a:p>
@@ -1437,7 +1437,7 @@
           <a:p>
             <a:fld id="{04376CE3-01A7-4075-8A57-A2BEE561C1FE}" type="datetimeFigureOut">
               <a:rPr lang="en-GB" smtClean="0"/>
-              <a:t>13/04/2020</a:t>
+              <a:t>30/04/2020</a:t>
             </a:fld>
             <a:endParaRPr lang="en-GB"/>
           </a:p>
@@ -1852,7 +1852,7 @@
           <a:p>
             <a:fld id="{04376CE3-01A7-4075-8A57-A2BEE561C1FE}" type="datetimeFigureOut">
               <a:rPr lang="en-GB" smtClean="0"/>
-              <a:t>13/04/2020</a:t>
+              <a:t>30/04/2020</a:t>
             </a:fld>
             <a:endParaRPr lang="en-GB"/>
           </a:p>
@@ -1994,7 +1994,7 @@
           <a:p>
             <a:fld id="{04376CE3-01A7-4075-8A57-A2BEE561C1FE}" type="datetimeFigureOut">
               <a:rPr lang="en-GB" smtClean="0"/>
-              <a:t>13/04/2020</a:t>
+              <a:t>30/04/2020</a:t>
             </a:fld>
             <a:endParaRPr lang="en-GB"/>
           </a:p>
@@ -2107,7 +2107,7 @@
           <a:p>
             <a:fld id="{04376CE3-01A7-4075-8A57-A2BEE561C1FE}" type="datetimeFigureOut">
               <a:rPr lang="en-GB" smtClean="0"/>
-              <a:t>13/04/2020</a:t>
+              <a:t>30/04/2020</a:t>
             </a:fld>
             <a:endParaRPr lang="en-GB"/>
           </a:p>
@@ -2420,7 +2420,7 @@
           <a:p>
             <a:fld id="{04376CE3-01A7-4075-8A57-A2BEE561C1FE}" type="datetimeFigureOut">
               <a:rPr lang="en-GB" smtClean="0"/>
-              <a:t>13/04/2020</a:t>
+              <a:t>30/04/2020</a:t>
             </a:fld>
             <a:endParaRPr lang="en-GB"/>
           </a:p>
@@ -2709,7 +2709,7 @@
           <a:p>
             <a:fld id="{04376CE3-01A7-4075-8A57-A2BEE561C1FE}" type="datetimeFigureOut">
               <a:rPr lang="en-GB" smtClean="0"/>
-              <a:t>13/04/2020</a:t>
+              <a:t>30/04/2020</a:t>
             </a:fld>
             <a:endParaRPr lang="en-GB"/>
           </a:p>
@@ -2952,7 +2952,7 @@
           <a:p>
             <a:fld id="{04376CE3-01A7-4075-8A57-A2BEE561C1FE}" type="datetimeFigureOut">
               <a:rPr lang="en-GB" smtClean="0"/>
-              <a:t>13/04/2020</a:t>
+              <a:t>30/04/2020</a:t>
             </a:fld>
             <a:endParaRPr lang="en-GB"/>
           </a:p>
@@ -3399,14 +3399,7 @@
           <a:p>
             <a:r>
               <a:rPr lang="en-GB" dirty="0"/>
-              <a:t>Kennedy HPC log on for Windows users</a:t>
-            </a:r>
-            <a:br>
-              <a:rPr lang="en-GB" dirty="0"/>
-            </a:br>
-            <a:r>
-              <a:rPr lang="en-GB" dirty="0"/>
-              <a:t>MAC and Linux users please use a terminal</a:t>
+              <a:t>Kennedy HPC quick start guide for BIOINF community</a:t>
             </a:r>
             <a:br>
               <a:rPr lang="en-GB" dirty="0"/>
@@ -3479,6 +3472,300 @@
 </file>
 
 <file path=ppt/slides/slide10.xml><?xml version="1.0" encoding="utf-8"?>
+<p:sld xmlns:a="http://schemas.openxmlformats.org/drawingml/2006/main" xmlns:r="http://schemas.openxmlformats.org/officeDocument/2006/relationships" xmlns:p="http://schemas.openxmlformats.org/presentationml/2006/main">
+  <p:cSld>
+    <p:spTree>
+      <p:nvGrpSpPr>
+        <p:cNvPr id="1" name=""/>
+        <p:cNvGrpSpPr/>
+        <p:nvPr/>
+      </p:nvGrpSpPr>
+      <p:grpSpPr>
+        <a:xfrm>
+          <a:off x="0" y="0"/>
+          <a:ext cx="0" cy="0"/>
+          <a:chOff x="0" y="0"/>
+          <a:chExt cx="0" cy="0"/>
+        </a:xfrm>
+      </p:grpSpPr>
+      <p:sp>
+        <p:nvSpPr>
+          <p:cNvPr id="2" name="Title 1">
+            <a:extLst>
+              <a:ext uri="{FF2B5EF4-FFF2-40B4-BE49-F238E27FC236}">
+                <a16:creationId xmlns:a16="http://schemas.microsoft.com/office/drawing/2014/main" id="{65994064-7F34-4E37-A4F8-F8945DD1F637}"/>
+              </a:ext>
+            </a:extLst>
+          </p:cNvPr>
+          <p:cNvSpPr>
+            <a:spLocks noGrp="1"/>
+          </p:cNvSpPr>
+          <p:nvPr>
+            <p:ph type="title"/>
+          </p:nvPr>
+        </p:nvSpPr>
+        <p:spPr>
+          <a:xfrm>
+            <a:off x="289560" y="-120739"/>
+            <a:ext cx="10515600" cy="1325563"/>
+          </a:xfrm>
+        </p:spPr>
+        <p:txBody>
+          <a:bodyPr/>
+          <a:lstStyle/>
+          <a:p>
+            <a:r>
+              <a:rPr lang="en-GB" dirty="0" err="1"/>
+              <a:t>Filezilla</a:t>
+            </a:r>
+            <a:r>
+              <a:rPr lang="en-GB" dirty="0"/>
+              <a:t> file transfer – using </a:t>
+            </a:r>
+            <a:r>
+              <a:rPr lang="en-GB" dirty="0" err="1"/>
+              <a:t>filezilla</a:t>
+            </a:r>
+            <a:endParaRPr lang="en-GB" dirty="0"/>
+          </a:p>
+        </p:txBody>
+      </p:sp>
+      <p:pic>
+        <p:nvPicPr>
+          <p:cNvPr id="4" name="Content Placeholder 3">
+            <a:extLst>
+              <a:ext uri="{FF2B5EF4-FFF2-40B4-BE49-F238E27FC236}">
+                <a16:creationId xmlns:a16="http://schemas.microsoft.com/office/drawing/2014/main" id="{CBCD53F6-1964-4223-8161-EB76F4850693}"/>
+              </a:ext>
+            </a:extLst>
+          </p:cNvPr>
+          <p:cNvPicPr>
+            <a:picLocks noGrp="1" noChangeAspect="1"/>
+          </p:cNvPicPr>
+          <p:nvPr>
+            <p:ph idx="1"/>
+          </p:nvPr>
+        </p:nvPicPr>
+        <p:blipFill rotWithShape="1">
+          <a:blip r:embed="rId2" cstate="email">
+            <a:extLst>
+              <a:ext uri="{28A0092B-C50C-407E-A947-70E740481C1C}">
+                <a14:useLocalDpi xmlns:a14="http://schemas.microsoft.com/office/drawing/2010/main" val="0"/>
+              </a:ext>
+            </a:extLst>
+          </a:blip>
+          <a:srcRect/>
+          <a:stretch/>
+        </p:blipFill>
+        <p:spPr>
+          <a:xfrm>
+            <a:off x="838201" y="2791134"/>
+            <a:ext cx="7020826" cy="4071680"/>
+          </a:xfrm>
+          <a:prstGeom prst="rect">
+            <a:avLst/>
+          </a:prstGeom>
+        </p:spPr>
+      </p:pic>
+      <p:cxnSp>
+        <p:nvCxnSpPr>
+          <p:cNvPr id="6" name="Straight Arrow Connector 5">
+            <a:extLst>
+              <a:ext uri="{FF2B5EF4-FFF2-40B4-BE49-F238E27FC236}">
+                <a16:creationId xmlns:a16="http://schemas.microsoft.com/office/drawing/2014/main" id="{A3A3C607-9680-4897-B6D6-EE6554D3BD71}"/>
+              </a:ext>
+            </a:extLst>
+          </p:cNvPr>
+          <p:cNvCxnSpPr>
+            <a:cxnSpLocks/>
+          </p:cNvCxnSpPr>
+          <p:nvPr/>
+        </p:nvCxnSpPr>
+        <p:spPr>
+          <a:xfrm flipH="1">
+            <a:off x="7103445" y="2339170"/>
+            <a:ext cx="452386" cy="1299411"/>
+          </a:xfrm>
+          <a:prstGeom prst="straightConnector1">
+            <a:avLst/>
+          </a:prstGeom>
+          <a:ln>
+            <a:tailEnd type="triangle"/>
+          </a:ln>
+        </p:spPr>
+        <p:style>
+          <a:lnRef idx="1">
+            <a:schemeClr val="accent1"/>
+          </a:lnRef>
+          <a:fillRef idx="0">
+            <a:schemeClr val="accent1"/>
+          </a:fillRef>
+          <a:effectRef idx="0">
+            <a:schemeClr val="accent1"/>
+          </a:effectRef>
+          <a:fontRef idx="minor">
+            <a:schemeClr val="tx1"/>
+          </a:fontRef>
+        </p:style>
+      </p:cxnSp>
+      <p:sp>
+        <p:nvSpPr>
+          <p:cNvPr id="11" name="TextBox 10">
+            <a:extLst>
+              <a:ext uri="{FF2B5EF4-FFF2-40B4-BE49-F238E27FC236}">
+                <a16:creationId xmlns:a16="http://schemas.microsoft.com/office/drawing/2014/main" id="{3B3BA696-2CA4-4D48-8CE0-79026004D64A}"/>
+              </a:ext>
+            </a:extLst>
+          </p:cNvPr>
+          <p:cNvSpPr txBox="1"/>
+          <p:nvPr/>
+        </p:nvSpPr>
+        <p:spPr>
+          <a:xfrm>
+            <a:off x="7591108" y="2219351"/>
+            <a:ext cx="2127183" cy="369332"/>
+          </a:xfrm>
+          <a:prstGeom prst="rect">
+            <a:avLst/>
+          </a:prstGeom>
+          <a:noFill/>
+        </p:spPr>
+        <p:txBody>
+          <a:bodyPr wrap="square" rtlCol="0">
+            <a:spAutoFit/>
+          </a:bodyPr>
+          <a:lstStyle/>
+          <a:p>
+            <a:r>
+              <a:rPr lang="en-GB" dirty="0"/>
+              <a:t>Change to SFTP</a:t>
+            </a:r>
+          </a:p>
+        </p:txBody>
+      </p:sp>
+      <p:pic>
+        <p:nvPicPr>
+          <p:cNvPr id="12" name="Picture 11">
+            <a:extLst>
+              <a:ext uri="{FF2B5EF4-FFF2-40B4-BE49-F238E27FC236}">
+                <a16:creationId xmlns:a16="http://schemas.microsoft.com/office/drawing/2014/main" id="{70FCD941-41D6-4CF4-B11B-FD482EBD00A9}"/>
+              </a:ext>
+            </a:extLst>
+          </p:cNvPr>
+          <p:cNvPicPr>
+            <a:picLocks noChangeAspect="1"/>
+          </p:cNvPicPr>
+          <p:nvPr/>
+        </p:nvPicPr>
+        <p:blipFill rotWithShape="1">
+          <a:blip r:embed="rId3" cstate="email">
+            <a:extLst>
+              <a:ext uri="{28A0092B-C50C-407E-A947-70E740481C1C}">
+                <a14:useLocalDpi xmlns:a14="http://schemas.microsoft.com/office/drawing/2010/main" val="0"/>
+              </a:ext>
+            </a:extLst>
+          </a:blip>
+          <a:srcRect/>
+          <a:stretch/>
+        </p:blipFill>
+        <p:spPr>
+          <a:xfrm>
+            <a:off x="3696039" y="1081601"/>
+            <a:ext cx="3407406" cy="1507082"/>
+          </a:xfrm>
+          <a:prstGeom prst="rect">
+            <a:avLst/>
+          </a:prstGeom>
+        </p:spPr>
+      </p:pic>
+      <p:cxnSp>
+        <p:nvCxnSpPr>
+          <p:cNvPr id="14" name="Straight Arrow Connector 13">
+            <a:extLst>
+              <a:ext uri="{FF2B5EF4-FFF2-40B4-BE49-F238E27FC236}">
+                <a16:creationId xmlns:a16="http://schemas.microsoft.com/office/drawing/2014/main" id="{757EB67A-E045-4999-B695-79A70026A910}"/>
+              </a:ext>
+            </a:extLst>
+          </p:cNvPr>
+          <p:cNvCxnSpPr/>
+          <p:nvPr/>
+        </p:nvCxnSpPr>
+        <p:spPr>
+          <a:xfrm>
+            <a:off x="2704699" y="1204824"/>
+            <a:ext cx="1289785" cy="39614"/>
+          </a:xfrm>
+          <a:prstGeom prst="straightConnector1">
+            <a:avLst/>
+          </a:prstGeom>
+          <a:ln>
+            <a:tailEnd type="triangle"/>
+          </a:ln>
+        </p:spPr>
+        <p:style>
+          <a:lnRef idx="1">
+            <a:schemeClr val="accent1"/>
+          </a:lnRef>
+          <a:fillRef idx="0">
+            <a:schemeClr val="accent1"/>
+          </a:fillRef>
+          <a:effectRef idx="0">
+            <a:schemeClr val="accent1"/>
+          </a:effectRef>
+          <a:fontRef idx="minor">
+            <a:schemeClr val="tx1"/>
+          </a:fontRef>
+        </p:style>
+      </p:cxnSp>
+      <p:sp>
+        <p:nvSpPr>
+          <p:cNvPr id="15" name="TextBox 14">
+            <a:extLst>
+              <a:ext uri="{FF2B5EF4-FFF2-40B4-BE49-F238E27FC236}">
+                <a16:creationId xmlns:a16="http://schemas.microsoft.com/office/drawing/2014/main" id="{F4710933-1DF7-4DAE-91C1-90886D9940C2}"/>
+              </a:ext>
+            </a:extLst>
+          </p:cNvPr>
+          <p:cNvSpPr txBox="1"/>
+          <p:nvPr/>
+        </p:nvSpPr>
+        <p:spPr>
+          <a:xfrm>
+            <a:off x="1078029" y="1081601"/>
+            <a:ext cx="1511167" cy="646331"/>
+          </a:xfrm>
+          <a:prstGeom prst="rect">
+            <a:avLst/>
+          </a:prstGeom>
+          <a:noFill/>
+        </p:spPr>
+        <p:txBody>
+          <a:bodyPr wrap="square" rtlCol="0">
+            <a:spAutoFit/>
+          </a:bodyPr>
+          <a:lstStyle/>
+          <a:p>
+            <a:r>
+              <a:rPr lang="en-GB" dirty="0"/>
+              <a:t>Open new site manager</a:t>
+            </a:r>
+          </a:p>
+        </p:txBody>
+      </p:sp>
+    </p:spTree>
+    <p:extLst>
+      <p:ext uri="{BB962C8B-B14F-4D97-AF65-F5344CB8AC3E}">
+        <p14:creationId xmlns:p14="http://schemas.microsoft.com/office/powerpoint/2010/main" val="3772392640"/>
+      </p:ext>
+    </p:extLst>
+  </p:cSld>
+  <p:clrMapOvr>
+    <a:masterClrMapping/>
+  </p:clrMapOvr>
+</p:sld>
+</file>
+
+<file path=ppt/slides/slide11.xml><?xml version="1.0" encoding="utf-8"?>
 <p:sld xmlns:a="http://schemas.openxmlformats.org/drawingml/2006/main" xmlns:r="http://schemas.openxmlformats.org/officeDocument/2006/relationships" xmlns:p="http://schemas.openxmlformats.org/presentationml/2006/main">
   <p:cSld>
     <p:spTree>
@@ -3696,7 +3983,7 @@
 </p:sld>
 </file>
 
-<file path=ppt/slides/slide11.xml><?xml version="1.0" encoding="utf-8"?>
+<file path=ppt/slides/slide12.xml><?xml version="1.0" encoding="utf-8"?>
 <p:sld xmlns:a="http://schemas.openxmlformats.org/drawingml/2006/main" xmlns:r="http://schemas.openxmlformats.org/officeDocument/2006/relationships" xmlns:p="http://schemas.openxmlformats.org/presentationml/2006/main">
   <p:cSld>
     <p:spTree>
@@ -3798,7 +4085,7 @@
 </p:sld>
 </file>
 
-<file path=ppt/slides/slide12.xml><?xml version="1.0" encoding="utf-8"?>
+<file path=ppt/slides/slide13.xml><?xml version="1.0" encoding="utf-8"?>
 <p:sld xmlns:a="http://schemas.openxmlformats.org/drawingml/2006/main" xmlns:r="http://schemas.openxmlformats.org/officeDocument/2006/relationships" xmlns:p="http://schemas.openxmlformats.org/presentationml/2006/main">
   <p:cSld>
     <p:spTree>
@@ -4038,7 +4325,7 @@
 </p:sld>
 </file>
 
-<file path=ppt/slides/slide13.xml><?xml version="1.0" encoding="utf-8"?>
+<file path=ppt/slides/slide14.xml><?xml version="1.0" encoding="utf-8"?>
 <p:sld xmlns:a="http://schemas.openxmlformats.org/drawingml/2006/main" xmlns:r="http://schemas.openxmlformats.org/officeDocument/2006/relationships" xmlns:p="http://schemas.openxmlformats.org/presentationml/2006/main">
   <p:cSld>
     <p:spTree>
@@ -4279,130 +4566,6 @@
 </p:sld>
 </file>
 
-<file path=ppt/slides/slide14.xml><?xml version="1.0" encoding="utf-8"?>
-<p:sld xmlns:a="http://schemas.openxmlformats.org/drawingml/2006/main" xmlns:r="http://schemas.openxmlformats.org/officeDocument/2006/relationships" xmlns:p="http://schemas.openxmlformats.org/presentationml/2006/main">
-  <p:cSld>
-    <p:spTree>
-      <p:nvGrpSpPr>
-        <p:cNvPr id="1" name=""/>
-        <p:cNvGrpSpPr/>
-        <p:nvPr/>
-      </p:nvGrpSpPr>
-      <p:grpSpPr>
-        <a:xfrm>
-          <a:off x="0" y="0"/>
-          <a:ext cx="0" cy="0"/>
-          <a:chOff x="0" y="0"/>
-          <a:chExt cx="0" cy="0"/>
-        </a:xfrm>
-      </p:grpSpPr>
-      <p:sp>
-        <p:nvSpPr>
-          <p:cNvPr id="2" name="Title 1">
-            <a:extLst>
-              <a:ext uri="{FF2B5EF4-FFF2-40B4-BE49-F238E27FC236}">
-                <a16:creationId xmlns:a16="http://schemas.microsoft.com/office/drawing/2014/main" id="{7AA8E294-8B7C-45DE-ABC5-2579C6050308}"/>
-              </a:ext>
-            </a:extLst>
-          </p:cNvPr>
-          <p:cNvSpPr>
-            <a:spLocks noGrp="1"/>
-          </p:cNvSpPr>
-          <p:nvPr>
-            <p:ph type="title"/>
-          </p:nvPr>
-        </p:nvSpPr>
-        <p:spPr/>
-        <p:txBody>
-          <a:bodyPr/>
-          <a:lstStyle/>
-          <a:p>
-            <a:r>
-              <a:rPr lang="en-GB" dirty="0"/>
-              <a:t>GPU nodes</a:t>
-            </a:r>
-          </a:p>
-        </p:txBody>
-      </p:sp>
-      <p:sp>
-        <p:nvSpPr>
-          <p:cNvPr id="3" name="Content Placeholder 2">
-            <a:extLst>
-              <a:ext uri="{FF2B5EF4-FFF2-40B4-BE49-F238E27FC236}">
-                <a16:creationId xmlns:a16="http://schemas.microsoft.com/office/drawing/2014/main" id="{B5D13BB8-360F-41E7-9B8D-F95D6CFC1889}"/>
-              </a:ext>
-            </a:extLst>
-          </p:cNvPr>
-          <p:cNvSpPr>
-            <a:spLocks noGrp="1"/>
-          </p:cNvSpPr>
-          <p:nvPr>
-            <p:ph idx="1"/>
-          </p:nvPr>
-        </p:nvSpPr>
-        <p:spPr/>
-        <p:txBody>
-          <a:bodyPr/>
-          <a:lstStyle/>
-          <a:p>
-            <a:r>
-              <a:rPr lang="en-GB" dirty="0"/>
-              <a:t>Request an interactive job with one GPU:</a:t>
-            </a:r>
-          </a:p>
-          <a:p>
-            <a:r>
-              <a:rPr lang="en-GB" dirty="0"/>
-              <a:t># </a:t>
-            </a:r>
-            <a:r>
-              <a:rPr lang="en-GB" dirty="0" err="1"/>
-              <a:t>srun</a:t>
-            </a:r>
-            <a:r>
-              <a:rPr lang="en-GB" dirty="0"/>
-              <a:t> --</a:t>
-            </a:r>
-            <a:r>
-              <a:rPr lang="en-GB" dirty="0" err="1"/>
-              <a:t>gres</a:t>
-            </a:r>
-            <a:r>
-              <a:rPr lang="en-GB" dirty="0"/>
-              <a:t>=gpu:1 -N 1 -p </a:t>
-            </a:r>
-            <a:r>
-              <a:rPr lang="en-GB" dirty="0" err="1"/>
-              <a:t>singlenode</a:t>
-            </a:r>
-            <a:r>
-              <a:rPr lang="en-GB" dirty="0"/>
-              <a:t> --</a:t>
-            </a:r>
-            <a:r>
-              <a:rPr lang="en-GB" dirty="0" err="1"/>
-              <a:t>pty</a:t>
-            </a:r>
-            <a:r>
-              <a:rPr lang="en-GB"/>
-              <a:t> /bin/bash</a:t>
-            </a:r>
-          </a:p>
-        </p:txBody>
-      </p:sp>
-    </p:spTree>
-    <p:extLst>
-      <p:ext uri="{BB962C8B-B14F-4D97-AF65-F5344CB8AC3E}">
-        <p14:creationId xmlns:p14="http://schemas.microsoft.com/office/powerpoint/2010/main" val="1889063494"/>
-      </p:ext>
-    </p:extLst>
-  </p:cSld>
-  <p:clrMapOvr>
-    <a:masterClrMapping/>
-  </p:clrMapOvr>
-</p:sld>
-</file>
-
 <file path=ppt/slides/slide15.xml><?xml version="1.0" encoding="utf-8"?>
 <p:sld xmlns:a="http://schemas.openxmlformats.org/drawingml/2006/main" xmlns:r="http://schemas.openxmlformats.org/officeDocument/2006/relationships" xmlns:p="http://schemas.openxmlformats.org/presentationml/2006/main">
   <p:cSld>
@@ -4425,7 +4588,7 @@
           <p:cNvPr id="2" name="Title 1">
             <a:extLst>
               <a:ext uri="{FF2B5EF4-FFF2-40B4-BE49-F238E27FC236}">
-                <a16:creationId xmlns:a16="http://schemas.microsoft.com/office/drawing/2014/main" id="{00C6A630-09E4-4522-8A1F-6469459EDAEB}"/>
+                <a16:creationId xmlns:a16="http://schemas.microsoft.com/office/drawing/2014/main" id="{7AA8E294-8B7C-45DE-ABC5-2579C6050308}"/>
               </a:ext>
             </a:extLst>
           </p:cNvPr>
@@ -4443,7 +4606,7 @@
           <a:p>
             <a:r>
               <a:rPr lang="en-GB" dirty="0"/>
-              <a:t>High memory</a:t>
+              <a:t>GPU nodes</a:t>
             </a:r>
           </a:p>
         </p:txBody>
@@ -4453,7 +4616,7 @@
           <p:cNvPr id="3" name="Content Placeholder 2">
             <a:extLst>
               <a:ext uri="{FF2B5EF4-FFF2-40B4-BE49-F238E27FC236}">
-                <a16:creationId xmlns:a16="http://schemas.microsoft.com/office/drawing/2014/main" id="{B1F2955F-4F81-4877-B901-9D32C9BD5FD0}"/>
+                <a16:creationId xmlns:a16="http://schemas.microsoft.com/office/drawing/2014/main" id="{B5D13BB8-360F-41E7-9B8D-F95D6CFC1889}"/>
               </a:ext>
             </a:extLst>
           </p:cNvPr>
@@ -4471,64 +4634,45 @@
           <a:p>
             <a:r>
               <a:rPr lang="en-GB" dirty="0"/>
-              <a:t>#!/bin/bash -l</a:t>
-            </a:r>
-          </a:p>
-          <a:p>
-            <a:r>
-              <a:rPr lang="en-GB" dirty="0"/>
-              <a:t>#SBATCH -J </a:t>
+              <a:t>Request an interactive job with one GPU:</a:t>
+            </a:r>
+          </a:p>
+          <a:p>
+            <a:r>
+              <a:rPr lang="en-GB" dirty="0"/>
+              <a:t># </a:t>
             </a:r>
             <a:r>
               <a:rPr lang="en-GB" dirty="0" err="1"/>
-              <a:t>SPADES_cb</a:t>
-            </a:r>
-            <a:r>
-              <a:rPr lang="en-GB" dirty="0"/>
-              <a:t>   #jobname</a:t>
-            </a:r>
-          </a:p>
-          <a:p>
-            <a:r>
-              <a:rPr lang="en-GB" dirty="0"/>
-              <a:t>#SBATCH -N 1     #node</a:t>
-            </a:r>
-          </a:p>
-          <a:p>
-            <a:r>
-              <a:rPr lang="en-GB" dirty="0"/>
-              <a:t>#SBATCH --tasks-per-node=64</a:t>
-            </a:r>
-          </a:p>
-          <a:p>
-            <a:r>
-              <a:rPr lang="en-GB" dirty="0"/>
-              <a:t>#SBATCH -p </a:t>
+              <a:t>srun</a:t>
+            </a:r>
+            <a:r>
+              <a:rPr lang="en-GB" dirty="0"/>
+              <a:t> --</a:t>
             </a:r>
             <a:r>
               <a:rPr lang="en-GB" dirty="0" err="1"/>
-              <a:t>bigmem</a:t>
-            </a:r>
-            <a:endParaRPr lang="en-GB" dirty="0"/>
-          </a:p>
-          <a:p>
-            <a:r>
-              <a:rPr lang="en-GB" dirty="0"/>
-              <a:t>#SBATCH --</a:t>
+              <a:t>gres</a:t>
+            </a:r>
+            <a:r>
+              <a:rPr lang="en-GB" dirty="0"/>
+              <a:t>=gpu:1 -N 1 -p </a:t>
             </a:r>
             <a:r>
               <a:rPr lang="en-GB" dirty="0" err="1"/>
-              <a:t>nodelist</a:t>
-            </a:r>
-            <a:r>
-              <a:rPr lang="en-GB" dirty="0"/>
-              <a:t>=kennedy150</a:t>
-            </a:r>
-          </a:p>
-          <a:p>
-            <a:r>
-              <a:rPr lang="en-GB" dirty="0"/>
-              <a:t>#SBATCH --mem=1450GB</a:t>
+              <a:t>singlenode</a:t>
+            </a:r>
+            <a:r>
+              <a:rPr lang="en-GB" dirty="0"/>
+              <a:t> --</a:t>
+            </a:r>
+            <a:r>
+              <a:rPr lang="en-GB" dirty="0" err="1"/>
+              <a:t>pty</a:t>
+            </a:r>
+            <a:r>
+              <a:rPr lang="en-GB" dirty="0"/>
+              <a:t> /bin/bash</a:t>
             </a:r>
           </a:p>
         </p:txBody>
@@ -4536,7 +4680,7 @@
     </p:spTree>
     <p:extLst>
       <p:ext uri="{BB962C8B-B14F-4D97-AF65-F5344CB8AC3E}">
-        <p14:creationId xmlns:p14="http://schemas.microsoft.com/office/powerpoint/2010/main" val="1554936030"/>
+        <p14:creationId xmlns:p14="http://schemas.microsoft.com/office/powerpoint/2010/main" val="1889063494"/>
       </p:ext>
     </p:extLst>
   </p:cSld>
@@ -4568,7 +4712,7 @@
           <p:cNvPr id="2" name="Title 1">
             <a:extLst>
               <a:ext uri="{FF2B5EF4-FFF2-40B4-BE49-F238E27FC236}">
-                <a16:creationId xmlns:a16="http://schemas.microsoft.com/office/drawing/2014/main" id="{E1A2EA9D-F2D8-4F25-8834-51DB3B4FE6E8}"/>
+                <a16:creationId xmlns:a16="http://schemas.microsoft.com/office/drawing/2014/main" id="{00C6A630-09E4-4522-8A1F-6469459EDAEB}"/>
               </a:ext>
             </a:extLst>
           </p:cNvPr>
@@ -4585,132 +4729,101 @@
           <a:lstStyle/>
           <a:p>
             <a:r>
+              <a:rPr lang="en-GB" dirty="0"/>
+              <a:t>High memory</a:t>
+            </a:r>
+          </a:p>
+        </p:txBody>
+      </p:sp>
+      <p:sp>
+        <p:nvSpPr>
+          <p:cNvPr id="3" name="Content Placeholder 2">
+            <a:extLst>
+              <a:ext uri="{FF2B5EF4-FFF2-40B4-BE49-F238E27FC236}">
+                <a16:creationId xmlns:a16="http://schemas.microsoft.com/office/drawing/2014/main" id="{B1F2955F-4F81-4877-B901-9D32C9BD5FD0}"/>
+              </a:ext>
+            </a:extLst>
+          </p:cNvPr>
+          <p:cNvSpPr>
+            <a:spLocks noGrp="1"/>
+          </p:cNvSpPr>
+          <p:nvPr>
+            <p:ph idx="1"/>
+          </p:nvPr>
+        </p:nvSpPr>
+        <p:spPr/>
+        <p:txBody>
+          <a:bodyPr/>
+          <a:lstStyle/>
+          <a:p>
+            <a:r>
+              <a:rPr lang="en-GB" dirty="0"/>
+              <a:t>#!/bin/bash -l</a:t>
+            </a:r>
+          </a:p>
+          <a:p>
+            <a:r>
+              <a:rPr lang="en-GB" dirty="0"/>
+              <a:t>#SBATCH -J </a:t>
+            </a:r>
+            <a:r>
               <a:rPr lang="en-GB" dirty="0" err="1"/>
-              <a:t>Qubmit</a:t>
-            </a:r>
-            <a:r>
-              <a:rPr lang="en-GB" dirty="0"/>
-              <a:t> a job </a:t>
-            </a:r>
-          </a:p>
-        </p:txBody>
-      </p:sp>
-      <p:sp>
-        <p:nvSpPr>
-          <p:cNvPr id="3" name="Content Placeholder 2">
-            <a:extLst>
-              <a:ext uri="{FF2B5EF4-FFF2-40B4-BE49-F238E27FC236}">
-                <a16:creationId xmlns:a16="http://schemas.microsoft.com/office/drawing/2014/main" id="{573D2F78-A2FD-49FA-8EF9-E056FE0D3BEB}"/>
-              </a:ext>
-            </a:extLst>
-          </p:cNvPr>
-          <p:cNvSpPr>
-            <a:spLocks noGrp="1"/>
-          </p:cNvSpPr>
-          <p:nvPr>
-            <p:ph idx="1"/>
-          </p:nvPr>
-        </p:nvSpPr>
-        <p:spPr/>
-        <p:txBody>
-          <a:bodyPr/>
-          <a:lstStyle/>
-          <a:p>
-            <a:r>
-              <a:rPr lang="en-GB" dirty="0" err="1"/>
-              <a:t>sbatch</a:t>
-            </a:r>
-            <a:r>
-              <a:rPr lang="en-GB" dirty="0"/>
-              <a:t> spades.sh</a:t>
-            </a:r>
-          </a:p>
-          <a:p>
-            <a:r>
-              <a:rPr lang="en-GB" dirty="0" err="1"/>
-              <a:t>smap</a:t>
-            </a:r>
-            <a:endParaRPr lang="en-GB" dirty="0"/>
-          </a:p>
-          <a:p>
-            <a:r>
-              <a:rPr lang="en-GB" dirty="0" err="1"/>
-              <a:t>squeue</a:t>
-            </a:r>
-            <a:r>
-              <a:rPr lang="en-GB" dirty="0"/>
-              <a:t>  (show the queue)</a:t>
-            </a:r>
-          </a:p>
-          <a:p>
-            <a:r>
-              <a:rPr lang="en-GB" dirty="0" err="1"/>
-              <a:t>squeue</a:t>
-            </a:r>
-            <a:r>
-              <a:rPr lang="en-GB" dirty="0"/>
-              <a:t> –p </a:t>
+              <a:t>SPADES_cb</a:t>
+            </a:r>
+            <a:r>
+              <a:rPr lang="en-GB" dirty="0"/>
+              <a:t>   #jobname</a:t>
+            </a:r>
+          </a:p>
+          <a:p>
+            <a:r>
+              <a:rPr lang="en-GB" dirty="0"/>
+              <a:t>#SBATCH -N 1     #node</a:t>
+            </a:r>
+          </a:p>
+          <a:p>
+            <a:r>
+              <a:rPr lang="en-GB" dirty="0"/>
+              <a:t>#SBATCH --tasks-per-node=64</a:t>
+            </a:r>
+          </a:p>
+          <a:p>
+            <a:r>
+              <a:rPr lang="en-GB" dirty="0"/>
+              <a:t>#SBATCH -p </a:t>
             </a:r>
             <a:r>
               <a:rPr lang="en-GB" dirty="0" err="1"/>
               <a:t>bigmem</a:t>
             </a:r>
-            <a:r>
-              <a:rPr lang="en-GB" dirty="0"/>
-              <a:t>  (show the queue for big mem)</a:t>
-            </a:r>
-          </a:p>
-          <a:p>
+            <a:endParaRPr lang="en-GB" dirty="0"/>
+          </a:p>
+          <a:p>
+            <a:r>
+              <a:rPr lang="en-GB" dirty="0"/>
+              <a:t>#SBATCH --</a:t>
+            </a:r>
             <a:r>
               <a:rPr lang="en-GB" dirty="0" err="1"/>
-              <a:t>sview</a:t>
-            </a:r>
-            <a:endParaRPr lang="en-GB" dirty="0"/>
-          </a:p>
-          <a:p>
-            <a:endParaRPr lang="en-GB" dirty="0"/>
-          </a:p>
-          <a:p>
-            <a:r>
-              <a:rPr lang="en-GB" dirty="0"/>
-              <a:t>Interactive mode (like </a:t>
-            </a:r>
-            <a:r>
-              <a:rPr lang="en-GB" dirty="0" err="1"/>
-              <a:t>qrsh</a:t>
-            </a:r>
-            <a:r>
-              <a:rPr lang="en-GB" dirty="0"/>
-              <a:t>):</a:t>
-            </a:r>
-          </a:p>
-          <a:p>
-            <a:r>
-              <a:rPr lang="en-GB" dirty="0" err="1"/>
-              <a:t>srun</a:t>
-            </a:r>
-            <a:r>
-              <a:rPr lang="en-GB" dirty="0"/>
-              <a:t> --</a:t>
-            </a:r>
-            <a:r>
-              <a:rPr lang="en-GB" dirty="0" err="1"/>
-              <a:t>pty</a:t>
-            </a:r>
-            <a:r>
-              <a:rPr lang="en-GB" dirty="0"/>
-              <a:t> bash</a:t>
-            </a:r>
-          </a:p>
-          <a:p>
-            <a:endParaRPr lang="en-GB" dirty="0"/>
+              <a:t>nodelist</a:t>
+            </a:r>
+            <a:r>
+              <a:rPr lang="en-GB" dirty="0"/>
+              <a:t>=kennedy150</a:t>
+            </a:r>
+          </a:p>
+          <a:p>
+            <a:r>
+              <a:rPr lang="en-GB" dirty="0"/>
+              <a:t>#SBATCH --mem=1450GB</a:t>
+            </a:r>
           </a:p>
         </p:txBody>
       </p:sp>
     </p:spTree>
     <p:extLst>
       <p:ext uri="{BB962C8B-B14F-4D97-AF65-F5344CB8AC3E}">
-        <p14:creationId xmlns:p14="http://schemas.microsoft.com/office/powerpoint/2010/main" val="1099536850"/>
+        <p14:creationId xmlns:p14="http://schemas.microsoft.com/office/powerpoint/2010/main" val="1554936030"/>
       </p:ext>
     </p:extLst>
   </p:cSld>
@@ -4742,7 +4855,7 @@
           <p:cNvPr id="2" name="Title 1">
             <a:extLst>
               <a:ext uri="{FF2B5EF4-FFF2-40B4-BE49-F238E27FC236}">
-                <a16:creationId xmlns:a16="http://schemas.microsoft.com/office/drawing/2014/main" id="{7A3B3949-83D7-4B58-89BE-DC3A0D7DB43B}"/>
+                <a16:creationId xmlns:a16="http://schemas.microsoft.com/office/drawing/2014/main" id="{E1A2EA9D-F2D8-4F25-8834-51DB3B4FE6E8}"/>
               </a:ext>
             </a:extLst>
           </p:cNvPr>
@@ -4759,133 +4872,173 @@
           <a:lstStyle/>
           <a:p>
             <a:r>
+              <a:rPr lang="en-GB" b="1" dirty="0"/>
+              <a:t>submit a job </a:t>
+            </a:r>
+          </a:p>
+        </p:txBody>
+      </p:sp>
+      <p:sp>
+        <p:nvSpPr>
+          <p:cNvPr id="3" name="Content Placeholder 2">
+            <a:extLst>
+              <a:ext uri="{FF2B5EF4-FFF2-40B4-BE49-F238E27FC236}">
+                <a16:creationId xmlns:a16="http://schemas.microsoft.com/office/drawing/2014/main" id="{573D2F78-A2FD-49FA-8EF9-E056FE0D3BEB}"/>
+              </a:ext>
+            </a:extLst>
+          </p:cNvPr>
+          <p:cNvSpPr>
+            <a:spLocks noGrp="1"/>
+          </p:cNvSpPr>
+          <p:nvPr>
+            <p:ph idx="1"/>
+          </p:nvPr>
+        </p:nvSpPr>
+        <p:spPr>
+          <a:xfrm>
+            <a:off x="397565" y="1560443"/>
+            <a:ext cx="10956235" cy="4616520"/>
+          </a:xfrm>
+        </p:spPr>
+        <p:txBody>
+          <a:bodyPr>
+            <a:normAutofit/>
+          </a:bodyPr>
+          <a:lstStyle/>
+          <a:p>
+            <a:r>
               <a:rPr lang="en-GB" dirty="0" err="1"/>
-              <a:t>conda</a:t>
+              <a:t>sbatch</a:t>
+            </a:r>
+            <a:r>
+              <a:rPr lang="en-GB" dirty="0"/>
+              <a:t> spades.sh</a:t>
+            </a:r>
+          </a:p>
+          <a:p>
+            <a:pPr marL="0" indent="0">
+              <a:buNone/>
+            </a:pPr>
+            <a:r>
+              <a:rPr lang="en-GB" b="1" dirty="0"/>
+              <a:t>Show information on the queues:</a:t>
+            </a:r>
+          </a:p>
+          <a:p>
+            <a:r>
+              <a:rPr lang="en-GB" dirty="0" err="1"/>
+              <a:t>smap</a:t>
             </a:r>
             <a:endParaRPr lang="en-GB" dirty="0"/>
           </a:p>
-        </p:txBody>
-      </p:sp>
-      <p:sp>
-        <p:nvSpPr>
-          <p:cNvPr id="3" name="Content Placeholder 2">
-            <a:extLst>
-              <a:ext uri="{FF2B5EF4-FFF2-40B4-BE49-F238E27FC236}">
-                <a16:creationId xmlns:a16="http://schemas.microsoft.com/office/drawing/2014/main" id="{A2DE1C41-172E-4FB9-ACDB-81F65F5D74CC}"/>
-              </a:ext>
-            </a:extLst>
-          </p:cNvPr>
-          <p:cNvSpPr>
-            <a:spLocks noGrp="1"/>
-          </p:cNvSpPr>
-          <p:nvPr>
-            <p:ph idx="1"/>
-          </p:nvPr>
-        </p:nvSpPr>
-        <p:spPr/>
-        <p:txBody>
-          <a:bodyPr/>
-          <a:lstStyle/>
-          <a:p>
-            <a:r>
-              <a:rPr lang="en-GB" dirty="0"/>
-              <a:t>Type:  Install-</a:t>
-            </a:r>
+          <a:p>
             <a:r>
               <a:rPr lang="en-GB" dirty="0" err="1"/>
-              <a:t>bioconda</a:t>
+              <a:t>squeue</a:t>
+            </a:r>
+            <a:r>
+              <a:rPr lang="en-GB" dirty="0"/>
+              <a:t>  (show the queue)</a:t>
+            </a:r>
+          </a:p>
+          <a:p>
+            <a:r>
+              <a:rPr lang="en-GB" dirty="0" err="1"/>
+              <a:t>squeue</a:t>
+            </a:r>
+            <a:r>
+              <a:rPr lang="en-GB" dirty="0"/>
+              <a:t> –p </a:t>
+            </a:r>
+            <a:r>
+              <a:rPr lang="en-GB" dirty="0" err="1"/>
+              <a:t>bigmem</a:t>
+            </a:r>
+            <a:r>
+              <a:rPr lang="en-GB" dirty="0"/>
+              <a:t>  (show the queue for big mem)</a:t>
+            </a:r>
+          </a:p>
+          <a:p>
+            <a:r>
+              <a:rPr lang="en-GB" dirty="0" err="1"/>
+              <a:t>sview</a:t>
             </a:r>
             <a:endParaRPr lang="en-GB" dirty="0"/>
           </a:p>
           <a:p>
-            <a:r>
-              <a:rPr lang="en-GB" dirty="0"/>
-              <a:t>I have made this work so you can </a:t>
+            <a:endParaRPr lang="en-GB" dirty="0"/>
+          </a:p>
+          <a:p>
+            <a:pPr marL="0" indent="0">
+              <a:buNone/>
+            </a:pPr>
+            <a:r>
+              <a:rPr lang="en-GB" b="1" u="sng" dirty="0"/>
+              <a:t>Interactive mode </a:t>
+            </a:r>
+            <a:r>
+              <a:rPr lang="en-GB" dirty="0"/>
+              <a:t>(like </a:t>
             </a:r>
             <a:r>
               <a:rPr lang="en-GB" dirty="0" err="1"/>
-              <a:t>conda</a:t>
-            </a:r>
-            <a:r>
-              <a:rPr lang="en-GB" dirty="0"/>
-              <a:t> activate and deactivate within shell scripts. BUT there is a problem. </a:t>
-            </a:r>
-          </a:p>
-          <a:p>
-            <a:r>
-              <a:rPr lang="en-GB" dirty="0">
-                <a:solidFill>
-                  <a:srgbClr val="FF0000"/>
-                </a:solidFill>
-              </a:rPr>
-              <a:t>IMPORTANT</a:t>
-            </a:r>
-          </a:p>
-          <a:p>
-            <a:r>
-              <a:rPr lang="en-GB" dirty="0"/>
-              <a:t>When you create a </a:t>
-            </a:r>
+              <a:t>qrsh</a:t>
+            </a:r>
+            <a:r>
+              <a:rPr lang="en-GB" dirty="0"/>
+              <a:t>):</a:t>
+            </a:r>
+          </a:p>
+          <a:p>
             <a:r>
               <a:rPr lang="en-GB" dirty="0" err="1"/>
-              <a:t>conda</a:t>
-            </a:r>
-            <a:r>
-              <a:rPr lang="en-GB" dirty="0"/>
-              <a:t> env, </a:t>
-            </a:r>
-            <a:r>
-              <a:rPr lang="en-GB" i="1" dirty="0"/>
-              <a:t>some </a:t>
-            </a:r>
-            <a:r>
-              <a:rPr lang="en-GB" dirty="0"/>
-              <a:t>programs in the /bin are not executable (this is a bug!), you as a user need to fix this by:</a:t>
-            </a:r>
-          </a:p>
-          <a:p>
+              <a:t>srun</a:t>
+            </a:r>
+            <a:r>
+              <a:rPr lang="en-GB" dirty="0"/>
+              <a:t> --</a:t>
+            </a:r>
             <a:r>
               <a:rPr lang="en-GB" dirty="0" err="1"/>
-              <a:t>chmod</a:t>
-            </a:r>
-            <a:r>
-              <a:rPr lang="en-GB" dirty="0"/>
-              <a:t> </a:t>
+              <a:t>pty</a:t>
+            </a:r>
+            <a:r>
+              <a:rPr lang="en-GB" dirty="0"/>
+              <a:t> bash -p </a:t>
             </a:r>
             <a:r>
               <a:rPr lang="en-GB" dirty="0" err="1"/>
-              <a:t>a+x</a:t>
-            </a:r>
-            <a:r>
-              <a:rPr lang="en-GB" dirty="0"/>
-              <a:t> </a:t>
+              <a:t>bigmem</a:t>
+            </a:r>
+            <a:r>
+              <a:rPr lang="en-GB" dirty="0"/>
+              <a:t>           (</a:t>
             </a:r>
             <a:r>
               <a:rPr lang="en-GB" dirty="0" err="1"/>
-              <a:t>programs_in_conda_env_bin</a:t>
-            </a:r>
+              <a:t>Bioinf</a:t>
+            </a:r>
+            <a:r>
+              <a:rPr lang="en-GB" dirty="0"/>
+              <a:t> user : use the </a:t>
+            </a:r>
+            <a:r>
+              <a:rPr lang="en-GB" dirty="0" err="1"/>
+              <a:t>bigmem</a:t>
+            </a:r>
+            <a:r>
+              <a:rPr lang="en-GB" dirty="0"/>
+              <a:t> q)</a:t>
+            </a:r>
+          </a:p>
+          <a:p>
+            <a:pPr marL="0" indent="0">
+              <a:buNone/>
+            </a:pPr>
             <a:endParaRPr lang="en-GB" dirty="0"/>
           </a:p>
           <a:p>
-            <a:endParaRPr lang="en-GB" dirty="0"/>
-          </a:p>
-          <a:p>
-            <a:r>
-              <a:rPr lang="en-GB" dirty="0"/>
-              <a:t>Everything else is the same </a:t>
-            </a:r>
-            <a:r>
-              <a:rPr lang="en-GB" i="1" dirty="0" err="1"/>
-              <a:t>conda</a:t>
-            </a:r>
-            <a:r>
-              <a:rPr lang="en-GB" dirty="0"/>
-              <a:t> as </a:t>
-            </a:r>
-            <a:r>
-              <a:rPr lang="en-GB" dirty="0" err="1"/>
-              <a:t>marvin</a:t>
-            </a:r>
             <a:endParaRPr lang="en-GB" dirty="0"/>
           </a:p>
           <a:p>
@@ -4896,7 +5049,7 @@
     </p:spTree>
     <p:extLst>
       <p:ext uri="{BB962C8B-B14F-4D97-AF65-F5344CB8AC3E}">
-        <p14:creationId xmlns:p14="http://schemas.microsoft.com/office/powerpoint/2010/main" val="4020225680"/>
+        <p14:creationId xmlns:p14="http://schemas.microsoft.com/office/powerpoint/2010/main" val="1099536850"/>
       </p:ext>
     </p:extLst>
   </p:cSld>
@@ -4939,6 +5092,192 @@
             <p:ph type="title"/>
           </p:nvPr>
         </p:nvSpPr>
+        <p:spPr/>
+        <p:txBody>
+          <a:bodyPr/>
+          <a:lstStyle/>
+          <a:p>
+            <a:r>
+              <a:rPr lang="en-GB" b="1" dirty="0" err="1"/>
+              <a:t>conda</a:t>
+            </a:r>
+            <a:endParaRPr lang="en-GB" b="1" dirty="0"/>
+          </a:p>
+        </p:txBody>
+      </p:sp>
+      <p:sp>
+        <p:nvSpPr>
+          <p:cNvPr id="3" name="Content Placeholder 2">
+            <a:extLst>
+              <a:ext uri="{FF2B5EF4-FFF2-40B4-BE49-F238E27FC236}">
+                <a16:creationId xmlns:a16="http://schemas.microsoft.com/office/drawing/2014/main" id="{A2DE1C41-172E-4FB9-ACDB-81F65F5D74CC}"/>
+              </a:ext>
+            </a:extLst>
+          </p:cNvPr>
+          <p:cNvSpPr>
+            <a:spLocks noGrp="1"/>
+          </p:cNvSpPr>
+          <p:nvPr>
+            <p:ph idx="1"/>
+          </p:nvPr>
+        </p:nvSpPr>
+        <p:spPr/>
+        <p:txBody>
+          <a:bodyPr/>
+          <a:lstStyle/>
+          <a:p>
+            <a:r>
+              <a:rPr lang="en-GB" dirty="0"/>
+              <a:t>Type:  Install-</a:t>
+            </a:r>
+            <a:r>
+              <a:rPr lang="en-GB" dirty="0" err="1"/>
+              <a:t>bioconda</a:t>
+            </a:r>
+            <a:endParaRPr lang="en-GB" dirty="0"/>
+          </a:p>
+          <a:p>
+            <a:r>
+              <a:rPr lang="en-GB" dirty="0"/>
+              <a:t>I have made this work so you can </a:t>
+            </a:r>
+            <a:r>
+              <a:rPr lang="en-GB" dirty="0" err="1"/>
+              <a:t>conda</a:t>
+            </a:r>
+            <a:r>
+              <a:rPr lang="en-GB" dirty="0"/>
+              <a:t> activate and deactivate within shell scripts. BUT there is a problem. </a:t>
+            </a:r>
+          </a:p>
+          <a:p>
+            <a:r>
+              <a:rPr lang="en-GB" dirty="0">
+                <a:solidFill>
+                  <a:srgbClr val="FF0000"/>
+                </a:solidFill>
+              </a:rPr>
+              <a:t>IMPORTANT</a:t>
+            </a:r>
+          </a:p>
+          <a:p>
+            <a:r>
+              <a:rPr lang="en-GB" dirty="0"/>
+              <a:t>When you create a </a:t>
+            </a:r>
+            <a:r>
+              <a:rPr lang="en-GB" dirty="0" err="1"/>
+              <a:t>conda</a:t>
+            </a:r>
+            <a:r>
+              <a:rPr lang="en-GB" dirty="0"/>
+              <a:t> env, </a:t>
+            </a:r>
+            <a:r>
+              <a:rPr lang="en-GB" i="1" dirty="0"/>
+              <a:t>some </a:t>
+            </a:r>
+            <a:r>
+              <a:rPr lang="en-GB" dirty="0"/>
+              <a:t>programs in the /bin are not executable (this is a bug!), you as a user need to fix this by:</a:t>
+            </a:r>
+          </a:p>
+          <a:p>
+            <a:r>
+              <a:rPr lang="en-GB" dirty="0" err="1"/>
+              <a:t>chmod</a:t>
+            </a:r>
+            <a:r>
+              <a:rPr lang="en-GB" dirty="0"/>
+              <a:t> </a:t>
+            </a:r>
+            <a:r>
+              <a:rPr lang="en-GB" dirty="0" err="1"/>
+              <a:t>a+x</a:t>
+            </a:r>
+            <a:r>
+              <a:rPr lang="en-GB" dirty="0"/>
+              <a:t> </a:t>
+            </a:r>
+            <a:r>
+              <a:rPr lang="en-GB" dirty="0" err="1"/>
+              <a:t>programs_in_conda_env_bin</a:t>
+            </a:r>
+            <a:endParaRPr lang="en-GB" dirty="0"/>
+          </a:p>
+          <a:p>
+            <a:endParaRPr lang="en-GB" dirty="0"/>
+          </a:p>
+          <a:p>
+            <a:r>
+              <a:rPr lang="en-GB" dirty="0"/>
+              <a:t>Everything else is the same </a:t>
+            </a:r>
+            <a:r>
+              <a:rPr lang="en-GB" i="1" dirty="0" err="1"/>
+              <a:t>conda</a:t>
+            </a:r>
+            <a:r>
+              <a:rPr lang="en-GB" dirty="0"/>
+              <a:t> as </a:t>
+            </a:r>
+            <a:r>
+              <a:rPr lang="en-GB" dirty="0" err="1"/>
+              <a:t>marvin</a:t>
+            </a:r>
+            <a:endParaRPr lang="en-GB" dirty="0"/>
+          </a:p>
+          <a:p>
+            <a:endParaRPr lang="en-GB" dirty="0"/>
+          </a:p>
+        </p:txBody>
+      </p:sp>
+    </p:spTree>
+    <p:extLst>
+      <p:ext uri="{BB962C8B-B14F-4D97-AF65-F5344CB8AC3E}">
+        <p14:creationId xmlns:p14="http://schemas.microsoft.com/office/powerpoint/2010/main" val="4020225680"/>
+      </p:ext>
+    </p:extLst>
+  </p:cSld>
+  <p:clrMapOvr>
+    <a:masterClrMapping/>
+  </p:clrMapOvr>
+</p:sld>
+</file>
+
+<file path=ppt/slides/slide19.xml><?xml version="1.0" encoding="utf-8"?>
+<p:sld xmlns:a="http://schemas.openxmlformats.org/drawingml/2006/main" xmlns:r="http://schemas.openxmlformats.org/officeDocument/2006/relationships" xmlns:p="http://schemas.openxmlformats.org/presentationml/2006/main">
+  <p:cSld>
+    <p:spTree>
+      <p:nvGrpSpPr>
+        <p:cNvPr id="1" name=""/>
+        <p:cNvGrpSpPr/>
+        <p:nvPr/>
+      </p:nvGrpSpPr>
+      <p:grpSpPr>
+        <a:xfrm>
+          <a:off x="0" y="0"/>
+          <a:ext cx="0" cy="0"/>
+          <a:chOff x="0" y="0"/>
+          <a:chExt cx="0" cy="0"/>
+        </a:xfrm>
+      </p:grpSpPr>
+      <p:sp>
+        <p:nvSpPr>
+          <p:cNvPr id="2" name="Title 1">
+            <a:extLst>
+              <a:ext uri="{FF2B5EF4-FFF2-40B4-BE49-F238E27FC236}">
+                <a16:creationId xmlns:a16="http://schemas.microsoft.com/office/drawing/2014/main" id="{7A3B3949-83D7-4B58-89BE-DC3A0D7DB43B}"/>
+              </a:ext>
+            </a:extLst>
+          </p:cNvPr>
+          <p:cNvSpPr>
+            <a:spLocks noGrp="1"/>
+          </p:cNvSpPr>
+          <p:nvPr>
+            <p:ph type="title"/>
+          </p:nvPr>
+        </p:nvSpPr>
         <p:spPr>
           <a:xfrm>
             <a:off x="251791" y="0"/>
@@ -4950,7 +5289,7 @@
           <a:lstStyle/>
           <a:p>
             <a:r>
-              <a:rPr lang="en-GB" dirty="0"/>
+              <a:rPr lang="en-GB" b="1" dirty="0"/>
               <a:t>Samba like connection – this is worth it!!</a:t>
             </a:r>
           </a:p>
@@ -5185,7 +5524,136 @@
 </p:sld>
 </file>
 
-<file path=ppt/slides/slide19.xml><?xml version="1.0" encoding="utf-8"?>
+<file path=ppt/slides/slide2.xml><?xml version="1.0" encoding="utf-8"?>
+<p:sld xmlns:a="http://schemas.openxmlformats.org/drawingml/2006/main" xmlns:r="http://schemas.openxmlformats.org/officeDocument/2006/relationships" xmlns:p="http://schemas.openxmlformats.org/presentationml/2006/main">
+  <p:cSld>
+    <p:spTree>
+      <p:nvGrpSpPr>
+        <p:cNvPr id="1" name=""/>
+        <p:cNvGrpSpPr/>
+        <p:nvPr/>
+      </p:nvGrpSpPr>
+      <p:grpSpPr>
+        <a:xfrm>
+          <a:off x="0" y="0"/>
+          <a:ext cx="0" cy="0"/>
+          <a:chOff x="0" y="0"/>
+          <a:chExt cx="0" cy="0"/>
+        </a:xfrm>
+      </p:grpSpPr>
+      <p:sp>
+        <p:nvSpPr>
+          <p:cNvPr id="2" name="Title 1">
+            <a:extLst>
+              <a:ext uri="{FF2B5EF4-FFF2-40B4-BE49-F238E27FC236}">
+                <a16:creationId xmlns:a16="http://schemas.microsoft.com/office/drawing/2014/main" id="{12735C8B-274C-46F2-950C-473AF239825E}"/>
+              </a:ext>
+            </a:extLst>
+          </p:cNvPr>
+          <p:cNvSpPr>
+            <a:spLocks noGrp="1"/>
+          </p:cNvSpPr>
+          <p:nvPr>
+            <p:ph type="title"/>
+          </p:nvPr>
+        </p:nvSpPr>
+        <p:spPr/>
+        <p:txBody>
+          <a:bodyPr/>
+          <a:lstStyle/>
+          <a:p>
+            <a:r>
+              <a:rPr lang="en-GB" dirty="0"/>
+              <a:t>This will get better ….</a:t>
+            </a:r>
+          </a:p>
+        </p:txBody>
+      </p:sp>
+      <p:sp>
+        <p:nvSpPr>
+          <p:cNvPr id="3" name="Content Placeholder 2">
+            <a:extLst>
+              <a:ext uri="{FF2B5EF4-FFF2-40B4-BE49-F238E27FC236}">
+                <a16:creationId xmlns:a16="http://schemas.microsoft.com/office/drawing/2014/main" id="{B4AC7A54-1656-4975-9F65-E85698328395}"/>
+              </a:ext>
+            </a:extLst>
+          </p:cNvPr>
+          <p:cNvSpPr>
+            <a:spLocks noGrp="1"/>
+          </p:cNvSpPr>
+          <p:nvPr>
+            <p:ph idx="1"/>
+          </p:nvPr>
+        </p:nvSpPr>
+        <p:spPr/>
+        <p:txBody>
+          <a:bodyPr/>
+          <a:lstStyle/>
+          <a:p>
+            <a:r>
+              <a:rPr lang="en-GB" dirty="0"/>
+              <a:t>This documentation is a messy work in progress – sorry. I keep getting taken away to watch </a:t>
+            </a:r>
+            <a:r>
+              <a:rPr lang="en-GB" dirty="0" err="1"/>
+              <a:t>Pepa</a:t>
+            </a:r>
+            <a:r>
+              <a:rPr lang="en-GB" dirty="0"/>
+              <a:t> pig and throw rice </a:t>
+            </a:r>
+            <a:r>
+              <a:rPr lang="en-GB" dirty="0" err="1"/>
+              <a:t>crispies</a:t>
+            </a:r>
+            <a:r>
+              <a:rPr lang="en-GB" dirty="0"/>
+              <a:t> around the room </a:t>
+            </a:r>
+            <a:r>
+              <a:rPr lang="en-GB" dirty="0">
+                <a:sym typeface="Wingdings" panose="05000000000000000000" pitchFamily="2" charset="2"/>
+              </a:rPr>
+              <a:t></a:t>
+            </a:r>
+          </a:p>
+          <a:p>
+            <a:r>
+              <a:rPr lang="en-GB" dirty="0">
+                <a:sym typeface="Wingdings" panose="05000000000000000000" pitchFamily="2" charset="2"/>
+              </a:rPr>
+              <a:t>I have only tested this using Windows. Sorry. But it will work for Linux and MAC too. </a:t>
+            </a:r>
+          </a:p>
+          <a:p>
+            <a:endParaRPr lang="en-GB" dirty="0">
+              <a:sym typeface="Wingdings" panose="05000000000000000000" pitchFamily="2" charset="2"/>
+            </a:endParaRPr>
+          </a:p>
+          <a:p>
+            <a:endParaRPr lang="en-GB" dirty="0">
+              <a:sym typeface="Wingdings" panose="05000000000000000000" pitchFamily="2" charset="2"/>
+            </a:endParaRPr>
+          </a:p>
+          <a:p>
+            <a:endParaRPr lang="en-GB" dirty="0"/>
+          </a:p>
+        </p:txBody>
+      </p:sp>
+    </p:spTree>
+    <p:extLst>
+      <p:ext uri="{BB962C8B-B14F-4D97-AF65-F5344CB8AC3E}">
+        <p14:creationId xmlns:p14="http://schemas.microsoft.com/office/powerpoint/2010/main" val="2563937449"/>
+      </p:ext>
+    </p:extLst>
+  </p:cSld>
+  <p:clrMapOvr>
+    <a:masterClrMapping/>
+  </p:clrMapOvr>
+</p:sld>
+</file>
+
+<file path=ppt/slides/slide20.xml><?xml version="1.0" encoding="utf-8"?>
 <p:sld xmlns:a="http://schemas.openxmlformats.org/drawingml/2006/main" xmlns:r="http://schemas.openxmlformats.org/officeDocument/2006/relationships" xmlns:p="http://schemas.openxmlformats.org/presentationml/2006/main">
   <p:cSld>
     <p:spTree>
@@ -5549,214 +6017,6 @@
 </p:sld>
 </file>
 
-<file path=ppt/slides/slide2.xml><?xml version="1.0" encoding="utf-8"?>
-<p:sld xmlns:a="http://schemas.openxmlformats.org/drawingml/2006/main" xmlns:r="http://schemas.openxmlformats.org/officeDocument/2006/relationships" xmlns:p="http://schemas.openxmlformats.org/presentationml/2006/main">
-  <p:cSld>
-    <p:spTree>
-      <p:nvGrpSpPr>
-        <p:cNvPr id="1" name=""/>
-        <p:cNvGrpSpPr/>
-        <p:nvPr/>
-      </p:nvGrpSpPr>
-      <p:grpSpPr>
-        <a:xfrm>
-          <a:off x="0" y="0"/>
-          <a:ext cx="0" cy="0"/>
-          <a:chOff x="0" y="0"/>
-          <a:chExt cx="0" cy="0"/>
-        </a:xfrm>
-      </p:grpSpPr>
-      <p:sp>
-        <p:nvSpPr>
-          <p:cNvPr id="2" name="Title 1">
-            <a:extLst>
-              <a:ext uri="{FF2B5EF4-FFF2-40B4-BE49-F238E27FC236}">
-                <a16:creationId xmlns:a16="http://schemas.microsoft.com/office/drawing/2014/main" id="{12735C8B-274C-46F2-950C-473AF239825E}"/>
-              </a:ext>
-            </a:extLst>
-          </p:cNvPr>
-          <p:cNvSpPr>
-            <a:spLocks noGrp="1"/>
-          </p:cNvSpPr>
-          <p:nvPr>
-            <p:ph type="title"/>
-          </p:nvPr>
-        </p:nvSpPr>
-        <p:spPr/>
-        <p:txBody>
-          <a:bodyPr/>
-          <a:lstStyle/>
-          <a:p>
-            <a:r>
-              <a:rPr lang="en-GB" dirty="0"/>
-              <a:t>This will get better ….</a:t>
-            </a:r>
-          </a:p>
-        </p:txBody>
-      </p:sp>
-      <p:sp>
-        <p:nvSpPr>
-          <p:cNvPr id="3" name="Content Placeholder 2">
-            <a:extLst>
-              <a:ext uri="{FF2B5EF4-FFF2-40B4-BE49-F238E27FC236}">
-                <a16:creationId xmlns:a16="http://schemas.microsoft.com/office/drawing/2014/main" id="{B4AC7A54-1656-4975-9F65-E85698328395}"/>
-              </a:ext>
-            </a:extLst>
-          </p:cNvPr>
-          <p:cNvSpPr>
-            <a:spLocks noGrp="1"/>
-          </p:cNvSpPr>
-          <p:nvPr>
-            <p:ph idx="1"/>
-          </p:nvPr>
-        </p:nvSpPr>
-        <p:spPr/>
-        <p:txBody>
-          <a:bodyPr/>
-          <a:lstStyle/>
-          <a:p>
-            <a:r>
-              <a:rPr lang="en-GB" dirty="0"/>
-              <a:t>This documentation is a messy work in progress – sorry. I keep getting taken away to watch </a:t>
-            </a:r>
-            <a:r>
-              <a:rPr lang="en-GB" dirty="0" err="1"/>
-              <a:t>Pepa</a:t>
-            </a:r>
-            <a:r>
-              <a:rPr lang="en-GB" dirty="0"/>
-              <a:t> pig and throw rice </a:t>
-            </a:r>
-            <a:r>
-              <a:rPr lang="en-GB" dirty="0" err="1"/>
-              <a:t>crispies</a:t>
-            </a:r>
-            <a:r>
-              <a:rPr lang="en-GB" dirty="0"/>
-              <a:t> around the room </a:t>
-            </a:r>
-            <a:r>
-              <a:rPr lang="en-GB" dirty="0">
-                <a:sym typeface="Wingdings" panose="05000000000000000000" pitchFamily="2" charset="2"/>
-              </a:rPr>
-              <a:t></a:t>
-            </a:r>
-          </a:p>
-          <a:p>
-            <a:endParaRPr lang="en-GB" dirty="0">
-              <a:sym typeface="Wingdings" panose="05000000000000000000" pitchFamily="2" charset="2"/>
-            </a:endParaRPr>
-          </a:p>
-          <a:p>
-            <a:endParaRPr lang="en-GB" dirty="0"/>
-          </a:p>
-        </p:txBody>
-      </p:sp>
-    </p:spTree>
-    <p:extLst>
-      <p:ext uri="{BB962C8B-B14F-4D97-AF65-F5344CB8AC3E}">
-        <p14:creationId xmlns:p14="http://schemas.microsoft.com/office/powerpoint/2010/main" val="2563937449"/>
-      </p:ext>
-    </p:extLst>
-  </p:cSld>
-  <p:clrMapOvr>
-    <a:masterClrMapping/>
-  </p:clrMapOvr>
-</p:sld>
-</file>
-
-<file path=ppt/slides/slide20.xml><?xml version="1.0" encoding="utf-8"?>
-<p:sld xmlns:a="http://schemas.openxmlformats.org/drawingml/2006/main" xmlns:r="http://schemas.openxmlformats.org/officeDocument/2006/relationships" xmlns:p="http://schemas.openxmlformats.org/presentationml/2006/main">
-  <p:cSld>
-    <p:spTree>
-      <p:nvGrpSpPr>
-        <p:cNvPr id="1" name=""/>
-        <p:cNvGrpSpPr/>
-        <p:nvPr/>
-      </p:nvGrpSpPr>
-      <p:grpSpPr>
-        <a:xfrm>
-          <a:off x="0" y="0"/>
-          <a:ext cx="0" cy="0"/>
-          <a:chOff x="0" y="0"/>
-          <a:chExt cx="0" cy="0"/>
-        </a:xfrm>
-      </p:grpSpPr>
-      <p:sp>
-        <p:nvSpPr>
-          <p:cNvPr id="2" name="Title 1">
-            <a:extLst>
-              <a:ext uri="{FF2B5EF4-FFF2-40B4-BE49-F238E27FC236}">
-                <a16:creationId xmlns:a16="http://schemas.microsoft.com/office/drawing/2014/main" id="{7A3B3949-83D7-4B58-89BE-DC3A0D7DB43B}"/>
-              </a:ext>
-            </a:extLst>
-          </p:cNvPr>
-          <p:cNvSpPr>
-            <a:spLocks noGrp="1"/>
-          </p:cNvSpPr>
-          <p:nvPr>
-            <p:ph type="title"/>
-          </p:nvPr>
-        </p:nvSpPr>
-        <p:spPr/>
-        <p:txBody>
-          <a:bodyPr/>
-          <a:lstStyle/>
-          <a:p>
-            <a:r>
-              <a:rPr lang="en-GB" dirty="0"/>
-              <a:t>Samba like connection</a:t>
-            </a:r>
-          </a:p>
-        </p:txBody>
-      </p:sp>
-      <p:sp>
-        <p:nvSpPr>
-          <p:cNvPr id="3" name="Content Placeholder 2">
-            <a:extLst>
-              <a:ext uri="{FF2B5EF4-FFF2-40B4-BE49-F238E27FC236}">
-                <a16:creationId xmlns:a16="http://schemas.microsoft.com/office/drawing/2014/main" id="{A2DE1C41-172E-4FB9-ACDB-81F65F5D74CC}"/>
-              </a:ext>
-            </a:extLst>
-          </p:cNvPr>
-          <p:cNvSpPr>
-            <a:spLocks noGrp="1"/>
-          </p:cNvSpPr>
-          <p:nvPr>
-            <p:ph idx="1"/>
-          </p:nvPr>
-        </p:nvSpPr>
-        <p:spPr/>
-        <p:txBody>
-          <a:bodyPr/>
-          <a:lstStyle/>
-          <a:p>
-            <a:r>
-              <a:rPr lang="en-GB" dirty="0"/>
-              <a:t>Same as previous page but ….Mount the scratch, you still have to navigate to it, like so:</a:t>
-            </a:r>
-          </a:p>
-          <a:p>
-            <a:r>
-              <a:rPr lang="en-GB" dirty="0"/>
-              <a:t>\\sshfs.k\USERNAME@kennedy10/../../scratch/bioinf/USERNAME</a:t>
-            </a:r>
-          </a:p>
-        </p:txBody>
-      </p:sp>
-    </p:spTree>
-    <p:extLst>
-      <p:ext uri="{BB962C8B-B14F-4D97-AF65-F5344CB8AC3E}">
-        <p14:creationId xmlns:p14="http://schemas.microsoft.com/office/powerpoint/2010/main" val="3084461843"/>
-      </p:ext>
-    </p:extLst>
-  </p:cSld>
-  <p:clrMapOvr>
-    <a:masterClrMapping/>
-  </p:clrMapOvr>
-</p:sld>
-</file>
-
 <file path=ppt/slides/slide21.xml><?xml version="1.0" encoding="utf-8"?>
 <p:sld xmlns:a="http://schemas.openxmlformats.org/drawingml/2006/main" xmlns:r="http://schemas.openxmlformats.org/officeDocument/2006/relationships" xmlns:p="http://schemas.openxmlformats.org/presentationml/2006/main">
   <p:cSld>
@@ -5779,7 +6039,7 @@
           <p:cNvPr id="2" name="Title 1">
             <a:extLst>
               <a:ext uri="{FF2B5EF4-FFF2-40B4-BE49-F238E27FC236}">
-                <a16:creationId xmlns:a16="http://schemas.microsoft.com/office/drawing/2014/main" id="{3DAF2EFB-29F6-4047-9F2C-2E06E6DC2F26}"/>
+                <a16:creationId xmlns:a16="http://schemas.microsoft.com/office/drawing/2014/main" id="{7A3B3949-83D7-4B58-89BE-DC3A0D7DB43B}"/>
               </a:ext>
             </a:extLst>
           </p:cNvPr>
@@ -5796,24 +6056,8 @@
           <a:lstStyle/>
           <a:p>
             <a:r>
-              <a:rPr lang="en-GB" dirty="0"/>
-              <a:t>Copy data from </a:t>
-            </a:r>
-            <a:r>
-              <a:rPr lang="en-GB" dirty="0" err="1"/>
-              <a:t>marvin</a:t>
-            </a:r>
-            <a:r>
-              <a:rPr lang="en-GB" dirty="0"/>
-              <a:t> – or push to </a:t>
-            </a:r>
-            <a:r>
-              <a:rPr lang="en-GB" dirty="0" err="1"/>
-              <a:t>marvin</a:t>
-            </a:r>
-            <a:r>
-              <a:rPr lang="en-GB" dirty="0"/>
-              <a:t> for backup</a:t>
+              <a:rPr lang="en-GB" b="1" dirty="0"/>
+              <a:t>Samba like connection</a:t>
             </a:r>
           </a:p>
         </p:txBody>
@@ -5823,7 +6067,7 @@
           <p:cNvPr id="3" name="Content Placeholder 2">
             <a:extLst>
               <a:ext uri="{FF2B5EF4-FFF2-40B4-BE49-F238E27FC236}">
-                <a16:creationId xmlns:a16="http://schemas.microsoft.com/office/drawing/2014/main" id="{6561B7F6-698A-4F90-BA7E-512A0F1A4E95}"/>
+                <a16:creationId xmlns:a16="http://schemas.microsoft.com/office/drawing/2014/main" id="{A2DE1C41-172E-4FB9-ACDB-81F65F5D74CC}"/>
               </a:ext>
             </a:extLst>
           </p:cNvPr>
@@ -5834,116 +6078,20 @@
             <p:ph idx="1"/>
           </p:nvPr>
         </p:nvSpPr>
-        <p:spPr>
-          <a:xfrm>
-            <a:off x="506896" y="2136913"/>
-            <a:ext cx="10697818" cy="5103537"/>
-          </a:xfrm>
-        </p:spPr>
-        <p:txBody>
-          <a:bodyPr/>
-          <a:lstStyle/>
-          <a:p>
-            <a:r>
-              <a:rPr lang="en-GB" dirty="0">
-                <a:hlinkClick r:id="rId2"/>
-              </a:rPr>
-              <a:t>https://www.tecmint.com/rsync-local-remote-file-synchronization-commands/</a:t>
-            </a:r>
-            <a:endParaRPr lang="en-GB" dirty="0"/>
-          </a:p>
-          <a:p>
-            <a:r>
-              <a:rPr lang="en-GB" dirty="0" err="1"/>
-              <a:t>rsync</a:t>
-            </a:r>
-            <a:r>
-              <a:rPr lang="en-GB" dirty="0"/>
-              <a:t> -</a:t>
-            </a:r>
-            <a:r>
-              <a:rPr lang="en-GB" dirty="0" err="1"/>
-              <a:t>av</a:t>
-            </a:r>
-            <a:r>
-              <a:rPr lang="en-GB" dirty="0"/>
-              <a:t> &lt;user&gt;@</a:t>
-            </a:r>
-            <a:r>
-              <a:rPr lang="en-GB" dirty="0" err="1"/>
-              <a:t>marvin.st-andrews.ac.uk:path</a:t>
-            </a:r>
-            <a:r>
-              <a:rPr lang="en-GB" dirty="0"/>
-              <a:t>/ path/</a:t>
-            </a:r>
-          </a:p>
-          <a:p>
-            <a:r>
-              <a:rPr lang="en-GB" dirty="0"/>
-              <a:t>Type yes, then your </a:t>
-            </a:r>
-            <a:r>
-              <a:rPr lang="en-GB" dirty="0" err="1"/>
-              <a:t>marvin</a:t>
-            </a:r>
-            <a:r>
-              <a:rPr lang="en-GB" dirty="0"/>
-              <a:t> password</a:t>
-            </a:r>
-          </a:p>
-          <a:p>
-            <a:endParaRPr lang="en-GB" dirty="0"/>
-          </a:p>
-          <a:p>
-            <a:pPr marL="0" indent="0">
-              <a:buNone/>
-            </a:pPr>
-            <a:r>
-              <a:rPr lang="en-GB" dirty="0"/>
-              <a:t>PUSH FILES TO MARVIN (please look up the commands)</a:t>
-            </a:r>
-          </a:p>
-          <a:p>
-            <a:r>
-              <a:rPr lang="en-GB" dirty="0" err="1"/>
-              <a:t>rsync</a:t>
-            </a:r>
-            <a:r>
-              <a:rPr lang="en-GB" dirty="0"/>
-              <a:t> -</a:t>
-            </a:r>
-            <a:r>
-              <a:rPr lang="en-GB" dirty="0" err="1"/>
-              <a:t>avzhe</a:t>
-            </a:r>
-            <a:r>
-              <a:rPr lang="en-GB" dirty="0"/>
-              <a:t> </a:t>
-            </a:r>
-            <a:r>
-              <a:rPr lang="en-GB" dirty="0" err="1"/>
-              <a:t>ssh</a:t>
-            </a:r>
-            <a:r>
-              <a:rPr lang="en-GB" dirty="0"/>
-              <a:t> </a:t>
-            </a:r>
-            <a:r>
-              <a:rPr lang="en-GB" dirty="0" err="1"/>
-              <a:t>file_to_transfer</a:t>
-            </a:r>
-            <a:r>
-              <a:rPr lang="en-GB" dirty="0"/>
-              <a:t> $USER@marvin.st-andrews.ac.uk:/</a:t>
-            </a:r>
-            <a:r>
-              <a:rPr lang="en-GB" dirty="0" err="1"/>
-              <a:t>path_to</a:t>
-            </a:r>
-            <a:r>
-              <a:rPr lang="en-GB" dirty="0"/>
-              <a:t>/</a:t>
+        <p:spPr/>
+        <p:txBody>
+          <a:bodyPr/>
+          <a:lstStyle/>
+          <a:p>
+            <a:r>
+              <a:rPr lang="en-GB" dirty="0"/>
+              <a:t>Same as previous page but ….Mount the scratch, you still have to navigate to it, like so:</a:t>
+            </a:r>
+          </a:p>
+          <a:p>
+            <a:r>
+              <a:rPr lang="en-GB" dirty="0"/>
+              <a:t>\\sshfs.k\USERNAME@kennedy10/../../scratch/bioinf/USERNAME</a:t>
             </a:r>
           </a:p>
         </p:txBody>
@@ -5951,7 +6099,7 @@
     </p:spTree>
     <p:extLst>
       <p:ext uri="{BB962C8B-B14F-4D97-AF65-F5344CB8AC3E}">
-        <p14:creationId xmlns:p14="http://schemas.microsoft.com/office/powerpoint/2010/main" val="3049080994"/>
+        <p14:creationId xmlns:p14="http://schemas.microsoft.com/office/powerpoint/2010/main" val="3084461843"/>
       </p:ext>
     </p:extLst>
   </p:cSld>
@@ -7294,7 +7442,7 @@
           <p:cNvPr id="2" name="Title 1">
             <a:extLst>
               <a:ext uri="{FF2B5EF4-FFF2-40B4-BE49-F238E27FC236}">
-                <a16:creationId xmlns:a16="http://schemas.microsoft.com/office/drawing/2014/main" id="{65994064-7F34-4E37-A4F8-F8945DD1F637}"/>
+                <a16:creationId xmlns:a16="http://schemas.microsoft.com/office/drawing/2014/main" id="{3DAF2EFB-29F6-4047-9F2C-2E06E6DC2F26}"/>
               </a:ext>
             </a:extLst>
           </p:cNvPr>
@@ -7303,12 +7451,56 @@
           </p:cNvSpPr>
           <p:nvPr>
             <p:ph type="title"/>
+          </p:nvPr>
+        </p:nvSpPr>
+        <p:spPr/>
+        <p:txBody>
+          <a:bodyPr/>
+          <a:lstStyle/>
+          <a:p>
+            <a:r>
+              <a:rPr lang="en-GB" dirty="0"/>
+              <a:t>Copy data from </a:t>
+            </a:r>
+            <a:r>
+              <a:rPr lang="en-GB" dirty="0" err="1"/>
+              <a:t>marvin</a:t>
+            </a:r>
+            <a:r>
+              <a:rPr lang="en-GB" dirty="0"/>
+              <a:t> – or push to </a:t>
+            </a:r>
+            <a:r>
+              <a:rPr lang="en-GB" dirty="0" err="1"/>
+              <a:t>marvin</a:t>
+            </a:r>
+            <a:r>
+              <a:rPr lang="en-GB" dirty="0"/>
+              <a:t> for backup</a:t>
+            </a:r>
+          </a:p>
+        </p:txBody>
+      </p:sp>
+      <p:sp>
+        <p:nvSpPr>
+          <p:cNvPr id="3" name="Content Placeholder 2">
+            <a:extLst>
+              <a:ext uri="{FF2B5EF4-FFF2-40B4-BE49-F238E27FC236}">
+                <a16:creationId xmlns:a16="http://schemas.microsoft.com/office/drawing/2014/main" id="{6561B7F6-698A-4F90-BA7E-512A0F1A4E95}"/>
+              </a:ext>
+            </a:extLst>
+          </p:cNvPr>
+          <p:cNvSpPr>
+            <a:spLocks noGrp="1"/>
+          </p:cNvSpPr>
+          <p:nvPr>
+            <p:ph idx="1"/>
           </p:nvPr>
         </p:nvSpPr>
         <p:spPr>
           <a:xfrm>
-            <a:off x="289560" y="-120739"/>
-            <a:ext cx="10515600" cy="1325563"/>
+            <a:off x="506896" y="2136913"/>
+            <a:ext cx="10697818" cy="5103537"/>
           </a:xfrm>
         </p:spPr>
         <p:txBody>
@@ -7316,234 +7508,105 @@
           <a:lstStyle/>
           <a:p>
             <a:r>
+              <a:rPr lang="en-GB" dirty="0">
+                <a:hlinkClick r:id="rId2"/>
+              </a:rPr>
+              <a:t>https://www.tecmint.com/rsync-local-remote-file-synchronization-commands/</a:t>
+            </a:r>
+            <a:endParaRPr lang="en-GB" dirty="0"/>
+          </a:p>
+          <a:p>
+            <a:r>
               <a:rPr lang="en-GB" dirty="0" err="1"/>
-              <a:t>Filezilla</a:t>
-            </a:r>
-            <a:r>
-              <a:rPr lang="en-GB" dirty="0"/>
-              <a:t> file transfer</a:t>
-            </a:r>
-          </a:p>
-        </p:txBody>
-      </p:sp>
-      <p:pic>
-        <p:nvPicPr>
-          <p:cNvPr id="4" name="Content Placeholder 3">
-            <a:extLst>
-              <a:ext uri="{FF2B5EF4-FFF2-40B4-BE49-F238E27FC236}">
-                <a16:creationId xmlns:a16="http://schemas.microsoft.com/office/drawing/2014/main" id="{CBCD53F6-1964-4223-8161-EB76F4850693}"/>
-              </a:ext>
-            </a:extLst>
-          </p:cNvPr>
-          <p:cNvPicPr>
-            <a:picLocks noGrp="1" noChangeAspect="1"/>
-          </p:cNvPicPr>
-          <p:nvPr>
-            <p:ph idx="1"/>
-          </p:nvPr>
-        </p:nvPicPr>
-        <p:blipFill rotWithShape="1">
-          <a:blip r:embed="rId2" cstate="email">
-            <a:extLst>
-              <a:ext uri="{28A0092B-C50C-407E-A947-70E740481C1C}">
-                <a14:useLocalDpi xmlns:a14="http://schemas.microsoft.com/office/drawing/2010/main" val="0"/>
-              </a:ext>
-            </a:extLst>
-          </a:blip>
-          <a:srcRect/>
-          <a:stretch/>
-        </p:blipFill>
-        <p:spPr>
-          <a:xfrm>
-            <a:off x="838201" y="2791134"/>
-            <a:ext cx="7020826" cy="4071680"/>
-          </a:xfrm>
-          <a:prstGeom prst="rect">
-            <a:avLst/>
-          </a:prstGeom>
-        </p:spPr>
-      </p:pic>
-      <p:cxnSp>
-        <p:nvCxnSpPr>
-          <p:cNvPr id="6" name="Straight Arrow Connector 5">
-            <a:extLst>
-              <a:ext uri="{FF2B5EF4-FFF2-40B4-BE49-F238E27FC236}">
-                <a16:creationId xmlns:a16="http://schemas.microsoft.com/office/drawing/2014/main" id="{A3A3C607-9680-4897-B6D6-EE6554D3BD71}"/>
-              </a:ext>
-            </a:extLst>
-          </p:cNvPr>
-          <p:cNvCxnSpPr>
-            <a:cxnSpLocks/>
-          </p:cNvCxnSpPr>
-          <p:nvPr/>
-        </p:nvCxnSpPr>
-        <p:spPr>
-          <a:xfrm flipH="1">
-            <a:off x="7103445" y="2339170"/>
-            <a:ext cx="452386" cy="1299411"/>
-          </a:xfrm>
-          <a:prstGeom prst="straightConnector1">
-            <a:avLst/>
-          </a:prstGeom>
-          <a:ln>
-            <a:tailEnd type="triangle"/>
-          </a:ln>
-        </p:spPr>
-        <p:style>
-          <a:lnRef idx="1">
-            <a:schemeClr val="accent1"/>
-          </a:lnRef>
-          <a:fillRef idx="0">
-            <a:schemeClr val="accent1"/>
-          </a:fillRef>
-          <a:effectRef idx="0">
-            <a:schemeClr val="accent1"/>
-          </a:effectRef>
-          <a:fontRef idx="minor">
-            <a:schemeClr val="tx1"/>
-          </a:fontRef>
-        </p:style>
-      </p:cxnSp>
-      <p:sp>
-        <p:nvSpPr>
-          <p:cNvPr id="11" name="TextBox 10">
-            <a:extLst>
-              <a:ext uri="{FF2B5EF4-FFF2-40B4-BE49-F238E27FC236}">
-                <a16:creationId xmlns:a16="http://schemas.microsoft.com/office/drawing/2014/main" id="{3B3BA696-2CA4-4D48-8CE0-79026004D64A}"/>
-              </a:ext>
-            </a:extLst>
-          </p:cNvPr>
-          <p:cNvSpPr txBox="1"/>
-          <p:nvPr/>
-        </p:nvSpPr>
-        <p:spPr>
-          <a:xfrm>
-            <a:off x="7591108" y="2219351"/>
-            <a:ext cx="2127183" cy="369332"/>
-          </a:xfrm>
-          <a:prstGeom prst="rect">
-            <a:avLst/>
-          </a:prstGeom>
-          <a:noFill/>
-        </p:spPr>
-        <p:txBody>
-          <a:bodyPr wrap="square" rtlCol="0">
-            <a:spAutoFit/>
-          </a:bodyPr>
-          <a:lstStyle/>
-          <a:p>
-            <a:r>
-              <a:rPr lang="en-GB" dirty="0"/>
-              <a:t>Change to SFTP</a:t>
-            </a:r>
-          </a:p>
-        </p:txBody>
-      </p:sp>
-      <p:pic>
-        <p:nvPicPr>
-          <p:cNvPr id="12" name="Picture 11">
-            <a:extLst>
-              <a:ext uri="{FF2B5EF4-FFF2-40B4-BE49-F238E27FC236}">
-                <a16:creationId xmlns:a16="http://schemas.microsoft.com/office/drawing/2014/main" id="{70FCD941-41D6-4CF4-B11B-FD482EBD00A9}"/>
-              </a:ext>
-            </a:extLst>
-          </p:cNvPr>
-          <p:cNvPicPr>
-            <a:picLocks noChangeAspect="1"/>
-          </p:cNvPicPr>
-          <p:nvPr/>
-        </p:nvPicPr>
-        <p:blipFill rotWithShape="1">
-          <a:blip r:embed="rId3" cstate="email">
-            <a:extLst>
-              <a:ext uri="{28A0092B-C50C-407E-A947-70E740481C1C}">
-                <a14:useLocalDpi xmlns:a14="http://schemas.microsoft.com/office/drawing/2010/main" val="0"/>
-              </a:ext>
-            </a:extLst>
-          </a:blip>
-          <a:srcRect/>
-          <a:stretch/>
-        </p:blipFill>
-        <p:spPr>
-          <a:xfrm>
-            <a:off x="3696039" y="1081601"/>
-            <a:ext cx="3407406" cy="1507082"/>
-          </a:xfrm>
-          <a:prstGeom prst="rect">
-            <a:avLst/>
-          </a:prstGeom>
-        </p:spPr>
-      </p:pic>
-      <p:cxnSp>
-        <p:nvCxnSpPr>
-          <p:cNvPr id="14" name="Straight Arrow Connector 13">
-            <a:extLst>
-              <a:ext uri="{FF2B5EF4-FFF2-40B4-BE49-F238E27FC236}">
-                <a16:creationId xmlns:a16="http://schemas.microsoft.com/office/drawing/2014/main" id="{757EB67A-E045-4999-B695-79A70026A910}"/>
-              </a:ext>
-            </a:extLst>
-          </p:cNvPr>
-          <p:cNvCxnSpPr/>
-          <p:nvPr/>
-        </p:nvCxnSpPr>
-        <p:spPr>
-          <a:xfrm>
-            <a:off x="2704699" y="1204824"/>
-            <a:ext cx="1289785" cy="39614"/>
-          </a:xfrm>
-          <a:prstGeom prst="straightConnector1">
-            <a:avLst/>
-          </a:prstGeom>
-          <a:ln>
-            <a:tailEnd type="triangle"/>
-          </a:ln>
-        </p:spPr>
-        <p:style>
-          <a:lnRef idx="1">
-            <a:schemeClr val="accent1"/>
-          </a:lnRef>
-          <a:fillRef idx="0">
-            <a:schemeClr val="accent1"/>
-          </a:fillRef>
-          <a:effectRef idx="0">
-            <a:schemeClr val="accent1"/>
-          </a:effectRef>
-          <a:fontRef idx="minor">
-            <a:schemeClr val="tx1"/>
-          </a:fontRef>
-        </p:style>
-      </p:cxnSp>
-      <p:sp>
-        <p:nvSpPr>
-          <p:cNvPr id="15" name="TextBox 14">
-            <a:extLst>
-              <a:ext uri="{FF2B5EF4-FFF2-40B4-BE49-F238E27FC236}">
-                <a16:creationId xmlns:a16="http://schemas.microsoft.com/office/drawing/2014/main" id="{F4710933-1DF7-4DAE-91C1-90886D9940C2}"/>
-              </a:ext>
-            </a:extLst>
-          </p:cNvPr>
-          <p:cNvSpPr txBox="1"/>
-          <p:nvPr/>
-        </p:nvSpPr>
-        <p:spPr>
-          <a:xfrm>
-            <a:off x="1078029" y="1081601"/>
-            <a:ext cx="1511167" cy="646331"/>
-          </a:xfrm>
-          <a:prstGeom prst="rect">
-            <a:avLst/>
-          </a:prstGeom>
-          <a:noFill/>
-        </p:spPr>
-        <p:txBody>
-          <a:bodyPr wrap="square" rtlCol="0">
-            <a:spAutoFit/>
-          </a:bodyPr>
-          <a:lstStyle/>
-          <a:p>
-            <a:r>
-              <a:rPr lang="en-GB" dirty="0"/>
-              <a:t>Open new site manager</a:t>
+              <a:t>rsync</a:t>
+            </a:r>
+            <a:r>
+              <a:rPr lang="en-GB" dirty="0"/>
+              <a:t> -</a:t>
+            </a:r>
+            <a:r>
+              <a:rPr lang="en-GB" dirty="0" err="1"/>
+              <a:t>av</a:t>
+            </a:r>
+            <a:r>
+              <a:rPr lang="en-GB" dirty="0"/>
+              <a:t> $</a:t>
+            </a:r>
+            <a:r>
+              <a:rPr lang="en-GB" dirty="0" err="1"/>
+              <a:t>USER@marvin.st-andrews.ac.uk:path</a:t>
+            </a:r>
+            <a:r>
+              <a:rPr lang="en-GB" dirty="0"/>
+              <a:t>/ path/</a:t>
+            </a:r>
+          </a:p>
+          <a:p>
+            <a:r>
+              <a:rPr lang="en-GB" dirty="0"/>
+              <a:t>Type yes, then your </a:t>
+            </a:r>
+            <a:r>
+              <a:rPr lang="en-GB" dirty="0" err="1"/>
+              <a:t>marvin</a:t>
+            </a:r>
+            <a:r>
+              <a:rPr lang="en-GB" dirty="0"/>
+              <a:t> password</a:t>
+            </a:r>
+          </a:p>
+          <a:p>
+            <a:endParaRPr lang="en-GB" dirty="0"/>
+          </a:p>
+          <a:p>
+            <a:pPr marL="0" indent="0">
+              <a:buNone/>
+            </a:pPr>
+            <a:r>
+              <a:rPr lang="en-GB" dirty="0"/>
+              <a:t>PUSH FILES TO MARVIN (please look up the commands)</a:t>
+            </a:r>
+          </a:p>
+          <a:p>
+            <a:r>
+              <a:rPr lang="en-GB" dirty="0" err="1"/>
+              <a:t>rsync</a:t>
+            </a:r>
+            <a:r>
+              <a:rPr lang="en-GB" dirty="0"/>
+              <a:t> -</a:t>
+            </a:r>
+            <a:r>
+              <a:rPr lang="en-GB" dirty="0" err="1"/>
+              <a:t>avzhe</a:t>
+            </a:r>
+            <a:r>
+              <a:rPr lang="en-GB" dirty="0"/>
+              <a:t> </a:t>
+            </a:r>
+            <a:r>
+              <a:rPr lang="en-GB" dirty="0" err="1"/>
+              <a:t>ssh</a:t>
+            </a:r>
+            <a:r>
+              <a:rPr lang="en-GB" dirty="0"/>
+              <a:t> </a:t>
+            </a:r>
+            <a:r>
+              <a:rPr lang="en-GB" dirty="0" err="1"/>
+              <a:t>file_to_transfer</a:t>
+            </a:r>
+            <a:r>
+              <a:rPr lang="en-GB" dirty="0"/>
+              <a:t> $USER@marvin.st-andrews.ac.uk:/</a:t>
+            </a:r>
+            <a:r>
+              <a:rPr lang="en-GB" dirty="0" err="1"/>
+              <a:t>path_to</a:t>
+            </a:r>
+            <a:r>
+              <a:rPr lang="en-GB" dirty="0"/>
+              <a:t>/</a:t>
             </a:r>
           </a:p>
         </p:txBody>
@@ -7551,7 +7614,7 @@
     </p:spTree>
     <p:extLst>
       <p:ext uri="{BB962C8B-B14F-4D97-AF65-F5344CB8AC3E}">
-        <p14:creationId xmlns:p14="http://schemas.microsoft.com/office/powerpoint/2010/main" val="3772392640"/>
+        <p14:creationId xmlns:p14="http://schemas.microsoft.com/office/powerpoint/2010/main" val="3049080994"/>
       </p:ext>
     </p:extLst>
   </p:cSld>

--- a/kenedy_getting_started-V1.pptx
+++ b/kenedy_getting_started-V1.pptx
@@ -7,27 +7,28 @@
   <p:sldIdLst>
     <p:sldId id="256" r:id="rId2"/>
     <p:sldId id="280" r:id="rId3"/>
-    <p:sldId id="279" r:id="rId4"/>
-    <p:sldId id="278" r:id="rId5"/>
-    <p:sldId id="257" r:id="rId6"/>
-    <p:sldId id="275" r:id="rId7"/>
-    <p:sldId id="271" r:id="rId8"/>
-    <p:sldId id="260" r:id="rId9"/>
-    <p:sldId id="274" r:id="rId10"/>
-    <p:sldId id="259" r:id="rId11"/>
-    <p:sldId id="262" r:id="rId12"/>
-    <p:sldId id="261" r:id="rId13"/>
-    <p:sldId id="265" r:id="rId14"/>
-    <p:sldId id="272" r:id="rId15"/>
-    <p:sldId id="273" r:id="rId16"/>
-    <p:sldId id="266" r:id="rId17"/>
-    <p:sldId id="267" r:id="rId18"/>
-    <p:sldId id="268" r:id="rId19"/>
-    <p:sldId id="270" r:id="rId20"/>
-    <p:sldId id="276" r:id="rId21"/>
-    <p:sldId id="269" r:id="rId22"/>
-    <p:sldId id="263" r:id="rId23"/>
-    <p:sldId id="277" r:id="rId24"/>
+    <p:sldId id="281" r:id="rId4"/>
+    <p:sldId id="279" r:id="rId5"/>
+    <p:sldId id="278" r:id="rId6"/>
+    <p:sldId id="257" r:id="rId7"/>
+    <p:sldId id="275" r:id="rId8"/>
+    <p:sldId id="271" r:id="rId9"/>
+    <p:sldId id="260" r:id="rId10"/>
+    <p:sldId id="274" r:id="rId11"/>
+    <p:sldId id="259" r:id="rId12"/>
+    <p:sldId id="262" r:id="rId13"/>
+    <p:sldId id="261" r:id="rId14"/>
+    <p:sldId id="265" r:id="rId15"/>
+    <p:sldId id="272" r:id="rId16"/>
+    <p:sldId id="273" r:id="rId17"/>
+    <p:sldId id="266" r:id="rId18"/>
+    <p:sldId id="267" r:id="rId19"/>
+    <p:sldId id="268" r:id="rId20"/>
+    <p:sldId id="270" r:id="rId21"/>
+    <p:sldId id="276" r:id="rId22"/>
+    <p:sldId id="269" r:id="rId23"/>
+    <p:sldId id="263" r:id="rId24"/>
+    <p:sldId id="277" r:id="rId25"/>
   </p:sldIdLst>
   <p:sldSz cx="12192000" cy="6858000"/>
   <p:notesSz cx="6858000" cy="9144000"/>
@@ -3493,6 +3494,210 @@
           <p:cNvPr id="2" name="Title 1">
             <a:extLst>
               <a:ext uri="{FF2B5EF4-FFF2-40B4-BE49-F238E27FC236}">
+                <a16:creationId xmlns:a16="http://schemas.microsoft.com/office/drawing/2014/main" id="{3DAF2EFB-29F6-4047-9F2C-2E06E6DC2F26}"/>
+              </a:ext>
+            </a:extLst>
+          </p:cNvPr>
+          <p:cNvSpPr>
+            <a:spLocks noGrp="1"/>
+          </p:cNvSpPr>
+          <p:nvPr>
+            <p:ph type="title"/>
+          </p:nvPr>
+        </p:nvSpPr>
+        <p:spPr/>
+        <p:txBody>
+          <a:bodyPr/>
+          <a:lstStyle/>
+          <a:p>
+            <a:r>
+              <a:rPr lang="en-GB" dirty="0"/>
+              <a:t>Copy data from </a:t>
+            </a:r>
+            <a:r>
+              <a:rPr lang="en-GB" dirty="0" err="1"/>
+              <a:t>marvin</a:t>
+            </a:r>
+            <a:r>
+              <a:rPr lang="en-GB" dirty="0"/>
+              <a:t> – or push to </a:t>
+            </a:r>
+            <a:r>
+              <a:rPr lang="en-GB" dirty="0" err="1"/>
+              <a:t>marvin</a:t>
+            </a:r>
+            <a:r>
+              <a:rPr lang="en-GB" dirty="0"/>
+              <a:t> for backup</a:t>
+            </a:r>
+          </a:p>
+        </p:txBody>
+      </p:sp>
+      <p:sp>
+        <p:nvSpPr>
+          <p:cNvPr id="3" name="Content Placeholder 2">
+            <a:extLst>
+              <a:ext uri="{FF2B5EF4-FFF2-40B4-BE49-F238E27FC236}">
+                <a16:creationId xmlns:a16="http://schemas.microsoft.com/office/drawing/2014/main" id="{6561B7F6-698A-4F90-BA7E-512A0F1A4E95}"/>
+              </a:ext>
+            </a:extLst>
+          </p:cNvPr>
+          <p:cNvSpPr>
+            <a:spLocks noGrp="1"/>
+          </p:cNvSpPr>
+          <p:nvPr>
+            <p:ph idx="1"/>
+          </p:nvPr>
+        </p:nvSpPr>
+        <p:spPr>
+          <a:xfrm>
+            <a:off x="506896" y="2136913"/>
+            <a:ext cx="10697818" cy="5103537"/>
+          </a:xfrm>
+        </p:spPr>
+        <p:txBody>
+          <a:bodyPr/>
+          <a:lstStyle/>
+          <a:p>
+            <a:r>
+              <a:rPr lang="en-GB" dirty="0">
+                <a:hlinkClick r:id="rId2"/>
+              </a:rPr>
+              <a:t>https://www.tecmint.com/rsync-local-remote-file-synchronization-commands/</a:t>
+            </a:r>
+            <a:endParaRPr lang="en-GB" dirty="0"/>
+          </a:p>
+          <a:p>
+            <a:r>
+              <a:rPr lang="en-GB" dirty="0" err="1"/>
+              <a:t>rsync</a:t>
+            </a:r>
+            <a:r>
+              <a:rPr lang="en-GB" dirty="0"/>
+              <a:t> -</a:t>
+            </a:r>
+            <a:r>
+              <a:rPr lang="en-GB" dirty="0" err="1"/>
+              <a:t>av</a:t>
+            </a:r>
+            <a:r>
+              <a:rPr lang="en-GB" dirty="0"/>
+              <a:t> $</a:t>
+            </a:r>
+            <a:r>
+              <a:rPr lang="en-GB" dirty="0" err="1"/>
+              <a:t>USER@marvin.st-andrews.ac.uk:path</a:t>
+            </a:r>
+            <a:r>
+              <a:rPr lang="en-GB" dirty="0"/>
+              <a:t>/ path/</a:t>
+            </a:r>
+          </a:p>
+          <a:p>
+            <a:r>
+              <a:rPr lang="en-GB" dirty="0"/>
+              <a:t>Type yes, then your </a:t>
+            </a:r>
+            <a:r>
+              <a:rPr lang="en-GB" dirty="0" err="1"/>
+              <a:t>marvin</a:t>
+            </a:r>
+            <a:r>
+              <a:rPr lang="en-GB" dirty="0"/>
+              <a:t> password</a:t>
+            </a:r>
+          </a:p>
+          <a:p>
+            <a:endParaRPr lang="en-GB" dirty="0"/>
+          </a:p>
+          <a:p>
+            <a:pPr marL="0" indent="0">
+              <a:buNone/>
+            </a:pPr>
+            <a:r>
+              <a:rPr lang="en-GB" dirty="0"/>
+              <a:t>PUSH FILES TO MARVIN (please look up the commands)</a:t>
+            </a:r>
+          </a:p>
+          <a:p>
+            <a:r>
+              <a:rPr lang="en-GB" dirty="0" err="1"/>
+              <a:t>rsync</a:t>
+            </a:r>
+            <a:r>
+              <a:rPr lang="en-GB" dirty="0"/>
+              <a:t> -</a:t>
+            </a:r>
+            <a:r>
+              <a:rPr lang="en-GB" dirty="0" err="1"/>
+              <a:t>avzhe</a:t>
+            </a:r>
+            <a:r>
+              <a:rPr lang="en-GB" dirty="0"/>
+              <a:t> </a:t>
+            </a:r>
+            <a:r>
+              <a:rPr lang="en-GB" dirty="0" err="1"/>
+              <a:t>ssh</a:t>
+            </a:r>
+            <a:r>
+              <a:rPr lang="en-GB" dirty="0"/>
+              <a:t> </a:t>
+            </a:r>
+            <a:r>
+              <a:rPr lang="en-GB" dirty="0" err="1"/>
+              <a:t>file_to_transfer</a:t>
+            </a:r>
+            <a:r>
+              <a:rPr lang="en-GB" dirty="0"/>
+              <a:t> $USER@marvin.st-andrews.ac.uk:/</a:t>
+            </a:r>
+            <a:r>
+              <a:rPr lang="en-GB" dirty="0" err="1"/>
+              <a:t>path_to</a:t>
+            </a:r>
+            <a:r>
+              <a:rPr lang="en-GB" dirty="0"/>
+              <a:t>/</a:t>
+            </a:r>
+          </a:p>
+        </p:txBody>
+      </p:sp>
+    </p:spTree>
+    <p:extLst>
+      <p:ext uri="{BB962C8B-B14F-4D97-AF65-F5344CB8AC3E}">
+        <p14:creationId xmlns:p14="http://schemas.microsoft.com/office/powerpoint/2010/main" val="3049080994"/>
+      </p:ext>
+    </p:extLst>
+  </p:cSld>
+  <p:clrMapOvr>
+    <a:masterClrMapping/>
+  </p:clrMapOvr>
+</p:sld>
+</file>
+
+<file path=ppt/slides/slide11.xml><?xml version="1.0" encoding="utf-8"?>
+<p:sld xmlns:a="http://schemas.openxmlformats.org/drawingml/2006/main" xmlns:r="http://schemas.openxmlformats.org/officeDocument/2006/relationships" xmlns:p="http://schemas.openxmlformats.org/presentationml/2006/main">
+  <p:cSld>
+    <p:spTree>
+      <p:nvGrpSpPr>
+        <p:cNvPr id="1" name=""/>
+        <p:cNvGrpSpPr/>
+        <p:nvPr/>
+      </p:nvGrpSpPr>
+      <p:grpSpPr>
+        <a:xfrm>
+          <a:off x="0" y="0"/>
+          <a:ext cx="0" cy="0"/>
+          <a:chOff x="0" y="0"/>
+          <a:chExt cx="0" cy="0"/>
+        </a:xfrm>
+      </p:grpSpPr>
+      <p:sp>
+        <p:nvSpPr>
+          <p:cNvPr id="2" name="Title 1">
+            <a:extLst>
+              <a:ext uri="{FF2B5EF4-FFF2-40B4-BE49-F238E27FC236}">
                 <a16:creationId xmlns:a16="http://schemas.microsoft.com/office/drawing/2014/main" id="{65994064-7F34-4E37-A4F8-F8945DD1F637}"/>
               </a:ext>
             </a:extLst>
@@ -3765,7 +3970,7 @@
 </p:sld>
 </file>
 
-<file path=ppt/slides/slide11.xml><?xml version="1.0" encoding="utf-8"?>
+<file path=ppt/slides/slide12.xml><?xml version="1.0" encoding="utf-8"?>
 <p:sld xmlns:a="http://schemas.openxmlformats.org/drawingml/2006/main" xmlns:r="http://schemas.openxmlformats.org/officeDocument/2006/relationships" xmlns:p="http://schemas.openxmlformats.org/presentationml/2006/main">
   <p:cSld>
     <p:spTree>
@@ -3983,7 +4188,7 @@
 </p:sld>
 </file>
 
-<file path=ppt/slides/slide12.xml><?xml version="1.0" encoding="utf-8"?>
+<file path=ppt/slides/slide13.xml><?xml version="1.0" encoding="utf-8"?>
 <p:sld xmlns:a="http://schemas.openxmlformats.org/drawingml/2006/main" xmlns:r="http://schemas.openxmlformats.org/officeDocument/2006/relationships" xmlns:p="http://schemas.openxmlformats.org/presentationml/2006/main">
   <p:cSld>
     <p:spTree>
@@ -4085,7 +4290,7 @@
 </p:sld>
 </file>
 
-<file path=ppt/slides/slide13.xml><?xml version="1.0" encoding="utf-8"?>
+<file path=ppt/slides/slide14.xml><?xml version="1.0" encoding="utf-8"?>
 <p:sld xmlns:a="http://schemas.openxmlformats.org/drawingml/2006/main" xmlns:r="http://schemas.openxmlformats.org/officeDocument/2006/relationships" xmlns:p="http://schemas.openxmlformats.org/presentationml/2006/main">
   <p:cSld>
     <p:spTree>
@@ -4325,7 +4530,7 @@
 </p:sld>
 </file>
 
-<file path=ppt/slides/slide14.xml><?xml version="1.0" encoding="utf-8"?>
+<file path=ppt/slides/slide15.xml><?xml version="1.0" encoding="utf-8"?>
 <p:sld xmlns:a="http://schemas.openxmlformats.org/drawingml/2006/main" xmlns:r="http://schemas.openxmlformats.org/officeDocument/2006/relationships" xmlns:p="http://schemas.openxmlformats.org/presentationml/2006/main">
   <p:cSld>
     <p:spTree>
@@ -4566,130 +4771,6 @@
 </p:sld>
 </file>
 
-<file path=ppt/slides/slide15.xml><?xml version="1.0" encoding="utf-8"?>
-<p:sld xmlns:a="http://schemas.openxmlformats.org/drawingml/2006/main" xmlns:r="http://schemas.openxmlformats.org/officeDocument/2006/relationships" xmlns:p="http://schemas.openxmlformats.org/presentationml/2006/main">
-  <p:cSld>
-    <p:spTree>
-      <p:nvGrpSpPr>
-        <p:cNvPr id="1" name=""/>
-        <p:cNvGrpSpPr/>
-        <p:nvPr/>
-      </p:nvGrpSpPr>
-      <p:grpSpPr>
-        <a:xfrm>
-          <a:off x="0" y="0"/>
-          <a:ext cx="0" cy="0"/>
-          <a:chOff x="0" y="0"/>
-          <a:chExt cx="0" cy="0"/>
-        </a:xfrm>
-      </p:grpSpPr>
-      <p:sp>
-        <p:nvSpPr>
-          <p:cNvPr id="2" name="Title 1">
-            <a:extLst>
-              <a:ext uri="{FF2B5EF4-FFF2-40B4-BE49-F238E27FC236}">
-                <a16:creationId xmlns:a16="http://schemas.microsoft.com/office/drawing/2014/main" id="{7AA8E294-8B7C-45DE-ABC5-2579C6050308}"/>
-              </a:ext>
-            </a:extLst>
-          </p:cNvPr>
-          <p:cNvSpPr>
-            <a:spLocks noGrp="1"/>
-          </p:cNvSpPr>
-          <p:nvPr>
-            <p:ph type="title"/>
-          </p:nvPr>
-        </p:nvSpPr>
-        <p:spPr/>
-        <p:txBody>
-          <a:bodyPr/>
-          <a:lstStyle/>
-          <a:p>
-            <a:r>
-              <a:rPr lang="en-GB" dirty="0"/>
-              <a:t>GPU nodes</a:t>
-            </a:r>
-          </a:p>
-        </p:txBody>
-      </p:sp>
-      <p:sp>
-        <p:nvSpPr>
-          <p:cNvPr id="3" name="Content Placeholder 2">
-            <a:extLst>
-              <a:ext uri="{FF2B5EF4-FFF2-40B4-BE49-F238E27FC236}">
-                <a16:creationId xmlns:a16="http://schemas.microsoft.com/office/drawing/2014/main" id="{B5D13BB8-360F-41E7-9B8D-F95D6CFC1889}"/>
-              </a:ext>
-            </a:extLst>
-          </p:cNvPr>
-          <p:cNvSpPr>
-            <a:spLocks noGrp="1"/>
-          </p:cNvSpPr>
-          <p:nvPr>
-            <p:ph idx="1"/>
-          </p:nvPr>
-        </p:nvSpPr>
-        <p:spPr/>
-        <p:txBody>
-          <a:bodyPr/>
-          <a:lstStyle/>
-          <a:p>
-            <a:r>
-              <a:rPr lang="en-GB" dirty="0"/>
-              <a:t>Request an interactive job with one GPU:</a:t>
-            </a:r>
-          </a:p>
-          <a:p>
-            <a:r>
-              <a:rPr lang="en-GB" dirty="0"/>
-              <a:t># </a:t>
-            </a:r>
-            <a:r>
-              <a:rPr lang="en-GB" dirty="0" err="1"/>
-              <a:t>srun</a:t>
-            </a:r>
-            <a:r>
-              <a:rPr lang="en-GB" dirty="0"/>
-              <a:t> --</a:t>
-            </a:r>
-            <a:r>
-              <a:rPr lang="en-GB" dirty="0" err="1"/>
-              <a:t>gres</a:t>
-            </a:r>
-            <a:r>
-              <a:rPr lang="en-GB" dirty="0"/>
-              <a:t>=gpu:1 -N 1 -p </a:t>
-            </a:r>
-            <a:r>
-              <a:rPr lang="en-GB" dirty="0" err="1"/>
-              <a:t>singlenode</a:t>
-            </a:r>
-            <a:r>
-              <a:rPr lang="en-GB" dirty="0"/>
-              <a:t> --</a:t>
-            </a:r>
-            <a:r>
-              <a:rPr lang="en-GB" dirty="0" err="1"/>
-              <a:t>pty</a:t>
-            </a:r>
-            <a:r>
-              <a:rPr lang="en-GB" dirty="0"/>
-              <a:t> /bin/bash</a:t>
-            </a:r>
-          </a:p>
-        </p:txBody>
-      </p:sp>
-    </p:spTree>
-    <p:extLst>
-      <p:ext uri="{BB962C8B-B14F-4D97-AF65-F5344CB8AC3E}">
-        <p14:creationId xmlns:p14="http://schemas.microsoft.com/office/powerpoint/2010/main" val="1889063494"/>
-      </p:ext>
-    </p:extLst>
-  </p:cSld>
-  <p:clrMapOvr>
-    <a:masterClrMapping/>
-  </p:clrMapOvr>
-</p:sld>
-</file>
-
 <file path=ppt/slides/slide16.xml><?xml version="1.0" encoding="utf-8"?>
 <p:sld xmlns:a="http://schemas.openxmlformats.org/drawingml/2006/main" xmlns:r="http://schemas.openxmlformats.org/officeDocument/2006/relationships" xmlns:p="http://schemas.openxmlformats.org/presentationml/2006/main">
   <p:cSld>
@@ -4712,7 +4793,7 @@
           <p:cNvPr id="2" name="Title 1">
             <a:extLst>
               <a:ext uri="{FF2B5EF4-FFF2-40B4-BE49-F238E27FC236}">
-                <a16:creationId xmlns:a16="http://schemas.microsoft.com/office/drawing/2014/main" id="{00C6A630-09E4-4522-8A1F-6469459EDAEB}"/>
+                <a16:creationId xmlns:a16="http://schemas.microsoft.com/office/drawing/2014/main" id="{7AA8E294-8B7C-45DE-ABC5-2579C6050308}"/>
               </a:ext>
             </a:extLst>
           </p:cNvPr>
@@ -4730,7 +4811,7 @@
           <a:p>
             <a:r>
               <a:rPr lang="en-GB" dirty="0"/>
-              <a:t>High memory</a:t>
+              <a:t>GPU nodes</a:t>
             </a:r>
           </a:p>
         </p:txBody>
@@ -4740,7 +4821,7 @@
           <p:cNvPr id="3" name="Content Placeholder 2">
             <a:extLst>
               <a:ext uri="{FF2B5EF4-FFF2-40B4-BE49-F238E27FC236}">
-                <a16:creationId xmlns:a16="http://schemas.microsoft.com/office/drawing/2014/main" id="{B1F2955F-4F81-4877-B901-9D32C9BD5FD0}"/>
+                <a16:creationId xmlns:a16="http://schemas.microsoft.com/office/drawing/2014/main" id="{B5D13BB8-360F-41E7-9B8D-F95D6CFC1889}"/>
               </a:ext>
             </a:extLst>
           </p:cNvPr>
@@ -4758,64 +4839,45 @@
           <a:p>
             <a:r>
               <a:rPr lang="en-GB" dirty="0"/>
-              <a:t>#!/bin/bash -l</a:t>
-            </a:r>
-          </a:p>
-          <a:p>
-            <a:r>
-              <a:rPr lang="en-GB" dirty="0"/>
-              <a:t>#SBATCH -J </a:t>
+              <a:t>Request an interactive job with one GPU:</a:t>
+            </a:r>
+          </a:p>
+          <a:p>
+            <a:r>
+              <a:rPr lang="en-GB" dirty="0"/>
+              <a:t># </a:t>
             </a:r>
             <a:r>
               <a:rPr lang="en-GB" dirty="0" err="1"/>
-              <a:t>SPADES_cb</a:t>
-            </a:r>
-            <a:r>
-              <a:rPr lang="en-GB" dirty="0"/>
-              <a:t>   #jobname</a:t>
-            </a:r>
-          </a:p>
-          <a:p>
-            <a:r>
-              <a:rPr lang="en-GB" dirty="0"/>
-              <a:t>#SBATCH -N 1     #node</a:t>
-            </a:r>
-          </a:p>
-          <a:p>
-            <a:r>
-              <a:rPr lang="en-GB" dirty="0"/>
-              <a:t>#SBATCH --tasks-per-node=64</a:t>
-            </a:r>
-          </a:p>
-          <a:p>
-            <a:r>
-              <a:rPr lang="en-GB" dirty="0"/>
-              <a:t>#SBATCH -p </a:t>
+              <a:t>srun</a:t>
+            </a:r>
+            <a:r>
+              <a:rPr lang="en-GB" dirty="0"/>
+              <a:t> --</a:t>
             </a:r>
             <a:r>
               <a:rPr lang="en-GB" dirty="0" err="1"/>
-              <a:t>bigmem</a:t>
-            </a:r>
-            <a:endParaRPr lang="en-GB" dirty="0"/>
-          </a:p>
-          <a:p>
-            <a:r>
-              <a:rPr lang="en-GB" dirty="0"/>
-              <a:t>#SBATCH --</a:t>
+              <a:t>gres</a:t>
+            </a:r>
+            <a:r>
+              <a:rPr lang="en-GB" dirty="0"/>
+              <a:t>=gpu:1 -N 1 -p </a:t>
             </a:r>
             <a:r>
               <a:rPr lang="en-GB" dirty="0" err="1"/>
-              <a:t>nodelist</a:t>
-            </a:r>
-            <a:r>
-              <a:rPr lang="en-GB" dirty="0"/>
-              <a:t>=kennedy150</a:t>
-            </a:r>
-          </a:p>
-          <a:p>
-            <a:r>
-              <a:rPr lang="en-GB" dirty="0"/>
-              <a:t>#SBATCH --mem=1450GB</a:t>
+              <a:t>singlenode</a:t>
+            </a:r>
+            <a:r>
+              <a:rPr lang="en-GB" dirty="0"/>
+              <a:t> --</a:t>
+            </a:r>
+            <a:r>
+              <a:rPr lang="en-GB" dirty="0" err="1"/>
+              <a:t>pty</a:t>
+            </a:r>
+            <a:r>
+              <a:rPr lang="en-GB" dirty="0"/>
+              <a:t> /bin/bash</a:t>
             </a:r>
           </a:p>
         </p:txBody>
@@ -4823,7 +4885,7 @@
     </p:spTree>
     <p:extLst>
       <p:ext uri="{BB962C8B-B14F-4D97-AF65-F5344CB8AC3E}">
-        <p14:creationId xmlns:p14="http://schemas.microsoft.com/office/powerpoint/2010/main" val="1554936030"/>
+        <p14:creationId xmlns:p14="http://schemas.microsoft.com/office/powerpoint/2010/main" val="1889063494"/>
       </p:ext>
     </p:extLst>
   </p:cSld>
@@ -4855,7 +4917,7 @@
           <p:cNvPr id="2" name="Title 1">
             <a:extLst>
               <a:ext uri="{FF2B5EF4-FFF2-40B4-BE49-F238E27FC236}">
-                <a16:creationId xmlns:a16="http://schemas.microsoft.com/office/drawing/2014/main" id="{E1A2EA9D-F2D8-4F25-8834-51DB3B4FE6E8}"/>
+                <a16:creationId xmlns:a16="http://schemas.microsoft.com/office/drawing/2014/main" id="{00C6A630-09E4-4522-8A1F-6469459EDAEB}"/>
               </a:ext>
             </a:extLst>
           </p:cNvPr>
@@ -4872,8 +4934,8 @@
           <a:lstStyle/>
           <a:p>
             <a:r>
-              <a:rPr lang="en-GB" b="1" dirty="0"/>
-              <a:t>submit a job </a:t>
+              <a:rPr lang="en-GB" dirty="0"/>
+              <a:t>High memory</a:t>
             </a:r>
           </a:p>
         </p:txBody>
@@ -4883,7 +4945,7 @@
           <p:cNvPr id="3" name="Content Placeholder 2">
             <a:extLst>
               <a:ext uri="{FF2B5EF4-FFF2-40B4-BE49-F238E27FC236}">
-                <a16:creationId xmlns:a16="http://schemas.microsoft.com/office/drawing/2014/main" id="{573D2F78-A2FD-49FA-8EF9-E056FE0D3BEB}"/>
+                <a16:creationId xmlns:a16="http://schemas.microsoft.com/office/drawing/2014/main" id="{B1F2955F-4F81-4877-B901-9D32C9BD5FD0}"/>
               </a:ext>
             </a:extLst>
           </p:cNvPr>
@@ -4894,162 +4956,79 @@
             <p:ph idx="1"/>
           </p:nvPr>
         </p:nvSpPr>
-        <p:spPr>
-          <a:xfrm>
-            <a:off x="397565" y="1560443"/>
-            <a:ext cx="10956235" cy="4616520"/>
-          </a:xfrm>
-        </p:spPr>
-        <p:txBody>
-          <a:bodyPr>
-            <a:normAutofit/>
-          </a:bodyPr>
-          <a:lstStyle/>
-          <a:p>
+        <p:spPr/>
+        <p:txBody>
+          <a:bodyPr/>
+          <a:lstStyle/>
+          <a:p>
+            <a:r>
+              <a:rPr lang="en-GB" dirty="0"/>
+              <a:t>#!/bin/bash -l</a:t>
+            </a:r>
+          </a:p>
+          <a:p>
+            <a:r>
+              <a:rPr lang="en-GB" dirty="0"/>
+              <a:t>#SBATCH -J </a:t>
+            </a:r>
             <a:r>
               <a:rPr lang="en-GB" dirty="0" err="1"/>
-              <a:t>sbatch</a:t>
-            </a:r>
-            <a:r>
-              <a:rPr lang="en-GB" dirty="0"/>
-              <a:t> spades.sh</a:t>
-            </a:r>
-          </a:p>
-          <a:p>
-            <a:pPr marL="0" indent="0">
-              <a:buNone/>
-            </a:pPr>
-            <a:r>
-              <a:rPr lang="en-GB" b="1" dirty="0"/>
-              <a:t>Show information on the queues:</a:t>
-            </a:r>
-          </a:p>
-          <a:p>
-            <a:r>
-              <a:rPr lang="en-GB" dirty="0" err="1"/>
-              <a:t>smap</a:t>
-            </a:r>
-            <a:endParaRPr lang="en-GB" dirty="0"/>
-          </a:p>
-          <a:p>
-            <a:r>
-              <a:rPr lang="en-GB" dirty="0" err="1"/>
-              <a:t>squeue</a:t>
-            </a:r>
-            <a:r>
-              <a:rPr lang="en-GB" dirty="0"/>
-              <a:t>  (show the queue)</a:t>
-            </a:r>
-          </a:p>
-          <a:p>
-            <a:r>
-              <a:rPr lang="en-GB" dirty="0" err="1"/>
-              <a:t>squeue</a:t>
-            </a:r>
-            <a:r>
-              <a:rPr lang="en-GB" dirty="0"/>
-              <a:t> –p </a:t>
+              <a:t>SPADES_cb</a:t>
+            </a:r>
+            <a:r>
+              <a:rPr lang="en-GB" dirty="0"/>
+              <a:t>   #jobname</a:t>
+            </a:r>
+          </a:p>
+          <a:p>
+            <a:r>
+              <a:rPr lang="en-GB" dirty="0"/>
+              <a:t>#SBATCH -N 1     #node</a:t>
+            </a:r>
+          </a:p>
+          <a:p>
+            <a:r>
+              <a:rPr lang="en-GB" dirty="0"/>
+              <a:t>#SBATCH --tasks-per-node=64</a:t>
+            </a:r>
+          </a:p>
+          <a:p>
+            <a:r>
+              <a:rPr lang="en-GB" dirty="0"/>
+              <a:t>#SBATCH -p </a:t>
             </a:r>
             <a:r>
               <a:rPr lang="en-GB" dirty="0" err="1"/>
               <a:t>bigmem</a:t>
             </a:r>
-            <a:r>
-              <a:rPr lang="en-GB" dirty="0"/>
-              <a:t>  (show the queue for big mem)</a:t>
-            </a:r>
-          </a:p>
-          <a:p>
+            <a:endParaRPr lang="en-GB" dirty="0"/>
+          </a:p>
+          <a:p>
+            <a:r>
+              <a:rPr lang="en-GB" dirty="0"/>
+              <a:t>#SBATCH --</a:t>
+            </a:r>
             <a:r>
               <a:rPr lang="en-GB" dirty="0" err="1"/>
-              <a:t>sview</a:t>
-            </a:r>
-            <a:endParaRPr lang="en-GB" dirty="0"/>
-          </a:p>
-          <a:p>
-            <a:endParaRPr lang="en-GB" dirty="0"/>
-          </a:p>
-          <a:p>
-            <a:pPr marL="0" indent="0">
-              <a:buNone/>
-            </a:pPr>
-            <a:r>
-              <a:rPr lang="en-GB" b="1" u="sng" dirty="0"/>
-              <a:t>Interactive mode </a:t>
-            </a:r>
-            <a:r>
-              <a:rPr lang="en-GB" dirty="0"/>
-              <a:t>(like </a:t>
-            </a:r>
-            <a:r>
-              <a:rPr lang="en-GB" dirty="0" err="1"/>
-              <a:t>qrsh</a:t>
-            </a:r>
-            <a:r>
-              <a:rPr lang="en-GB" dirty="0"/>
-              <a:t>):</a:t>
-            </a:r>
-          </a:p>
-          <a:p>
-            <a:r>
-              <a:rPr lang="en-GB" dirty="0" err="1"/>
-              <a:t>srun</a:t>
-            </a:r>
-            <a:r>
-              <a:rPr lang="en-GB" dirty="0"/>
-              <a:t> --</a:t>
-            </a:r>
-            <a:r>
-              <a:rPr lang="en-GB" dirty="0" err="1"/>
-              <a:t>pty</a:t>
-            </a:r>
-            <a:r>
-              <a:rPr lang="en-GB" dirty="0"/>
-              <a:t> bash -p </a:t>
-            </a:r>
-            <a:r>
-              <a:rPr lang="en-GB" dirty="0" err="1"/>
-              <a:t>bigmem</a:t>
-            </a:r>
-            <a:r>
-              <a:rPr lang="en-GB" dirty="0"/>
-              <a:t>           (</a:t>
-            </a:r>
-            <a:r>
-              <a:rPr lang="en-GB" dirty="0" err="1"/>
-              <a:t>Bioinf</a:t>
-            </a:r>
-            <a:r>
-              <a:rPr lang="en-GB" dirty="0"/>
-              <a:t> user : use the </a:t>
-            </a:r>
-            <a:r>
-              <a:rPr lang="en-GB" dirty="0" err="1"/>
-              <a:t>bigmem</a:t>
-            </a:r>
-            <a:r>
-              <a:rPr lang="en-GB" dirty="0"/>
-              <a:t> q)</a:t>
-            </a:r>
-          </a:p>
-          <a:p>
-            <a:pPr marL="0" indent="0">
-              <a:buNone/>
-            </a:pPr>
-            <a:endParaRPr lang="en-GB" dirty="0"/>
-          </a:p>
-          <a:p>
-            <a:endParaRPr lang="en-GB" dirty="0"/>
-          </a:p>
-          <a:p>
-            <a:endParaRPr lang="en-GB" dirty="0"/>
+              <a:t>nodelist</a:t>
+            </a:r>
+            <a:r>
+              <a:rPr lang="en-GB" dirty="0"/>
+              <a:t>=kennedy150</a:t>
+            </a:r>
+          </a:p>
+          <a:p>
+            <a:r>
+              <a:rPr lang="en-GB" dirty="0"/>
+              <a:t>#SBATCH --mem=1450GB</a:t>
+            </a:r>
           </a:p>
         </p:txBody>
       </p:sp>
     </p:spTree>
     <p:extLst>
       <p:ext uri="{BB962C8B-B14F-4D97-AF65-F5344CB8AC3E}">
-        <p14:creationId xmlns:p14="http://schemas.microsoft.com/office/powerpoint/2010/main" val="1099536850"/>
+        <p14:creationId xmlns:p14="http://schemas.microsoft.com/office/powerpoint/2010/main" val="1554936030"/>
       </p:ext>
     </p:extLst>
   </p:cSld>
@@ -5081,7 +5060,7 @@
           <p:cNvPr id="2" name="Title 1">
             <a:extLst>
               <a:ext uri="{FF2B5EF4-FFF2-40B4-BE49-F238E27FC236}">
-                <a16:creationId xmlns:a16="http://schemas.microsoft.com/office/drawing/2014/main" id="{7A3B3949-83D7-4B58-89BE-DC3A0D7DB43B}"/>
+                <a16:creationId xmlns:a16="http://schemas.microsoft.com/office/drawing/2014/main" id="{E1A2EA9D-F2D8-4F25-8834-51DB3B4FE6E8}"/>
               </a:ext>
             </a:extLst>
           </p:cNvPr>
@@ -5098,10 +5077,9 @@
           <a:lstStyle/>
           <a:p>
             <a:r>
-              <a:rPr lang="en-GB" b="1" dirty="0" err="1"/>
-              <a:t>conda</a:t>
-            </a:r>
-            <a:endParaRPr lang="en-GB" b="1" dirty="0"/>
+              <a:rPr lang="en-GB" b="1" dirty="0"/>
+              <a:t>submit a job </a:t>
+            </a:r>
           </a:p>
         </p:txBody>
       </p:sp>
@@ -5110,7 +5088,7 @@
           <p:cNvPr id="3" name="Content Placeholder 2">
             <a:extLst>
               <a:ext uri="{FF2B5EF4-FFF2-40B4-BE49-F238E27FC236}">
-                <a16:creationId xmlns:a16="http://schemas.microsoft.com/office/drawing/2014/main" id="{A2DE1C41-172E-4FB9-ACDB-81F65F5D74CC}"/>
+                <a16:creationId xmlns:a16="http://schemas.microsoft.com/office/drawing/2014/main" id="{573D2F78-A2FD-49FA-8EF9-E056FE0D3BEB}"/>
               </a:ext>
             </a:extLst>
           </p:cNvPr>
@@ -5121,110 +5099,151 @@
             <p:ph idx="1"/>
           </p:nvPr>
         </p:nvSpPr>
-        <p:spPr/>
-        <p:txBody>
-          <a:bodyPr/>
-          <a:lstStyle/>
-          <a:p>
-            <a:r>
-              <a:rPr lang="en-GB" dirty="0"/>
-              <a:t>Type:  Install-</a:t>
-            </a:r>
+        <p:spPr>
+          <a:xfrm>
+            <a:off x="397565" y="1560443"/>
+            <a:ext cx="10956235" cy="4616520"/>
+          </a:xfrm>
+        </p:spPr>
+        <p:txBody>
+          <a:bodyPr>
+            <a:normAutofit/>
+          </a:bodyPr>
+          <a:lstStyle/>
+          <a:p>
             <a:r>
               <a:rPr lang="en-GB" dirty="0" err="1"/>
-              <a:t>bioconda</a:t>
+              <a:t>sbatch</a:t>
+            </a:r>
+            <a:r>
+              <a:rPr lang="en-GB" dirty="0"/>
+              <a:t> spades.sh</a:t>
+            </a:r>
+          </a:p>
+          <a:p>
+            <a:pPr marL="0" indent="0">
+              <a:buNone/>
+            </a:pPr>
+            <a:r>
+              <a:rPr lang="en-GB" b="1" dirty="0"/>
+              <a:t>Show information on the queues:</a:t>
+            </a:r>
+          </a:p>
+          <a:p>
+            <a:r>
+              <a:rPr lang="en-GB" dirty="0" err="1"/>
+              <a:t>smap</a:t>
             </a:r>
             <a:endParaRPr lang="en-GB" dirty="0"/>
           </a:p>
           <a:p>
             <a:r>
-              <a:rPr lang="en-GB" dirty="0"/>
-              <a:t>I have made this work so you can </a:t>
-            </a:r>
-            <a:r>
               <a:rPr lang="en-GB" dirty="0" err="1"/>
-              <a:t>conda</a:t>
-            </a:r>
-            <a:r>
-              <a:rPr lang="en-GB" dirty="0"/>
-              <a:t> activate and deactivate within shell scripts. BUT there is a problem. </a:t>
-            </a:r>
-          </a:p>
-          <a:p>
-            <a:r>
-              <a:rPr lang="en-GB" dirty="0">
-                <a:solidFill>
-                  <a:srgbClr val="FF0000"/>
-                </a:solidFill>
-              </a:rPr>
-              <a:t>IMPORTANT</a:t>
-            </a:r>
-          </a:p>
-          <a:p>
-            <a:r>
-              <a:rPr lang="en-GB" dirty="0"/>
-              <a:t>When you create a </a:t>
-            </a:r>
+              <a:t>squeue</a:t>
+            </a:r>
+            <a:r>
+              <a:rPr lang="en-GB" dirty="0"/>
+              <a:t>  (show the queue)</a:t>
+            </a:r>
+          </a:p>
+          <a:p>
             <a:r>
               <a:rPr lang="en-GB" dirty="0" err="1"/>
-              <a:t>conda</a:t>
-            </a:r>
-            <a:r>
-              <a:rPr lang="en-GB" dirty="0"/>
-              <a:t> env, </a:t>
-            </a:r>
-            <a:r>
-              <a:rPr lang="en-GB" i="1" dirty="0"/>
-              <a:t>some </a:t>
-            </a:r>
-            <a:r>
-              <a:rPr lang="en-GB" dirty="0"/>
-              <a:t>programs in the /bin are not executable (this is a bug!), you as a user need to fix this by:</a:t>
-            </a:r>
-          </a:p>
-          <a:p>
+              <a:t>squeue</a:t>
+            </a:r>
+            <a:r>
+              <a:rPr lang="en-GB" dirty="0"/>
+              <a:t> –p </a:t>
+            </a:r>
             <a:r>
               <a:rPr lang="en-GB" dirty="0" err="1"/>
-              <a:t>chmod</a:t>
-            </a:r>
-            <a:r>
-              <a:rPr lang="en-GB" dirty="0"/>
-              <a:t> </a:t>
-            </a:r>
+              <a:t>bigmem</a:t>
+            </a:r>
+            <a:r>
+              <a:rPr lang="en-GB" dirty="0"/>
+              <a:t>  (show the queue for big mem)</a:t>
+            </a:r>
+          </a:p>
+          <a:p>
             <a:r>
               <a:rPr lang="en-GB" dirty="0" err="1"/>
-              <a:t>a+x</a:t>
-            </a:r>
-            <a:r>
-              <a:rPr lang="en-GB" dirty="0"/>
-              <a:t> </a:t>
+              <a:t>sview</a:t>
+            </a:r>
+            <a:endParaRPr lang="en-GB" dirty="0"/>
+          </a:p>
+          <a:p>
+            <a:endParaRPr lang="en-GB" dirty="0"/>
+          </a:p>
+          <a:p>
+            <a:pPr marL="0" indent="0">
+              <a:buNone/>
+            </a:pPr>
+            <a:r>
+              <a:rPr lang="en-GB" b="1" u="sng" dirty="0"/>
+              <a:t>Interactive mode </a:t>
+            </a:r>
+            <a:r>
+              <a:rPr lang="en-GB" dirty="0"/>
+              <a:t>(like </a:t>
             </a:r>
             <a:r>
               <a:rPr lang="en-GB" dirty="0" err="1"/>
-              <a:t>programs_in_conda_env_bin</a:t>
-            </a:r>
+              <a:t>qrsh</a:t>
+            </a:r>
+            <a:r>
+              <a:rPr lang="en-GB" dirty="0"/>
+              <a:t>):</a:t>
+            </a:r>
+          </a:p>
+          <a:p>
+            <a:r>
+              <a:rPr lang="en-GB" dirty="0" err="1"/>
+              <a:t>srun</a:t>
+            </a:r>
+            <a:r>
+              <a:rPr lang="en-GB" dirty="0"/>
+              <a:t> --</a:t>
+            </a:r>
+            <a:r>
+              <a:rPr lang="en-GB" dirty="0" err="1"/>
+              <a:t>pty</a:t>
+            </a:r>
+            <a:r>
+              <a:rPr lang="en-GB" dirty="0"/>
+              <a:t> bash -p </a:t>
+            </a:r>
+            <a:r>
+              <a:rPr lang="en-GB" dirty="0" err="1"/>
+              <a:t>bigmem</a:t>
+            </a:r>
+            <a:r>
+              <a:rPr lang="en-GB" dirty="0"/>
+              <a:t>           (</a:t>
+            </a:r>
+            <a:r>
+              <a:rPr lang="en-GB" dirty="0" err="1"/>
+              <a:t>Bioinf</a:t>
+            </a:r>
+            <a:r>
+              <a:rPr lang="en-GB" dirty="0"/>
+              <a:t> user : use the </a:t>
+            </a:r>
+            <a:r>
+              <a:rPr lang="en-GB" dirty="0" err="1"/>
+              <a:t>bigmem</a:t>
+            </a:r>
+            <a:r>
+              <a:rPr lang="en-GB" dirty="0"/>
+              <a:t> q)</a:t>
+            </a:r>
+          </a:p>
+          <a:p>
+            <a:pPr marL="0" indent="0">
+              <a:buNone/>
+            </a:pPr>
             <a:endParaRPr lang="en-GB" dirty="0"/>
           </a:p>
           <a:p>
-            <a:endParaRPr lang="en-GB" dirty="0"/>
-          </a:p>
-          <a:p>
-            <a:r>
-              <a:rPr lang="en-GB" dirty="0"/>
-              <a:t>Everything else is the same </a:t>
-            </a:r>
-            <a:r>
-              <a:rPr lang="en-GB" i="1" dirty="0" err="1"/>
-              <a:t>conda</a:t>
-            </a:r>
-            <a:r>
-              <a:rPr lang="en-GB" dirty="0"/>
-              <a:t> as </a:t>
-            </a:r>
-            <a:r>
-              <a:rPr lang="en-GB" dirty="0" err="1"/>
-              <a:t>marvin</a:t>
-            </a:r>
             <a:endParaRPr lang="en-GB" dirty="0"/>
           </a:p>
           <a:p>
@@ -5235,7 +5254,7 @@
     </p:spTree>
     <p:extLst>
       <p:ext uri="{BB962C8B-B14F-4D97-AF65-F5344CB8AC3E}">
-        <p14:creationId xmlns:p14="http://schemas.microsoft.com/office/powerpoint/2010/main" val="4020225680"/>
+        <p14:creationId xmlns:p14="http://schemas.microsoft.com/office/powerpoint/2010/main" val="1099536850"/>
       </p:ext>
     </p:extLst>
   </p:cSld>
@@ -5278,20 +5297,16 @@
             <p:ph type="title"/>
           </p:nvPr>
         </p:nvSpPr>
-        <p:spPr>
-          <a:xfrm>
-            <a:off x="251791" y="0"/>
-            <a:ext cx="10515600" cy="1325563"/>
-          </a:xfrm>
-        </p:spPr>
-        <p:txBody>
-          <a:bodyPr/>
-          <a:lstStyle/>
-          <a:p>
-            <a:r>
-              <a:rPr lang="en-GB" b="1" dirty="0"/>
-              <a:t>Samba like connection – this is worth it!!</a:t>
-            </a:r>
+        <p:spPr/>
+        <p:txBody>
+          <a:bodyPr/>
+          <a:lstStyle/>
+          <a:p>
+            <a:r>
+              <a:rPr lang="en-GB" b="1" dirty="0" err="1"/>
+              <a:t>conda</a:t>
+            </a:r>
+            <a:endParaRPr lang="en-GB" b="1" dirty="0"/>
           </a:p>
         </p:txBody>
       </p:sp>
@@ -5311,210 +5326,121 @@
             <p:ph idx="1"/>
           </p:nvPr>
         </p:nvSpPr>
-        <p:spPr>
-          <a:xfrm>
-            <a:off x="371061" y="1408181"/>
-            <a:ext cx="11575774" cy="5084693"/>
-          </a:xfrm>
-        </p:spPr>
-        <p:txBody>
-          <a:bodyPr>
-            <a:normAutofit fontScale="92500" lnSpcReduction="10000"/>
-          </a:bodyPr>
-          <a:lstStyle/>
-          <a:p>
-            <a:r>
-              <a:rPr lang="en-GB" sz="800" dirty="0"/>
-              <a:t>3. Windows SSHFS equivalent</a:t>
-            </a:r>
-          </a:p>
-          <a:p>
-            <a:endParaRPr lang="en-GB" sz="800" dirty="0"/>
-          </a:p>
-          <a:p>
-            <a:r>
-              <a:rPr lang="en-GB" sz="800" dirty="0" err="1"/>
-              <a:t>sshfs</a:t>
-            </a:r>
-            <a:r>
-              <a:rPr lang="en-GB" sz="800" dirty="0"/>
-              <a:t>-win: https://github.com/billziss-gh/sshfs-win </a:t>
-            </a:r>
-          </a:p>
-          <a:p>
-            <a:endParaRPr lang="en-GB" sz="800" dirty="0"/>
-          </a:p>
-          <a:p>
-            <a:r>
-              <a:rPr lang="en-GB" sz="800" dirty="0"/>
-              <a:t>Requires </a:t>
-            </a:r>
-            <a:r>
-              <a:rPr lang="en-GB" sz="800" dirty="0" err="1"/>
-              <a:t>WinFsp</a:t>
-            </a:r>
-            <a:r>
-              <a:rPr lang="en-GB" sz="800" dirty="0"/>
-              <a:t> (https://github.com/billziss-gh/winfsp/releases/latest) to be installed with Cygwin FUSE support ticked in the installer.</a:t>
-            </a:r>
-          </a:p>
-          <a:p>
-            <a:endParaRPr lang="en-GB" sz="800" dirty="0"/>
-          </a:p>
-          <a:p>
-            <a:r>
-              <a:rPr lang="en-GB" sz="800" dirty="0"/>
-              <a:t>For </a:t>
-            </a:r>
-            <a:r>
-              <a:rPr lang="en-GB" sz="800" dirty="0" err="1"/>
-              <a:t>passwordless</a:t>
-            </a:r>
-            <a:r>
-              <a:rPr lang="en-GB" sz="800" dirty="0"/>
-              <a:t> SSH to work, you must use a RSA key.</a:t>
-            </a:r>
-          </a:p>
-          <a:p>
-            <a:endParaRPr lang="en-GB" sz="800" dirty="0"/>
-          </a:p>
-          <a:p>
-            <a:r>
-              <a:rPr lang="en-GB" sz="800" dirty="0"/>
-              <a:t>Copy your private SSH RSA key (e.g. </a:t>
-            </a:r>
-            <a:r>
-              <a:rPr lang="en-GB" sz="800" dirty="0" err="1"/>
-              <a:t>id_rsa</a:t>
-            </a:r>
-            <a:r>
-              <a:rPr lang="en-GB" sz="800" dirty="0"/>
-              <a:t>) to %USERPROFILE%\.</a:t>
-            </a:r>
-            <a:r>
-              <a:rPr lang="en-GB" sz="800" dirty="0" err="1"/>
-              <a:t>ssh</a:t>
-            </a:r>
-            <a:r>
-              <a:rPr lang="en-GB" sz="800" dirty="0"/>
-              <a:t>\</a:t>
-            </a:r>
-            <a:r>
-              <a:rPr lang="en-GB" sz="800" dirty="0" err="1"/>
-              <a:t>id_rsa</a:t>
-            </a:r>
-            <a:r>
-              <a:rPr lang="en-GB" sz="800" dirty="0"/>
-              <a:t> on your Windows desktop.</a:t>
-            </a:r>
-          </a:p>
-          <a:p>
-            <a:endParaRPr lang="en-GB" sz="800" dirty="0"/>
-          </a:p>
-          <a:p>
-            <a:r>
-              <a:rPr lang="en-GB" sz="800" dirty="0"/>
-              <a:t>C:\Users\pjt6\.ssh&gt;cp </a:t>
-            </a:r>
-            <a:r>
-              <a:rPr lang="en-GB" sz="800" dirty="0" err="1"/>
-              <a:t>putty_priv.ppk</a:t>
-            </a:r>
-            <a:r>
-              <a:rPr lang="en-GB" sz="800" dirty="0"/>
-              <a:t> %USERPROFILE%\.</a:t>
-            </a:r>
-            <a:r>
-              <a:rPr lang="en-GB" sz="800" dirty="0" err="1"/>
-              <a:t>ssh.id_rsa</a:t>
-            </a:r>
-            <a:endParaRPr lang="en-GB" sz="800" dirty="0"/>
-          </a:p>
-          <a:p>
-            <a:r>
-              <a:rPr lang="en-GB" sz="800" dirty="0"/>
-              <a:t>'cp' is not recognized as an internal or external command,</a:t>
-            </a:r>
-          </a:p>
-          <a:p>
-            <a:r>
-              <a:rPr lang="en-GB" sz="800" dirty="0"/>
-              <a:t>operable program or batch file.</a:t>
-            </a:r>
-          </a:p>
-          <a:p>
-            <a:endParaRPr lang="en-GB" sz="800" dirty="0"/>
-          </a:p>
-          <a:p>
-            <a:r>
-              <a:rPr lang="en-GB" sz="800" dirty="0"/>
-              <a:t>C:\Users\pjt6\.ssh&gt;copy </a:t>
-            </a:r>
-            <a:r>
-              <a:rPr lang="en-GB" sz="800" dirty="0" err="1"/>
-              <a:t>putty_priv.ppk</a:t>
-            </a:r>
-            <a:r>
-              <a:rPr lang="en-GB" sz="800" dirty="0"/>
-              <a:t> %USERPROFILE%\.</a:t>
-            </a:r>
-            <a:r>
-              <a:rPr lang="en-GB" sz="800" dirty="0" err="1"/>
-              <a:t>ssh.id_rsa</a:t>
-            </a:r>
-            <a:endParaRPr lang="en-GB" sz="800" dirty="0"/>
-          </a:p>
-          <a:p>
-            <a:r>
-              <a:rPr lang="en-GB" sz="800" dirty="0"/>
-              <a:t>        1 file(s) copied.</a:t>
-            </a:r>
-          </a:p>
-          <a:p>
-            <a:endParaRPr lang="en-GB" sz="800" dirty="0"/>
-          </a:p>
-          <a:p>
-            <a:r>
-              <a:rPr lang="en-GB" sz="800" dirty="0"/>
-              <a:t>Now open Windows Explorer and go to “This PC”.</a:t>
-            </a:r>
-          </a:p>
-          <a:p>
-            <a:endParaRPr lang="en-GB" sz="800" dirty="0"/>
-          </a:p>
-          <a:p>
-            <a:r>
-              <a:rPr lang="en-GB" sz="800" dirty="0"/>
-              <a:t>From the ribbon click “Map Network Drive”.</a:t>
-            </a:r>
-          </a:p>
-          <a:p>
-            <a:endParaRPr lang="en-GB" sz="800" dirty="0"/>
-          </a:p>
-          <a:p>
-            <a:r>
-              <a:rPr lang="en-GB" sz="800" dirty="0"/>
-              <a:t>Enter:</a:t>
-            </a:r>
-          </a:p>
-          <a:p>
-            <a:endParaRPr lang="en-GB" sz="800" dirty="0"/>
-          </a:p>
-          <a:p>
-            <a:r>
-              <a:rPr lang="en-GB" sz="800" dirty="0"/>
-              <a:t>\\sshfs.k\you@kennedy10</a:t>
-            </a:r>
-          </a:p>
-          <a:p>
-            <a:endParaRPr lang="en-GB" sz="800" dirty="0"/>
+        <p:spPr/>
+        <p:txBody>
+          <a:bodyPr/>
+          <a:lstStyle/>
+          <a:p>
+            <a:r>
+              <a:rPr lang="en-GB" dirty="0"/>
+              <a:t>Type:  Install-</a:t>
+            </a:r>
+            <a:r>
+              <a:rPr lang="en-GB" dirty="0" err="1"/>
+              <a:t>bioconda</a:t>
+            </a:r>
+            <a:endParaRPr lang="en-GB" dirty="0"/>
+          </a:p>
+          <a:p>
+            <a:r>
+              <a:rPr lang="en-GB" dirty="0"/>
+              <a:t>I have made this work so you can </a:t>
+            </a:r>
+            <a:r>
+              <a:rPr lang="en-GB" dirty="0" err="1"/>
+              <a:t>conda</a:t>
+            </a:r>
+            <a:r>
+              <a:rPr lang="en-GB" dirty="0"/>
+              <a:t> activate and deactivate within shell scripts. BUT there is a problem. </a:t>
+            </a:r>
+          </a:p>
+          <a:p>
+            <a:r>
+              <a:rPr lang="en-GB" dirty="0">
+                <a:solidFill>
+                  <a:srgbClr val="FF0000"/>
+                </a:solidFill>
+              </a:rPr>
+              <a:t>IMPORTANT</a:t>
+            </a:r>
+          </a:p>
+          <a:p>
+            <a:r>
+              <a:rPr lang="en-GB" dirty="0"/>
+              <a:t>When you create a </a:t>
+            </a:r>
+            <a:r>
+              <a:rPr lang="en-GB" dirty="0" err="1"/>
+              <a:t>conda</a:t>
+            </a:r>
+            <a:r>
+              <a:rPr lang="en-GB" dirty="0"/>
+              <a:t> env, </a:t>
+            </a:r>
+            <a:r>
+              <a:rPr lang="en-GB" i="1" dirty="0"/>
+              <a:t>some </a:t>
+            </a:r>
+            <a:r>
+              <a:rPr lang="en-GB" dirty="0"/>
+              <a:t>programs in the /bin are not executable (this is a bug!), you as a user need to fix this by:</a:t>
+            </a:r>
+          </a:p>
+          <a:p>
+            <a:r>
+              <a:rPr lang="en-GB" dirty="0" err="1"/>
+              <a:t>chmod</a:t>
+            </a:r>
+            <a:r>
+              <a:rPr lang="en-GB" dirty="0"/>
+              <a:t> </a:t>
+            </a:r>
+            <a:r>
+              <a:rPr lang="en-GB" dirty="0" err="1"/>
+              <a:t>a+x</a:t>
+            </a:r>
+            <a:r>
+              <a:rPr lang="en-GB" dirty="0"/>
+              <a:t> </a:t>
+            </a:r>
+            <a:r>
+              <a:rPr lang="en-GB" dirty="0" err="1"/>
+              <a:t>programs_in_conda_env_bin</a:t>
+            </a:r>
+            <a:endParaRPr lang="en-GB" dirty="0"/>
+          </a:p>
+          <a:p>
+            <a:endParaRPr lang="en-GB" dirty="0"/>
+          </a:p>
+          <a:p>
+            <a:r>
+              <a:rPr lang="en-GB" dirty="0"/>
+              <a:t>Everything else is the same </a:t>
+            </a:r>
+            <a:r>
+              <a:rPr lang="en-GB" i="1" dirty="0" err="1"/>
+              <a:t>conda</a:t>
+            </a:r>
+            <a:r>
+              <a:rPr lang="en-GB" dirty="0"/>
+              <a:t> as </a:t>
+            </a:r>
+            <a:r>
+              <a:rPr lang="en-GB" dirty="0" err="1"/>
+              <a:t>marvin</a:t>
+            </a:r>
+            <a:endParaRPr lang="en-GB" dirty="0"/>
+          </a:p>
+          <a:p>
+            <a:endParaRPr lang="en-GB" dirty="0"/>
           </a:p>
         </p:txBody>
       </p:sp>
     </p:spTree>
     <p:extLst>
       <p:ext uri="{BB962C8B-B14F-4D97-AF65-F5344CB8AC3E}">
-        <p14:creationId xmlns:p14="http://schemas.microsoft.com/office/powerpoint/2010/main" val="169515911"/>
+        <p14:creationId xmlns:p14="http://schemas.microsoft.com/office/powerpoint/2010/main" val="4020225680"/>
       </p:ext>
     </p:extLst>
   </p:cSld>
@@ -5592,40 +5518,8 @@
           <a:p>
             <a:r>
               <a:rPr lang="en-GB" dirty="0"/>
-              <a:t>This documentation is a messy work in progress – sorry. I keep getting taken away to watch </a:t>
-            </a:r>
-            <a:r>
-              <a:rPr lang="en-GB" dirty="0" err="1"/>
-              <a:t>Pepa</a:t>
-            </a:r>
-            <a:r>
-              <a:rPr lang="en-GB" dirty="0"/>
-              <a:t> pig and throw rice </a:t>
-            </a:r>
-            <a:r>
-              <a:rPr lang="en-GB" dirty="0" err="1"/>
-              <a:t>crispies</a:t>
-            </a:r>
-            <a:r>
-              <a:rPr lang="en-GB" dirty="0"/>
-              <a:t> around the room </a:t>
-            </a:r>
-            <a:r>
-              <a:rPr lang="en-GB" dirty="0">
-                <a:sym typeface="Wingdings" panose="05000000000000000000" pitchFamily="2" charset="2"/>
-              </a:rPr>
-              <a:t></a:t>
-            </a:r>
-          </a:p>
-          <a:p>
-            <a:r>
-              <a:rPr lang="en-GB" dirty="0">
-                <a:sym typeface="Wingdings" panose="05000000000000000000" pitchFamily="2" charset="2"/>
-              </a:rPr>
-              <a:t>I have only tested this using Windows. Sorry. But it will work for Linux and MAC too. </a:t>
-            </a:r>
-          </a:p>
-          <a:p>
+              <a:t>This documentation is a messy work in progress</a:t>
+            </a:r>
             <a:endParaRPr lang="en-GB" dirty="0">
               <a:sym typeface="Wingdings" panose="05000000000000000000" pitchFamily="2" charset="2"/>
             </a:endParaRPr>
@@ -5654,6 +5548,285 @@
 </file>
 
 <file path=ppt/slides/slide20.xml><?xml version="1.0" encoding="utf-8"?>
+<p:sld xmlns:a="http://schemas.openxmlformats.org/drawingml/2006/main" xmlns:r="http://schemas.openxmlformats.org/officeDocument/2006/relationships" xmlns:p="http://schemas.openxmlformats.org/presentationml/2006/main">
+  <p:cSld>
+    <p:spTree>
+      <p:nvGrpSpPr>
+        <p:cNvPr id="1" name=""/>
+        <p:cNvGrpSpPr/>
+        <p:nvPr/>
+      </p:nvGrpSpPr>
+      <p:grpSpPr>
+        <a:xfrm>
+          <a:off x="0" y="0"/>
+          <a:ext cx="0" cy="0"/>
+          <a:chOff x="0" y="0"/>
+          <a:chExt cx="0" cy="0"/>
+        </a:xfrm>
+      </p:grpSpPr>
+      <p:sp>
+        <p:nvSpPr>
+          <p:cNvPr id="2" name="Title 1">
+            <a:extLst>
+              <a:ext uri="{FF2B5EF4-FFF2-40B4-BE49-F238E27FC236}">
+                <a16:creationId xmlns:a16="http://schemas.microsoft.com/office/drawing/2014/main" id="{7A3B3949-83D7-4B58-89BE-DC3A0D7DB43B}"/>
+              </a:ext>
+            </a:extLst>
+          </p:cNvPr>
+          <p:cNvSpPr>
+            <a:spLocks noGrp="1"/>
+          </p:cNvSpPr>
+          <p:nvPr>
+            <p:ph type="title"/>
+          </p:nvPr>
+        </p:nvSpPr>
+        <p:spPr>
+          <a:xfrm>
+            <a:off x="251791" y="0"/>
+            <a:ext cx="10515600" cy="1325563"/>
+          </a:xfrm>
+        </p:spPr>
+        <p:txBody>
+          <a:bodyPr/>
+          <a:lstStyle/>
+          <a:p>
+            <a:r>
+              <a:rPr lang="en-GB" b="1" dirty="0"/>
+              <a:t>Samba like connection – this is worth it!!</a:t>
+            </a:r>
+          </a:p>
+        </p:txBody>
+      </p:sp>
+      <p:sp>
+        <p:nvSpPr>
+          <p:cNvPr id="3" name="Content Placeholder 2">
+            <a:extLst>
+              <a:ext uri="{FF2B5EF4-FFF2-40B4-BE49-F238E27FC236}">
+                <a16:creationId xmlns:a16="http://schemas.microsoft.com/office/drawing/2014/main" id="{A2DE1C41-172E-4FB9-ACDB-81F65F5D74CC}"/>
+              </a:ext>
+            </a:extLst>
+          </p:cNvPr>
+          <p:cNvSpPr>
+            <a:spLocks noGrp="1"/>
+          </p:cNvSpPr>
+          <p:nvPr>
+            <p:ph idx="1"/>
+          </p:nvPr>
+        </p:nvSpPr>
+        <p:spPr>
+          <a:xfrm>
+            <a:off x="371061" y="1408181"/>
+            <a:ext cx="11575774" cy="5084693"/>
+          </a:xfrm>
+        </p:spPr>
+        <p:txBody>
+          <a:bodyPr>
+            <a:normAutofit fontScale="92500" lnSpcReduction="10000"/>
+          </a:bodyPr>
+          <a:lstStyle/>
+          <a:p>
+            <a:r>
+              <a:rPr lang="en-GB" sz="800" dirty="0"/>
+              <a:t>3. Windows SSHFS equivalent</a:t>
+            </a:r>
+          </a:p>
+          <a:p>
+            <a:endParaRPr lang="en-GB" sz="800" dirty="0"/>
+          </a:p>
+          <a:p>
+            <a:r>
+              <a:rPr lang="en-GB" sz="800" dirty="0" err="1"/>
+              <a:t>sshfs</a:t>
+            </a:r>
+            <a:r>
+              <a:rPr lang="en-GB" sz="800" dirty="0"/>
+              <a:t>-win: https://github.com/billziss-gh/sshfs-win </a:t>
+            </a:r>
+          </a:p>
+          <a:p>
+            <a:endParaRPr lang="en-GB" sz="800" dirty="0"/>
+          </a:p>
+          <a:p>
+            <a:r>
+              <a:rPr lang="en-GB" sz="800" dirty="0"/>
+              <a:t>Requires </a:t>
+            </a:r>
+            <a:r>
+              <a:rPr lang="en-GB" sz="800" dirty="0" err="1"/>
+              <a:t>WinFsp</a:t>
+            </a:r>
+            <a:r>
+              <a:rPr lang="en-GB" sz="800" dirty="0"/>
+              <a:t> (https://github.com/billziss-gh/winfsp/releases/latest) to be installed with Cygwin FUSE support ticked in the installer.</a:t>
+            </a:r>
+          </a:p>
+          <a:p>
+            <a:endParaRPr lang="en-GB" sz="800" dirty="0"/>
+          </a:p>
+          <a:p>
+            <a:r>
+              <a:rPr lang="en-GB" sz="800" dirty="0"/>
+              <a:t>For </a:t>
+            </a:r>
+            <a:r>
+              <a:rPr lang="en-GB" sz="800" dirty="0" err="1"/>
+              <a:t>passwordless</a:t>
+            </a:r>
+            <a:r>
+              <a:rPr lang="en-GB" sz="800" dirty="0"/>
+              <a:t> SSH to work, you must use a RSA key.</a:t>
+            </a:r>
+          </a:p>
+          <a:p>
+            <a:endParaRPr lang="en-GB" sz="800" dirty="0"/>
+          </a:p>
+          <a:p>
+            <a:r>
+              <a:rPr lang="en-GB" sz="800" dirty="0"/>
+              <a:t>Copy your private SSH RSA key (e.g. </a:t>
+            </a:r>
+            <a:r>
+              <a:rPr lang="en-GB" sz="800" dirty="0" err="1"/>
+              <a:t>id_rsa</a:t>
+            </a:r>
+            <a:r>
+              <a:rPr lang="en-GB" sz="800" dirty="0"/>
+              <a:t>) to %USERPROFILE%\.</a:t>
+            </a:r>
+            <a:r>
+              <a:rPr lang="en-GB" sz="800" dirty="0" err="1"/>
+              <a:t>ssh</a:t>
+            </a:r>
+            <a:r>
+              <a:rPr lang="en-GB" sz="800" dirty="0"/>
+              <a:t>\</a:t>
+            </a:r>
+            <a:r>
+              <a:rPr lang="en-GB" sz="800" dirty="0" err="1"/>
+              <a:t>id_rsa</a:t>
+            </a:r>
+            <a:r>
+              <a:rPr lang="en-GB" sz="800" dirty="0"/>
+              <a:t> on your Windows desktop.</a:t>
+            </a:r>
+          </a:p>
+          <a:p>
+            <a:endParaRPr lang="en-GB" sz="800" dirty="0"/>
+          </a:p>
+          <a:p>
+            <a:r>
+              <a:rPr lang="en-GB" sz="800" dirty="0"/>
+              <a:t>C:\Users\pjt6\.ssh&gt;cp </a:t>
+            </a:r>
+            <a:r>
+              <a:rPr lang="en-GB" sz="800" dirty="0" err="1"/>
+              <a:t>putty_priv.ppk</a:t>
+            </a:r>
+            <a:r>
+              <a:rPr lang="en-GB" sz="800" dirty="0"/>
+              <a:t> %USERPROFILE%\.</a:t>
+            </a:r>
+            <a:r>
+              <a:rPr lang="en-GB" sz="800" dirty="0" err="1"/>
+              <a:t>ssh.id_rsa</a:t>
+            </a:r>
+            <a:endParaRPr lang="en-GB" sz="800" dirty="0"/>
+          </a:p>
+          <a:p>
+            <a:r>
+              <a:rPr lang="en-GB" sz="800" dirty="0"/>
+              <a:t>'cp' is not recognized as an internal or external command,</a:t>
+            </a:r>
+          </a:p>
+          <a:p>
+            <a:r>
+              <a:rPr lang="en-GB" sz="800" dirty="0"/>
+              <a:t>operable program or batch file.</a:t>
+            </a:r>
+          </a:p>
+          <a:p>
+            <a:endParaRPr lang="en-GB" sz="800" dirty="0"/>
+          </a:p>
+          <a:p>
+            <a:r>
+              <a:rPr lang="en-GB" sz="800" dirty="0"/>
+              <a:t>C:\Users\pjt6\.ssh&gt;copy </a:t>
+            </a:r>
+            <a:r>
+              <a:rPr lang="en-GB" sz="800" dirty="0" err="1"/>
+              <a:t>putty_priv.ppk</a:t>
+            </a:r>
+            <a:r>
+              <a:rPr lang="en-GB" sz="800" dirty="0"/>
+              <a:t> %USERPROFILE%\.</a:t>
+            </a:r>
+            <a:r>
+              <a:rPr lang="en-GB" sz="800" dirty="0" err="1"/>
+              <a:t>ssh.id_rsa</a:t>
+            </a:r>
+            <a:endParaRPr lang="en-GB" sz="800" dirty="0"/>
+          </a:p>
+          <a:p>
+            <a:r>
+              <a:rPr lang="en-GB" sz="800" dirty="0"/>
+              <a:t>        1 file(s) copied.</a:t>
+            </a:r>
+          </a:p>
+          <a:p>
+            <a:endParaRPr lang="en-GB" sz="800" dirty="0"/>
+          </a:p>
+          <a:p>
+            <a:r>
+              <a:rPr lang="en-GB" sz="800" dirty="0"/>
+              <a:t>Now open Windows Explorer and go to “This PC”.</a:t>
+            </a:r>
+          </a:p>
+          <a:p>
+            <a:endParaRPr lang="en-GB" sz="800" dirty="0"/>
+          </a:p>
+          <a:p>
+            <a:r>
+              <a:rPr lang="en-GB" sz="800" dirty="0"/>
+              <a:t>From the ribbon click “Map Network Drive”.</a:t>
+            </a:r>
+          </a:p>
+          <a:p>
+            <a:endParaRPr lang="en-GB" sz="800" dirty="0"/>
+          </a:p>
+          <a:p>
+            <a:r>
+              <a:rPr lang="en-GB" sz="800" dirty="0"/>
+              <a:t>Enter:</a:t>
+            </a:r>
+          </a:p>
+          <a:p>
+            <a:endParaRPr lang="en-GB" sz="800" dirty="0"/>
+          </a:p>
+          <a:p>
+            <a:r>
+              <a:rPr lang="en-GB" sz="800" dirty="0"/>
+              <a:t>\\sshfs.k\you@kennedy10</a:t>
+            </a:r>
+          </a:p>
+          <a:p>
+            <a:endParaRPr lang="en-GB" sz="800" dirty="0"/>
+          </a:p>
+        </p:txBody>
+      </p:sp>
+    </p:spTree>
+    <p:extLst>
+      <p:ext uri="{BB962C8B-B14F-4D97-AF65-F5344CB8AC3E}">
+        <p14:creationId xmlns:p14="http://schemas.microsoft.com/office/powerpoint/2010/main" val="169515911"/>
+      </p:ext>
+    </p:extLst>
+  </p:cSld>
+  <p:clrMapOvr>
+    <a:masterClrMapping/>
+  </p:clrMapOvr>
+</p:sld>
+</file>
+
+<file path=ppt/slides/slide21.xml><?xml version="1.0" encoding="utf-8"?>
 <p:sld xmlns:a="http://schemas.openxmlformats.org/drawingml/2006/main" xmlns:r="http://schemas.openxmlformats.org/officeDocument/2006/relationships" xmlns:p="http://schemas.openxmlformats.org/presentationml/2006/main">
   <p:cSld>
     <p:spTree>
@@ -6017,98 +6190,6 @@
 </p:sld>
 </file>
 
-<file path=ppt/slides/slide21.xml><?xml version="1.0" encoding="utf-8"?>
-<p:sld xmlns:a="http://schemas.openxmlformats.org/drawingml/2006/main" xmlns:r="http://schemas.openxmlformats.org/officeDocument/2006/relationships" xmlns:p="http://schemas.openxmlformats.org/presentationml/2006/main">
-  <p:cSld>
-    <p:spTree>
-      <p:nvGrpSpPr>
-        <p:cNvPr id="1" name=""/>
-        <p:cNvGrpSpPr/>
-        <p:nvPr/>
-      </p:nvGrpSpPr>
-      <p:grpSpPr>
-        <a:xfrm>
-          <a:off x="0" y="0"/>
-          <a:ext cx="0" cy="0"/>
-          <a:chOff x="0" y="0"/>
-          <a:chExt cx="0" cy="0"/>
-        </a:xfrm>
-      </p:grpSpPr>
-      <p:sp>
-        <p:nvSpPr>
-          <p:cNvPr id="2" name="Title 1">
-            <a:extLst>
-              <a:ext uri="{FF2B5EF4-FFF2-40B4-BE49-F238E27FC236}">
-                <a16:creationId xmlns:a16="http://schemas.microsoft.com/office/drawing/2014/main" id="{7A3B3949-83D7-4B58-89BE-DC3A0D7DB43B}"/>
-              </a:ext>
-            </a:extLst>
-          </p:cNvPr>
-          <p:cNvSpPr>
-            <a:spLocks noGrp="1"/>
-          </p:cNvSpPr>
-          <p:nvPr>
-            <p:ph type="title"/>
-          </p:nvPr>
-        </p:nvSpPr>
-        <p:spPr/>
-        <p:txBody>
-          <a:bodyPr/>
-          <a:lstStyle/>
-          <a:p>
-            <a:r>
-              <a:rPr lang="en-GB" b="1" dirty="0"/>
-              <a:t>Samba like connection</a:t>
-            </a:r>
-          </a:p>
-        </p:txBody>
-      </p:sp>
-      <p:sp>
-        <p:nvSpPr>
-          <p:cNvPr id="3" name="Content Placeholder 2">
-            <a:extLst>
-              <a:ext uri="{FF2B5EF4-FFF2-40B4-BE49-F238E27FC236}">
-                <a16:creationId xmlns:a16="http://schemas.microsoft.com/office/drawing/2014/main" id="{A2DE1C41-172E-4FB9-ACDB-81F65F5D74CC}"/>
-              </a:ext>
-            </a:extLst>
-          </p:cNvPr>
-          <p:cNvSpPr>
-            <a:spLocks noGrp="1"/>
-          </p:cNvSpPr>
-          <p:nvPr>
-            <p:ph idx="1"/>
-          </p:nvPr>
-        </p:nvSpPr>
-        <p:spPr/>
-        <p:txBody>
-          <a:bodyPr/>
-          <a:lstStyle/>
-          <a:p>
-            <a:r>
-              <a:rPr lang="en-GB" dirty="0"/>
-              <a:t>Same as previous page but ….Mount the scratch, you still have to navigate to it, like so:</a:t>
-            </a:r>
-          </a:p>
-          <a:p>
-            <a:r>
-              <a:rPr lang="en-GB" dirty="0"/>
-              <a:t>\\sshfs.k\USERNAME@kennedy10/../../scratch/bioinf/USERNAME</a:t>
-            </a:r>
-          </a:p>
-        </p:txBody>
-      </p:sp>
-    </p:spTree>
-    <p:extLst>
-      <p:ext uri="{BB962C8B-B14F-4D97-AF65-F5344CB8AC3E}">
-        <p14:creationId xmlns:p14="http://schemas.microsoft.com/office/powerpoint/2010/main" val="3084461843"/>
-      </p:ext>
-    </p:extLst>
-  </p:cSld>
-  <p:clrMapOvr>
-    <a:masterClrMapping/>
-  </p:clrMapOvr>
-</p:sld>
-</file>
-
 <file path=ppt/slides/slide22.xml><?xml version="1.0" encoding="utf-8"?>
 <p:sld xmlns:a="http://schemas.openxmlformats.org/drawingml/2006/main" xmlns:r="http://schemas.openxmlformats.org/officeDocument/2006/relationships" xmlns:p="http://schemas.openxmlformats.org/presentationml/2006/main">
   <p:cSld>
@@ -6131,6 +6212,98 @@
           <p:cNvPr id="2" name="Title 1">
             <a:extLst>
               <a:ext uri="{FF2B5EF4-FFF2-40B4-BE49-F238E27FC236}">
+                <a16:creationId xmlns:a16="http://schemas.microsoft.com/office/drawing/2014/main" id="{7A3B3949-83D7-4B58-89BE-DC3A0D7DB43B}"/>
+              </a:ext>
+            </a:extLst>
+          </p:cNvPr>
+          <p:cNvSpPr>
+            <a:spLocks noGrp="1"/>
+          </p:cNvSpPr>
+          <p:nvPr>
+            <p:ph type="title"/>
+          </p:nvPr>
+        </p:nvSpPr>
+        <p:spPr/>
+        <p:txBody>
+          <a:bodyPr/>
+          <a:lstStyle/>
+          <a:p>
+            <a:r>
+              <a:rPr lang="en-GB" b="1" dirty="0"/>
+              <a:t>Samba like connection</a:t>
+            </a:r>
+          </a:p>
+        </p:txBody>
+      </p:sp>
+      <p:sp>
+        <p:nvSpPr>
+          <p:cNvPr id="3" name="Content Placeholder 2">
+            <a:extLst>
+              <a:ext uri="{FF2B5EF4-FFF2-40B4-BE49-F238E27FC236}">
+                <a16:creationId xmlns:a16="http://schemas.microsoft.com/office/drawing/2014/main" id="{A2DE1C41-172E-4FB9-ACDB-81F65F5D74CC}"/>
+              </a:ext>
+            </a:extLst>
+          </p:cNvPr>
+          <p:cNvSpPr>
+            <a:spLocks noGrp="1"/>
+          </p:cNvSpPr>
+          <p:nvPr>
+            <p:ph idx="1"/>
+          </p:nvPr>
+        </p:nvSpPr>
+        <p:spPr/>
+        <p:txBody>
+          <a:bodyPr/>
+          <a:lstStyle/>
+          <a:p>
+            <a:r>
+              <a:rPr lang="en-GB" dirty="0"/>
+              <a:t>Same as previous page but ….Mount the scratch, you still have to navigate to it, like so:</a:t>
+            </a:r>
+          </a:p>
+          <a:p>
+            <a:r>
+              <a:rPr lang="en-GB" dirty="0"/>
+              <a:t>\\sshfs.k\USERNAME@kennedy10/../../scratch/bioinf/USERNAME</a:t>
+            </a:r>
+          </a:p>
+        </p:txBody>
+      </p:sp>
+    </p:spTree>
+    <p:extLst>
+      <p:ext uri="{BB962C8B-B14F-4D97-AF65-F5344CB8AC3E}">
+        <p14:creationId xmlns:p14="http://schemas.microsoft.com/office/powerpoint/2010/main" val="3084461843"/>
+      </p:ext>
+    </p:extLst>
+  </p:cSld>
+  <p:clrMapOvr>
+    <a:masterClrMapping/>
+  </p:clrMapOvr>
+</p:sld>
+</file>
+
+<file path=ppt/slides/slide23.xml><?xml version="1.0" encoding="utf-8"?>
+<p:sld xmlns:a="http://schemas.openxmlformats.org/drawingml/2006/main" xmlns:r="http://schemas.openxmlformats.org/officeDocument/2006/relationships" xmlns:p="http://schemas.openxmlformats.org/presentationml/2006/main">
+  <p:cSld>
+    <p:spTree>
+      <p:nvGrpSpPr>
+        <p:cNvPr id="1" name=""/>
+        <p:cNvGrpSpPr/>
+        <p:nvPr/>
+      </p:nvGrpSpPr>
+      <p:grpSpPr>
+        <a:xfrm>
+          <a:off x="0" y="0"/>
+          <a:ext cx="0" cy="0"/>
+          <a:chOff x="0" y="0"/>
+          <a:chExt cx="0" cy="0"/>
+        </a:xfrm>
+      </p:grpSpPr>
+      <p:sp>
+        <p:nvSpPr>
+          <p:cNvPr id="2" name="Title 1">
+            <a:extLst>
+              <a:ext uri="{FF2B5EF4-FFF2-40B4-BE49-F238E27FC236}">
                 <a16:creationId xmlns:a16="http://schemas.microsoft.com/office/drawing/2014/main" id="{B76C8BBA-4E26-4720-B44A-C25097B14832}"/>
               </a:ext>
             </a:extLst>
@@ -6224,7 +6397,7 @@
 </p:sld>
 </file>
 
-<file path=ppt/slides/slide23.xml><?xml version="1.0" encoding="utf-8"?>
+<file path=ppt/slides/slide24.xml><?xml version="1.0" encoding="utf-8"?>
 <p:sld xmlns:a="http://schemas.openxmlformats.org/drawingml/2006/main" xmlns:r="http://schemas.openxmlformats.org/officeDocument/2006/relationships" xmlns:p="http://schemas.openxmlformats.org/presentationml/2006/main">
   <p:cSld>
     <p:spTree>
@@ -6368,7 +6541,7 @@
           <p:cNvPr id="2" name="Title 1">
             <a:extLst>
               <a:ext uri="{FF2B5EF4-FFF2-40B4-BE49-F238E27FC236}">
-                <a16:creationId xmlns:a16="http://schemas.microsoft.com/office/drawing/2014/main" id="{7EB335D1-6D3A-43EE-88A8-FA159BFA4934}"/>
+                <a16:creationId xmlns:a16="http://schemas.microsoft.com/office/drawing/2014/main" id="{6C438327-A69E-4820-8235-80E2DCD5699C}"/>
               </a:ext>
             </a:extLst>
           </p:cNvPr>
@@ -6386,7 +6559,7 @@
           <a:p>
             <a:r>
               <a:rPr lang="en-GB" dirty="0"/>
-              <a:t>Herbert’s excellent existing documentation</a:t>
+              <a:t>Connected the University network or VPN from outside campus</a:t>
             </a:r>
           </a:p>
         </p:txBody>
@@ -6396,7 +6569,7 @@
           <p:cNvPr id="3" name="Content Placeholder 2">
             <a:extLst>
               <a:ext uri="{FF2B5EF4-FFF2-40B4-BE49-F238E27FC236}">
-                <a16:creationId xmlns:a16="http://schemas.microsoft.com/office/drawing/2014/main" id="{FCBCB3D7-82E8-4127-B030-DF2CD7D5C335}"/>
+                <a16:creationId xmlns:a16="http://schemas.microsoft.com/office/drawing/2014/main" id="{01A04ABC-63F6-4AC9-AF84-0D0EE3F2F55E}"/>
               </a:ext>
             </a:extLst>
           </p:cNvPr>
@@ -6414,17 +6587,18 @@
           <a:p>
             <a:r>
               <a:rPr lang="en-GB" dirty="0"/>
-              <a:t>Please also see here:</a:t>
-            </a:r>
-          </a:p>
-          <a:p>
-            <a:r>
-              <a:rPr lang="en-GB" sz="1800" u="sng" dirty="0">
+              <a:t>You must either be on the University campus or logged on via a VPN see </a:t>
+            </a:r>
+            <a:r>
+              <a:rPr lang="en-GB" dirty="0">
                 <a:hlinkClick r:id="rId2"/>
               </a:rPr>
-              <a:t>https://universityofstandrews907.sharepoint.com/sites/chemistry/CurrentStudents/Shared%20Documents/Forms/AllItems.aspx?id=%2Fsites%2Fchemistry%2FCurrentStudents%2FShared%20Documents%2Fug%2FERCF%5FIntroduction%2Epdf&amp;parent=%2Fsites%2Fchemistry%2FCurrentStudents%2FShared%20Documents%2Fug&amp;p=true&amp;originalPath=aHR0cHM6Ly91bml2ZXJzaXR5b2ZzdGFuZHJld3M5MDcuc2hhcmVwb2ludC5jb20vOmI6L3MvY2hlbWlzdHJ5L0N1cnJlbnRTdHVkZW50cy9FY1RrWjZzZ0xfaEZnZzFGY0dUZXRZNEJicHFCWHhvNF9Pc3cwRXF3NGlXNDFRP3J0aW1lPUEyLVl0YW5jMTBn</a:t>
-            </a:r>
-            <a:endParaRPr lang="en-GB" sz="1800" dirty="0"/>
+              <a:t>https://www.st-andrews.ac.uk/it-support/services/internet/vpn/</a:t>
+            </a:r>
+            <a:endParaRPr lang="en-GB" dirty="0"/>
+          </a:p>
+          <a:p>
+            <a:endParaRPr lang="en-GB" dirty="0"/>
           </a:p>
           <a:p>
             <a:endParaRPr lang="en-GB" dirty="0"/>
@@ -6434,7 +6608,7 @@
     </p:spTree>
     <p:extLst>
       <p:ext uri="{BB962C8B-B14F-4D97-AF65-F5344CB8AC3E}">
-        <p14:creationId xmlns:p14="http://schemas.microsoft.com/office/powerpoint/2010/main" val="983183553"/>
+        <p14:creationId xmlns:p14="http://schemas.microsoft.com/office/powerpoint/2010/main" val="325547858"/>
       </p:ext>
     </p:extLst>
   </p:cSld>
@@ -6466,7 +6640,7 @@
           <p:cNvPr id="2" name="Title 1">
             <a:extLst>
               <a:ext uri="{FF2B5EF4-FFF2-40B4-BE49-F238E27FC236}">
-                <a16:creationId xmlns:a16="http://schemas.microsoft.com/office/drawing/2014/main" id="{313F6350-86FB-4277-9F9D-90A49935F210}"/>
+                <a16:creationId xmlns:a16="http://schemas.microsoft.com/office/drawing/2014/main" id="{7EB335D1-6D3A-43EE-88A8-FA159BFA4934}"/>
               </a:ext>
             </a:extLst>
           </p:cNvPr>
@@ -6484,7 +6658,7 @@
           <a:p>
             <a:r>
               <a:rPr lang="en-GB" dirty="0"/>
-              <a:t>Apple MAC people</a:t>
+              <a:t>Herbert’s excellent existing documentation</a:t>
             </a:r>
           </a:p>
         </p:txBody>
@@ -6494,7 +6668,7 @@
           <p:cNvPr id="3" name="Content Placeholder 2">
             <a:extLst>
               <a:ext uri="{FF2B5EF4-FFF2-40B4-BE49-F238E27FC236}">
-                <a16:creationId xmlns:a16="http://schemas.microsoft.com/office/drawing/2014/main" id="{1BC067AB-C799-4390-A614-CFA5D1F4EE2F}"/>
+                <a16:creationId xmlns:a16="http://schemas.microsoft.com/office/drawing/2014/main" id="{FCBCB3D7-82E8-4127-B030-DF2CD7D5C335}"/>
               </a:ext>
             </a:extLst>
           </p:cNvPr>
@@ -6512,56 +6686,17 @@
           <a:p>
             <a:r>
               <a:rPr lang="en-GB" dirty="0"/>
-              <a:t>open a terminal and enter the command "</a:t>
-            </a:r>
-            <a:r>
-              <a:rPr lang="en-GB" dirty="0" err="1"/>
-              <a:t>ssh</a:t>
-            </a:r>
-            <a:r>
-              <a:rPr lang="en-GB" dirty="0"/>
-              <a:t>-keygen". Accept all default filenames. Choose a passphrase when asked for one. Then email the sys admins the file .</a:t>
-            </a:r>
-            <a:r>
-              <a:rPr lang="en-GB" dirty="0" err="1"/>
-              <a:t>ssh</a:t>
-            </a:r>
-            <a:r>
-              <a:rPr lang="en-GB" dirty="0"/>
-              <a:t>/id_rsa.pub. </a:t>
-            </a:r>
-          </a:p>
-          <a:p>
-            <a:r>
-              <a:rPr lang="en-GB" dirty="0"/>
-              <a:t>Directories starting with a . are normally not visible, so it might be easiest to first copy that file into your home</a:t>
-            </a:r>
-          </a:p>
-          <a:p>
-            <a:r>
-              <a:rPr lang="en-GB" dirty="0"/>
-              <a:t>directory:</a:t>
-            </a:r>
-          </a:p>
-          <a:p>
-            <a:pPr marL="0" indent="0">
-              <a:buNone/>
-            </a:pPr>
-            <a:endParaRPr lang="en-GB" dirty="0"/>
-          </a:p>
-          <a:p>
-            <a:r>
-              <a:rPr lang="en-GB" dirty="0"/>
-              <a:t>cp ~/.</a:t>
-            </a:r>
-            <a:r>
-              <a:rPr lang="en-GB" dirty="0" err="1"/>
-              <a:t>ssh</a:t>
-            </a:r>
-            <a:r>
-              <a:rPr lang="en-GB" dirty="0"/>
-              <a:t>/id_rsa.pub</a:t>
-            </a:r>
+              <a:t>Please also see here:</a:t>
+            </a:r>
+          </a:p>
+          <a:p>
+            <a:r>
+              <a:rPr lang="en-GB" sz="1800" u="sng" dirty="0">
+                <a:hlinkClick r:id="rId2"/>
+              </a:rPr>
+              <a:t>https://universityofstandrews907.sharepoint.com/sites/chemistry/CurrentStudents/Shared%20Documents/Forms/AllItems.aspx?id=%2Fsites%2Fchemistry%2FCurrentStudents%2FShared%20Documents%2Fug%2FERCF%5FIntroduction%2Epdf&amp;parent=%2Fsites%2Fchemistry%2FCurrentStudents%2FShared%20Documents%2Fug&amp;p=true&amp;originalPath=aHR0cHM6Ly91bml2ZXJzaXR5b2ZzdGFuZHJld3M5MDcuc2hhcmVwb2ludC5jb20vOmI6L3MvY2hlbWlzdHJ5L0N1cnJlbnRTdHVkZW50cy9FY1RrWjZzZ0xfaEZnZzFGY0dUZXRZNEJicHFCWHhvNF9Pc3cwRXF3NGlXNDFRP3J0aW1lPUEyLVl0YW5jMTBn</a:t>
+            </a:r>
+            <a:endParaRPr lang="en-GB" sz="1800" dirty="0"/>
           </a:p>
           <a:p>
             <a:endParaRPr lang="en-GB" dirty="0"/>
@@ -6571,7 +6706,7 @@
     </p:spTree>
     <p:extLst>
       <p:ext uri="{BB962C8B-B14F-4D97-AF65-F5344CB8AC3E}">
-        <p14:creationId xmlns:p14="http://schemas.microsoft.com/office/powerpoint/2010/main" val="1764558400"/>
+        <p14:creationId xmlns:p14="http://schemas.microsoft.com/office/powerpoint/2010/main" val="983183553"/>
       </p:ext>
     </p:extLst>
   </p:cSld>
@@ -6603,7 +6738,7 @@
           <p:cNvPr id="2" name="Title 1">
             <a:extLst>
               <a:ext uri="{FF2B5EF4-FFF2-40B4-BE49-F238E27FC236}">
-                <a16:creationId xmlns:a16="http://schemas.microsoft.com/office/drawing/2014/main" id="{BEBACC13-EAEC-4640-9325-DA4F1D4E3486}"/>
+                <a16:creationId xmlns:a16="http://schemas.microsoft.com/office/drawing/2014/main" id="{313F6350-86FB-4277-9F9D-90A49935F210}"/>
               </a:ext>
             </a:extLst>
           </p:cNvPr>
@@ -6614,19 +6749,14 @@
             <p:ph type="title"/>
           </p:nvPr>
         </p:nvSpPr>
-        <p:spPr>
-          <a:xfrm>
-            <a:off x="768626" y="216038"/>
-            <a:ext cx="10515600" cy="1325563"/>
-          </a:xfrm>
-        </p:spPr>
-        <p:txBody>
-          <a:bodyPr/>
-          <a:lstStyle/>
-          <a:p>
-            <a:r>
-              <a:rPr lang="en-GB" dirty="0"/>
-              <a:t>Create a public and private key using putty-gen</a:t>
+        <p:spPr/>
+        <p:txBody>
+          <a:bodyPr/>
+          <a:lstStyle/>
+          <a:p>
+            <a:r>
+              <a:rPr lang="en-GB" dirty="0"/>
+              <a:t>Apple MAC people</a:t>
             </a:r>
           </a:p>
         </p:txBody>
@@ -6636,7 +6766,7 @@
           <p:cNvPr id="3" name="Content Placeholder 2">
             <a:extLst>
               <a:ext uri="{FF2B5EF4-FFF2-40B4-BE49-F238E27FC236}">
-                <a16:creationId xmlns:a16="http://schemas.microsoft.com/office/drawing/2014/main" id="{62454BF7-DD9A-400E-9673-4E435CC30B78}"/>
+                <a16:creationId xmlns:a16="http://schemas.microsoft.com/office/drawing/2014/main" id="{1BC067AB-C799-4390-A614-CFA5D1F4EE2F}"/>
               </a:ext>
             </a:extLst>
           </p:cNvPr>
@@ -6647,85 +6777,42 @@
             <p:ph idx="1"/>
           </p:nvPr>
         </p:nvSpPr>
-        <p:spPr>
-          <a:xfrm>
-            <a:off x="288235" y="1690688"/>
-            <a:ext cx="11065565" cy="4486275"/>
-          </a:xfrm>
-        </p:spPr>
-        <p:txBody>
-          <a:bodyPr>
-            <a:normAutofit fontScale="92500" lnSpcReduction="20000"/>
-          </a:bodyPr>
-          <a:lstStyle/>
-          <a:p>
-            <a:r>
-              <a:rPr lang="en-GB" dirty="0"/>
-              <a:t>Type putty gen in the window search bar (download and install if needed)</a:t>
-            </a:r>
-          </a:p>
-          <a:p>
-            <a:r>
-              <a:rPr lang="en-GB" dirty="0"/>
-              <a:t>Click on generate and wiggle the mouse. </a:t>
-            </a:r>
-          </a:p>
-          <a:p>
-            <a:r>
-              <a:rPr lang="en-GB" dirty="0"/>
-              <a:t>Save private key to : C:\Users\username\.ssh\putty_priv.ppk</a:t>
-            </a:r>
-          </a:p>
-          <a:p>
-            <a:r>
-              <a:rPr lang="en-GB" dirty="0"/>
-              <a:t>Email the </a:t>
-            </a:r>
-            <a:r>
-              <a:rPr lang="en-GB" b="1" u="sng" dirty="0"/>
-              <a:t>public</a:t>
-            </a:r>
-            <a:r>
-              <a:rPr lang="en-GB" dirty="0"/>
-              <a:t> key to the sys admins. (this is used for authentication).  (do not ever share you private key)</a:t>
-            </a:r>
-          </a:p>
-          <a:p>
-            <a:r>
-              <a:rPr lang="en-GB" b="1" dirty="0"/>
-              <a:t>For those of you who use Windows and create a key with </a:t>
-            </a:r>
-            <a:r>
-              <a:rPr lang="en-GB" b="1" dirty="0" err="1"/>
-              <a:t>PuTTYgen</a:t>
-            </a:r>
-            <a:r>
-              <a:rPr lang="en-GB" b="1" dirty="0"/>
-              <a:t>: What you need to send is not the public key saved from </a:t>
-            </a:r>
-            <a:r>
-              <a:rPr lang="en-GB" b="1" dirty="0" err="1"/>
-              <a:t>PuTTYgen</a:t>
-            </a:r>
-            <a:r>
-              <a:rPr lang="en-GB" b="1" dirty="0"/>
-              <a:t>, but the string in the upper grey part of the </a:t>
-            </a:r>
-            <a:r>
-              <a:rPr lang="en-GB" b="1" dirty="0" err="1"/>
-              <a:t>PuTTYgen</a:t>
-            </a:r>
-            <a:r>
-              <a:rPr lang="en-GB" b="1" dirty="0"/>
-              <a:t> window that says "Public key for pasting into OpenSSH </a:t>
-            </a:r>
-            <a:r>
-              <a:rPr lang="en-GB" b="1" dirty="0" err="1"/>
-              <a:t>authorized_keys</a:t>
-            </a:r>
-            <a:r>
-              <a:rPr lang="en-GB" b="1" dirty="0"/>
-              <a:t> file". Copy and paste this into a text file or just into the email.</a:t>
+        <p:spPr/>
+        <p:txBody>
+          <a:bodyPr/>
+          <a:lstStyle/>
+          <a:p>
+            <a:r>
+              <a:rPr lang="en-GB" dirty="0"/>
+              <a:t>open a terminal and enter the command "</a:t>
+            </a:r>
+            <a:r>
+              <a:rPr lang="en-GB" dirty="0" err="1"/>
+              <a:t>ssh</a:t>
+            </a:r>
+            <a:r>
+              <a:rPr lang="en-GB" dirty="0"/>
+              <a:t>-keygen". Accept all default filenames. Choose a passphrase when asked for one. Then email the sys admins the file .</a:t>
+            </a:r>
+            <a:r>
+              <a:rPr lang="en-GB" dirty="0" err="1"/>
+              <a:t>ssh</a:t>
+            </a:r>
+            <a:r>
+              <a:rPr lang="en-GB" dirty="0"/>
+              <a:t>/id_rsa.pub. </a:t>
+            </a:r>
+          </a:p>
+          <a:p>
+            <a:r>
+              <a:rPr lang="en-GB" dirty="0"/>
+              <a:t>Directories starting with a . are normally not visible, so it might be easiest to first copy that file into your home</a:t>
+            </a:r>
+          </a:p>
+          <a:p>
+            <a:r>
+              <a:rPr lang="en-GB" dirty="0"/>
+              <a:t>directory:</a:t>
             </a:r>
           </a:p>
           <a:p>
@@ -6737,15 +6824,7 @@
           <a:p>
             <a:r>
               <a:rPr lang="en-GB" dirty="0"/>
-              <a:t>The key should be called/renamed </a:t>
-            </a:r>
-            <a:r>
-              <a:rPr lang="en-GB" dirty="0" err="1"/>
-              <a:t>authorized_keys</a:t>
-            </a:r>
-            <a:r>
-              <a:rPr lang="en-GB" dirty="0"/>
-              <a:t> when put in the .</a:t>
+              <a:t>cp ~/.</a:t>
             </a:r>
             <a:r>
               <a:rPr lang="en-GB" dirty="0" err="1"/>
@@ -6753,23 +6832,18 @@
             </a:r>
             <a:r>
               <a:rPr lang="en-GB" dirty="0"/>
-              <a:t> folder in the $HOME on </a:t>
-            </a:r>
-            <a:r>
-              <a:rPr lang="en-GB" dirty="0" err="1"/>
-              <a:t>kennedy</a:t>
-            </a:r>
-            <a:r>
-              <a:rPr lang="en-GB" dirty="0"/>
-              <a:t> – this will be done by the sys admin</a:t>
-            </a:r>
+              <a:t>/id_rsa.pub</a:t>
+            </a:r>
+          </a:p>
+          <a:p>
+            <a:endParaRPr lang="en-GB" dirty="0"/>
           </a:p>
         </p:txBody>
       </p:sp>
     </p:spTree>
     <p:extLst>
       <p:ext uri="{BB962C8B-B14F-4D97-AF65-F5344CB8AC3E}">
-        <p14:creationId xmlns:p14="http://schemas.microsoft.com/office/powerpoint/2010/main" val="4293089992"/>
+        <p14:creationId xmlns:p14="http://schemas.microsoft.com/office/powerpoint/2010/main" val="1764558400"/>
       </p:ext>
     </p:extLst>
   </p:cSld>
@@ -6801,6 +6875,204 @@
           <p:cNvPr id="2" name="Title 1">
             <a:extLst>
               <a:ext uri="{FF2B5EF4-FFF2-40B4-BE49-F238E27FC236}">
+                <a16:creationId xmlns:a16="http://schemas.microsoft.com/office/drawing/2014/main" id="{BEBACC13-EAEC-4640-9325-DA4F1D4E3486}"/>
+              </a:ext>
+            </a:extLst>
+          </p:cNvPr>
+          <p:cNvSpPr>
+            <a:spLocks noGrp="1"/>
+          </p:cNvSpPr>
+          <p:nvPr>
+            <p:ph type="title"/>
+          </p:nvPr>
+        </p:nvSpPr>
+        <p:spPr>
+          <a:xfrm>
+            <a:off x="768626" y="216038"/>
+            <a:ext cx="10515600" cy="1325563"/>
+          </a:xfrm>
+        </p:spPr>
+        <p:txBody>
+          <a:bodyPr/>
+          <a:lstStyle/>
+          <a:p>
+            <a:r>
+              <a:rPr lang="en-GB" dirty="0"/>
+              <a:t>Create a public and private key using putty-gen</a:t>
+            </a:r>
+          </a:p>
+        </p:txBody>
+      </p:sp>
+      <p:sp>
+        <p:nvSpPr>
+          <p:cNvPr id="3" name="Content Placeholder 2">
+            <a:extLst>
+              <a:ext uri="{FF2B5EF4-FFF2-40B4-BE49-F238E27FC236}">
+                <a16:creationId xmlns:a16="http://schemas.microsoft.com/office/drawing/2014/main" id="{62454BF7-DD9A-400E-9673-4E435CC30B78}"/>
+              </a:ext>
+            </a:extLst>
+          </p:cNvPr>
+          <p:cNvSpPr>
+            <a:spLocks noGrp="1"/>
+          </p:cNvSpPr>
+          <p:nvPr>
+            <p:ph idx="1"/>
+          </p:nvPr>
+        </p:nvSpPr>
+        <p:spPr>
+          <a:xfrm>
+            <a:off x="288235" y="1690688"/>
+            <a:ext cx="11065565" cy="4486275"/>
+          </a:xfrm>
+        </p:spPr>
+        <p:txBody>
+          <a:bodyPr>
+            <a:normAutofit fontScale="92500" lnSpcReduction="20000"/>
+          </a:bodyPr>
+          <a:lstStyle/>
+          <a:p>
+            <a:r>
+              <a:rPr lang="en-GB" dirty="0"/>
+              <a:t>Type putty gen in the window search bar (download and install if needed)</a:t>
+            </a:r>
+          </a:p>
+          <a:p>
+            <a:r>
+              <a:rPr lang="en-GB" dirty="0"/>
+              <a:t>Click on generate and wiggle the mouse. </a:t>
+            </a:r>
+          </a:p>
+          <a:p>
+            <a:r>
+              <a:rPr lang="en-GB" dirty="0"/>
+              <a:t>Save private key to : C:\Users\username\.ssh\putty_priv.ppk</a:t>
+            </a:r>
+          </a:p>
+          <a:p>
+            <a:r>
+              <a:rPr lang="en-GB" dirty="0"/>
+              <a:t>Email the </a:t>
+            </a:r>
+            <a:r>
+              <a:rPr lang="en-GB" b="1" u="sng" dirty="0"/>
+              <a:t>public</a:t>
+            </a:r>
+            <a:r>
+              <a:rPr lang="en-GB" dirty="0"/>
+              <a:t> key to the sys admins. (this is used for authentication).  (do not ever share you private key)</a:t>
+            </a:r>
+          </a:p>
+          <a:p>
+            <a:r>
+              <a:rPr lang="en-GB" b="1" dirty="0"/>
+              <a:t>For those of you who use Windows and create a key with </a:t>
+            </a:r>
+            <a:r>
+              <a:rPr lang="en-GB" b="1" dirty="0" err="1"/>
+              <a:t>PuTTYgen</a:t>
+            </a:r>
+            <a:r>
+              <a:rPr lang="en-GB" b="1" dirty="0"/>
+              <a:t>: What you need to send is not the public key saved from </a:t>
+            </a:r>
+            <a:r>
+              <a:rPr lang="en-GB" b="1" dirty="0" err="1"/>
+              <a:t>PuTTYgen</a:t>
+            </a:r>
+            <a:r>
+              <a:rPr lang="en-GB" b="1" dirty="0"/>
+              <a:t>, but the string in the upper grey part of the </a:t>
+            </a:r>
+            <a:r>
+              <a:rPr lang="en-GB" b="1" dirty="0" err="1"/>
+              <a:t>PuTTYgen</a:t>
+            </a:r>
+            <a:r>
+              <a:rPr lang="en-GB" b="1" dirty="0"/>
+              <a:t> window that says "Public key for pasting into OpenSSH </a:t>
+            </a:r>
+            <a:r>
+              <a:rPr lang="en-GB" b="1" dirty="0" err="1"/>
+              <a:t>authorized_keys</a:t>
+            </a:r>
+            <a:r>
+              <a:rPr lang="en-GB" b="1" dirty="0"/>
+              <a:t> file". Copy and paste this into a text file or just into the email.</a:t>
+            </a:r>
+          </a:p>
+          <a:p>
+            <a:pPr marL="0" indent="0">
+              <a:buNone/>
+            </a:pPr>
+            <a:endParaRPr lang="en-GB" dirty="0"/>
+          </a:p>
+          <a:p>
+            <a:r>
+              <a:rPr lang="en-GB" dirty="0"/>
+              <a:t>The key should be called/renamed </a:t>
+            </a:r>
+            <a:r>
+              <a:rPr lang="en-GB" dirty="0" err="1"/>
+              <a:t>authorized_keys</a:t>
+            </a:r>
+            <a:r>
+              <a:rPr lang="en-GB" dirty="0"/>
+              <a:t> when put in the .</a:t>
+            </a:r>
+            <a:r>
+              <a:rPr lang="en-GB" dirty="0" err="1"/>
+              <a:t>ssh</a:t>
+            </a:r>
+            <a:r>
+              <a:rPr lang="en-GB" dirty="0"/>
+              <a:t> folder in the $HOME on </a:t>
+            </a:r>
+            <a:r>
+              <a:rPr lang="en-GB" dirty="0" err="1"/>
+              <a:t>kennedy</a:t>
+            </a:r>
+            <a:r>
+              <a:rPr lang="en-GB" dirty="0"/>
+              <a:t> – this will be done by the sys admin</a:t>
+            </a:r>
+          </a:p>
+        </p:txBody>
+      </p:sp>
+    </p:spTree>
+    <p:extLst>
+      <p:ext uri="{BB962C8B-B14F-4D97-AF65-F5344CB8AC3E}">
+        <p14:creationId xmlns:p14="http://schemas.microsoft.com/office/powerpoint/2010/main" val="4293089992"/>
+      </p:ext>
+    </p:extLst>
+  </p:cSld>
+  <p:clrMapOvr>
+    <a:masterClrMapping/>
+  </p:clrMapOvr>
+</p:sld>
+</file>
+
+<file path=ppt/slides/slide7.xml><?xml version="1.0" encoding="utf-8"?>
+<p:sld xmlns:a="http://schemas.openxmlformats.org/drawingml/2006/main" xmlns:r="http://schemas.openxmlformats.org/officeDocument/2006/relationships" xmlns:p="http://schemas.openxmlformats.org/presentationml/2006/main">
+  <p:cSld>
+    <p:spTree>
+      <p:nvGrpSpPr>
+        <p:cNvPr id="1" name=""/>
+        <p:cNvGrpSpPr/>
+        <p:nvPr/>
+      </p:nvGrpSpPr>
+      <p:grpSpPr>
+        <a:xfrm>
+          <a:off x="0" y="0"/>
+          <a:ext cx="0" cy="0"/>
+          <a:chOff x="0" y="0"/>
+          <a:chExt cx="0" cy="0"/>
+        </a:xfrm>
+      </p:grpSpPr>
+      <p:sp>
+        <p:nvSpPr>
+          <p:cNvPr id="2" name="Title 1">
+            <a:extLst>
+              <a:ext uri="{FF2B5EF4-FFF2-40B4-BE49-F238E27FC236}">
                 <a16:creationId xmlns:a16="http://schemas.microsoft.com/office/drawing/2014/main" id="{73BBFD1A-A12F-4D56-BD2B-4ADF05E26BE6}"/>
               </a:ext>
             </a:extLst>
@@ -6975,7 +7247,7 @@
 </p:sld>
 </file>
 
-<file path=ppt/slides/slide7.xml><?xml version="1.0" encoding="utf-8"?>
+<file path=ppt/slides/slide8.xml><?xml version="1.0" encoding="utf-8"?>
 <p:sld xmlns:a="http://schemas.openxmlformats.org/drawingml/2006/main" xmlns:r="http://schemas.openxmlformats.org/officeDocument/2006/relationships" xmlns:p="http://schemas.openxmlformats.org/presentationml/2006/main">
   <p:cSld>
     <p:spTree>
@@ -7156,270 +7428,6 @@
 </p:sld>
 </file>
 
-<file path=ppt/slides/slide8.xml><?xml version="1.0" encoding="utf-8"?>
-<p:sld xmlns:a="http://schemas.openxmlformats.org/drawingml/2006/main" xmlns:r="http://schemas.openxmlformats.org/officeDocument/2006/relationships" xmlns:p="http://schemas.openxmlformats.org/presentationml/2006/main">
-  <p:cSld>
-    <p:spTree>
-      <p:nvGrpSpPr>
-        <p:cNvPr id="1" name=""/>
-        <p:cNvGrpSpPr/>
-        <p:nvPr/>
-      </p:nvGrpSpPr>
-      <p:grpSpPr>
-        <a:xfrm>
-          <a:off x="0" y="0"/>
-          <a:ext cx="0" cy="0"/>
-          <a:chOff x="0" y="0"/>
-          <a:chExt cx="0" cy="0"/>
-        </a:xfrm>
-      </p:grpSpPr>
-      <p:sp>
-        <p:nvSpPr>
-          <p:cNvPr id="2" name="Title 1">
-            <a:extLst>
-              <a:ext uri="{FF2B5EF4-FFF2-40B4-BE49-F238E27FC236}">
-                <a16:creationId xmlns:a16="http://schemas.microsoft.com/office/drawing/2014/main" id="{73BBFD1A-A12F-4D56-BD2B-4ADF05E26BE6}"/>
-              </a:ext>
-            </a:extLst>
-          </p:cNvPr>
-          <p:cNvSpPr>
-            <a:spLocks noGrp="1"/>
-          </p:cNvSpPr>
-          <p:nvPr>
-            <p:ph type="title"/>
-          </p:nvPr>
-        </p:nvSpPr>
-        <p:spPr>
-          <a:xfrm>
-            <a:off x="713071" y="0"/>
-            <a:ext cx="10515600" cy="1325563"/>
-          </a:xfrm>
-        </p:spPr>
-        <p:txBody>
-          <a:bodyPr/>
-          <a:lstStyle/>
-          <a:p>
-            <a:r>
-              <a:rPr lang="en-GB" dirty="0"/>
-              <a:t>Log onto Kennedy using key and </a:t>
-            </a:r>
-            <a:r>
-              <a:rPr lang="en-GB" dirty="0" err="1"/>
-              <a:t>mobaxterm</a:t>
-            </a:r>
-            <a:endParaRPr lang="en-GB" dirty="0"/>
-          </a:p>
-        </p:txBody>
-      </p:sp>
-      <p:pic>
-        <p:nvPicPr>
-          <p:cNvPr id="4" name="Content Placeholder 3">
-            <a:extLst>
-              <a:ext uri="{FF2B5EF4-FFF2-40B4-BE49-F238E27FC236}">
-                <a16:creationId xmlns:a16="http://schemas.microsoft.com/office/drawing/2014/main" id="{D2035489-3326-432E-8010-A11E7FD04883}"/>
-              </a:ext>
-            </a:extLst>
-          </p:cNvPr>
-          <p:cNvPicPr>
-            <a:picLocks noGrp="1" noChangeAspect="1"/>
-          </p:cNvPicPr>
-          <p:nvPr>
-            <p:ph idx="1"/>
-          </p:nvPr>
-        </p:nvPicPr>
-        <p:blipFill rotWithShape="1">
-          <a:blip r:embed="rId2" cstate="email">
-            <a:extLst>
-              <a:ext uri="{28A0092B-C50C-407E-A947-70E740481C1C}">
-                <a14:useLocalDpi xmlns:a14="http://schemas.microsoft.com/office/drawing/2010/main" val="0"/>
-              </a:ext>
-            </a:extLst>
-          </a:blip>
-          <a:srcRect/>
-          <a:stretch/>
-        </p:blipFill>
-        <p:spPr>
-          <a:xfrm>
-            <a:off x="498805" y="4576815"/>
-            <a:ext cx="8797450" cy="2281185"/>
-          </a:xfrm>
-          <a:prstGeom prst="rect">
-            <a:avLst/>
-          </a:prstGeom>
-        </p:spPr>
-      </p:pic>
-      <p:sp>
-        <p:nvSpPr>
-          <p:cNvPr id="5" name="TextBox 4">
-            <a:extLst>
-              <a:ext uri="{FF2B5EF4-FFF2-40B4-BE49-F238E27FC236}">
-                <a16:creationId xmlns:a16="http://schemas.microsoft.com/office/drawing/2014/main" id="{EF078318-D604-43B6-B157-18EDB55AD441}"/>
-              </a:ext>
-            </a:extLst>
-          </p:cNvPr>
-          <p:cNvSpPr txBox="1"/>
-          <p:nvPr/>
-        </p:nvSpPr>
-        <p:spPr>
-          <a:xfrm>
-            <a:off x="288408" y="1104530"/>
-            <a:ext cx="11578913" cy="3477875"/>
-          </a:xfrm>
-          <a:prstGeom prst="rect">
-            <a:avLst/>
-          </a:prstGeom>
-          <a:noFill/>
-        </p:spPr>
-        <p:txBody>
-          <a:bodyPr wrap="square" rtlCol="0">
-            <a:spAutoFit/>
-          </a:bodyPr>
-          <a:lstStyle/>
-          <a:p>
-            <a:r>
-              <a:rPr lang="en-GB" sz="2000" b="1" dirty="0">
-                <a:highlight>
-                  <a:srgbClr val="FFFF00"/>
-                </a:highlight>
-              </a:rPr>
-              <a:t>If you use previously use MOBA and want to continue to use it. This is how. </a:t>
-            </a:r>
-            <a:r>
-              <a:rPr lang="en-GB" sz="2000" b="1" u="sng" dirty="0">
-                <a:highlight>
-                  <a:srgbClr val="FFFF00"/>
-                </a:highlight>
-              </a:rPr>
-              <a:t>You can use any </a:t>
-            </a:r>
-            <a:r>
-              <a:rPr lang="en-GB" sz="2000" b="1" u="sng" dirty="0" err="1">
-                <a:highlight>
-                  <a:srgbClr val="FFFF00"/>
-                </a:highlight>
-              </a:rPr>
-              <a:t>ssh</a:t>
-            </a:r>
-            <a:r>
-              <a:rPr lang="en-GB" sz="2000" b="1" u="sng" dirty="0">
-                <a:highlight>
-                  <a:srgbClr val="FFFF00"/>
-                </a:highlight>
-              </a:rPr>
-              <a:t> client you wish</a:t>
-            </a:r>
-          </a:p>
-          <a:p>
-            <a:endParaRPr lang="en-GB" b="1" dirty="0"/>
-          </a:p>
-          <a:p>
-            <a:r>
-              <a:rPr lang="en-GB" b="1" dirty="0"/>
-              <a:t>NOTE: for myself, this was done before we changed the way people log in.  This may not work for you until we test it. </a:t>
-            </a:r>
-          </a:p>
-          <a:p>
-            <a:endParaRPr lang="en-GB" b="1" dirty="0"/>
-          </a:p>
-          <a:p>
-            <a:r>
-              <a:rPr lang="en-GB" b="1" dirty="0"/>
-              <a:t>On </a:t>
-            </a:r>
-            <a:r>
-              <a:rPr lang="en-GB" b="1" dirty="0" err="1"/>
-              <a:t>mobaxterm</a:t>
-            </a:r>
-            <a:r>
-              <a:rPr lang="en-GB" dirty="0"/>
-              <a:t>:  ( you may need to change the permission of the </a:t>
-            </a:r>
-            <a:r>
-              <a:rPr lang="en-GB" dirty="0" err="1"/>
-              <a:t>ssh</a:t>
-            </a:r>
-            <a:r>
-              <a:rPr lang="en-GB" dirty="0"/>
-              <a:t> key folder). </a:t>
-            </a:r>
-          </a:p>
-          <a:p>
-            <a:endParaRPr lang="en-GB" dirty="0"/>
-          </a:p>
-          <a:p>
-            <a:r>
-              <a:rPr lang="en-GB" dirty="0" err="1"/>
-              <a:t>ssh</a:t>
-            </a:r>
-            <a:r>
-              <a:rPr lang="en-GB" dirty="0"/>
-              <a:t> -</a:t>
-            </a:r>
-            <a:r>
-              <a:rPr lang="en-GB" dirty="0" err="1"/>
-              <a:t>i</a:t>
-            </a:r>
-            <a:r>
-              <a:rPr lang="en-GB" dirty="0"/>
-              <a:t> </a:t>
-            </a:r>
-            <a:r>
-              <a:rPr lang="en-GB" dirty="0" err="1"/>
-              <a:t>path_to_key</a:t>
-            </a:r>
-            <a:r>
-              <a:rPr lang="en-GB" dirty="0"/>
-              <a:t>  </a:t>
-            </a:r>
-            <a:r>
-              <a:rPr lang="en-GB" dirty="0">
-                <a:hlinkClick r:id="rId3"/>
-              </a:rPr>
-              <a:t>username@kennedy.st-andrews.ac.uk</a:t>
-            </a:r>
-            <a:endParaRPr lang="en-GB" dirty="0"/>
-          </a:p>
-          <a:p>
-            <a:endParaRPr lang="en-GB" dirty="0"/>
-          </a:p>
-          <a:p>
-            <a:r>
-              <a:rPr lang="en-GB" dirty="0"/>
-              <a:t>On windows, </a:t>
-            </a:r>
-            <a:r>
-              <a:rPr lang="en-GB" dirty="0" err="1"/>
-              <a:t>mobaxterm</a:t>
-            </a:r>
-            <a:r>
-              <a:rPr lang="en-GB" dirty="0"/>
-              <a:t> required: /drives/c/ ….</a:t>
-            </a:r>
-          </a:p>
-          <a:p>
-            <a:endParaRPr lang="en-GB" dirty="0"/>
-          </a:p>
-          <a:p>
-            <a:r>
-              <a:rPr lang="en-GB" dirty="0"/>
-              <a:t>It is possible to save this session .. Google is your friend. </a:t>
-            </a:r>
-          </a:p>
-        </p:txBody>
-      </p:sp>
-    </p:spTree>
-    <p:extLst>
-      <p:ext uri="{BB962C8B-B14F-4D97-AF65-F5344CB8AC3E}">
-        <p14:creationId xmlns:p14="http://schemas.microsoft.com/office/powerpoint/2010/main" val="1128368348"/>
-      </p:ext>
-    </p:extLst>
-  </p:cSld>
-  <p:clrMapOvr>
-    <a:masterClrMapping/>
-  </p:clrMapOvr>
-</p:sld>
-</file>
-
 <file path=ppt/slides/slide9.xml><?xml version="1.0" encoding="utf-8"?>
 <p:sld xmlns:a="http://schemas.openxmlformats.org/drawingml/2006/main" xmlns:r="http://schemas.openxmlformats.org/officeDocument/2006/relationships" xmlns:p="http://schemas.openxmlformats.org/presentationml/2006/main">
   <p:cSld>
@@ -7442,7 +7450,7 @@
           <p:cNvPr id="2" name="Title 1">
             <a:extLst>
               <a:ext uri="{FF2B5EF4-FFF2-40B4-BE49-F238E27FC236}">
-                <a16:creationId xmlns:a16="http://schemas.microsoft.com/office/drawing/2014/main" id="{3DAF2EFB-29F6-4047-9F2C-2E06E6DC2F26}"/>
+                <a16:creationId xmlns:a16="http://schemas.microsoft.com/office/drawing/2014/main" id="{73BBFD1A-A12F-4D56-BD2B-4ADF05E26BE6}"/>
               </a:ext>
             </a:extLst>
           </p:cNvPr>
@@ -7451,56 +7459,12 @@
           </p:cNvSpPr>
           <p:nvPr>
             <p:ph type="title"/>
-          </p:nvPr>
-        </p:nvSpPr>
-        <p:spPr/>
-        <p:txBody>
-          <a:bodyPr/>
-          <a:lstStyle/>
-          <a:p>
-            <a:r>
-              <a:rPr lang="en-GB" dirty="0"/>
-              <a:t>Copy data from </a:t>
-            </a:r>
-            <a:r>
-              <a:rPr lang="en-GB" dirty="0" err="1"/>
-              <a:t>marvin</a:t>
-            </a:r>
-            <a:r>
-              <a:rPr lang="en-GB" dirty="0"/>
-              <a:t> – or push to </a:t>
-            </a:r>
-            <a:r>
-              <a:rPr lang="en-GB" dirty="0" err="1"/>
-              <a:t>marvin</a:t>
-            </a:r>
-            <a:r>
-              <a:rPr lang="en-GB" dirty="0"/>
-              <a:t> for backup</a:t>
-            </a:r>
-          </a:p>
-        </p:txBody>
-      </p:sp>
-      <p:sp>
-        <p:nvSpPr>
-          <p:cNvPr id="3" name="Content Placeholder 2">
-            <a:extLst>
-              <a:ext uri="{FF2B5EF4-FFF2-40B4-BE49-F238E27FC236}">
-                <a16:creationId xmlns:a16="http://schemas.microsoft.com/office/drawing/2014/main" id="{6561B7F6-698A-4F90-BA7E-512A0F1A4E95}"/>
-              </a:ext>
-            </a:extLst>
-          </p:cNvPr>
-          <p:cNvSpPr>
-            <a:spLocks noGrp="1"/>
-          </p:cNvSpPr>
-          <p:nvPr>
-            <p:ph idx="1"/>
           </p:nvPr>
         </p:nvSpPr>
         <p:spPr>
           <a:xfrm>
-            <a:off x="506896" y="2136913"/>
-            <a:ext cx="10697818" cy="5103537"/>
+            <a:off x="713071" y="0"/>
+            <a:ext cx="10515600" cy="1325563"/>
           </a:xfrm>
         </p:spPr>
         <p:txBody>
@@ -7508,81 +7472,139 @@
           <a:lstStyle/>
           <a:p>
             <a:r>
-              <a:rPr lang="en-GB" dirty="0">
-                <a:hlinkClick r:id="rId2"/>
+              <a:rPr lang="en-GB" dirty="0"/>
+              <a:t>Log onto Kennedy using key and </a:t>
+            </a:r>
+            <a:r>
+              <a:rPr lang="en-GB" dirty="0" err="1"/>
+              <a:t>mobaxterm</a:t>
+            </a:r>
+            <a:endParaRPr lang="en-GB" dirty="0"/>
+          </a:p>
+        </p:txBody>
+      </p:sp>
+      <p:pic>
+        <p:nvPicPr>
+          <p:cNvPr id="4" name="Content Placeholder 3">
+            <a:extLst>
+              <a:ext uri="{FF2B5EF4-FFF2-40B4-BE49-F238E27FC236}">
+                <a16:creationId xmlns:a16="http://schemas.microsoft.com/office/drawing/2014/main" id="{D2035489-3326-432E-8010-A11E7FD04883}"/>
+              </a:ext>
+            </a:extLst>
+          </p:cNvPr>
+          <p:cNvPicPr>
+            <a:picLocks noGrp="1" noChangeAspect="1"/>
+          </p:cNvPicPr>
+          <p:nvPr>
+            <p:ph idx="1"/>
+          </p:nvPr>
+        </p:nvPicPr>
+        <p:blipFill rotWithShape="1">
+          <a:blip r:embed="rId2" cstate="email">
+            <a:extLst>
+              <a:ext uri="{28A0092B-C50C-407E-A947-70E740481C1C}">
+                <a14:useLocalDpi xmlns:a14="http://schemas.microsoft.com/office/drawing/2010/main" val="0"/>
+              </a:ext>
+            </a:extLst>
+          </a:blip>
+          <a:srcRect/>
+          <a:stretch/>
+        </p:blipFill>
+        <p:spPr>
+          <a:xfrm>
+            <a:off x="498805" y="4576815"/>
+            <a:ext cx="8797450" cy="2281185"/>
+          </a:xfrm>
+          <a:prstGeom prst="rect">
+            <a:avLst/>
+          </a:prstGeom>
+        </p:spPr>
+      </p:pic>
+      <p:sp>
+        <p:nvSpPr>
+          <p:cNvPr id="5" name="TextBox 4">
+            <a:extLst>
+              <a:ext uri="{FF2B5EF4-FFF2-40B4-BE49-F238E27FC236}">
+                <a16:creationId xmlns:a16="http://schemas.microsoft.com/office/drawing/2014/main" id="{EF078318-D604-43B6-B157-18EDB55AD441}"/>
+              </a:ext>
+            </a:extLst>
+          </p:cNvPr>
+          <p:cNvSpPr txBox="1"/>
+          <p:nvPr/>
+        </p:nvSpPr>
+        <p:spPr>
+          <a:xfrm>
+            <a:off x="288408" y="1104530"/>
+            <a:ext cx="11578913" cy="3477875"/>
+          </a:xfrm>
+          <a:prstGeom prst="rect">
+            <a:avLst/>
+          </a:prstGeom>
+          <a:noFill/>
+        </p:spPr>
+        <p:txBody>
+          <a:bodyPr wrap="square" rtlCol="0">
+            <a:spAutoFit/>
+          </a:bodyPr>
+          <a:lstStyle/>
+          <a:p>
+            <a:r>
+              <a:rPr lang="en-GB" sz="2000" b="1" dirty="0">
+                <a:highlight>
+                  <a:srgbClr val="FFFF00"/>
+                </a:highlight>
               </a:rPr>
-              <a:t>https://www.tecmint.com/rsync-local-remote-file-synchronization-commands/</a:t>
-            </a:r>
-            <a:endParaRPr lang="en-GB" dirty="0"/>
-          </a:p>
-          <a:p>
-            <a:r>
-              <a:rPr lang="en-GB" dirty="0" err="1"/>
-              <a:t>rsync</a:t>
-            </a:r>
-            <a:r>
-              <a:rPr lang="en-GB" dirty="0"/>
-              <a:t> -</a:t>
-            </a:r>
-            <a:r>
-              <a:rPr lang="en-GB" dirty="0" err="1"/>
-              <a:t>av</a:t>
-            </a:r>
-            <a:r>
-              <a:rPr lang="en-GB" dirty="0"/>
-              <a:t> $</a:t>
-            </a:r>
-            <a:r>
-              <a:rPr lang="en-GB" dirty="0" err="1"/>
-              <a:t>USER@marvin.st-andrews.ac.uk:path</a:t>
-            </a:r>
-            <a:r>
-              <a:rPr lang="en-GB" dirty="0"/>
-              <a:t>/ path/</a:t>
-            </a:r>
-          </a:p>
-          <a:p>
-            <a:r>
-              <a:rPr lang="en-GB" dirty="0"/>
-              <a:t>Type yes, then your </a:t>
-            </a:r>
-            <a:r>
-              <a:rPr lang="en-GB" dirty="0" err="1"/>
-              <a:t>marvin</a:t>
-            </a:r>
-            <a:r>
-              <a:rPr lang="en-GB" dirty="0"/>
-              <a:t> password</a:t>
-            </a:r>
-          </a:p>
-          <a:p>
-            <a:endParaRPr lang="en-GB" dirty="0"/>
-          </a:p>
-          <a:p>
-            <a:pPr marL="0" indent="0">
-              <a:buNone/>
-            </a:pPr>
-            <a:r>
-              <a:rPr lang="en-GB" dirty="0"/>
-              <a:t>PUSH FILES TO MARVIN (please look up the commands)</a:t>
-            </a:r>
-          </a:p>
-          <a:p>
-            <a:r>
-              <a:rPr lang="en-GB" dirty="0" err="1"/>
-              <a:t>rsync</a:t>
-            </a:r>
-            <a:r>
-              <a:rPr lang="en-GB" dirty="0"/>
-              <a:t> -</a:t>
-            </a:r>
-            <a:r>
-              <a:rPr lang="en-GB" dirty="0" err="1"/>
-              <a:t>avzhe</a:t>
-            </a:r>
-            <a:r>
-              <a:rPr lang="en-GB" dirty="0"/>
-              <a:t> </a:t>
+              <a:t>If you use previously use MOBA and want to continue to use it. This is how. </a:t>
+            </a:r>
+            <a:r>
+              <a:rPr lang="en-GB" sz="2000" b="1" u="sng" dirty="0">
+                <a:highlight>
+                  <a:srgbClr val="FFFF00"/>
+                </a:highlight>
+              </a:rPr>
+              <a:t>You can use any </a:t>
+            </a:r>
+            <a:r>
+              <a:rPr lang="en-GB" sz="2000" b="1" u="sng" dirty="0" err="1">
+                <a:highlight>
+                  <a:srgbClr val="FFFF00"/>
+                </a:highlight>
+              </a:rPr>
+              <a:t>ssh</a:t>
+            </a:r>
+            <a:r>
+              <a:rPr lang="en-GB" sz="2000" b="1" u="sng" dirty="0">
+                <a:highlight>
+                  <a:srgbClr val="FFFF00"/>
+                </a:highlight>
+              </a:rPr>
+              <a:t> client you wish</a:t>
+            </a:r>
+          </a:p>
+          <a:p>
+            <a:endParaRPr lang="en-GB" b="1" dirty="0"/>
+          </a:p>
+          <a:p>
+            <a:r>
+              <a:rPr lang="en-GB" b="1" dirty="0"/>
+              <a:t>NOTE: for myself, this was done before we changed the way people log in.  This may not work for you until we test it. </a:t>
+            </a:r>
+          </a:p>
+          <a:p>
+            <a:endParaRPr lang="en-GB" b="1" dirty="0"/>
+          </a:p>
+          <a:p>
+            <a:r>
+              <a:rPr lang="en-GB" b="1" dirty="0"/>
+              <a:t>On </a:t>
+            </a:r>
+            <a:r>
+              <a:rPr lang="en-GB" b="1" dirty="0" err="1"/>
+              <a:t>mobaxterm</a:t>
+            </a:r>
+            <a:r>
+              <a:rPr lang="en-GB" dirty="0"/>
+              <a:t>:  ( you may need to change the permission of the </a:t>
             </a:r>
             <a:r>
               <a:rPr lang="en-GB" dirty="0" err="1"/>
@@ -7590,23 +7612,69 @@
             </a:r>
             <a:r>
               <a:rPr lang="en-GB" dirty="0"/>
+              <a:t> key folder). </a:t>
+            </a:r>
+          </a:p>
+          <a:p>
+            <a:endParaRPr lang="en-GB" dirty="0"/>
+          </a:p>
+          <a:p>
+            <a:r>
+              <a:rPr lang="en-GB" dirty="0" err="1"/>
+              <a:t>ssh</a:t>
+            </a:r>
+            <a:r>
+              <a:rPr lang="en-GB" dirty="0"/>
+              <a:t> -</a:t>
+            </a:r>
+            <a:r>
+              <a:rPr lang="en-GB" dirty="0" err="1"/>
+              <a:t>i</a:t>
+            </a:r>
+            <a:r>
+              <a:rPr lang="en-GB" dirty="0"/>
               <a:t> </a:t>
             </a:r>
             <a:r>
               <a:rPr lang="en-GB" dirty="0" err="1"/>
-              <a:t>file_to_transfer</a:t>
-            </a:r>
-            <a:r>
-              <a:rPr lang="en-GB" dirty="0"/>
-              <a:t> $USER@marvin.st-andrews.ac.uk:/</a:t>
+              <a:t>path_to_key</a:t>
+            </a:r>
+            <a:r>
+              <a:rPr lang="en-GB" dirty="0"/>
+              <a:t>  </a:t>
+            </a:r>
+            <a:r>
+              <a:rPr lang="en-GB" dirty="0">
+                <a:hlinkClick r:id="rId3"/>
+              </a:rPr>
+              <a:t>username@kennedy.st-andrews.ac.uk</a:t>
+            </a:r>
+            <a:endParaRPr lang="en-GB" dirty="0"/>
+          </a:p>
+          <a:p>
+            <a:endParaRPr lang="en-GB" dirty="0"/>
+          </a:p>
+          <a:p>
+            <a:r>
+              <a:rPr lang="en-GB" dirty="0"/>
+              <a:t>On windows, </a:t>
             </a:r>
             <a:r>
               <a:rPr lang="en-GB" dirty="0" err="1"/>
-              <a:t>path_to</a:t>
-            </a:r>
-            <a:r>
-              <a:rPr lang="en-GB" dirty="0"/>
-              <a:t>/</a:t>
+              <a:t>mobaxterm</a:t>
+            </a:r>
+            <a:r>
+              <a:rPr lang="en-GB" dirty="0"/>
+              <a:t> required: /drives/c/ ….</a:t>
+            </a:r>
+          </a:p>
+          <a:p>
+            <a:endParaRPr lang="en-GB" dirty="0"/>
+          </a:p>
+          <a:p>
+            <a:r>
+              <a:rPr lang="en-GB" dirty="0"/>
+              <a:t>It is possible to save this session .. Google is your friend. </a:t>
             </a:r>
           </a:p>
         </p:txBody>
@@ -7614,7 +7682,7 @@
     </p:spTree>
     <p:extLst>
       <p:ext uri="{BB962C8B-B14F-4D97-AF65-F5344CB8AC3E}">
-        <p14:creationId xmlns:p14="http://schemas.microsoft.com/office/powerpoint/2010/main" val="3049080994"/>
+        <p14:creationId xmlns:p14="http://schemas.microsoft.com/office/powerpoint/2010/main" val="1128368348"/>
       </p:ext>
     </p:extLst>
   </p:cSld>

--- a/kenedy_getting_started-V1.pptx
+++ b/kenedy_getting_started-V1.pptx
@@ -16,19 +16,17 @@
     <p:sldId id="260" r:id="rId10"/>
     <p:sldId id="274" r:id="rId11"/>
     <p:sldId id="259" r:id="rId12"/>
-    <p:sldId id="262" r:id="rId13"/>
-    <p:sldId id="261" r:id="rId14"/>
-    <p:sldId id="265" r:id="rId15"/>
-    <p:sldId id="272" r:id="rId16"/>
-    <p:sldId id="273" r:id="rId17"/>
-    <p:sldId id="266" r:id="rId18"/>
-    <p:sldId id="267" r:id="rId19"/>
-    <p:sldId id="268" r:id="rId20"/>
-    <p:sldId id="270" r:id="rId21"/>
-    <p:sldId id="276" r:id="rId22"/>
-    <p:sldId id="269" r:id="rId23"/>
-    <p:sldId id="263" r:id="rId24"/>
-    <p:sldId id="277" r:id="rId25"/>
+    <p:sldId id="265" r:id="rId13"/>
+    <p:sldId id="272" r:id="rId14"/>
+    <p:sldId id="273" r:id="rId15"/>
+    <p:sldId id="266" r:id="rId16"/>
+    <p:sldId id="267" r:id="rId17"/>
+    <p:sldId id="268" r:id="rId18"/>
+    <p:sldId id="270" r:id="rId19"/>
+    <p:sldId id="276" r:id="rId20"/>
+    <p:sldId id="269" r:id="rId21"/>
+    <p:sldId id="263" r:id="rId22"/>
+    <p:sldId id="277" r:id="rId23"/>
   </p:sldIdLst>
   <p:sldSz cx="12192000" cy="6858000"/>
   <p:notesSz cx="6858000" cy="9144000"/>
@@ -284,7 +282,7 @@
           <a:p>
             <a:fld id="{04376CE3-01A7-4075-8A57-A2BEE561C1FE}" type="datetimeFigureOut">
               <a:rPr lang="en-GB" smtClean="0"/>
-              <a:t>30/04/2020</a:t>
+              <a:t>06/06/2020</a:t>
             </a:fld>
             <a:endParaRPr lang="en-GB"/>
           </a:p>
@@ -484,7 +482,7 @@
           <a:p>
             <a:fld id="{04376CE3-01A7-4075-8A57-A2BEE561C1FE}" type="datetimeFigureOut">
               <a:rPr lang="en-GB" smtClean="0"/>
-              <a:t>30/04/2020</a:t>
+              <a:t>06/06/2020</a:t>
             </a:fld>
             <a:endParaRPr lang="en-GB"/>
           </a:p>
@@ -694,7 +692,7 @@
           <a:p>
             <a:fld id="{04376CE3-01A7-4075-8A57-A2BEE561C1FE}" type="datetimeFigureOut">
               <a:rPr lang="en-GB" smtClean="0"/>
-              <a:t>30/04/2020</a:t>
+              <a:t>06/06/2020</a:t>
             </a:fld>
             <a:endParaRPr lang="en-GB"/>
           </a:p>
@@ -894,7 +892,7 @@
           <a:p>
             <a:fld id="{04376CE3-01A7-4075-8A57-A2BEE561C1FE}" type="datetimeFigureOut">
               <a:rPr lang="en-GB" smtClean="0"/>
-              <a:t>30/04/2020</a:t>
+              <a:t>06/06/2020</a:t>
             </a:fld>
             <a:endParaRPr lang="en-GB"/>
           </a:p>
@@ -1170,7 +1168,7 @@
           <a:p>
             <a:fld id="{04376CE3-01A7-4075-8A57-A2BEE561C1FE}" type="datetimeFigureOut">
               <a:rPr lang="en-GB" smtClean="0"/>
-              <a:t>30/04/2020</a:t>
+              <a:t>06/06/2020</a:t>
             </a:fld>
             <a:endParaRPr lang="en-GB"/>
           </a:p>
@@ -1438,7 +1436,7 @@
           <a:p>
             <a:fld id="{04376CE3-01A7-4075-8A57-A2BEE561C1FE}" type="datetimeFigureOut">
               <a:rPr lang="en-GB" smtClean="0"/>
-              <a:t>30/04/2020</a:t>
+              <a:t>06/06/2020</a:t>
             </a:fld>
             <a:endParaRPr lang="en-GB"/>
           </a:p>
@@ -1853,7 +1851,7 @@
           <a:p>
             <a:fld id="{04376CE3-01A7-4075-8A57-A2BEE561C1FE}" type="datetimeFigureOut">
               <a:rPr lang="en-GB" smtClean="0"/>
-              <a:t>30/04/2020</a:t>
+              <a:t>06/06/2020</a:t>
             </a:fld>
             <a:endParaRPr lang="en-GB"/>
           </a:p>
@@ -1995,7 +1993,7 @@
           <a:p>
             <a:fld id="{04376CE3-01A7-4075-8A57-A2BEE561C1FE}" type="datetimeFigureOut">
               <a:rPr lang="en-GB" smtClean="0"/>
-              <a:t>30/04/2020</a:t>
+              <a:t>06/06/2020</a:t>
             </a:fld>
             <a:endParaRPr lang="en-GB"/>
           </a:p>
@@ -2108,7 +2106,7 @@
           <a:p>
             <a:fld id="{04376CE3-01A7-4075-8A57-A2BEE561C1FE}" type="datetimeFigureOut">
               <a:rPr lang="en-GB" smtClean="0"/>
-              <a:t>30/04/2020</a:t>
+              <a:t>06/06/2020</a:t>
             </a:fld>
             <a:endParaRPr lang="en-GB"/>
           </a:p>
@@ -2421,7 +2419,7 @@
           <a:p>
             <a:fld id="{04376CE3-01A7-4075-8A57-A2BEE561C1FE}" type="datetimeFigureOut">
               <a:rPr lang="en-GB" smtClean="0"/>
-              <a:t>30/04/2020</a:t>
+              <a:t>06/06/2020</a:t>
             </a:fld>
             <a:endParaRPr lang="en-GB"/>
           </a:p>
@@ -2710,7 +2708,7 @@
           <a:p>
             <a:fld id="{04376CE3-01A7-4075-8A57-A2BEE561C1FE}" type="datetimeFigureOut">
               <a:rPr lang="en-GB" smtClean="0"/>
-              <a:t>30/04/2020</a:t>
+              <a:t>06/06/2020</a:t>
             </a:fld>
             <a:endParaRPr lang="en-GB"/>
           </a:p>
@@ -2953,7 +2951,7 @@
           <a:p>
             <a:fld id="{04376CE3-01A7-4075-8A57-A2BEE561C1FE}" type="datetimeFigureOut">
               <a:rPr lang="en-GB" smtClean="0"/>
-              <a:t>30/04/2020</a:t>
+              <a:t>06/06/2020</a:t>
             </a:fld>
             <a:endParaRPr lang="en-GB"/>
           </a:p>
@@ -3735,43 +3733,6 @@
           </a:p>
         </p:txBody>
       </p:sp>
-      <p:pic>
-        <p:nvPicPr>
-          <p:cNvPr id="4" name="Content Placeholder 3">
-            <a:extLst>
-              <a:ext uri="{FF2B5EF4-FFF2-40B4-BE49-F238E27FC236}">
-                <a16:creationId xmlns:a16="http://schemas.microsoft.com/office/drawing/2014/main" id="{CBCD53F6-1964-4223-8161-EB76F4850693}"/>
-              </a:ext>
-            </a:extLst>
-          </p:cNvPr>
-          <p:cNvPicPr>
-            <a:picLocks noGrp="1" noChangeAspect="1"/>
-          </p:cNvPicPr>
-          <p:nvPr>
-            <p:ph idx="1"/>
-          </p:nvPr>
-        </p:nvPicPr>
-        <p:blipFill rotWithShape="1">
-          <a:blip r:embed="rId2" cstate="email">
-            <a:extLst>
-              <a:ext uri="{28A0092B-C50C-407E-A947-70E740481C1C}">
-                <a14:useLocalDpi xmlns:a14="http://schemas.microsoft.com/office/drawing/2010/main" val="0"/>
-              </a:ext>
-            </a:extLst>
-          </a:blip>
-          <a:srcRect/>
-          <a:stretch/>
-        </p:blipFill>
-        <p:spPr>
-          <a:xfrm>
-            <a:off x="838201" y="2791134"/>
-            <a:ext cx="7020826" cy="4071680"/>
-          </a:xfrm>
-          <a:prstGeom prst="rect">
-            <a:avLst/>
-          </a:prstGeom>
-        </p:spPr>
-      </p:pic>
       <p:cxnSp>
         <p:nvCxnSpPr>
           <p:cNvPr id="6" name="Straight Arrow Connector 5">
@@ -3863,7 +3824,7 @@
           <p:nvPr/>
         </p:nvPicPr>
         <p:blipFill rotWithShape="1">
-          <a:blip r:embed="rId3" cstate="email">
+          <a:blip r:embed="rId2" cstate="email">
             <a:extLst>
               <a:ext uri="{28A0092B-C50C-407E-A947-70E740481C1C}">
                 <a14:useLocalDpi xmlns:a14="http://schemas.microsoft.com/office/drawing/2010/main" val="0"/>
@@ -3957,6 +3918,308 @@
           </a:p>
         </p:txBody>
       </p:sp>
+      <p:cxnSp>
+        <p:nvCxnSpPr>
+          <p:cNvPr id="13" name="Straight Arrow Connector 12">
+            <a:extLst>
+              <a:ext uri="{FF2B5EF4-FFF2-40B4-BE49-F238E27FC236}">
+                <a16:creationId xmlns:a16="http://schemas.microsoft.com/office/drawing/2014/main" id="{4BF929F8-8C7B-417B-92C3-9D1A65022C26}"/>
+              </a:ext>
+            </a:extLst>
+          </p:cNvPr>
+          <p:cNvCxnSpPr>
+            <a:cxnSpLocks/>
+          </p:cNvCxnSpPr>
+          <p:nvPr/>
+        </p:nvCxnSpPr>
+        <p:spPr>
+          <a:xfrm flipH="1">
+            <a:off x="6648698" y="3954977"/>
+            <a:ext cx="838940" cy="628681"/>
+          </a:xfrm>
+          <a:prstGeom prst="straightConnector1">
+            <a:avLst/>
+          </a:prstGeom>
+          <a:ln>
+            <a:tailEnd type="triangle"/>
+          </a:ln>
+        </p:spPr>
+        <p:style>
+          <a:lnRef idx="1">
+            <a:schemeClr val="accent1"/>
+          </a:lnRef>
+          <a:fillRef idx="0">
+            <a:schemeClr val="accent1"/>
+          </a:fillRef>
+          <a:effectRef idx="0">
+            <a:schemeClr val="accent1"/>
+          </a:effectRef>
+          <a:fontRef idx="minor">
+            <a:schemeClr val="tx1"/>
+          </a:fontRef>
+        </p:style>
+      </p:cxnSp>
+      <p:sp>
+        <p:nvSpPr>
+          <p:cNvPr id="16" name="TextBox 15">
+            <a:extLst>
+              <a:ext uri="{FF2B5EF4-FFF2-40B4-BE49-F238E27FC236}">
+                <a16:creationId xmlns:a16="http://schemas.microsoft.com/office/drawing/2014/main" id="{DF76B135-0CFC-41CE-9EE4-93BE1DC3C824}"/>
+              </a:ext>
+            </a:extLst>
+          </p:cNvPr>
+          <p:cNvSpPr txBox="1"/>
+          <p:nvPr/>
+        </p:nvSpPr>
+        <p:spPr>
+          <a:xfrm>
+            <a:off x="7591108" y="3770311"/>
+            <a:ext cx="2127183" cy="923330"/>
+          </a:xfrm>
+          <a:prstGeom prst="rect">
+            <a:avLst/>
+          </a:prstGeom>
+          <a:noFill/>
+        </p:spPr>
+        <p:txBody>
+          <a:bodyPr wrap="square" rtlCol="0">
+            <a:spAutoFit/>
+          </a:bodyPr>
+          <a:lstStyle/>
+          <a:p>
+            <a:r>
+              <a:rPr lang="en-GB" dirty="0"/>
+              <a:t>Interactive. It will then ask for your password. </a:t>
+            </a:r>
+          </a:p>
+        </p:txBody>
+      </p:sp>
+      <p:sp>
+        <p:nvSpPr>
+          <p:cNvPr id="3" name="Rectangle 2">
+            <a:extLst>
+              <a:ext uri="{FF2B5EF4-FFF2-40B4-BE49-F238E27FC236}">
+                <a16:creationId xmlns:a16="http://schemas.microsoft.com/office/drawing/2014/main" id="{F15C5B9B-310F-4DA4-8A8A-1360C49E3DFE}"/>
+              </a:ext>
+            </a:extLst>
+          </p:cNvPr>
+          <p:cNvSpPr/>
+          <p:nvPr/>
+        </p:nvSpPr>
+        <p:spPr>
+          <a:xfrm>
+            <a:off x="500963" y="2404017"/>
+            <a:ext cx="6096000" cy="3970318"/>
+          </a:xfrm>
+          <a:prstGeom prst="rect">
+            <a:avLst/>
+          </a:prstGeom>
+        </p:spPr>
+        <p:txBody>
+          <a:bodyPr>
+            <a:spAutoFit/>
+          </a:bodyPr>
+          <a:lstStyle/>
+          <a:p>
+            <a:pPr>
+              <a:spcAft>
+                <a:spcPts val="0"/>
+              </a:spcAft>
+            </a:pPr>
+            <a:r>
+              <a:rPr lang="en-GB" dirty="0">
+                <a:latin typeface="Calibri" panose="020F0502020204030204" pitchFamily="34" charset="0"/>
+                <a:ea typeface="Calibri" panose="020F0502020204030204" pitchFamily="34" charset="0"/>
+                <a:cs typeface="Times New Roman" panose="02020603050405020304" pitchFamily="18" charset="0"/>
+              </a:rPr>
+              <a:t>In the main menu, go to Edit -&gt; Settings -&gt; Connection -&gt; SFTP "Add key file" and browse to your </a:t>
+            </a:r>
+            <a:r>
+              <a:rPr lang="en-GB" dirty="0" err="1">
+                <a:latin typeface="Calibri" panose="020F0502020204030204" pitchFamily="34" charset="0"/>
+                <a:ea typeface="Calibri" panose="020F0502020204030204" pitchFamily="34" charset="0"/>
+                <a:cs typeface="Times New Roman" panose="02020603050405020304" pitchFamily="18" charset="0"/>
+              </a:rPr>
+              <a:t>ppk</a:t>
+            </a:r>
+            <a:r>
+              <a:rPr lang="en-GB" dirty="0">
+                <a:latin typeface="Calibri" panose="020F0502020204030204" pitchFamily="34" charset="0"/>
+                <a:ea typeface="Calibri" panose="020F0502020204030204" pitchFamily="34" charset="0"/>
+                <a:cs typeface="Times New Roman" panose="02020603050405020304" pitchFamily="18" charset="0"/>
+              </a:rPr>
+              <a:t> file</a:t>
+            </a:r>
+          </a:p>
+          <a:p>
+            <a:pPr>
+              <a:spcAft>
+                <a:spcPts val="0"/>
+              </a:spcAft>
+            </a:pPr>
+            <a:r>
+              <a:rPr lang="en-GB" dirty="0">
+                <a:latin typeface="Calibri" panose="020F0502020204030204" pitchFamily="34" charset="0"/>
+                <a:ea typeface="Calibri" panose="020F0502020204030204" pitchFamily="34" charset="0"/>
+                <a:cs typeface="Times New Roman" panose="02020603050405020304" pitchFamily="18" charset="0"/>
+              </a:rPr>
+              <a:t> </a:t>
+            </a:r>
+          </a:p>
+          <a:p>
+            <a:pPr>
+              <a:spcAft>
+                <a:spcPts val="0"/>
+              </a:spcAft>
+            </a:pPr>
+            <a:r>
+              <a:rPr lang="en-GB" dirty="0">
+                <a:latin typeface="Calibri" panose="020F0502020204030204" pitchFamily="34" charset="0"/>
+                <a:ea typeface="Calibri" panose="020F0502020204030204" pitchFamily="34" charset="0"/>
+                <a:cs typeface="Times New Roman" panose="02020603050405020304" pitchFamily="18" charset="0"/>
+              </a:rPr>
+              <a:t>In the main menu, go to File -&gt; Site Manager Create a new site "</a:t>
+            </a:r>
+            <a:r>
+              <a:rPr lang="en-GB" dirty="0" err="1">
+                <a:latin typeface="Calibri" panose="020F0502020204030204" pitchFamily="34" charset="0"/>
+                <a:ea typeface="Calibri" panose="020F0502020204030204" pitchFamily="34" charset="0"/>
+                <a:cs typeface="Times New Roman" panose="02020603050405020304" pitchFamily="18" charset="0"/>
+              </a:rPr>
+              <a:t>kennedy</a:t>
+            </a:r>
+            <a:r>
+              <a:rPr lang="en-GB" dirty="0">
+                <a:latin typeface="Calibri" panose="020F0502020204030204" pitchFamily="34" charset="0"/>
+                <a:ea typeface="Calibri" panose="020F0502020204030204" pitchFamily="34" charset="0"/>
+                <a:cs typeface="Times New Roman" panose="02020603050405020304" pitchFamily="18" charset="0"/>
+              </a:rPr>
+              <a:t>"</a:t>
+            </a:r>
+          </a:p>
+          <a:p>
+            <a:pPr>
+              <a:spcAft>
+                <a:spcPts val="0"/>
+              </a:spcAft>
+            </a:pPr>
+            <a:r>
+              <a:rPr lang="en-GB" dirty="0">
+                <a:latin typeface="Calibri" panose="020F0502020204030204" pitchFamily="34" charset="0"/>
+                <a:ea typeface="Calibri" panose="020F0502020204030204" pitchFamily="34" charset="0"/>
+                <a:cs typeface="Times New Roman" panose="02020603050405020304" pitchFamily="18" charset="0"/>
+              </a:rPr>
+              <a:t>Protocol "SFTP"</a:t>
+            </a:r>
+          </a:p>
+          <a:p>
+            <a:pPr>
+              <a:spcAft>
+                <a:spcPts val="0"/>
+              </a:spcAft>
+            </a:pPr>
+            <a:r>
+              <a:rPr lang="en-GB" dirty="0">
+                <a:latin typeface="Calibri" panose="020F0502020204030204" pitchFamily="34" charset="0"/>
+                <a:ea typeface="Calibri" panose="020F0502020204030204" pitchFamily="34" charset="0"/>
+                <a:cs typeface="Times New Roman" panose="02020603050405020304" pitchFamily="18" charset="0"/>
+              </a:rPr>
+              <a:t>Logon Type: "Ask for password"</a:t>
+            </a:r>
+          </a:p>
+          <a:p>
+            <a:pPr>
+              <a:spcAft>
+                <a:spcPts val="0"/>
+              </a:spcAft>
+            </a:pPr>
+            <a:r>
+              <a:rPr lang="en-GB" dirty="0">
+                <a:latin typeface="Calibri" panose="020F0502020204030204" pitchFamily="34" charset="0"/>
+                <a:ea typeface="Calibri" panose="020F0502020204030204" pitchFamily="34" charset="0"/>
+                <a:cs typeface="Times New Roman" panose="02020603050405020304" pitchFamily="18" charset="0"/>
+              </a:rPr>
+              <a:t>Press "Connect" key</a:t>
+            </a:r>
+          </a:p>
+          <a:p>
+            <a:pPr>
+              <a:spcAft>
+                <a:spcPts val="0"/>
+              </a:spcAft>
+            </a:pPr>
+            <a:r>
+              <a:rPr lang="en-GB" dirty="0">
+                <a:latin typeface="Calibri" panose="020F0502020204030204" pitchFamily="34" charset="0"/>
+                <a:ea typeface="Calibri" panose="020F0502020204030204" pitchFamily="34" charset="0"/>
+                <a:cs typeface="Times New Roman" panose="02020603050405020304" pitchFamily="18" charset="0"/>
+              </a:rPr>
+              <a:t> </a:t>
+            </a:r>
+          </a:p>
+          <a:p>
+            <a:pPr>
+              <a:spcAft>
+                <a:spcPts val="0"/>
+              </a:spcAft>
+            </a:pPr>
+            <a:r>
+              <a:rPr lang="en-GB" dirty="0">
+                <a:latin typeface="Calibri" panose="020F0502020204030204" pitchFamily="34" charset="0"/>
+                <a:ea typeface="Calibri" panose="020F0502020204030204" pitchFamily="34" charset="0"/>
+                <a:cs typeface="Times New Roman" panose="02020603050405020304" pitchFamily="18" charset="0"/>
+              </a:rPr>
+              <a:t>In future connections, just select </a:t>
+            </a:r>
+            <a:r>
+              <a:rPr lang="en-GB" dirty="0" err="1">
+                <a:latin typeface="Calibri" panose="020F0502020204030204" pitchFamily="34" charset="0"/>
+                <a:ea typeface="Calibri" panose="020F0502020204030204" pitchFamily="34" charset="0"/>
+                <a:cs typeface="Times New Roman" panose="02020603050405020304" pitchFamily="18" charset="0"/>
+              </a:rPr>
+              <a:t>kennedy</a:t>
+            </a:r>
+            <a:r>
+              <a:rPr lang="en-GB" dirty="0">
+                <a:latin typeface="Calibri" panose="020F0502020204030204" pitchFamily="34" charset="0"/>
+                <a:ea typeface="Calibri" panose="020F0502020204030204" pitchFamily="34" charset="0"/>
+                <a:cs typeface="Times New Roman" panose="02020603050405020304" pitchFamily="18" charset="0"/>
+              </a:rPr>
+              <a:t> from the Site Manager and connect.</a:t>
+            </a:r>
+          </a:p>
+          <a:p>
+            <a:pPr>
+              <a:spcAft>
+                <a:spcPts val="0"/>
+              </a:spcAft>
+            </a:pPr>
+            <a:r>
+              <a:rPr lang="en-GB" dirty="0">
+                <a:latin typeface="Calibri" panose="020F0502020204030204" pitchFamily="34" charset="0"/>
+                <a:ea typeface="Calibri" panose="020F0502020204030204" pitchFamily="34" charset="0"/>
+                <a:cs typeface="Times New Roman" panose="02020603050405020304" pitchFamily="18" charset="0"/>
+              </a:rPr>
+              <a:t> </a:t>
+            </a:r>
+          </a:p>
+          <a:p>
+            <a:pPr>
+              <a:spcAft>
+                <a:spcPts val="0"/>
+              </a:spcAft>
+            </a:pPr>
+            <a:r>
+              <a:rPr lang="en-GB" dirty="0">
+                <a:latin typeface="Calibri" panose="020F0502020204030204" pitchFamily="34" charset="0"/>
+                <a:ea typeface="Calibri" panose="020F0502020204030204" pitchFamily="34" charset="0"/>
+                <a:cs typeface="Times New Roman" panose="02020603050405020304" pitchFamily="18" charset="0"/>
+              </a:rPr>
+              <a:t>I hope this is complete. It remembers a lot from one connection to the next, so I may forget a step.</a:t>
+            </a:r>
+          </a:p>
+        </p:txBody>
+      </p:sp>
     </p:spTree>
     <p:extLst>
       <p:ext uri="{BB962C8B-B14F-4D97-AF65-F5344CB8AC3E}">
@@ -3992,326 +4255,6 @@
           <p:cNvPr id="2" name="Title 1">
             <a:extLst>
               <a:ext uri="{FF2B5EF4-FFF2-40B4-BE49-F238E27FC236}">
-                <a16:creationId xmlns:a16="http://schemas.microsoft.com/office/drawing/2014/main" id="{65994064-7F34-4E37-A4F8-F8945DD1F637}"/>
-              </a:ext>
-            </a:extLst>
-          </p:cNvPr>
-          <p:cNvSpPr>
-            <a:spLocks noGrp="1"/>
-          </p:cNvSpPr>
-          <p:nvPr>
-            <p:ph type="title"/>
-          </p:nvPr>
-        </p:nvSpPr>
-        <p:spPr/>
-        <p:txBody>
-          <a:bodyPr/>
-          <a:lstStyle/>
-          <a:p>
-            <a:r>
-              <a:rPr lang="en-GB" dirty="0" err="1"/>
-              <a:t>Filezilla</a:t>
-            </a:r>
-            <a:r>
-              <a:rPr lang="en-GB" dirty="0"/>
-              <a:t> file transfer</a:t>
-            </a:r>
-          </a:p>
-        </p:txBody>
-      </p:sp>
-      <p:pic>
-        <p:nvPicPr>
-          <p:cNvPr id="4" name="Content Placeholder 3">
-            <a:extLst>
-              <a:ext uri="{FF2B5EF4-FFF2-40B4-BE49-F238E27FC236}">
-                <a16:creationId xmlns:a16="http://schemas.microsoft.com/office/drawing/2014/main" id="{CBCD53F6-1964-4223-8161-EB76F4850693}"/>
-              </a:ext>
-            </a:extLst>
-          </p:cNvPr>
-          <p:cNvPicPr>
-            <a:picLocks noGrp="1" noChangeAspect="1"/>
-          </p:cNvPicPr>
-          <p:nvPr>
-            <p:ph idx="1"/>
-          </p:nvPr>
-        </p:nvPicPr>
-        <p:blipFill rotWithShape="1">
-          <a:blip r:embed="rId2" cstate="email">
-            <a:extLst>
-              <a:ext uri="{28A0092B-C50C-407E-A947-70E740481C1C}">
-                <a14:useLocalDpi xmlns:a14="http://schemas.microsoft.com/office/drawing/2010/main" val="0"/>
-              </a:ext>
-            </a:extLst>
-          </a:blip>
-          <a:srcRect/>
-          <a:stretch/>
-        </p:blipFill>
-        <p:spPr>
-          <a:xfrm>
-            <a:off x="753979" y="1491280"/>
-            <a:ext cx="10074442" cy="4941826"/>
-          </a:xfrm>
-          <a:prstGeom prst="rect">
-            <a:avLst/>
-          </a:prstGeom>
-        </p:spPr>
-      </p:pic>
-      <p:cxnSp>
-        <p:nvCxnSpPr>
-          <p:cNvPr id="6" name="Straight Arrow Connector 5">
-            <a:extLst>
-              <a:ext uri="{FF2B5EF4-FFF2-40B4-BE49-F238E27FC236}">
-                <a16:creationId xmlns:a16="http://schemas.microsoft.com/office/drawing/2014/main" id="{A3A3C607-9680-4897-B6D6-EE6554D3BD71}"/>
-              </a:ext>
-            </a:extLst>
-          </p:cNvPr>
-          <p:cNvCxnSpPr/>
-          <p:nvPr/>
-        </p:nvCxnSpPr>
-        <p:spPr>
-          <a:xfrm flipH="1">
-            <a:off x="7016817" y="924025"/>
-            <a:ext cx="952901" cy="2204186"/>
-          </a:xfrm>
-          <a:prstGeom prst="straightConnector1">
-            <a:avLst/>
-          </a:prstGeom>
-          <a:ln>
-            <a:tailEnd type="triangle"/>
-          </a:ln>
-        </p:spPr>
-        <p:style>
-          <a:lnRef idx="1">
-            <a:schemeClr val="accent1"/>
-          </a:lnRef>
-          <a:fillRef idx="0">
-            <a:schemeClr val="accent1"/>
-          </a:fillRef>
-          <a:effectRef idx="0">
-            <a:schemeClr val="accent1"/>
-          </a:effectRef>
-          <a:fontRef idx="minor">
-            <a:schemeClr val="tx1"/>
-          </a:fontRef>
-        </p:style>
-      </p:cxnSp>
-      <p:cxnSp>
-        <p:nvCxnSpPr>
-          <p:cNvPr id="8" name="Straight Arrow Connector 7">
-            <a:extLst>
-              <a:ext uri="{FF2B5EF4-FFF2-40B4-BE49-F238E27FC236}">
-                <a16:creationId xmlns:a16="http://schemas.microsoft.com/office/drawing/2014/main" id="{CD6743C8-F1A5-416F-BBC7-9987DC5011A9}"/>
-              </a:ext>
-            </a:extLst>
-          </p:cNvPr>
-          <p:cNvCxnSpPr/>
-          <p:nvPr/>
-        </p:nvCxnSpPr>
-        <p:spPr>
-          <a:xfrm flipH="1">
-            <a:off x="7180446" y="1010653"/>
-            <a:ext cx="904775" cy="2418347"/>
-          </a:xfrm>
-          <a:prstGeom prst="straightConnector1">
-            <a:avLst/>
-          </a:prstGeom>
-          <a:ln>
-            <a:tailEnd type="triangle"/>
-          </a:ln>
-        </p:spPr>
-        <p:style>
-          <a:lnRef idx="1">
-            <a:schemeClr val="accent1"/>
-          </a:lnRef>
-          <a:fillRef idx="0">
-            <a:schemeClr val="accent1"/>
-          </a:fillRef>
-          <a:effectRef idx="0">
-            <a:schemeClr val="accent1"/>
-          </a:effectRef>
-          <a:fontRef idx="minor">
-            <a:schemeClr val="tx1"/>
-          </a:fontRef>
-        </p:style>
-      </p:cxnSp>
-      <p:sp>
-        <p:nvSpPr>
-          <p:cNvPr id="9" name="TextBox 8">
-            <a:extLst>
-              <a:ext uri="{FF2B5EF4-FFF2-40B4-BE49-F238E27FC236}">
-                <a16:creationId xmlns:a16="http://schemas.microsoft.com/office/drawing/2014/main" id="{0C8FF4CE-D9FA-4457-A383-FB38E13E5D68}"/>
-              </a:ext>
-            </a:extLst>
-          </p:cNvPr>
-          <p:cNvSpPr txBox="1"/>
-          <p:nvPr/>
-        </p:nvSpPr>
-        <p:spPr>
-          <a:xfrm>
-            <a:off x="8248850" y="365125"/>
-            <a:ext cx="3378468" cy="923330"/>
-          </a:xfrm>
-          <a:prstGeom prst="rect">
-            <a:avLst/>
-          </a:prstGeom>
-          <a:noFill/>
-        </p:spPr>
-        <p:txBody>
-          <a:bodyPr wrap="square" rtlCol="0">
-            <a:spAutoFit/>
-          </a:bodyPr>
-          <a:lstStyle/>
-          <a:p>
-            <a:r>
-              <a:rPr lang="en-GB" dirty="0"/>
-              <a:t>Select key file and put the path to it in the next box.</a:t>
-            </a:r>
-          </a:p>
-          <a:p>
-            <a:r>
-              <a:rPr lang="en-GB" dirty="0"/>
-              <a:t>Fill out host and your username</a:t>
-            </a:r>
-          </a:p>
-        </p:txBody>
-      </p:sp>
-    </p:spTree>
-    <p:extLst>
-      <p:ext uri="{BB962C8B-B14F-4D97-AF65-F5344CB8AC3E}">
-        <p14:creationId xmlns:p14="http://schemas.microsoft.com/office/powerpoint/2010/main" val="2746528105"/>
-      </p:ext>
-    </p:extLst>
-  </p:cSld>
-  <p:clrMapOvr>
-    <a:masterClrMapping/>
-  </p:clrMapOvr>
-</p:sld>
-</file>
-
-<file path=ppt/slides/slide13.xml><?xml version="1.0" encoding="utf-8"?>
-<p:sld xmlns:a="http://schemas.openxmlformats.org/drawingml/2006/main" xmlns:r="http://schemas.openxmlformats.org/officeDocument/2006/relationships" xmlns:p="http://schemas.openxmlformats.org/presentationml/2006/main">
-  <p:cSld>
-    <p:spTree>
-      <p:nvGrpSpPr>
-        <p:cNvPr id="1" name=""/>
-        <p:cNvGrpSpPr/>
-        <p:nvPr/>
-      </p:nvGrpSpPr>
-      <p:grpSpPr>
-        <a:xfrm>
-          <a:off x="0" y="0"/>
-          <a:ext cx="0" cy="0"/>
-          <a:chOff x="0" y="0"/>
-          <a:chExt cx="0" cy="0"/>
-        </a:xfrm>
-      </p:grpSpPr>
-      <p:sp>
-        <p:nvSpPr>
-          <p:cNvPr id="2" name="Title 1">
-            <a:extLst>
-              <a:ext uri="{FF2B5EF4-FFF2-40B4-BE49-F238E27FC236}">
-                <a16:creationId xmlns:a16="http://schemas.microsoft.com/office/drawing/2014/main" id="{65994064-7F34-4E37-A4F8-F8945DD1F637}"/>
-              </a:ext>
-            </a:extLst>
-          </p:cNvPr>
-          <p:cNvSpPr>
-            <a:spLocks noGrp="1"/>
-          </p:cNvSpPr>
-          <p:nvPr>
-            <p:ph type="title"/>
-          </p:nvPr>
-        </p:nvSpPr>
-        <p:spPr>
-          <a:xfrm>
-            <a:off x="838200" y="-96888"/>
-            <a:ext cx="10515600" cy="1325563"/>
-          </a:xfrm>
-        </p:spPr>
-        <p:txBody>
-          <a:bodyPr/>
-          <a:lstStyle/>
-          <a:p>
-            <a:r>
-              <a:rPr lang="en-GB" dirty="0" err="1"/>
-              <a:t>Filezilla</a:t>
-            </a:r>
-            <a:r>
-              <a:rPr lang="en-GB" dirty="0"/>
-              <a:t> file transfer</a:t>
-            </a:r>
-          </a:p>
-        </p:txBody>
-      </p:sp>
-      <p:pic>
-        <p:nvPicPr>
-          <p:cNvPr id="3" name="Picture 2">
-            <a:extLst>
-              <a:ext uri="{FF2B5EF4-FFF2-40B4-BE49-F238E27FC236}">
-                <a16:creationId xmlns:a16="http://schemas.microsoft.com/office/drawing/2014/main" id="{899171BA-4061-4FC8-A38E-BD8961434FEA}"/>
-              </a:ext>
-            </a:extLst>
-          </p:cNvPr>
-          <p:cNvPicPr>
-            <a:picLocks noChangeAspect="1"/>
-          </p:cNvPicPr>
-          <p:nvPr/>
-        </p:nvPicPr>
-        <p:blipFill rotWithShape="1">
-          <a:blip r:embed="rId2" cstate="email">
-            <a:extLst>
-              <a:ext uri="{28A0092B-C50C-407E-A947-70E740481C1C}">
-                <a14:useLocalDpi xmlns:a14="http://schemas.microsoft.com/office/drawing/2010/main" val="0"/>
-              </a:ext>
-            </a:extLst>
-          </a:blip>
-          <a:srcRect/>
-          <a:stretch/>
-        </p:blipFill>
-        <p:spPr>
-          <a:xfrm>
-            <a:off x="972152" y="1815705"/>
-            <a:ext cx="9240252" cy="4666912"/>
-          </a:xfrm>
-          <a:prstGeom prst="rect">
-            <a:avLst/>
-          </a:prstGeom>
-        </p:spPr>
-      </p:pic>
-    </p:spTree>
-    <p:extLst>
-      <p:ext uri="{BB962C8B-B14F-4D97-AF65-F5344CB8AC3E}">
-        <p14:creationId xmlns:p14="http://schemas.microsoft.com/office/powerpoint/2010/main" val="3778993438"/>
-      </p:ext>
-    </p:extLst>
-  </p:cSld>
-  <p:clrMapOvr>
-    <a:masterClrMapping/>
-  </p:clrMapOvr>
-</p:sld>
-</file>
-
-<file path=ppt/slides/slide14.xml><?xml version="1.0" encoding="utf-8"?>
-<p:sld xmlns:a="http://schemas.openxmlformats.org/drawingml/2006/main" xmlns:r="http://schemas.openxmlformats.org/officeDocument/2006/relationships" xmlns:p="http://schemas.openxmlformats.org/presentationml/2006/main">
-  <p:cSld>
-    <p:spTree>
-      <p:nvGrpSpPr>
-        <p:cNvPr id="1" name=""/>
-        <p:cNvGrpSpPr/>
-        <p:nvPr/>
-      </p:nvGrpSpPr>
-      <p:grpSpPr>
-        <a:xfrm>
-          <a:off x="0" y="0"/>
-          <a:ext cx="0" cy="0"/>
-          <a:chOff x="0" y="0"/>
-          <a:chExt cx="0" cy="0"/>
-        </a:xfrm>
-      </p:grpSpPr>
-      <p:sp>
-        <p:nvSpPr>
-          <p:cNvPr id="2" name="Title 1">
-            <a:extLst>
-              <a:ext uri="{FF2B5EF4-FFF2-40B4-BE49-F238E27FC236}">
                 <a16:creationId xmlns:a16="http://schemas.microsoft.com/office/drawing/2014/main" id="{CC503983-7100-46AB-946B-1F471F7B457B}"/>
               </a:ext>
             </a:extLst>
@@ -4530,7 +4473,7 @@
 </p:sld>
 </file>
 
-<file path=ppt/slides/slide15.xml><?xml version="1.0" encoding="utf-8"?>
+<file path=ppt/slides/slide13.xml><?xml version="1.0" encoding="utf-8"?>
 <p:sld xmlns:a="http://schemas.openxmlformats.org/drawingml/2006/main" xmlns:r="http://schemas.openxmlformats.org/officeDocument/2006/relationships" xmlns:p="http://schemas.openxmlformats.org/presentationml/2006/main">
   <p:cSld>
     <p:spTree>
@@ -4771,6 +4714,279 @@
 </p:sld>
 </file>
 
+<file path=ppt/slides/slide14.xml><?xml version="1.0" encoding="utf-8"?>
+<p:sld xmlns:a="http://schemas.openxmlformats.org/drawingml/2006/main" xmlns:r="http://schemas.openxmlformats.org/officeDocument/2006/relationships" xmlns:p="http://schemas.openxmlformats.org/presentationml/2006/main">
+  <p:cSld>
+    <p:spTree>
+      <p:nvGrpSpPr>
+        <p:cNvPr id="1" name=""/>
+        <p:cNvGrpSpPr/>
+        <p:nvPr/>
+      </p:nvGrpSpPr>
+      <p:grpSpPr>
+        <a:xfrm>
+          <a:off x="0" y="0"/>
+          <a:ext cx="0" cy="0"/>
+          <a:chOff x="0" y="0"/>
+          <a:chExt cx="0" cy="0"/>
+        </a:xfrm>
+      </p:grpSpPr>
+      <p:sp>
+        <p:nvSpPr>
+          <p:cNvPr id="2" name="Title 1">
+            <a:extLst>
+              <a:ext uri="{FF2B5EF4-FFF2-40B4-BE49-F238E27FC236}">
+                <a16:creationId xmlns:a16="http://schemas.microsoft.com/office/drawing/2014/main" id="{7AA8E294-8B7C-45DE-ABC5-2579C6050308}"/>
+              </a:ext>
+            </a:extLst>
+          </p:cNvPr>
+          <p:cNvSpPr>
+            <a:spLocks noGrp="1"/>
+          </p:cNvSpPr>
+          <p:nvPr>
+            <p:ph type="title"/>
+          </p:nvPr>
+        </p:nvSpPr>
+        <p:spPr/>
+        <p:txBody>
+          <a:bodyPr/>
+          <a:lstStyle/>
+          <a:p>
+            <a:r>
+              <a:rPr lang="en-GB" dirty="0"/>
+              <a:t>GPU nodes</a:t>
+            </a:r>
+          </a:p>
+        </p:txBody>
+      </p:sp>
+      <p:sp>
+        <p:nvSpPr>
+          <p:cNvPr id="3" name="Content Placeholder 2">
+            <a:extLst>
+              <a:ext uri="{FF2B5EF4-FFF2-40B4-BE49-F238E27FC236}">
+                <a16:creationId xmlns:a16="http://schemas.microsoft.com/office/drawing/2014/main" id="{B5D13BB8-360F-41E7-9B8D-F95D6CFC1889}"/>
+              </a:ext>
+            </a:extLst>
+          </p:cNvPr>
+          <p:cNvSpPr>
+            <a:spLocks noGrp="1"/>
+          </p:cNvSpPr>
+          <p:nvPr>
+            <p:ph idx="1"/>
+          </p:nvPr>
+        </p:nvSpPr>
+        <p:spPr/>
+        <p:txBody>
+          <a:bodyPr/>
+          <a:lstStyle/>
+          <a:p>
+            <a:r>
+              <a:rPr lang="en-GB" dirty="0"/>
+              <a:t>Request an interactive job with one GPU:</a:t>
+            </a:r>
+          </a:p>
+          <a:p>
+            <a:r>
+              <a:rPr lang="en-GB" dirty="0"/>
+              <a:t># </a:t>
+            </a:r>
+            <a:r>
+              <a:rPr lang="en-GB" dirty="0" err="1"/>
+              <a:t>srun</a:t>
+            </a:r>
+            <a:r>
+              <a:rPr lang="en-GB" dirty="0"/>
+              <a:t> --</a:t>
+            </a:r>
+            <a:r>
+              <a:rPr lang="en-GB" dirty="0" err="1"/>
+              <a:t>gres</a:t>
+            </a:r>
+            <a:r>
+              <a:rPr lang="en-GB" dirty="0"/>
+              <a:t>=gpu:1 -N 1 -p </a:t>
+            </a:r>
+            <a:r>
+              <a:rPr lang="en-GB" dirty="0" err="1"/>
+              <a:t>singlenode</a:t>
+            </a:r>
+            <a:r>
+              <a:rPr lang="en-GB" dirty="0"/>
+              <a:t> --</a:t>
+            </a:r>
+            <a:r>
+              <a:rPr lang="en-GB" dirty="0" err="1"/>
+              <a:t>pty</a:t>
+            </a:r>
+            <a:r>
+              <a:rPr lang="en-GB" dirty="0"/>
+              <a:t> /bin/bash</a:t>
+            </a:r>
+          </a:p>
+          <a:p>
+            <a:endParaRPr lang="en-GB" dirty="0"/>
+          </a:p>
+          <a:p>
+            <a:endParaRPr lang="en-GB" dirty="0"/>
+          </a:p>
+        </p:txBody>
+      </p:sp>
+    </p:spTree>
+    <p:extLst>
+      <p:ext uri="{BB962C8B-B14F-4D97-AF65-F5344CB8AC3E}">
+        <p14:creationId xmlns:p14="http://schemas.microsoft.com/office/powerpoint/2010/main" val="1889063494"/>
+      </p:ext>
+    </p:extLst>
+  </p:cSld>
+  <p:clrMapOvr>
+    <a:masterClrMapping/>
+  </p:clrMapOvr>
+</p:sld>
+</file>
+
+<file path=ppt/slides/slide15.xml><?xml version="1.0" encoding="utf-8"?>
+<p:sld xmlns:a="http://schemas.openxmlformats.org/drawingml/2006/main" xmlns:r="http://schemas.openxmlformats.org/officeDocument/2006/relationships" xmlns:p="http://schemas.openxmlformats.org/presentationml/2006/main">
+  <p:cSld>
+    <p:spTree>
+      <p:nvGrpSpPr>
+        <p:cNvPr id="1" name=""/>
+        <p:cNvGrpSpPr/>
+        <p:nvPr/>
+      </p:nvGrpSpPr>
+      <p:grpSpPr>
+        <a:xfrm>
+          <a:off x="0" y="0"/>
+          <a:ext cx="0" cy="0"/>
+          <a:chOff x="0" y="0"/>
+          <a:chExt cx="0" cy="0"/>
+        </a:xfrm>
+      </p:grpSpPr>
+      <p:sp>
+        <p:nvSpPr>
+          <p:cNvPr id="2" name="Title 1">
+            <a:extLst>
+              <a:ext uri="{FF2B5EF4-FFF2-40B4-BE49-F238E27FC236}">
+                <a16:creationId xmlns:a16="http://schemas.microsoft.com/office/drawing/2014/main" id="{00C6A630-09E4-4522-8A1F-6469459EDAEB}"/>
+              </a:ext>
+            </a:extLst>
+          </p:cNvPr>
+          <p:cNvSpPr>
+            <a:spLocks noGrp="1"/>
+          </p:cNvSpPr>
+          <p:nvPr>
+            <p:ph type="title"/>
+          </p:nvPr>
+        </p:nvSpPr>
+        <p:spPr/>
+        <p:txBody>
+          <a:bodyPr/>
+          <a:lstStyle/>
+          <a:p>
+            <a:r>
+              <a:rPr lang="en-GB" dirty="0"/>
+              <a:t>High memory</a:t>
+            </a:r>
+          </a:p>
+        </p:txBody>
+      </p:sp>
+      <p:sp>
+        <p:nvSpPr>
+          <p:cNvPr id="3" name="Content Placeholder 2">
+            <a:extLst>
+              <a:ext uri="{FF2B5EF4-FFF2-40B4-BE49-F238E27FC236}">
+                <a16:creationId xmlns:a16="http://schemas.microsoft.com/office/drawing/2014/main" id="{B1F2955F-4F81-4877-B901-9D32C9BD5FD0}"/>
+              </a:ext>
+            </a:extLst>
+          </p:cNvPr>
+          <p:cNvSpPr>
+            <a:spLocks noGrp="1"/>
+          </p:cNvSpPr>
+          <p:nvPr>
+            <p:ph idx="1"/>
+          </p:nvPr>
+        </p:nvSpPr>
+        <p:spPr/>
+        <p:txBody>
+          <a:bodyPr/>
+          <a:lstStyle/>
+          <a:p>
+            <a:r>
+              <a:rPr lang="en-GB" dirty="0"/>
+              <a:t>#!/bin/bash -l</a:t>
+            </a:r>
+          </a:p>
+          <a:p>
+            <a:r>
+              <a:rPr lang="en-GB" dirty="0"/>
+              <a:t>#SBATCH -J </a:t>
+            </a:r>
+            <a:r>
+              <a:rPr lang="en-GB" dirty="0" err="1"/>
+              <a:t>SPADES_cb</a:t>
+            </a:r>
+            <a:r>
+              <a:rPr lang="en-GB" dirty="0"/>
+              <a:t>   #jobname</a:t>
+            </a:r>
+          </a:p>
+          <a:p>
+            <a:r>
+              <a:rPr lang="en-GB" dirty="0"/>
+              <a:t>#SBATCH -N 1     #node</a:t>
+            </a:r>
+          </a:p>
+          <a:p>
+            <a:r>
+              <a:rPr lang="en-GB" dirty="0"/>
+              <a:t>#SBATCH --tasks-per-node=64</a:t>
+            </a:r>
+          </a:p>
+          <a:p>
+            <a:r>
+              <a:rPr lang="en-GB" dirty="0"/>
+              <a:t>#SBATCH -p </a:t>
+            </a:r>
+            <a:r>
+              <a:rPr lang="en-GB" dirty="0" err="1"/>
+              <a:t>bigmem</a:t>
+            </a:r>
+            <a:endParaRPr lang="en-GB" dirty="0"/>
+          </a:p>
+          <a:p>
+            <a:r>
+              <a:rPr lang="en-GB" dirty="0"/>
+              <a:t>#SBATCH --</a:t>
+            </a:r>
+            <a:r>
+              <a:rPr lang="en-GB" dirty="0" err="1"/>
+              <a:t>nodelist</a:t>
+            </a:r>
+            <a:r>
+              <a:rPr lang="en-GB" dirty="0"/>
+              <a:t>=kennedy150</a:t>
+            </a:r>
+          </a:p>
+          <a:p>
+            <a:r>
+              <a:rPr lang="en-GB" dirty="0"/>
+              <a:t>#SBATCH --mem=1450GB</a:t>
+            </a:r>
+          </a:p>
+        </p:txBody>
+      </p:sp>
+    </p:spTree>
+    <p:extLst>
+      <p:ext uri="{BB962C8B-B14F-4D97-AF65-F5344CB8AC3E}">
+        <p14:creationId xmlns:p14="http://schemas.microsoft.com/office/powerpoint/2010/main" val="1554936030"/>
+      </p:ext>
+    </p:extLst>
+  </p:cSld>
+  <p:clrMapOvr>
+    <a:masterClrMapping/>
+  </p:clrMapOvr>
+</p:sld>
+</file>
+
 <file path=ppt/slides/slide16.xml><?xml version="1.0" encoding="utf-8"?>
 <p:sld xmlns:a="http://schemas.openxmlformats.org/drawingml/2006/main" xmlns:r="http://schemas.openxmlformats.org/officeDocument/2006/relationships" xmlns:p="http://schemas.openxmlformats.org/presentationml/2006/main">
   <p:cSld>
@@ -4793,7 +5009,7 @@
           <p:cNvPr id="2" name="Title 1">
             <a:extLst>
               <a:ext uri="{FF2B5EF4-FFF2-40B4-BE49-F238E27FC236}">
-                <a16:creationId xmlns:a16="http://schemas.microsoft.com/office/drawing/2014/main" id="{7AA8E294-8B7C-45DE-ABC5-2579C6050308}"/>
+                <a16:creationId xmlns:a16="http://schemas.microsoft.com/office/drawing/2014/main" id="{E1A2EA9D-F2D8-4F25-8834-51DB3B4FE6E8}"/>
               </a:ext>
             </a:extLst>
           </p:cNvPr>
@@ -4810,8 +5026,8 @@
           <a:lstStyle/>
           <a:p>
             <a:r>
-              <a:rPr lang="en-GB" dirty="0"/>
-              <a:t>GPU nodes</a:t>
+              <a:rPr lang="en-GB" b="1" dirty="0"/>
+              <a:t>submit a job </a:t>
             </a:r>
           </a:p>
         </p:txBody>
@@ -4821,7 +5037,7 @@
           <p:cNvPr id="3" name="Content Placeholder 2">
             <a:extLst>
               <a:ext uri="{FF2B5EF4-FFF2-40B4-BE49-F238E27FC236}">
-                <a16:creationId xmlns:a16="http://schemas.microsoft.com/office/drawing/2014/main" id="{B5D13BB8-360F-41E7-9B8D-F95D6CFC1889}"/>
+                <a16:creationId xmlns:a16="http://schemas.microsoft.com/office/drawing/2014/main" id="{573D2F78-A2FD-49FA-8EF9-E056FE0D3BEB}"/>
               </a:ext>
             </a:extLst>
           </p:cNvPr>
@@ -4832,40 +5048,114 @@
             <p:ph idx="1"/>
           </p:nvPr>
         </p:nvSpPr>
-        <p:spPr/>
-        <p:txBody>
-          <a:bodyPr/>
-          <a:lstStyle/>
-          <a:p>
-            <a:r>
-              <a:rPr lang="en-GB" dirty="0"/>
-              <a:t>Request an interactive job with one GPU:</a:t>
-            </a:r>
-          </a:p>
-          <a:p>
-            <a:r>
-              <a:rPr lang="en-GB" dirty="0"/>
-              <a:t># </a:t>
-            </a:r>
+        <p:spPr>
+          <a:xfrm>
+            <a:off x="397565" y="1560443"/>
+            <a:ext cx="10956235" cy="4616520"/>
+          </a:xfrm>
+        </p:spPr>
+        <p:txBody>
+          <a:bodyPr>
+            <a:normAutofit/>
+          </a:bodyPr>
+          <a:lstStyle/>
+          <a:p>
+            <a:r>
+              <a:rPr lang="en-GB" dirty="0" err="1">
+                <a:solidFill>
+                  <a:srgbClr val="FF0000"/>
+                </a:solidFill>
+              </a:rPr>
+              <a:t>sbatch</a:t>
+            </a:r>
+            <a:r>
+              <a:rPr lang="en-GB" dirty="0"/>
+              <a:t> spades.sh</a:t>
+            </a:r>
+          </a:p>
+          <a:p>
+            <a:pPr marL="0" indent="0">
+              <a:buNone/>
+            </a:pPr>
+            <a:r>
+              <a:rPr lang="en-GB" b="1" dirty="0"/>
+              <a:t>Show information on the queues:</a:t>
+            </a:r>
+          </a:p>
+          <a:p>
             <a:r>
               <a:rPr lang="en-GB" dirty="0" err="1"/>
+              <a:t>smap</a:t>
+            </a:r>
+            <a:endParaRPr lang="en-GB" dirty="0"/>
+          </a:p>
+          <a:p>
+            <a:r>
+              <a:rPr lang="en-GB" dirty="0" err="1"/>
+              <a:t>squeue</a:t>
+            </a:r>
+            <a:r>
+              <a:rPr lang="en-GB" dirty="0"/>
+              <a:t>  (show the queue)</a:t>
+            </a:r>
+          </a:p>
+          <a:p>
+            <a:r>
+              <a:rPr lang="en-GB" dirty="0" err="1"/>
+              <a:t>squeue</a:t>
+            </a:r>
+            <a:r>
+              <a:rPr lang="en-GB" dirty="0"/>
+              <a:t> –p </a:t>
+            </a:r>
+            <a:r>
+              <a:rPr lang="en-GB" dirty="0" err="1"/>
+              <a:t>bigmem</a:t>
+            </a:r>
+            <a:r>
+              <a:rPr lang="en-GB" dirty="0"/>
+              <a:t>  (show the queue for big mem)</a:t>
+            </a:r>
+          </a:p>
+          <a:p>
+            <a:r>
+              <a:rPr lang="en-GB" dirty="0" err="1"/>
+              <a:t>sview</a:t>
+            </a:r>
+            <a:endParaRPr lang="en-GB" dirty="0"/>
+          </a:p>
+          <a:p>
+            <a:endParaRPr lang="en-GB" dirty="0"/>
+          </a:p>
+          <a:p>
+            <a:pPr marL="0" indent="0">
+              <a:buNone/>
+            </a:pPr>
+            <a:r>
+              <a:rPr lang="en-GB" b="1" u="sng" dirty="0"/>
+              <a:t>Interactive mode </a:t>
+            </a:r>
+            <a:r>
+              <a:rPr lang="en-GB" dirty="0"/>
+              <a:t>(like </a:t>
+            </a:r>
+            <a:r>
+              <a:rPr lang="en-GB" dirty="0" err="1"/>
+              <a:t>qrsh</a:t>
+            </a:r>
+            <a:r>
+              <a:rPr lang="en-GB" dirty="0"/>
+              <a:t>):</a:t>
+            </a:r>
+          </a:p>
+          <a:p>
+            <a:r>
+              <a:rPr lang="en-GB" dirty="0" err="1">
+                <a:solidFill>
+                  <a:srgbClr val="FF0000"/>
+                </a:solidFill>
+              </a:rPr>
               <a:t>srun</a:t>
-            </a:r>
-            <a:r>
-              <a:rPr lang="en-GB" dirty="0"/>
-              <a:t> --</a:t>
-            </a:r>
-            <a:r>
-              <a:rPr lang="en-GB" dirty="0" err="1"/>
-              <a:t>gres</a:t>
-            </a:r>
-            <a:r>
-              <a:rPr lang="en-GB" dirty="0"/>
-              <a:t>=gpu:1 -N 1 -p </a:t>
-            </a:r>
-            <a:r>
-              <a:rPr lang="en-GB" dirty="0" err="1"/>
-              <a:t>singlenode</a:t>
             </a:r>
             <a:r>
               <a:rPr lang="en-GB" dirty="0"/>
@@ -4877,15 +5167,51 @@
             </a:r>
             <a:r>
               <a:rPr lang="en-GB" dirty="0"/>
-              <a:t> /bin/bash</a:t>
-            </a:r>
+              <a:t> bash -p </a:t>
+            </a:r>
+            <a:r>
+              <a:rPr lang="en-GB" dirty="0" err="1"/>
+              <a:t>bigmem</a:t>
+            </a:r>
+            <a:r>
+              <a:rPr lang="en-GB" dirty="0"/>
+              <a:t>           (</a:t>
+            </a:r>
+            <a:r>
+              <a:rPr lang="en-GB" dirty="0" err="1"/>
+              <a:t>Bioinf</a:t>
+            </a:r>
+            <a:r>
+              <a:rPr lang="en-GB" dirty="0"/>
+              <a:t> user : use the </a:t>
+            </a:r>
+            <a:r>
+              <a:rPr lang="en-GB" dirty="0" err="1"/>
+              <a:t>bigmem</a:t>
+            </a:r>
+            <a:r>
+              <a:rPr lang="en-GB" dirty="0"/>
+              <a:t> q)</a:t>
+            </a:r>
+          </a:p>
+          <a:p>
+            <a:pPr marL="0" indent="0">
+              <a:buNone/>
+            </a:pPr>
+            <a:endParaRPr lang="en-GB" dirty="0"/>
+          </a:p>
+          <a:p>
+            <a:endParaRPr lang="en-GB" dirty="0"/>
+          </a:p>
+          <a:p>
+            <a:endParaRPr lang="en-GB" dirty="0"/>
           </a:p>
         </p:txBody>
       </p:sp>
     </p:spTree>
     <p:extLst>
       <p:ext uri="{BB962C8B-B14F-4D97-AF65-F5344CB8AC3E}">
-        <p14:creationId xmlns:p14="http://schemas.microsoft.com/office/powerpoint/2010/main" val="1889063494"/>
+        <p14:creationId xmlns:p14="http://schemas.microsoft.com/office/powerpoint/2010/main" val="1099536850"/>
       </p:ext>
     </p:extLst>
   </p:cSld>
@@ -4917,7 +5243,7 @@
           <p:cNvPr id="2" name="Title 1">
             <a:extLst>
               <a:ext uri="{FF2B5EF4-FFF2-40B4-BE49-F238E27FC236}">
-                <a16:creationId xmlns:a16="http://schemas.microsoft.com/office/drawing/2014/main" id="{00C6A630-09E4-4522-8A1F-6469459EDAEB}"/>
+                <a16:creationId xmlns:a16="http://schemas.microsoft.com/office/drawing/2014/main" id="{7A3B3949-83D7-4B58-89BE-DC3A0D7DB43B}"/>
               </a:ext>
             </a:extLst>
           </p:cNvPr>
@@ -4934,9 +5260,10 @@
           <a:lstStyle/>
           <a:p>
             <a:r>
-              <a:rPr lang="en-GB" dirty="0"/>
-              <a:t>High memory</a:t>
-            </a:r>
+              <a:rPr lang="en-GB" b="1" dirty="0" err="1"/>
+              <a:t>conda</a:t>
+            </a:r>
+            <a:endParaRPr lang="en-GB" b="1" dirty="0"/>
           </a:p>
         </p:txBody>
       </p:sp>
@@ -4945,7 +5272,7 @@
           <p:cNvPr id="3" name="Content Placeholder 2">
             <a:extLst>
               <a:ext uri="{FF2B5EF4-FFF2-40B4-BE49-F238E27FC236}">
-                <a16:creationId xmlns:a16="http://schemas.microsoft.com/office/drawing/2014/main" id="{B1F2955F-4F81-4877-B901-9D32C9BD5FD0}"/>
+                <a16:creationId xmlns:a16="http://schemas.microsoft.com/office/drawing/2014/main" id="{A2DE1C41-172E-4FB9-ACDB-81F65F5D74CC}"/>
               </a:ext>
             </a:extLst>
           </p:cNvPr>
@@ -4963,72 +5290,130 @@
           <a:p>
             <a:r>
               <a:rPr lang="en-GB" dirty="0"/>
-              <a:t>#!/bin/bash -l</a:t>
-            </a:r>
-          </a:p>
-          <a:p>
-            <a:r>
-              <a:rPr lang="en-GB" dirty="0"/>
-              <a:t>#SBATCH -J </a:t>
+              <a:t>Type: </a:t>
+            </a:r>
+            <a:r>
+              <a:rPr lang="en-GB" dirty="0">
+                <a:solidFill>
+                  <a:srgbClr val="FF0000"/>
+                </a:solidFill>
+              </a:rPr>
+              <a:t>install-</a:t>
+            </a:r>
+            <a:r>
+              <a:rPr lang="en-GB" dirty="0" err="1">
+                <a:solidFill>
+                  <a:srgbClr val="FF0000"/>
+                </a:solidFill>
+              </a:rPr>
+              <a:t>bioconda</a:t>
+            </a:r>
+            <a:endParaRPr lang="en-GB" dirty="0">
+              <a:solidFill>
+                <a:srgbClr val="FF0000"/>
+              </a:solidFill>
+            </a:endParaRPr>
+          </a:p>
+          <a:p>
+            <a:r>
+              <a:rPr lang="en-GB" dirty="0"/>
+              <a:t>I have made this work so you can </a:t>
             </a:r>
             <a:r>
               <a:rPr lang="en-GB" dirty="0" err="1"/>
-              <a:t>SPADES_cb</a:t>
-            </a:r>
-            <a:r>
-              <a:rPr lang="en-GB" dirty="0"/>
-              <a:t>   #jobname</a:t>
-            </a:r>
-          </a:p>
-          <a:p>
-            <a:r>
-              <a:rPr lang="en-GB" dirty="0"/>
-              <a:t>#SBATCH -N 1     #node</a:t>
-            </a:r>
-          </a:p>
-          <a:p>
-            <a:r>
-              <a:rPr lang="en-GB" dirty="0"/>
-              <a:t>#SBATCH --tasks-per-node=64</a:t>
-            </a:r>
-          </a:p>
-          <a:p>
-            <a:r>
-              <a:rPr lang="en-GB" dirty="0"/>
-              <a:t>#SBATCH -p </a:t>
+              <a:t>conda</a:t>
+            </a:r>
+            <a:r>
+              <a:rPr lang="en-GB" dirty="0"/>
+              <a:t> activate and deactivate within shell scripts. BUT there is a problem. </a:t>
+            </a:r>
+          </a:p>
+          <a:p>
+            <a:r>
+              <a:rPr lang="en-GB" dirty="0">
+                <a:solidFill>
+                  <a:srgbClr val="FF0000"/>
+                </a:solidFill>
+              </a:rPr>
+              <a:t>IMPORTANT</a:t>
+            </a:r>
+          </a:p>
+          <a:p>
+            <a:r>
+              <a:rPr lang="en-GB" dirty="0"/>
+              <a:t>When you create a </a:t>
             </a:r>
             <a:r>
               <a:rPr lang="en-GB" dirty="0" err="1"/>
-              <a:t>bigmem</a:t>
+              <a:t>conda</a:t>
+            </a:r>
+            <a:r>
+              <a:rPr lang="en-GB" dirty="0"/>
+              <a:t> env, </a:t>
+            </a:r>
+            <a:r>
+              <a:rPr lang="en-GB" i="1" dirty="0"/>
+              <a:t>some </a:t>
+            </a:r>
+            <a:r>
+              <a:rPr lang="en-GB" dirty="0"/>
+              <a:t>programs in the /bin are not executable (this is a bug!), you as a user need to fix this by:</a:t>
+            </a:r>
+          </a:p>
+          <a:p>
+            <a:r>
+              <a:rPr lang="en-GB" dirty="0" err="1"/>
+              <a:t>chmod</a:t>
+            </a:r>
+            <a:r>
+              <a:rPr lang="en-GB" dirty="0"/>
+              <a:t> </a:t>
+            </a:r>
+            <a:r>
+              <a:rPr lang="en-GB" dirty="0" err="1"/>
+              <a:t>a+x</a:t>
+            </a:r>
+            <a:r>
+              <a:rPr lang="en-GB" dirty="0"/>
+              <a:t> </a:t>
+            </a:r>
+            <a:r>
+              <a:rPr lang="en-GB" dirty="0" err="1"/>
+              <a:t>programs_in_conda_env_bin</a:t>
             </a:r>
             <a:endParaRPr lang="en-GB" dirty="0"/>
           </a:p>
           <a:p>
-            <a:r>
-              <a:rPr lang="en-GB" dirty="0"/>
-              <a:t>#SBATCH --</a:t>
+            <a:endParaRPr lang="en-GB" dirty="0"/>
+          </a:p>
+          <a:p>
+            <a:r>
+              <a:rPr lang="en-GB" dirty="0"/>
+              <a:t>Everything else is the same </a:t>
+            </a:r>
+            <a:r>
+              <a:rPr lang="en-GB" i="1" dirty="0" err="1"/>
+              <a:t>conda</a:t>
+            </a:r>
+            <a:r>
+              <a:rPr lang="en-GB" dirty="0"/>
+              <a:t> as </a:t>
             </a:r>
             <a:r>
               <a:rPr lang="en-GB" dirty="0" err="1"/>
-              <a:t>nodelist</a:t>
-            </a:r>
-            <a:r>
-              <a:rPr lang="en-GB" dirty="0"/>
-              <a:t>=kennedy150</a:t>
-            </a:r>
-          </a:p>
-          <a:p>
-            <a:r>
-              <a:rPr lang="en-GB" dirty="0"/>
-              <a:t>#SBATCH --mem=1450GB</a:t>
-            </a:r>
+              <a:t>marvin</a:t>
+            </a:r>
+            <a:endParaRPr lang="en-GB" dirty="0"/>
+          </a:p>
+          <a:p>
+            <a:endParaRPr lang="en-GB" dirty="0"/>
           </a:p>
         </p:txBody>
       </p:sp>
     </p:spTree>
     <p:extLst>
       <p:ext uri="{BB962C8B-B14F-4D97-AF65-F5344CB8AC3E}">
-        <p14:creationId xmlns:p14="http://schemas.microsoft.com/office/powerpoint/2010/main" val="1554936030"/>
+        <p14:creationId xmlns:p14="http://schemas.microsoft.com/office/powerpoint/2010/main" val="4020225680"/>
       </p:ext>
     </p:extLst>
   </p:cSld>
@@ -5060,515 +5445,6 @@
           <p:cNvPr id="2" name="Title 1">
             <a:extLst>
               <a:ext uri="{FF2B5EF4-FFF2-40B4-BE49-F238E27FC236}">
-                <a16:creationId xmlns:a16="http://schemas.microsoft.com/office/drawing/2014/main" id="{E1A2EA9D-F2D8-4F25-8834-51DB3B4FE6E8}"/>
-              </a:ext>
-            </a:extLst>
-          </p:cNvPr>
-          <p:cNvSpPr>
-            <a:spLocks noGrp="1"/>
-          </p:cNvSpPr>
-          <p:nvPr>
-            <p:ph type="title"/>
-          </p:nvPr>
-        </p:nvSpPr>
-        <p:spPr/>
-        <p:txBody>
-          <a:bodyPr/>
-          <a:lstStyle/>
-          <a:p>
-            <a:r>
-              <a:rPr lang="en-GB" b="1" dirty="0"/>
-              <a:t>submit a job </a:t>
-            </a:r>
-          </a:p>
-        </p:txBody>
-      </p:sp>
-      <p:sp>
-        <p:nvSpPr>
-          <p:cNvPr id="3" name="Content Placeholder 2">
-            <a:extLst>
-              <a:ext uri="{FF2B5EF4-FFF2-40B4-BE49-F238E27FC236}">
-                <a16:creationId xmlns:a16="http://schemas.microsoft.com/office/drawing/2014/main" id="{573D2F78-A2FD-49FA-8EF9-E056FE0D3BEB}"/>
-              </a:ext>
-            </a:extLst>
-          </p:cNvPr>
-          <p:cNvSpPr>
-            <a:spLocks noGrp="1"/>
-          </p:cNvSpPr>
-          <p:nvPr>
-            <p:ph idx="1"/>
-          </p:nvPr>
-        </p:nvSpPr>
-        <p:spPr>
-          <a:xfrm>
-            <a:off x="397565" y="1560443"/>
-            <a:ext cx="10956235" cy="4616520"/>
-          </a:xfrm>
-        </p:spPr>
-        <p:txBody>
-          <a:bodyPr>
-            <a:normAutofit/>
-          </a:bodyPr>
-          <a:lstStyle/>
-          <a:p>
-            <a:r>
-              <a:rPr lang="en-GB" dirty="0" err="1"/>
-              <a:t>sbatch</a:t>
-            </a:r>
-            <a:r>
-              <a:rPr lang="en-GB" dirty="0"/>
-              <a:t> spades.sh</a:t>
-            </a:r>
-          </a:p>
-          <a:p>
-            <a:pPr marL="0" indent="0">
-              <a:buNone/>
-            </a:pPr>
-            <a:r>
-              <a:rPr lang="en-GB" b="1" dirty="0"/>
-              <a:t>Show information on the queues:</a:t>
-            </a:r>
-          </a:p>
-          <a:p>
-            <a:r>
-              <a:rPr lang="en-GB" dirty="0" err="1"/>
-              <a:t>smap</a:t>
-            </a:r>
-            <a:endParaRPr lang="en-GB" dirty="0"/>
-          </a:p>
-          <a:p>
-            <a:r>
-              <a:rPr lang="en-GB" dirty="0" err="1"/>
-              <a:t>squeue</a:t>
-            </a:r>
-            <a:r>
-              <a:rPr lang="en-GB" dirty="0"/>
-              <a:t>  (show the queue)</a:t>
-            </a:r>
-          </a:p>
-          <a:p>
-            <a:r>
-              <a:rPr lang="en-GB" dirty="0" err="1"/>
-              <a:t>squeue</a:t>
-            </a:r>
-            <a:r>
-              <a:rPr lang="en-GB" dirty="0"/>
-              <a:t> –p </a:t>
-            </a:r>
-            <a:r>
-              <a:rPr lang="en-GB" dirty="0" err="1"/>
-              <a:t>bigmem</a:t>
-            </a:r>
-            <a:r>
-              <a:rPr lang="en-GB" dirty="0"/>
-              <a:t>  (show the queue for big mem)</a:t>
-            </a:r>
-          </a:p>
-          <a:p>
-            <a:r>
-              <a:rPr lang="en-GB" dirty="0" err="1"/>
-              <a:t>sview</a:t>
-            </a:r>
-            <a:endParaRPr lang="en-GB" dirty="0"/>
-          </a:p>
-          <a:p>
-            <a:endParaRPr lang="en-GB" dirty="0"/>
-          </a:p>
-          <a:p>
-            <a:pPr marL="0" indent="0">
-              <a:buNone/>
-            </a:pPr>
-            <a:r>
-              <a:rPr lang="en-GB" b="1" u="sng" dirty="0"/>
-              <a:t>Interactive mode </a:t>
-            </a:r>
-            <a:r>
-              <a:rPr lang="en-GB" dirty="0"/>
-              <a:t>(like </a:t>
-            </a:r>
-            <a:r>
-              <a:rPr lang="en-GB" dirty="0" err="1"/>
-              <a:t>qrsh</a:t>
-            </a:r>
-            <a:r>
-              <a:rPr lang="en-GB" dirty="0"/>
-              <a:t>):</a:t>
-            </a:r>
-          </a:p>
-          <a:p>
-            <a:r>
-              <a:rPr lang="en-GB" dirty="0" err="1"/>
-              <a:t>srun</a:t>
-            </a:r>
-            <a:r>
-              <a:rPr lang="en-GB" dirty="0"/>
-              <a:t> --</a:t>
-            </a:r>
-            <a:r>
-              <a:rPr lang="en-GB" dirty="0" err="1"/>
-              <a:t>pty</a:t>
-            </a:r>
-            <a:r>
-              <a:rPr lang="en-GB" dirty="0"/>
-              <a:t> bash -p </a:t>
-            </a:r>
-            <a:r>
-              <a:rPr lang="en-GB" dirty="0" err="1"/>
-              <a:t>bigmem</a:t>
-            </a:r>
-            <a:r>
-              <a:rPr lang="en-GB" dirty="0"/>
-              <a:t>           (</a:t>
-            </a:r>
-            <a:r>
-              <a:rPr lang="en-GB" dirty="0" err="1"/>
-              <a:t>Bioinf</a:t>
-            </a:r>
-            <a:r>
-              <a:rPr lang="en-GB" dirty="0"/>
-              <a:t> user : use the </a:t>
-            </a:r>
-            <a:r>
-              <a:rPr lang="en-GB" dirty="0" err="1"/>
-              <a:t>bigmem</a:t>
-            </a:r>
-            <a:r>
-              <a:rPr lang="en-GB" dirty="0"/>
-              <a:t> q)</a:t>
-            </a:r>
-          </a:p>
-          <a:p>
-            <a:pPr marL="0" indent="0">
-              <a:buNone/>
-            </a:pPr>
-            <a:endParaRPr lang="en-GB" dirty="0"/>
-          </a:p>
-          <a:p>
-            <a:endParaRPr lang="en-GB" dirty="0"/>
-          </a:p>
-          <a:p>
-            <a:endParaRPr lang="en-GB" dirty="0"/>
-          </a:p>
-        </p:txBody>
-      </p:sp>
-    </p:spTree>
-    <p:extLst>
-      <p:ext uri="{BB962C8B-B14F-4D97-AF65-F5344CB8AC3E}">
-        <p14:creationId xmlns:p14="http://schemas.microsoft.com/office/powerpoint/2010/main" val="1099536850"/>
-      </p:ext>
-    </p:extLst>
-  </p:cSld>
-  <p:clrMapOvr>
-    <a:masterClrMapping/>
-  </p:clrMapOvr>
-</p:sld>
-</file>
-
-<file path=ppt/slides/slide19.xml><?xml version="1.0" encoding="utf-8"?>
-<p:sld xmlns:a="http://schemas.openxmlformats.org/drawingml/2006/main" xmlns:r="http://schemas.openxmlformats.org/officeDocument/2006/relationships" xmlns:p="http://schemas.openxmlformats.org/presentationml/2006/main">
-  <p:cSld>
-    <p:spTree>
-      <p:nvGrpSpPr>
-        <p:cNvPr id="1" name=""/>
-        <p:cNvGrpSpPr/>
-        <p:nvPr/>
-      </p:nvGrpSpPr>
-      <p:grpSpPr>
-        <a:xfrm>
-          <a:off x="0" y="0"/>
-          <a:ext cx="0" cy="0"/>
-          <a:chOff x="0" y="0"/>
-          <a:chExt cx="0" cy="0"/>
-        </a:xfrm>
-      </p:grpSpPr>
-      <p:sp>
-        <p:nvSpPr>
-          <p:cNvPr id="2" name="Title 1">
-            <a:extLst>
-              <a:ext uri="{FF2B5EF4-FFF2-40B4-BE49-F238E27FC236}">
-                <a16:creationId xmlns:a16="http://schemas.microsoft.com/office/drawing/2014/main" id="{7A3B3949-83D7-4B58-89BE-DC3A0D7DB43B}"/>
-              </a:ext>
-            </a:extLst>
-          </p:cNvPr>
-          <p:cNvSpPr>
-            <a:spLocks noGrp="1"/>
-          </p:cNvSpPr>
-          <p:nvPr>
-            <p:ph type="title"/>
-          </p:nvPr>
-        </p:nvSpPr>
-        <p:spPr/>
-        <p:txBody>
-          <a:bodyPr/>
-          <a:lstStyle/>
-          <a:p>
-            <a:r>
-              <a:rPr lang="en-GB" b="1" dirty="0" err="1"/>
-              <a:t>conda</a:t>
-            </a:r>
-            <a:endParaRPr lang="en-GB" b="1" dirty="0"/>
-          </a:p>
-        </p:txBody>
-      </p:sp>
-      <p:sp>
-        <p:nvSpPr>
-          <p:cNvPr id="3" name="Content Placeholder 2">
-            <a:extLst>
-              <a:ext uri="{FF2B5EF4-FFF2-40B4-BE49-F238E27FC236}">
-                <a16:creationId xmlns:a16="http://schemas.microsoft.com/office/drawing/2014/main" id="{A2DE1C41-172E-4FB9-ACDB-81F65F5D74CC}"/>
-              </a:ext>
-            </a:extLst>
-          </p:cNvPr>
-          <p:cNvSpPr>
-            <a:spLocks noGrp="1"/>
-          </p:cNvSpPr>
-          <p:nvPr>
-            <p:ph idx="1"/>
-          </p:nvPr>
-        </p:nvSpPr>
-        <p:spPr/>
-        <p:txBody>
-          <a:bodyPr/>
-          <a:lstStyle/>
-          <a:p>
-            <a:r>
-              <a:rPr lang="en-GB" dirty="0"/>
-              <a:t>Type:  Install-</a:t>
-            </a:r>
-            <a:r>
-              <a:rPr lang="en-GB" dirty="0" err="1"/>
-              <a:t>bioconda</a:t>
-            </a:r>
-            <a:endParaRPr lang="en-GB" dirty="0"/>
-          </a:p>
-          <a:p>
-            <a:r>
-              <a:rPr lang="en-GB" dirty="0"/>
-              <a:t>I have made this work so you can </a:t>
-            </a:r>
-            <a:r>
-              <a:rPr lang="en-GB" dirty="0" err="1"/>
-              <a:t>conda</a:t>
-            </a:r>
-            <a:r>
-              <a:rPr lang="en-GB" dirty="0"/>
-              <a:t> activate and deactivate within shell scripts. BUT there is a problem. </a:t>
-            </a:r>
-          </a:p>
-          <a:p>
-            <a:r>
-              <a:rPr lang="en-GB" dirty="0">
-                <a:solidFill>
-                  <a:srgbClr val="FF0000"/>
-                </a:solidFill>
-              </a:rPr>
-              <a:t>IMPORTANT</a:t>
-            </a:r>
-          </a:p>
-          <a:p>
-            <a:r>
-              <a:rPr lang="en-GB" dirty="0"/>
-              <a:t>When you create a </a:t>
-            </a:r>
-            <a:r>
-              <a:rPr lang="en-GB" dirty="0" err="1"/>
-              <a:t>conda</a:t>
-            </a:r>
-            <a:r>
-              <a:rPr lang="en-GB" dirty="0"/>
-              <a:t> env, </a:t>
-            </a:r>
-            <a:r>
-              <a:rPr lang="en-GB" i="1" dirty="0"/>
-              <a:t>some </a:t>
-            </a:r>
-            <a:r>
-              <a:rPr lang="en-GB" dirty="0"/>
-              <a:t>programs in the /bin are not executable (this is a bug!), you as a user need to fix this by:</a:t>
-            </a:r>
-          </a:p>
-          <a:p>
-            <a:r>
-              <a:rPr lang="en-GB" dirty="0" err="1"/>
-              <a:t>chmod</a:t>
-            </a:r>
-            <a:r>
-              <a:rPr lang="en-GB" dirty="0"/>
-              <a:t> </a:t>
-            </a:r>
-            <a:r>
-              <a:rPr lang="en-GB" dirty="0" err="1"/>
-              <a:t>a+x</a:t>
-            </a:r>
-            <a:r>
-              <a:rPr lang="en-GB" dirty="0"/>
-              <a:t> </a:t>
-            </a:r>
-            <a:r>
-              <a:rPr lang="en-GB" dirty="0" err="1"/>
-              <a:t>programs_in_conda_env_bin</a:t>
-            </a:r>
-            <a:endParaRPr lang="en-GB" dirty="0"/>
-          </a:p>
-          <a:p>
-            <a:endParaRPr lang="en-GB" dirty="0"/>
-          </a:p>
-          <a:p>
-            <a:r>
-              <a:rPr lang="en-GB" dirty="0"/>
-              <a:t>Everything else is the same </a:t>
-            </a:r>
-            <a:r>
-              <a:rPr lang="en-GB" i="1" dirty="0" err="1"/>
-              <a:t>conda</a:t>
-            </a:r>
-            <a:r>
-              <a:rPr lang="en-GB" dirty="0"/>
-              <a:t> as </a:t>
-            </a:r>
-            <a:r>
-              <a:rPr lang="en-GB" dirty="0" err="1"/>
-              <a:t>marvin</a:t>
-            </a:r>
-            <a:endParaRPr lang="en-GB" dirty="0"/>
-          </a:p>
-          <a:p>
-            <a:endParaRPr lang="en-GB" dirty="0"/>
-          </a:p>
-        </p:txBody>
-      </p:sp>
-    </p:spTree>
-    <p:extLst>
-      <p:ext uri="{BB962C8B-B14F-4D97-AF65-F5344CB8AC3E}">
-        <p14:creationId xmlns:p14="http://schemas.microsoft.com/office/powerpoint/2010/main" val="4020225680"/>
-      </p:ext>
-    </p:extLst>
-  </p:cSld>
-  <p:clrMapOvr>
-    <a:masterClrMapping/>
-  </p:clrMapOvr>
-</p:sld>
-</file>
-
-<file path=ppt/slides/slide2.xml><?xml version="1.0" encoding="utf-8"?>
-<p:sld xmlns:a="http://schemas.openxmlformats.org/drawingml/2006/main" xmlns:r="http://schemas.openxmlformats.org/officeDocument/2006/relationships" xmlns:p="http://schemas.openxmlformats.org/presentationml/2006/main">
-  <p:cSld>
-    <p:spTree>
-      <p:nvGrpSpPr>
-        <p:cNvPr id="1" name=""/>
-        <p:cNvGrpSpPr/>
-        <p:nvPr/>
-      </p:nvGrpSpPr>
-      <p:grpSpPr>
-        <a:xfrm>
-          <a:off x="0" y="0"/>
-          <a:ext cx="0" cy="0"/>
-          <a:chOff x="0" y="0"/>
-          <a:chExt cx="0" cy="0"/>
-        </a:xfrm>
-      </p:grpSpPr>
-      <p:sp>
-        <p:nvSpPr>
-          <p:cNvPr id="2" name="Title 1">
-            <a:extLst>
-              <a:ext uri="{FF2B5EF4-FFF2-40B4-BE49-F238E27FC236}">
-                <a16:creationId xmlns:a16="http://schemas.microsoft.com/office/drawing/2014/main" id="{12735C8B-274C-46F2-950C-473AF239825E}"/>
-              </a:ext>
-            </a:extLst>
-          </p:cNvPr>
-          <p:cNvSpPr>
-            <a:spLocks noGrp="1"/>
-          </p:cNvSpPr>
-          <p:nvPr>
-            <p:ph type="title"/>
-          </p:nvPr>
-        </p:nvSpPr>
-        <p:spPr/>
-        <p:txBody>
-          <a:bodyPr/>
-          <a:lstStyle/>
-          <a:p>
-            <a:r>
-              <a:rPr lang="en-GB" dirty="0"/>
-              <a:t>This will get better ….</a:t>
-            </a:r>
-          </a:p>
-        </p:txBody>
-      </p:sp>
-      <p:sp>
-        <p:nvSpPr>
-          <p:cNvPr id="3" name="Content Placeholder 2">
-            <a:extLst>
-              <a:ext uri="{FF2B5EF4-FFF2-40B4-BE49-F238E27FC236}">
-                <a16:creationId xmlns:a16="http://schemas.microsoft.com/office/drawing/2014/main" id="{B4AC7A54-1656-4975-9F65-E85698328395}"/>
-              </a:ext>
-            </a:extLst>
-          </p:cNvPr>
-          <p:cNvSpPr>
-            <a:spLocks noGrp="1"/>
-          </p:cNvSpPr>
-          <p:nvPr>
-            <p:ph idx="1"/>
-          </p:nvPr>
-        </p:nvSpPr>
-        <p:spPr/>
-        <p:txBody>
-          <a:bodyPr/>
-          <a:lstStyle/>
-          <a:p>
-            <a:r>
-              <a:rPr lang="en-GB" dirty="0"/>
-              <a:t>This documentation is a messy work in progress</a:t>
-            </a:r>
-            <a:endParaRPr lang="en-GB" dirty="0">
-              <a:sym typeface="Wingdings" panose="05000000000000000000" pitchFamily="2" charset="2"/>
-            </a:endParaRPr>
-          </a:p>
-          <a:p>
-            <a:endParaRPr lang="en-GB" dirty="0">
-              <a:sym typeface="Wingdings" panose="05000000000000000000" pitchFamily="2" charset="2"/>
-            </a:endParaRPr>
-          </a:p>
-          <a:p>
-            <a:endParaRPr lang="en-GB" dirty="0"/>
-          </a:p>
-        </p:txBody>
-      </p:sp>
-    </p:spTree>
-    <p:extLst>
-      <p:ext uri="{BB962C8B-B14F-4D97-AF65-F5344CB8AC3E}">
-        <p14:creationId xmlns:p14="http://schemas.microsoft.com/office/powerpoint/2010/main" val="2563937449"/>
-      </p:ext>
-    </p:extLst>
-  </p:cSld>
-  <p:clrMapOvr>
-    <a:masterClrMapping/>
-  </p:clrMapOvr>
-</p:sld>
-</file>
-
-<file path=ppt/slides/slide20.xml><?xml version="1.0" encoding="utf-8"?>
-<p:sld xmlns:a="http://schemas.openxmlformats.org/drawingml/2006/main" xmlns:r="http://schemas.openxmlformats.org/officeDocument/2006/relationships" xmlns:p="http://schemas.openxmlformats.org/presentationml/2006/main">
-  <p:cSld>
-    <p:spTree>
-      <p:nvGrpSpPr>
-        <p:cNvPr id="1" name=""/>
-        <p:cNvGrpSpPr/>
-        <p:nvPr/>
-      </p:nvGrpSpPr>
-      <p:grpSpPr>
-        <a:xfrm>
-          <a:off x="0" y="0"/>
-          <a:ext cx="0" cy="0"/>
-          <a:chOff x="0" y="0"/>
-          <a:chExt cx="0" cy="0"/>
-        </a:xfrm>
-      </p:grpSpPr>
-      <p:sp>
-        <p:nvSpPr>
-          <p:cNvPr id="2" name="Title 1">
-            <a:extLst>
-              <a:ext uri="{FF2B5EF4-FFF2-40B4-BE49-F238E27FC236}">
                 <a16:creationId xmlns:a16="http://schemas.microsoft.com/office/drawing/2014/main" id="{7A3B3949-83D7-4B58-89BE-DC3A0D7DB43B}"/>
               </a:ext>
             </a:extLst>
@@ -5599,217 +5475,184 @@
       </p:sp>
       <p:sp>
         <p:nvSpPr>
-          <p:cNvPr id="3" name="Content Placeholder 2">
-            <a:extLst>
-              <a:ext uri="{FF2B5EF4-FFF2-40B4-BE49-F238E27FC236}">
-                <a16:creationId xmlns:a16="http://schemas.microsoft.com/office/drawing/2014/main" id="{A2DE1C41-172E-4FB9-ACDB-81F65F5D74CC}"/>
-              </a:ext>
-            </a:extLst>
-          </p:cNvPr>
-          <p:cNvSpPr>
-            <a:spLocks noGrp="1"/>
-          </p:cNvSpPr>
-          <p:nvPr>
-            <p:ph idx="1"/>
-          </p:nvPr>
+          <p:cNvPr id="4" name="Rectangle 3">
+            <a:extLst>
+              <a:ext uri="{FF2B5EF4-FFF2-40B4-BE49-F238E27FC236}">
+                <a16:creationId xmlns:a16="http://schemas.microsoft.com/office/drawing/2014/main" id="{0A06A79D-C4D2-4F30-B94A-65E7B044DA90}"/>
+              </a:ext>
+            </a:extLst>
+          </p:cNvPr>
+          <p:cNvSpPr/>
+          <p:nvPr/>
         </p:nvSpPr>
         <p:spPr>
           <a:xfrm>
-            <a:off x="371061" y="1408181"/>
-            <a:ext cx="11575774" cy="5084693"/>
+            <a:off x="297345" y="885200"/>
+            <a:ext cx="11597309" cy="5632311"/>
           </a:xfrm>
+          <a:prstGeom prst="rect">
+            <a:avLst/>
+          </a:prstGeom>
         </p:spPr>
         <p:txBody>
-          <a:bodyPr>
-            <a:normAutofit fontScale="92500" lnSpcReduction="10000"/>
+          <a:bodyPr wrap="square">
+            <a:spAutoFit/>
           </a:bodyPr>
           <a:lstStyle/>
           <a:p>
             <a:r>
-              <a:rPr lang="en-GB" sz="800" dirty="0"/>
+              <a:rPr lang="en-GB" dirty="0"/>
               <a:t>3. Windows SSHFS equivalent</a:t>
             </a:r>
           </a:p>
           <a:p>
-            <a:endParaRPr lang="en-GB" sz="800" dirty="0"/>
-          </a:p>
-          <a:p>
-            <a:r>
-              <a:rPr lang="en-GB" sz="800" dirty="0" err="1"/>
+            <a:r>
+              <a:rPr lang="en-GB" dirty="0" err="1"/>
               <a:t>sshfs</a:t>
             </a:r>
             <a:r>
-              <a:rPr lang="en-GB" sz="800" dirty="0"/>
-              <a:t>-win: https://github.com/billziss-gh/sshfs-win </a:t>
-            </a:r>
-          </a:p>
-          <a:p>
-            <a:endParaRPr lang="en-GB" sz="800" dirty="0"/>
-          </a:p>
-          <a:p>
-            <a:r>
-              <a:rPr lang="en-GB" sz="800" dirty="0"/>
+              <a:rPr lang="en-GB" dirty="0"/>
+              <a:t>-win: </a:t>
+            </a:r>
+            <a:r>
+              <a:rPr lang="en-GB" dirty="0">
+                <a:solidFill>
+                  <a:srgbClr val="0070C0"/>
+                </a:solidFill>
+              </a:rPr>
+              <a:t>https://github.com/billziss-gh/sshfs-win </a:t>
+            </a:r>
+          </a:p>
+          <a:p>
+            <a:endParaRPr lang="en-GB" dirty="0"/>
+          </a:p>
+          <a:p>
+            <a:r>
+              <a:rPr lang="en-GB" dirty="0"/>
               <a:t>Requires </a:t>
             </a:r>
             <a:r>
-              <a:rPr lang="en-GB" sz="800" dirty="0" err="1"/>
+              <a:rPr lang="en-GB" dirty="0" err="1"/>
               <a:t>WinFsp</a:t>
             </a:r>
             <a:r>
-              <a:rPr lang="en-GB" sz="800" dirty="0"/>
+              <a:rPr lang="en-GB" dirty="0"/>
               <a:t> (https://github.com/billziss-gh/winfsp/releases/latest) to be installed with Cygwin FUSE support ticked in the installer.</a:t>
             </a:r>
           </a:p>
           <a:p>
-            <a:endParaRPr lang="en-GB" sz="800" dirty="0"/>
-          </a:p>
-          <a:p>
-            <a:r>
-              <a:rPr lang="en-GB" sz="800" dirty="0"/>
+            <a:r>
+              <a:rPr lang="en-GB" dirty="0"/>
               <a:t>For </a:t>
             </a:r>
             <a:r>
-              <a:rPr lang="en-GB" sz="800" dirty="0" err="1"/>
+              <a:rPr lang="en-GB" dirty="0" err="1"/>
               <a:t>passwordless</a:t>
             </a:r>
             <a:r>
-              <a:rPr lang="en-GB" sz="800" dirty="0"/>
+              <a:rPr lang="en-GB" dirty="0"/>
               <a:t> SSH to work, you must use a RSA key.</a:t>
             </a:r>
           </a:p>
           <a:p>
-            <a:endParaRPr lang="en-GB" sz="800" dirty="0"/>
-          </a:p>
-          <a:p>
-            <a:r>
-              <a:rPr lang="en-GB" sz="800" dirty="0"/>
+            <a:endParaRPr lang="en-GB" dirty="0"/>
+          </a:p>
+          <a:p>
+            <a:r>
+              <a:rPr lang="en-GB" dirty="0"/>
               <a:t>Copy your private SSH RSA key (e.g. </a:t>
             </a:r>
             <a:r>
-              <a:rPr lang="en-GB" sz="800" dirty="0" err="1"/>
+              <a:rPr lang="en-GB" dirty="0" err="1"/>
               <a:t>id_rsa</a:t>
             </a:r>
             <a:r>
-              <a:rPr lang="en-GB" sz="800" dirty="0"/>
+              <a:rPr lang="en-GB" dirty="0"/>
               <a:t>) to %USERPROFILE%\.</a:t>
             </a:r>
             <a:r>
-              <a:rPr lang="en-GB" sz="800" dirty="0" err="1"/>
+              <a:rPr lang="en-GB" dirty="0" err="1"/>
               <a:t>ssh</a:t>
             </a:r>
             <a:r>
-              <a:rPr lang="en-GB" sz="800" dirty="0"/>
+              <a:rPr lang="en-GB" dirty="0"/>
               <a:t>\</a:t>
             </a:r>
             <a:r>
-              <a:rPr lang="en-GB" sz="800" dirty="0" err="1"/>
+              <a:rPr lang="en-GB" dirty="0" err="1"/>
               <a:t>id_rsa</a:t>
             </a:r>
             <a:r>
-              <a:rPr lang="en-GB" sz="800" dirty="0"/>
+              <a:rPr lang="en-GB" dirty="0"/>
               <a:t> on your Windows desktop.</a:t>
             </a:r>
           </a:p>
           <a:p>
-            <a:endParaRPr lang="en-GB" sz="800" dirty="0"/>
-          </a:p>
-          <a:p>
-            <a:r>
-              <a:rPr lang="en-GB" sz="800" dirty="0"/>
-              <a:t>C:\Users\pjt6\.ssh&gt;cp </a:t>
-            </a:r>
-            <a:r>
-              <a:rPr lang="en-GB" sz="800" dirty="0" err="1"/>
+            <a:endParaRPr lang="en-GB" dirty="0"/>
+          </a:p>
+          <a:p>
+            <a:r>
+              <a:rPr lang="en-GB" dirty="0"/>
+              <a:t>C:\Users\pjt6\.ssh&gt;copy </a:t>
+            </a:r>
+            <a:r>
+              <a:rPr lang="en-GB" dirty="0" err="1"/>
               <a:t>putty_priv.ppk</a:t>
             </a:r>
             <a:r>
-              <a:rPr lang="en-GB" sz="800" dirty="0"/>
+              <a:rPr lang="en-GB" dirty="0"/>
               <a:t> %USERPROFILE%\.</a:t>
             </a:r>
             <a:r>
-              <a:rPr lang="en-GB" sz="800" dirty="0" err="1"/>
+              <a:rPr lang="en-GB" dirty="0" err="1"/>
               <a:t>ssh.id_rsa</a:t>
             </a:r>
-            <a:endParaRPr lang="en-GB" sz="800" dirty="0"/>
-          </a:p>
-          <a:p>
-            <a:r>
-              <a:rPr lang="en-GB" sz="800" dirty="0"/>
-              <a:t>'cp' is not recognized as an internal or external command,</a:t>
-            </a:r>
-          </a:p>
-          <a:p>
-            <a:r>
-              <a:rPr lang="en-GB" sz="800" dirty="0"/>
-              <a:t>operable program or batch file.</a:t>
-            </a:r>
-          </a:p>
-          <a:p>
-            <a:endParaRPr lang="en-GB" sz="800" dirty="0"/>
-          </a:p>
-          <a:p>
-            <a:r>
-              <a:rPr lang="en-GB" sz="800" dirty="0"/>
-              <a:t>C:\Users\pjt6\.ssh&gt;copy </a:t>
-            </a:r>
-            <a:r>
-              <a:rPr lang="en-GB" sz="800" dirty="0" err="1"/>
-              <a:t>putty_priv.ppk</a:t>
-            </a:r>
-            <a:r>
-              <a:rPr lang="en-GB" sz="800" dirty="0"/>
-              <a:t> %USERPROFILE%\.</a:t>
-            </a:r>
-            <a:r>
-              <a:rPr lang="en-GB" sz="800" dirty="0" err="1"/>
-              <a:t>ssh.id_rsa</a:t>
-            </a:r>
-            <a:endParaRPr lang="en-GB" sz="800" dirty="0"/>
-          </a:p>
-          <a:p>
-            <a:r>
-              <a:rPr lang="en-GB" sz="800" dirty="0"/>
+            <a:endParaRPr lang="en-GB" dirty="0"/>
+          </a:p>
+          <a:p>
+            <a:r>
+              <a:rPr lang="en-GB" dirty="0"/>
               <a:t>        1 file(s) copied.</a:t>
             </a:r>
           </a:p>
           <a:p>
-            <a:endParaRPr lang="en-GB" sz="800" dirty="0"/>
-          </a:p>
-          <a:p>
-            <a:r>
-              <a:rPr lang="en-GB" sz="800" dirty="0"/>
+            <a:endParaRPr lang="en-GB" dirty="0"/>
+          </a:p>
+          <a:p>
+            <a:r>
+              <a:rPr lang="en-GB" dirty="0"/>
               <a:t>Now open Windows Explorer and go to “This PC”.</a:t>
             </a:r>
           </a:p>
           <a:p>
-            <a:endParaRPr lang="en-GB" sz="800" dirty="0"/>
-          </a:p>
-          <a:p>
-            <a:r>
-              <a:rPr lang="en-GB" sz="800" dirty="0"/>
+            <a:endParaRPr lang="en-GB" dirty="0"/>
+          </a:p>
+          <a:p>
+            <a:r>
+              <a:rPr lang="en-GB" dirty="0"/>
               <a:t>From the ribbon click “Map Network Drive”.</a:t>
             </a:r>
           </a:p>
           <a:p>
-            <a:endParaRPr lang="en-GB" sz="800" dirty="0"/>
-          </a:p>
-          <a:p>
-            <a:r>
-              <a:rPr lang="en-GB" sz="800" dirty="0"/>
+            <a:endParaRPr lang="en-GB" dirty="0"/>
+          </a:p>
+          <a:p>
+            <a:r>
+              <a:rPr lang="en-GB" dirty="0"/>
               <a:t>Enter:</a:t>
             </a:r>
           </a:p>
           <a:p>
-            <a:endParaRPr lang="en-GB" sz="800" dirty="0"/>
-          </a:p>
-          <a:p>
-            <a:r>
-              <a:rPr lang="en-GB" sz="800" dirty="0"/>
+            <a:endParaRPr lang="en-GB" dirty="0"/>
+          </a:p>
+          <a:p>
+            <a:r>
+              <a:rPr lang="en-GB" dirty="0"/>
               <a:t>\\sshfs.k\you@kennedy10</a:t>
             </a:r>
           </a:p>
           <a:p>
-            <a:endParaRPr lang="en-GB" sz="800" dirty="0"/>
+            <a:endParaRPr lang="en-GB" dirty="0"/>
           </a:p>
         </p:txBody>
       </p:sp>
@@ -5826,7 +5669,7 @@
 </p:sld>
 </file>
 
-<file path=ppt/slides/slide21.xml><?xml version="1.0" encoding="utf-8"?>
+<file path=ppt/slides/slide19.xml><?xml version="1.0" encoding="utf-8"?>
 <p:sld xmlns:a="http://schemas.openxmlformats.org/drawingml/2006/main" xmlns:r="http://schemas.openxmlformats.org/officeDocument/2006/relationships" xmlns:p="http://schemas.openxmlformats.org/presentationml/2006/main">
   <p:cSld>
     <p:spTree>
@@ -6190,7 +6033,7 @@
 </p:sld>
 </file>
 
-<file path=ppt/slides/slide22.xml><?xml version="1.0" encoding="utf-8"?>
+<file path=ppt/slides/slide2.xml><?xml version="1.0" encoding="utf-8"?>
 <p:sld xmlns:a="http://schemas.openxmlformats.org/drawingml/2006/main" xmlns:r="http://schemas.openxmlformats.org/officeDocument/2006/relationships" xmlns:p="http://schemas.openxmlformats.org/presentationml/2006/main">
   <p:cSld>
     <p:spTree>
@@ -6212,7 +6055,7 @@
           <p:cNvPr id="2" name="Title 1">
             <a:extLst>
               <a:ext uri="{FF2B5EF4-FFF2-40B4-BE49-F238E27FC236}">
-                <a16:creationId xmlns:a16="http://schemas.microsoft.com/office/drawing/2014/main" id="{7A3B3949-83D7-4B58-89BE-DC3A0D7DB43B}"/>
+                <a16:creationId xmlns:a16="http://schemas.microsoft.com/office/drawing/2014/main" id="{12735C8B-274C-46F2-950C-473AF239825E}"/>
               </a:ext>
             </a:extLst>
           </p:cNvPr>
@@ -6229,8 +6072,8 @@
           <a:lstStyle/>
           <a:p>
             <a:r>
-              <a:rPr lang="en-GB" b="1" dirty="0"/>
-              <a:t>Samba like connection</a:t>
+              <a:rPr lang="en-GB" dirty="0"/>
+              <a:t>This will get better ….</a:t>
             </a:r>
           </a:p>
         </p:txBody>
@@ -6240,7 +6083,7 @@
           <p:cNvPr id="3" name="Content Placeholder 2">
             <a:extLst>
               <a:ext uri="{FF2B5EF4-FFF2-40B4-BE49-F238E27FC236}">
-                <a16:creationId xmlns:a16="http://schemas.microsoft.com/office/drawing/2014/main" id="{A2DE1C41-172E-4FB9-ACDB-81F65F5D74CC}"/>
+                <a16:creationId xmlns:a16="http://schemas.microsoft.com/office/drawing/2014/main" id="{B4AC7A54-1656-4975-9F65-E85698328395}"/>
               </a:ext>
             </a:extLst>
           </p:cNvPr>
@@ -6258,21 +6101,26 @@
           <a:p>
             <a:r>
               <a:rPr lang="en-GB" dirty="0"/>
-              <a:t>Same as previous page but ….Mount the scratch, you still have to navigate to it, like so:</a:t>
-            </a:r>
-          </a:p>
-          <a:p>
-            <a:r>
-              <a:rPr lang="en-GB" dirty="0"/>
-              <a:t>\\sshfs.k\USERNAME@kennedy10/../../scratch/bioinf/USERNAME</a:t>
-            </a:r>
+              <a:t>This documentation is a messy work in progress</a:t>
+            </a:r>
+            <a:endParaRPr lang="en-GB" dirty="0">
+              <a:sym typeface="Wingdings" panose="05000000000000000000" pitchFamily="2" charset="2"/>
+            </a:endParaRPr>
+          </a:p>
+          <a:p>
+            <a:endParaRPr lang="en-GB" dirty="0">
+              <a:sym typeface="Wingdings" panose="05000000000000000000" pitchFamily="2" charset="2"/>
+            </a:endParaRPr>
+          </a:p>
+          <a:p>
+            <a:endParaRPr lang="en-GB" dirty="0"/>
           </a:p>
         </p:txBody>
       </p:sp>
     </p:spTree>
     <p:extLst>
       <p:ext uri="{BB962C8B-B14F-4D97-AF65-F5344CB8AC3E}">
-        <p14:creationId xmlns:p14="http://schemas.microsoft.com/office/powerpoint/2010/main" val="3084461843"/>
+        <p14:creationId xmlns:p14="http://schemas.microsoft.com/office/powerpoint/2010/main" val="2563937449"/>
       </p:ext>
     </p:extLst>
   </p:cSld>
@@ -6282,7 +6130,7 @@
 </p:sld>
 </file>
 
-<file path=ppt/slides/slide23.xml><?xml version="1.0" encoding="utf-8"?>
+<file path=ppt/slides/slide20.xml><?xml version="1.0" encoding="utf-8"?>
 <p:sld xmlns:a="http://schemas.openxmlformats.org/drawingml/2006/main" xmlns:r="http://schemas.openxmlformats.org/officeDocument/2006/relationships" xmlns:p="http://schemas.openxmlformats.org/presentationml/2006/main">
   <p:cSld>
     <p:spTree>
@@ -6304,6 +6152,98 @@
           <p:cNvPr id="2" name="Title 1">
             <a:extLst>
               <a:ext uri="{FF2B5EF4-FFF2-40B4-BE49-F238E27FC236}">
+                <a16:creationId xmlns:a16="http://schemas.microsoft.com/office/drawing/2014/main" id="{7A3B3949-83D7-4B58-89BE-DC3A0D7DB43B}"/>
+              </a:ext>
+            </a:extLst>
+          </p:cNvPr>
+          <p:cNvSpPr>
+            <a:spLocks noGrp="1"/>
+          </p:cNvSpPr>
+          <p:nvPr>
+            <p:ph type="title"/>
+          </p:nvPr>
+        </p:nvSpPr>
+        <p:spPr/>
+        <p:txBody>
+          <a:bodyPr/>
+          <a:lstStyle/>
+          <a:p>
+            <a:r>
+              <a:rPr lang="en-GB" b="1" dirty="0"/>
+              <a:t>Samba like connection</a:t>
+            </a:r>
+          </a:p>
+        </p:txBody>
+      </p:sp>
+      <p:sp>
+        <p:nvSpPr>
+          <p:cNvPr id="3" name="Content Placeholder 2">
+            <a:extLst>
+              <a:ext uri="{FF2B5EF4-FFF2-40B4-BE49-F238E27FC236}">
+                <a16:creationId xmlns:a16="http://schemas.microsoft.com/office/drawing/2014/main" id="{A2DE1C41-172E-4FB9-ACDB-81F65F5D74CC}"/>
+              </a:ext>
+            </a:extLst>
+          </p:cNvPr>
+          <p:cNvSpPr>
+            <a:spLocks noGrp="1"/>
+          </p:cNvSpPr>
+          <p:nvPr>
+            <p:ph idx="1"/>
+          </p:nvPr>
+        </p:nvSpPr>
+        <p:spPr/>
+        <p:txBody>
+          <a:bodyPr/>
+          <a:lstStyle/>
+          <a:p>
+            <a:r>
+              <a:rPr lang="en-GB" dirty="0"/>
+              <a:t>Same as previous page but ….Mount the scratch, you still have to navigate to it, like so:</a:t>
+            </a:r>
+          </a:p>
+          <a:p>
+            <a:r>
+              <a:rPr lang="en-GB" dirty="0"/>
+              <a:t>\\sshfs.k\USERNAME@kennedy10/../../scratch/bioinf/USERNAME</a:t>
+            </a:r>
+          </a:p>
+        </p:txBody>
+      </p:sp>
+    </p:spTree>
+    <p:extLst>
+      <p:ext uri="{BB962C8B-B14F-4D97-AF65-F5344CB8AC3E}">
+        <p14:creationId xmlns:p14="http://schemas.microsoft.com/office/powerpoint/2010/main" val="3084461843"/>
+      </p:ext>
+    </p:extLst>
+  </p:cSld>
+  <p:clrMapOvr>
+    <a:masterClrMapping/>
+  </p:clrMapOvr>
+</p:sld>
+</file>
+
+<file path=ppt/slides/slide21.xml><?xml version="1.0" encoding="utf-8"?>
+<p:sld xmlns:a="http://schemas.openxmlformats.org/drawingml/2006/main" xmlns:r="http://schemas.openxmlformats.org/officeDocument/2006/relationships" xmlns:p="http://schemas.openxmlformats.org/presentationml/2006/main">
+  <p:cSld>
+    <p:spTree>
+      <p:nvGrpSpPr>
+        <p:cNvPr id="1" name=""/>
+        <p:cNvGrpSpPr/>
+        <p:nvPr/>
+      </p:nvGrpSpPr>
+      <p:grpSpPr>
+        <a:xfrm>
+          <a:off x="0" y="0"/>
+          <a:ext cx="0" cy="0"/>
+          <a:chOff x="0" y="0"/>
+          <a:chExt cx="0" cy="0"/>
+        </a:xfrm>
+      </p:grpSpPr>
+      <p:sp>
+        <p:nvSpPr>
+          <p:cNvPr id="2" name="Title 1">
+            <a:extLst>
+              <a:ext uri="{FF2B5EF4-FFF2-40B4-BE49-F238E27FC236}">
                 <a16:creationId xmlns:a16="http://schemas.microsoft.com/office/drawing/2014/main" id="{B76C8BBA-4E26-4720-B44A-C25097B14832}"/>
               </a:ext>
             </a:extLst>
@@ -6397,7 +6337,7 @@
 </p:sld>
 </file>
 
-<file path=ppt/slides/slide24.xml><?xml version="1.0" encoding="utf-8"?>
+<file path=ppt/slides/slide22.xml><?xml version="1.0" encoding="utf-8"?>
 <p:sld xmlns:a="http://schemas.openxmlformats.org/drawingml/2006/main" xmlns:r="http://schemas.openxmlformats.org/officeDocument/2006/relationships" xmlns:p="http://schemas.openxmlformats.org/presentationml/2006/main">
   <p:cSld>
     <p:spTree>
@@ -6777,9 +6717,16 @@
             <p:ph idx="1"/>
           </p:nvPr>
         </p:nvSpPr>
-        <p:spPr/>
-        <p:txBody>
-          <a:bodyPr/>
+        <p:spPr>
+          <a:xfrm>
+            <a:off x="400050" y="1381125"/>
+            <a:ext cx="10953750" cy="4795838"/>
+          </a:xfrm>
+        </p:spPr>
+        <p:txBody>
+          <a:bodyPr>
+            <a:normAutofit fontScale="85000" lnSpcReduction="20000"/>
+          </a:bodyPr>
           <a:lstStyle/>
           <a:p>
             <a:r>
@@ -6802,6 +6749,37 @@
               <a:rPr lang="en-GB" dirty="0"/>
               <a:t>/id_rsa.pub. </a:t>
             </a:r>
+          </a:p>
+          <a:p>
+            <a:r>
+              <a:rPr lang="en-GB" dirty="0"/>
+              <a:t>On a Mac choose the format RSA, start a terminal and use the command "</a:t>
+            </a:r>
+            <a:r>
+              <a:rPr lang="en-GB" dirty="0" err="1"/>
+              <a:t>ssh</a:t>
+            </a:r>
+            <a:r>
+              <a:rPr lang="en-GB" dirty="0"/>
+              <a:t>-keygen". </a:t>
+            </a:r>
+          </a:p>
+          <a:p>
+            <a:r>
+              <a:rPr lang="en-GB" dirty="0"/>
+              <a:t>Ignore the question about a passphrase (if you do choose one, you will need the passphrase and a password, which is of course more secure). Then email me the file ~/.</a:t>
+            </a:r>
+            <a:r>
+              <a:rPr lang="en-GB" dirty="0" err="1"/>
+              <a:t>ssh</a:t>
+            </a:r>
+            <a:r>
+              <a:rPr lang="en-GB" dirty="0"/>
+              <a:t>/id_rsa.pub.</a:t>
+            </a:r>
+          </a:p>
+          <a:p>
+            <a:endParaRPr lang="en-GB" dirty="0"/>
           </a:p>
           <a:p>
             <a:r>
@@ -6832,8 +6810,11 @@
             </a:r>
             <a:r>
               <a:rPr lang="en-GB" dirty="0"/>
-              <a:t>/id_rsa.pub</a:t>
-            </a:r>
+              <a:t>/id_rsa.pub ~  </a:t>
+            </a:r>
+          </a:p>
+          <a:p>
+            <a:endParaRPr lang="en-GB" dirty="0"/>
           </a:p>
           <a:p>
             <a:endParaRPr lang="en-GB" dirty="0"/>
@@ -6927,7 +6908,7 @@
         </p:spPr>
         <p:txBody>
           <a:bodyPr>
-            <a:normAutofit fontScale="92500" lnSpcReduction="20000"/>
+            <a:normAutofit fontScale="85000" lnSpcReduction="20000"/>
           </a:bodyPr>
           <a:lstStyle/>
           <a:p>
@@ -6939,7 +6920,7 @@
           <a:p>
             <a:r>
               <a:rPr lang="en-GB" dirty="0"/>
-              <a:t>Click on generate and wiggle the mouse. </a:t>
+              <a:t>Click on generate and wiggle the mouse (as it will instruct you to do). </a:t>
             </a:r>
           </a:p>
           <a:p>
@@ -6947,6 +6928,55 @@
               <a:rPr lang="en-GB" dirty="0"/>
               <a:t>Save private key to : C:\Users\username\.ssh\putty_priv.ppk</a:t>
             </a:r>
+          </a:p>
+          <a:p>
+            <a:r>
+              <a:rPr lang="en-GB" b="1" dirty="0"/>
+              <a:t>For those of you who use Windows and create a key with </a:t>
+            </a:r>
+            <a:r>
+              <a:rPr lang="en-GB" b="1" dirty="0" err="1"/>
+              <a:t>PuTTYgen</a:t>
+            </a:r>
+            <a:r>
+              <a:rPr lang="en-GB" b="1" dirty="0"/>
+              <a:t>: What you need to send is not the public key saved from </a:t>
+            </a:r>
+            <a:r>
+              <a:rPr lang="en-GB" b="1" dirty="0" err="1"/>
+              <a:t>PuTTYgen</a:t>
+            </a:r>
+            <a:r>
+              <a:rPr lang="en-GB" b="1" dirty="0"/>
+              <a:t>, but the string in the upper grey part of the </a:t>
+            </a:r>
+            <a:r>
+              <a:rPr lang="en-GB" b="1" dirty="0" err="1"/>
+              <a:t>PuTTYgen</a:t>
+            </a:r>
+            <a:r>
+              <a:rPr lang="en-GB" b="1" dirty="0"/>
+              <a:t> window that says </a:t>
+            </a:r>
+            <a:r>
+              <a:rPr lang="en-GB" b="1" u="sng" dirty="0"/>
+              <a:t>"Public key for pasting into OpenSSH </a:t>
+            </a:r>
+            <a:r>
+              <a:rPr lang="en-GB" b="1" u="sng" dirty="0" err="1"/>
+              <a:t>authorized_keys</a:t>
+            </a:r>
+            <a:r>
+              <a:rPr lang="en-GB" b="1" u="sng" dirty="0"/>
+              <a:t> file". </a:t>
+            </a:r>
+            <a:r>
+              <a:rPr lang="en-GB" b="1" dirty="0"/>
+              <a:t>Copy and paste this into a text file or just into the email.</a:t>
+            </a:r>
+          </a:p>
+          <a:p>
+            <a:endParaRPr lang="en-GB" dirty="0"/>
           </a:p>
           <a:p>
             <a:r>
@@ -6959,45 +6989,15 @@
             </a:r>
             <a:r>
               <a:rPr lang="en-GB" dirty="0"/>
-              <a:t> key to the sys admins. (this is used for authentication).  (do not ever share you private key)</a:t>
-            </a:r>
-          </a:p>
-          <a:p>
-            <a:r>
-              <a:rPr lang="en-GB" b="1" dirty="0"/>
-              <a:t>For those of you who use Windows and create a key with </a:t>
-            </a:r>
-            <a:r>
-              <a:rPr lang="en-GB" b="1" dirty="0" err="1"/>
-              <a:t>PuTTYgen</a:t>
-            </a:r>
-            <a:r>
-              <a:rPr lang="en-GB" b="1" dirty="0"/>
-              <a:t>: What you need to send is not the public key saved from </a:t>
-            </a:r>
-            <a:r>
-              <a:rPr lang="en-GB" b="1" dirty="0" err="1"/>
-              <a:t>PuTTYgen</a:t>
-            </a:r>
-            <a:r>
-              <a:rPr lang="en-GB" b="1" dirty="0"/>
-              <a:t>, but the string in the upper grey part of the </a:t>
-            </a:r>
-            <a:r>
-              <a:rPr lang="en-GB" b="1" dirty="0" err="1"/>
-              <a:t>PuTTYgen</a:t>
-            </a:r>
-            <a:r>
-              <a:rPr lang="en-GB" b="1" dirty="0"/>
-              <a:t> window that says "Public key for pasting into OpenSSH </a:t>
-            </a:r>
-            <a:r>
-              <a:rPr lang="en-GB" b="1" dirty="0" err="1"/>
-              <a:t>authorized_keys</a:t>
-            </a:r>
-            <a:r>
-              <a:rPr lang="en-GB" b="1" dirty="0"/>
-              <a:t> file". Copy and paste this into a text file or just into the email.</a:t>
+              <a:t> key string detailed above to the sys admins. (this is used for authentication).  (</a:t>
+            </a:r>
+            <a:r>
+              <a:rPr lang="en-GB" u="sng" dirty="0"/>
+              <a:t>do not ever share you private key</a:t>
+            </a:r>
+            <a:r>
+              <a:rPr lang="en-GB" dirty="0"/>
+              <a:t>)</a:t>
             </a:r>
           </a:p>
           <a:p>
@@ -7483,43 +7483,6 @@
           </a:p>
         </p:txBody>
       </p:sp>
-      <p:pic>
-        <p:nvPicPr>
-          <p:cNvPr id="4" name="Content Placeholder 3">
-            <a:extLst>
-              <a:ext uri="{FF2B5EF4-FFF2-40B4-BE49-F238E27FC236}">
-                <a16:creationId xmlns:a16="http://schemas.microsoft.com/office/drawing/2014/main" id="{D2035489-3326-432E-8010-A11E7FD04883}"/>
-              </a:ext>
-            </a:extLst>
-          </p:cNvPr>
-          <p:cNvPicPr>
-            <a:picLocks noGrp="1" noChangeAspect="1"/>
-          </p:cNvPicPr>
-          <p:nvPr>
-            <p:ph idx="1"/>
-          </p:nvPr>
-        </p:nvPicPr>
-        <p:blipFill rotWithShape="1">
-          <a:blip r:embed="rId2" cstate="email">
-            <a:extLst>
-              <a:ext uri="{28A0092B-C50C-407E-A947-70E740481C1C}">
-                <a14:useLocalDpi xmlns:a14="http://schemas.microsoft.com/office/drawing/2010/main" val="0"/>
-              </a:ext>
-            </a:extLst>
-          </a:blip>
-          <a:srcRect/>
-          <a:stretch/>
-        </p:blipFill>
-        <p:spPr>
-          <a:xfrm>
-            <a:off x="498805" y="4576815"/>
-            <a:ext cx="8797450" cy="2281185"/>
-          </a:xfrm>
-          <a:prstGeom prst="rect">
-            <a:avLst/>
-          </a:prstGeom>
-        </p:spPr>
-      </p:pic>
       <p:sp>
         <p:nvSpPr>
           <p:cNvPr id="5" name="TextBox 4">
@@ -7535,7 +7498,7 @@
         <p:spPr>
           <a:xfrm>
             <a:off x="288408" y="1104530"/>
-            <a:ext cx="11578913" cy="3477875"/>
+            <a:ext cx="11578913" cy="4031873"/>
           </a:xfrm>
           <a:prstGeom prst="rect">
             <a:avLst/>
@@ -7620,6 +7583,27 @@
           </a:p>
           <a:p>
             <a:r>
+              <a:rPr lang="en-GB" dirty="0"/>
+              <a:t>You need to tell </a:t>
+            </a:r>
+            <a:r>
+              <a:rPr lang="en-GB" dirty="0" err="1"/>
+              <a:t>Mobaxterm</a:t>
+            </a:r>
+            <a:r>
+              <a:rPr lang="en-GB" dirty="0"/>
+              <a:t> where to look for the public key. You don’t with putty. </a:t>
+            </a:r>
+          </a:p>
+          <a:p>
+            <a:endParaRPr lang="en-GB" dirty="0"/>
+          </a:p>
+          <a:p>
+            <a:r>
+              <a:rPr lang="en-GB" dirty="0"/>
+              <a:t>   </a:t>
+            </a:r>
+            <a:r>
               <a:rPr lang="en-GB" dirty="0" err="1"/>
               <a:t>ssh</a:t>
             </a:r>
@@ -7633,40 +7617,30 @@
             </a:r>
             <a:r>
               <a:rPr lang="en-GB" dirty="0"/>
-              <a:t> </a:t>
+              <a:t>  /drives/c/Users/USERNAME/.</a:t>
             </a:r>
             <a:r>
               <a:rPr lang="en-GB" dirty="0" err="1"/>
-              <a:t>path_to_key</a:t>
-            </a:r>
-            <a:r>
-              <a:rPr lang="en-GB" dirty="0"/>
-              <a:t>  </a:t>
-            </a:r>
-            <a:r>
-              <a:rPr lang="en-GB" dirty="0">
-                <a:hlinkClick r:id="rId3"/>
-              </a:rPr>
-              <a:t>username@kennedy.st-andrews.ac.uk</a:t>
-            </a:r>
+              <a:t>ssh</a:t>
+            </a:r>
+            <a:r>
+              <a:rPr lang="en-GB" dirty="0"/>
+              <a:t>/</a:t>
+            </a:r>
+            <a:r>
+              <a:rPr lang="en-GB" dirty="0" err="1"/>
+              <a:t>putty_priv.ppk</a:t>
+            </a:r>
+            <a:r>
+              <a:rPr lang="en-GB" dirty="0"/>
+              <a:t>  USERNAME@kennedy.st-andrews.ac.uk</a:t>
+            </a:r>
+          </a:p>
+          <a:p>
             <a:endParaRPr lang="en-GB" dirty="0"/>
           </a:p>
           <a:p>
             <a:endParaRPr lang="en-GB" dirty="0"/>
-          </a:p>
-          <a:p>
-            <a:r>
-              <a:rPr lang="en-GB" dirty="0"/>
-              <a:t>On windows, </a:t>
-            </a:r>
-            <a:r>
-              <a:rPr lang="en-GB" dirty="0" err="1"/>
-              <a:t>mobaxterm</a:t>
-            </a:r>
-            <a:r>
-              <a:rPr lang="en-GB" dirty="0"/>
-              <a:t> required: /drives/c/ ….</a:t>
-            </a:r>
           </a:p>
           <a:p>
             <a:endParaRPr lang="en-GB" dirty="0"/>
